--- a/JR2/L3/picture_memo.pptx
+++ b/JR2/L3/picture_memo.pptx
@@ -6,6 +6,8 @@
   </p:sldMasterIdLst>
   <p:sldIdLst>
     <p:sldId id="256" r:id="rId2"/>
+    <p:sldId id="257" r:id="rId3"/>
+    <p:sldId id="258" r:id="rId4"/>
   </p:sldIdLst>
   <p:sldSz cx="12192000" cy="6858000"/>
   <p:notesSz cx="6858000" cy="9144000"/>
@@ -104,6 +106,11 @@
       </a:defRPr>
     </a:lvl9pPr>
   </p:defaultTextStyle>
+  <p:extLst>
+    <p:ext uri="{EFAFB233-063F-42B5-8137-9DF3F51BA10A}">
+      <p15:sldGuideLst xmlns:p15="http://schemas.microsoft.com/office/powerpoint/2012/main"/>
+    </p:ext>
+  </p:extLst>
 </p:presentation>
 </file>
 
@@ -266,7 +273,7 @@
           <a:p>
             <a:fld id="{8892EB94-A1E7-4205-B8A2-1715F998A3BF}" type="datetimeFigureOut">
               <a:rPr kumimoji="1" lang="ja-JP" altLang="en-US" smtClean="0"/>
-              <a:t>2019/7/4</a:t>
+              <a:t>2019/7/7</a:t>
             </a:fld>
             <a:endParaRPr kumimoji="1" lang="ja-JP" altLang="en-US"/>
           </a:p>
@@ -496,7 +503,7 @@
           <a:p>
             <a:fld id="{8892EB94-A1E7-4205-B8A2-1715F998A3BF}" type="datetimeFigureOut">
               <a:rPr kumimoji="1" lang="ja-JP" altLang="en-US" smtClean="0"/>
-              <a:t>2019/7/4</a:t>
+              <a:t>2019/7/7</a:t>
             </a:fld>
             <a:endParaRPr kumimoji="1" lang="ja-JP" altLang="en-US"/>
           </a:p>
@@ -736,7 +743,7 @@
           <a:p>
             <a:fld id="{8892EB94-A1E7-4205-B8A2-1715F998A3BF}" type="datetimeFigureOut">
               <a:rPr kumimoji="1" lang="ja-JP" altLang="en-US" smtClean="0"/>
-              <a:t>2019/7/4</a:t>
+              <a:t>2019/7/7</a:t>
             </a:fld>
             <a:endParaRPr kumimoji="1" lang="ja-JP" altLang="en-US"/>
           </a:p>
@@ -966,7 +973,7 @@
           <a:p>
             <a:fld id="{8892EB94-A1E7-4205-B8A2-1715F998A3BF}" type="datetimeFigureOut">
               <a:rPr kumimoji="1" lang="ja-JP" altLang="en-US" smtClean="0"/>
-              <a:t>2019/7/4</a:t>
+              <a:t>2019/7/7</a:t>
             </a:fld>
             <a:endParaRPr kumimoji="1" lang="ja-JP" altLang="en-US"/>
           </a:p>
@@ -1241,7 +1248,7 @@
           <a:p>
             <a:fld id="{8892EB94-A1E7-4205-B8A2-1715F998A3BF}" type="datetimeFigureOut">
               <a:rPr kumimoji="1" lang="ja-JP" altLang="en-US" smtClean="0"/>
-              <a:t>2019/7/4</a:t>
+              <a:t>2019/7/7</a:t>
             </a:fld>
             <a:endParaRPr kumimoji="1" lang="ja-JP" altLang="en-US"/>
           </a:p>
@@ -1570,7 +1577,7 @@
           <a:p>
             <a:fld id="{8892EB94-A1E7-4205-B8A2-1715F998A3BF}" type="datetimeFigureOut">
               <a:rPr kumimoji="1" lang="ja-JP" altLang="en-US" smtClean="0"/>
-              <a:t>2019/7/4</a:t>
+              <a:t>2019/7/7</a:t>
             </a:fld>
             <a:endParaRPr kumimoji="1" lang="ja-JP" altLang="en-US"/>
           </a:p>
@@ -2046,7 +2053,7 @@
           <a:p>
             <a:fld id="{8892EB94-A1E7-4205-B8A2-1715F998A3BF}" type="datetimeFigureOut">
               <a:rPr kumimoji="1" lang="ja-JP" altLang="en-US" smtClean="0"/>
-              <a:t>2019/7/4</a:t>
+              <a:t>2019/7/7</a:t>
             </a:fld>
             <a:endParaRPr kumimoji="1" lang="ja-JP" altLang="en-US"/>
           </a:p>
@@ -2187,7 +2194,7 @@
           <a:p>
             <a:fld id="{8892EB94-A1E7-4205-B8A2-1715F998A3BF}" type="datetimeFigureOut">
               <a:rPr kumimoji="1" lang="ja-JP" altLang="en-US" smtClean="0"/>
-              <a:t>2019/7/4</a:t>
+              <a:t>2019/7/7</a:t>
             </a:fld>
             <a:endParaRPr kumimoji="1" lang="ja-JP" altLang="en-US"/>
           </a:p>
@@ -2300,7 +2307,7 @@
           <a:p>
             <a:fld id="{8892EB94-A1E7-4205-B8A2-1715F998A3BF}" type="datetimeFigureOut">
               <a:rPr kumimoji="1" lang="ja-JP" altLang="en-US" smtClean="0"/>
-              <a:t>2019/7/4</a:t>
+              <a:t>2019/7/7</a:t>
             </a:fld>
             <a:endParaRPr kumimoji="1" lang="ja-JP" altLang="en-US"/>
           </a:p>
@@ -2643,7 +2650,7 @@
           <a:p>
             <a:fld id="{8892EB94-A1E7-4205-B8A2-1715F998A3BF}" type="datetimeFigureOut">
               <a:rPr kumimoji="1" lang="ja-JP" altLang="en-US" smtClean="0"/>
-              <a:t>2019/7/4</a:t>
+              <a:t>2019/7/7</a:t>
             </a:fld>
             <a:endParaRPr kumimoji="1" lang="ja-JP" altLang="en-US"/>
           </a:p>
@@ -2931,7 +2938,7 @@
           <a:p>
             <a:fld id="{8892EB94-A1E7-4205-B8A2-1715F998A3BF}" type="datetimeFigureOut">
               <a:rPr kumimoji="1" lang="ja-JP" altLang="en-US" smtClean="0"/>
-              <a:t>2019/7/4</a:t>
+              <a:t>2019/7/7</a:t>
             </a:fld>
             <a:endParaRPr kumimoji="1" lang="ja-JP" altLang="en-US"/>
           </a:p>
@@ -3204,7 +3211,7 @@
           <a:p>
             <a:fld id="{8892EB94-A1E7-4205-B8A2-1715F998A3BF}" type="datetimeFigureOut">
               <a:rPr kumimoji="1" lang="ja-JP" altLang="en-US" smtClean="0"/>
-              <a:t>2019/7/4</a:t>
+              <a:t>2019/7/7</a:t>
             </a:fld>
             <a:endParaRPr kumimoji="1" lang="ja-JP" altLang="en-US"/>
           </a:p>
@@ -3621,8 +3628,8 @@
           <a:chExt cx="0" cy="0"/>
         </a:xfrm>
       </p:grpSpPr>
-      <mc:AlternateContent xmlns:mc="http://schemas.openxmlformats.org/markup-compatibility/2006">
-        <mc:Choice xmlns:a14="http://schemas.microsoft.com/office/drawing/2010/main" Requires="a14">
+      <mc:AlternateContent xmlns:mc="http://schemas.openxmlformats.org/markup-compatibility/2006" xmlns:a14="http://schemas.microsoft.com/office/drawing/2010/main">
+        <mc:Choice Requires="a14">
           <p:sp>
             <p:nvSpPr>
               <p:cNvPr id="4" name="楕円 3">
@@ -3743,7 +3750,7 @@
             </p:txBody>
           </p:sp>
         </mc:Choice>
-        <mc:Fallback>
+        <mc:Fallback xmlns="">
           <p:sp>
             <p:nvSpPr>
               <p:cNvPr id="4" name="楕円 3">
@@ -3793,8 +3800,8 @@
           </p:sp>
         </mc:Fallback>
       </mc:AlternateContent>
-      <mc:AlternateContent xmlns:mc="http://schemas.openxmlformats.org/markup-compatibility/2006">
-        <mc:Choice xmlns:a14="http://schemas.microsoft.com/office/drawing/2010/main" Requires="a14">
+      <mc:AlternateContent xmlns:mc="http://schemas.openxmlformats.org/markup-compatibility/2006" xmlns:a14="http://schemas.microsoft.com/office/drawing/2010/main">
+        <mc:Choice Requires="a14">
           <p:sp>
             <p:nvSpPr>
               <p:cNvPr id="5" name="楕円 4">
@@ -3906,7 +3913,7 @@
             </p:txBody>
           </p:sp>
         </mc:Choice>
-        <mc:Fallback>
+        <mc:Fallback xmlns="">
           <p:sp>
             <p:nvSpPr>
               <p:cNvPr id="5" name="楕円 4">
@@ -3956,8 +3963,8 @@
           </p:sp>
         </mc:Fallback>
       </mc:AlternateContent>
-      <mc:AlternateContent xmlns:mc="http://schemas.openxmlformats.org/markup-compatibility/2006">
-        <mc:Choice xmlns:a14="http://schemas.microsoft.com/office/drawing/2010/main" Requires="a14">
+      <mc:AlternateContent xmlns:mc="http://schemas.openxmlformats.org/markup-compatibility/2006" xmlns:a14="http://schemas.microsoft.com/office/drawing/2010/main">
+        <mc:Choice Requires="a14">
           <p:sp>
             <p:nvSpPr>
               <p:cNvPr id="6" name="楕円 5">
@@ -4069,7 +4076,7 @@
             </p:txBody>
           </p:sp>
         </mc:Choice>
-        <mc:Fallback>
+        <mc:Fallback xmlns="">
           <p:sp>
             <p:nvSpPr>
               <p:cNvPr id="6" name="楕円 5">
@@ -4119,8 +4126,8 @@
           </p:sp>
         </mc:Fallback>
       </mc:AlternateContent>
-      <mc:AlternateContent xmlns:mc="http://schemas.openxmlformats.org/markup-compatibility/2006">
-        <mc:Choice xmlns:a14="http://schemas.microsoft.com/office/drawing/2010/main" Requires="a14">
+      <mc:AlternateContent xmlns:mc="http://schemas.openxmlformats.org/markup-compatibility/2006" xmlns:a14="http://schemas.microsoft.com/office/drawing/2010/main">
+        <mc:Choice Requires="a14">
           <p:sp>
             <p:nvSpPr>
               <p:cNvPr id="7" name="楕円 6">
@@ -4232,7 +4239,7 @@
             </p:txBody>
           </p:sp>
         </mc:Choice>
-        <mc:Fallback>
+        <mc:Fallback xmlns="">
           <p:sp>
             <p:nvSpPr>
               <p:cNvPr id="7" name="楕円 6">
@@ -4282,8 +4289,8 @@
           </p:sp>
         </mc:Fallback>
       </mc:AlternateContent>
-      <mc:AlternateContent xmlns:mc="http://schemas.openxmlformats.org/markup-compatibility/2006">
-        <mc:Choice xmlns:a14="http://schemas.microsoft.com/office/drawing/2010/main" Requires="a14">
+      <mc:AlternateContent xmlns:mc="http://schemas.openxmlformats.org/markup-compatibility/2006" xmlns:a14="http://schemas.microsoft.com/office/drawing/2010/main">
+        <mc:Choice Requires="a14">
           <p:sp>
             <p:nvSpPr>
               <p:cNvPr id="8" name="楕円 7">
@@ -4395,7 +4402,7 @@
             </p:txBody>
           </p:sp>
         </mc:Choice>
-        <mc:Fallback>
+        <mc:Fallback xmlns="">
           <p:sp>
             <p:nvSpPr>
               <p:cNvPr id="8" name="楕円 7">
@@ -4445,8 +4452,8 @@
           </p:sp>
         </mc:Fallback>
       </mc:AlternateContent>
-      <mc:AlternateContent xmlns:mc="http://schemas.openxmlformats.org/markup-compatibility/2006">
-        <mc:Choice xmlns:a14="http://schemas.microsoft.com/office/drawing/2010/main" Requires="a14">
+      <mc:AlternateContent xmlns:mc="http://schemas.openxmlformats.org/markup-compatibility/2006" xmlns:a14="http://schemas.microsoft.com/office/drawing/2010/main">
+        <mc:Choice Requires="a14">
           <p:sp>
             <p:nvSpPr>
               <p:cNvPr id="9" name="楕円 8">
@@ -4558,7 +4565,7 @@
             </p:txBody>
           </p:sp>
         </mc:Choice>
-        <mc:Fallback>
+        <mc:Fallback xmlns="">
           <p:sp>
             <p:nvSpPr>
               <p:cNvPr id="9" name="楕円 8">
@@ -5082,8 +5089,8 @@
           </a:fontRef>
         </p:style>
       </p:cxnSp>
-      <mc:AlternateContent xmlns:mc="http://schemas.openxmlformats.org/markup-compatibility/2006">
-        <mc:Choice xmlns:a14="http://schemas.microsoft.com/office/drawing/2010/main" Requires="a14">
+      <mc:AlternateContent xmlns:mc="http://schemas.openxmlformats.org/markup-compatibility/2006" xmlns:a14="http://schemas.microsoft.com/office/drawing/2010/main">
+        <mc:Choice Requires="a14">
           <p:sp>
             <p:nvSpPr>
               <p:cNvPr id="68" name="テキスト ボックス 67">
@@ -5112,6 +5119,7 @@
               </a:bodyPr>
               <a:lstStyle/>
               <a:p>
+                <a:pPr/>
                 <a14:m>
                   <m:oMathPara xmlns:m="http://schemas.openxmlformats.org/officeDocument/2006/math">
                     <m:oMathParaPr>
@@ -5132,7 +5140,7 @@
             </p:txBody>
           </p:sp>
         </mc:Choice>
-        <mc:Fallback>
+        <mc:Fallback xmlns="">
           <p:sp>
             <p:nvSpPr>
               <p:cNvPr id="68" name="テキスト ボックス 67">
@@ -5177,8 +5185,8 @@
           </p:sp>
         </mc:Fallback>
       </mc:AlternateContent>
-      <mc:AlternateContent xmlns:mc="http://schemas.openxmlformats.org/markup-compatibility/2006">
-        <mc:Choice xmlns:a14="http://schemas.microsoft.com/office/drawing/2010/main" Requires="a14">
+      <mc:AlternateContent xmlns:mc="http://schemas.openxmlformats.org/markup-compatibility/2006" xmlns:a14="http://schemas.microsoft.com/office/drawing/2010/main">
+        <mc:Choice Requires="a14">
           <p:sp>
             <p:nvSpPr>
               <p:cNvPr id="80" name="テキスト ボックス 79">
@@ -5207,6 +5215,7 @@
               </a:bodyPr>
               <a:lstStyle/>
               <a:p>
+                <a:pPr/>
                 <a14:m>
                   <m:oMathPara xmlns:m="http://schemas.openxmlformats.org/officeDocument/2006/math">
                     <m:oMathParaPr>
@@ -5233,7 +5242,7 @@
             </p:txBody>
           </p:sp>
         </mc:Choice>
-        <mc:Fallback>
+        <mc:Fallback xmlns="">
           <p:sp>
             <p:nvSpPr>
               <p:cNvPr id="80" name="テキスト ボックス 79">
@@ -5278,8 +5287,8 @@
           </p:sp>
         </mc:Fallback>
       </mc:AlternateContent>
-      <mc:AlternateContent xmlns:mc="http://schemas.openxmlformats.org/markup-compatibility/2006">
-        <mc:Choice xmlns:a14="http://schemas.microsoft.com/office/drawing/2010/main" Requires="a14">
+      <mc:AlternateContent xmlns:mc="http://schemas.openxmlformats.org/markup-compatibility/2006" xmlns:a14="http://schemas.microsoft.com/office/drawing/2010/main">
+        <mc:Choice Requires="a14">
           <p:sp>
             <p:nvSpPr>
               <p:cNvPr id="81" name="テキスト ボックス 80">
@@ -5308,6 +5317,7 @@
               </a:bodyPr>
               <a:lstStyle/>
               <a:p>
+                <a:pPr/>
                 <a14:m>
                   <m:oMathPara xmlns:m="http://schemas.openxmlformats.org/officeDocument/2006/math">
                     <m:oMathParaPr>
@@ -5328,7 +5338,7 @@
             </p:txBody>
           </p:sp>
         </mc:Choice>
-        <mc:Fallback>
+        <mc:Fallback xmlns="">
           <p:sp>
             <p:nvSpPr>
               <p:cNvPr id="81" name="テキスト ボックス 80">
@@ -5373,8 +5383,8 @@
           </p:sp>
         </mc:Fallback>
       </mc:AlternateContent>
-      <mc:AlternateContent xmlns:mc="http://schemas.openxmlformats.org/markup-compatibility/2006">
-        <mc:Choice xmlns:a14="http://schemas.microsoft.com/office/drawing/2010/main" Requires="a14">
+      <mc:AlternateContent xmlns:mc="http://schemas.openxmlformats.org/markup-compatibility/2006" xmlns:a14="http://schemas.microsoft.com/office/drawing/2010/main">
+        <mc:Choice Requires="a14">
           <p:sp>
             <p:nvSpPr>
               <p:cNvPr id="83" name="テキスト ボックス 82">
@@ -5403,6 +5413,7 @@
               </a:bodyPr>
               <a:lstStyle/>
               <a:p>
+                <a:pPr/>
                 <a14:m>
                   <m:oMathPara xmlns:m="http://schemas.openxmlformats.org/officeDocument/2006/math">
                     <m:oMathParaPr>
@@ -5423,7 +5434,7 @@
             </p:txBody>
           </p:sp>
         </mc:Choice>
-        <mc:Fallback>
+        <mc:Fallback xmlns="">
           <p:sp>
             <p:nvSpPr>
               <p:cNvPr id="83" name="テキスト ボックス 82">
@@ -5468,8 +5479,8 @@
           </p:sp>
         </mc:Fallback>
       </mc:AlternateContent>
-      <mc:AlternateContent xmlns:mc="http://schemas.openxmlformats.org/markup-compatibility/2006">
-        <mc:Choice xmlns:a14="http://schemas.microsoft.com/office/drawing/2010/main" Requires="a14">
+      <mc:AlternateContent xmlns:mc="http://schemas.openxmlformats.org/markup-compatibility/2006" xmlns:a14="http://schemas.microsoft.com/office/drawing/2010/main">
+        <mc:Choice Requires="a14">
           <p:sp>
             <p:nvSpPr>
               <p:cNvPr id="86" name="テキスト ボックス 85">
@@ -5498,6 +5509,7 @@
               </a:bodyPr>
               <a:lstStyle/>
               <a:p>
+                <a:pPr/>
                 <a14:m>
                   <m:oMathPara xmlns:m="http://schemas.openxmlformats.org/officeDocument/2006/math">
                     <m:oMathParaPr>
@@ -5524,7 +5536,7 @@
             </p:txBody>
           </p:sp>
         </mc:Choice>
-        <mc:Fallback>
+        <mc:Fallback xmlns="">
           <p:sp>
             <p:nvSpPr>
               <p:cNvPr id="86" name="テキスト ボックス 85">
@@ -5569,8 +5581,8 @@
           </p:sp>
         </mc:Fallback>
       </mc:AlternateContent>
-      <mc:AlternateContent xmlns:mc="http://schemas.openxmlformats.org/markup-compatibility/2006">
-        <mc:Choice xmlns:a14="http://schemas.microsoft.com/office/drawing/2010/main" Requires="a14">
+      <mc:AlternateContent xmlns:mc="http://schemas.openxmlformats.org/markup-compatibility/2006" xmlns:a14="http://schemas.microsoft.com/office/drawing/2010/main">
+        <mc:Choice Requires="a14">
           <p:sp>
             <p:nvSpPr>
               <p:cNvPr id="88" name="テキスト ボックス 87">
@@ -5599,6 +5611,7 @@
               </a:bodyPr>
               <a:lstStyle/>
               <a:p>
+                <a:pPr/>
                 <a14:m>
                   <m:oMathPara xmlns:m="http://schemas.openxmlformats.org/officeDocument/2006/math">
                     <m:oMathParaPr>
@@ -5625,7 +5638,7 @@
             </p:txBody>
           </p:sp>
         </mc:Choice>
-        <mc:Fallback>
+        <mc:Fallback xmlns="">
           <p:sp>
             <p:nvSpPr>
               <p:cNvPr id="88" name="テキスト ボックス 87">
@@ -5670,8 +5683,8 @@
           </p:sp>
         </mc:Fallback>
       </mc:AlternateContent>
-      <mc:AlternateContent xmlns:mc="http://schemas.openxmlformats.org/markup-compatibility/2006">
-        <mc:Choice xmlns:a14="http://schemas.microsoft.com/office/drawing/2010/main" Requires="a14">
+      <mc:AlternateContent xmlns:mc="http://schemas.openxmlformats.org/markup-compatibility/2006" xmlns:a14="http://schemas.microsoft.com/office/drawing/2010/main">
+        <mc:Choice Requires="a14">
           <p:sp>
             <p:nvSpPr>
               <p:cNvPr id="90" name="テキスト ボックス 89">
@@ -5700,6 +5713,7 @@
               </a:bodyPr>
               <a:lstStyle/>
               <a:p>
+                <a:pPr/>
                 <a14:m>
                   <m:oMathPara xmlns:m="http://schemas.openxmlformats.org/officeDocument/2006/math">
                     <m:oMathParaPr>
@@ -5726,7 +5740,7 @@
             </p:txBody>
           </p:sp>
         </mc:Choice>
-        <mc:Fallback>
+        <mc:Fallback xmlns="">
           <p:sp>
             <p:nvSpPr>
               <p:cNvPr id="90" name="テキスト ボックス 89">
@@ -5771,8 +5785,8 @@
           </p:sp>
         </mc:Fallback>
       </mc:AlternateContent>
-      <mc:AlternateContent xmlns:mc="http://schemas.openxmlformats.org/markup-compatibility/2006">
-        <mc:Choice xmlns:a14="http://schemas.microsoft.com/office/drawing/2010/main" Requires="a14">
+      <mc:AlternateContent xmlns:mc="http://schemas.openxmlformats.org/markup-compatibility/2006" xmlns:a14="http://schemas.microsoft.com/office/drawing/2010/main">
+        <mc:Choice Requires="a14">
           <p:sp>
             <p:nvSpPr>
               <p:cNvPr id="91" name="テキスト ボックス 90">
@@ -5801,6 +5815,7 @@
               </a:bodyPr>
               <a:lstStyle/>
               <a:p>
+                <a:pPr/>
                 <a14:m>
                   <m:oMathPara xmlns:m="http://schemas.openxmlformats.org/officeDocument/2006/math">
                     <m:oMathParaPr>
@@ -5821,7 +5836,7 @@
             </p:txBody>
           </p:sp>
         </mc:Choice>
-        <mc:Fallback>
+        <mc:Fallback xmlns="">
           <p:sp>
             <p:nvSpPr>
               <p:cNvPr id="91" name="テキスト ボックス 90">
@@ -5866,8 +5881,8 @@
           </p:sp>
         </mc:Fallback>
       </mc:AlternateContent>
-      <mc:AlternateContent xmlns:mc="http://schemas.openxmlformats.org/markup-compatibility/2006">
-        <mc:Choice xmlns:a14="http://schemas.microsoft.com/office/drawing/2010/main" Requires="a14">
+      <mc:AlternateContent xmlns:mc="http://schemas.openxmlformats.org/markup-compatibility/2006" xmlns:a14="http://schemas.microsoft.com/office/drawing/2010/main">
+        <mc:Choice Requires="a14">
           <p:sp>
             <p:nvSpPr>
               <p:cNvPr id="92" name="テキスト ボックス 91">
@@ -5896,6 +5911,7 @@
               </a:bodyPr>
               <a:lstStyle/>
               <a:p>
+                <a:pPr/>
                 <a14:m>
                   <m:oMathPara xmlns:m="http://schemas.openxmlformats.org/officeDocument/2006/math">
                     <m:oMathParaPr>
@@ -5916,7 +5932,7 @@
             </p:txBody>
           </p:sp>
         </mc:Choice>
-        <mc:Fallback>
+        <mc:Fallback xmlns="">
           <p:sp>
             <p:nvSpPr>
               <p:cNvPr id="92" name="テキスト ボックス 91">
@@ -5961,8 +5977,8 @@
           </p:sp>
         </mc:Fallback>
       </mc:AlternateContent>
-      <mc:AlternateContent xmlns:mc="http://schemas.openxmlformats.org/markup-compatibility/2006">
-        <mc:Choice xmlns:a14="http://schemas.microsoft.com/office/drawing/2010/main" Requires="a14">
+      <mc:AlternateContent xmlns:mc="http://schemas.openxmlformats.org/markup-compatibility/2006" xmlns:a14="http://schemas.microsoft.com/office/drawing/2010/main">
+        <mc:Choice Requires="a14">
           <p:sp>
             <p:nvSpPr>
               <p:cNvPr id="94" name="テキスト ボックス 93">
@@ -5991,6 +6007,7 @@
               </a:bodyPr>
               <a:lstStyle/>
               <a:p>
+                <a:pPr/>
                 <a14:m>
                   <m:oMathPara xmlns:m="http://schemas.openxmlformats.org/officeDocument/2006/math">
                     <m:oMathParaPr>
@@ -6017,7 +6034,7 @@
             </p:txBody>
           </p:sp>
         </mc:Choice>
-        <mc:Fallback>
+        <mc:Fallback xmlns="">
           <p:sp>
             <p:nvSpPr>
               <p:cNvPr id="94" name="テキスト ボックス 93">
@@ -6062,8 +6079,8 @@
           </p:sp>
         </mc:Fallback>
       </mc:AlternateContent>
-      <mc:AlternateContent xmlns:mc="http://schemas.openxmlformats.org/markup-compatibility/2006">
-        <mc:Choice xmlns:a14="http://schemas.microsoft.com/office/drawing/2010/main" Requires="a14">
+      <mc:AlternateContent xmlns:mc="http://schemas.openxmlformats.org/markup-compatibility/2006" xmlns:a14="http://schemas.microsoft.com/office/drawing/2010/main">
+        <mc:Choice Requires="a14">
           <p:sp>
             <p:nvSpPr>
               <p:cNvPr id="95" name="テキスト ボックス 94">
@@ -6092,6 +6109,7 @@
               </a:bodyPr>
               <a:lstStyle/>
               <a:p>
+                <a:pPr/>
                 <a14:m>
                   <m:oMathPara xmlns:m="http://schemas.openxmlformats.org/officeDocument/2006/math">
                     <m:oMathParaPr>
@@ -6118,7 +6136,7 @@
             </p:txBody>
           </p:sp>
         </mc:Choice>
-        <mc:Fallback>
+        <mc:Fallback xmlns="">
           <p:sp>
             <p:nvSpPr>
               <p:cNvPr id="95" name="テキスト ボックス 94">
@@ -6255,8 +6273,8 @@
           </a:fontRef>
         </p:style>
       </p:cxnSp>
-      <mc:AlternateContent xmlns:mc="http://schemas.openxmlformats.org/markup-compatibility/2006">
-        <mc:Choice xmlns:a14="http://schemas.microsoft.com/office/drawing/2010/main" Requires="a14">
+      <mc:AlternateContent xmlns:mc="http://schemas.openxmlformats.org/markup-compatibility/2006" xmlns:a14="http://schemas.microsoft.com/office/drawing/2010/main">
+        <mc:Choice Requires="a14">
           <p:sp>
             <p:nvSpPr>
               <p:cNvPr id="185" name="テキスト ボックス 184">
@@ -6285,6 +6303,7 @@
               </a:bodyPr>
               <a:lstStyle/>
               <a:p>
+                <a:pPr/>
                 <a14:m>
                   <m:oMathPara xmlns:m="http://schemas.openxmlformats.org/officeDocument/2006/math">
                     <m:oMathParaPr>
@@ -6311,7 +6330,7 @@
             </p:txBody>
           </p:sp>
         </mc:Choice>
-        <mc:Fallback>
+        <mc:Fallback xmlns="">
           <p:sp>
             <p:nvSpPr>
               <p:cNvPr id="185" name="テキスト ボックス 184">
@@ -6360,6 +6379,8180 @@
     <p:extLst>
       <p:ext uri="{BB962C8B-B14F-4D97-AF65-F5344CB8AC3E}">
         <p14:creationId xmlns:p14="http://schemas.microsoft.com/office/powerpoint/2010/main" val="1526466741"/>
+      </p:ext>
+    </p:extLst>
+  </p:cSld>
+  <p:clrMapOvr>
+    <a:masterClrMapping/>
+  </p:clrMapOvr>
+</p:sld>
+</file>
+
+<file path=ppt/slides/slide2.xml><?xml version="1.0" encoding="utf-8"?>
+<p:sld xmlns:a="http://schemas.openxmlformats.org/drawingml/2006/main" xmlns:r="http://schemas.openxmlformats.org/officeDocument/2006/relationships" xmlns:p="http://schemas.openxmlformats.org/presentationml/2006/main">
+  <p:cSld>
+    <p:spTree>
+      <p:nvGrpSpPr>
+        <p:cNvPr id="1" name=""/>
+        <p:cNvGrpSpPr/>
+        <p:nvPr/>
+      </p:nvGrpSpPr>
+      <p:grpSpPr>
+        <a:xfrm>
+          <a:off x="0" y="0"/>
+          <a:ext cx="0" cy="0"/>
+          <a:chOff x="0" y="0"/>
+          <a:chExt cx="0" cy="0"/>
+        </a:xfrm>
+      </p:grpSpPr>
+      <mc:AlternateContent xmlns:mc="http://schemas.openxmlformats.org/markup-compatibility/2006" xmlns:a14="http://schemas.microsoft.com/office/drawing/2010/main">
+        <mc:Choice Requires="a14">
+          <p:graphicFrame>
+            <p:nvGraphicFramePr>
+              <p:cNvPr id="4" name="表 3">
+                <a:extLst>
+                  <a:ext uri="{FF2B5EF4-FFF2-40B4-BE49-F238E27FC236}">
+                    <a16:creationId xmlns:a16="http://schemas.microsoft.com/office/drawing/2014/main" id="{91077AA4-40DE-4FA6-9954-3A4DB4AC6DCC}"/>
+                  </a:ext>
+                </a:extLst>
+              </p:cNvPr>
+              <p:cNvGraphicFramePr>
+                <a:graphicFrameLocks noGrp="1"/>
+              </p:cNvGraphicFramePr>
+              <p:nvPr>
+                <p:extLst>
+                  <p:ext uri="{D42A27DB-BD31-4B8C-83A1-F6EECF244321}">
+                    <p14:modId xmlns:p14="http://schemas.microsoft.com/office/powerpoint/2010/main" val="511478944"/>
+                  </p:ext>
+                </p:extLst>
+              </p:nvPr>
+            </p:nvGraphicFramePr>
+            <p:xfrm>
+              <a:off x="1930400" y="1200727"/>
+              <a:ext cx="1791855" cy="3075710"/>
+            </p:xfrm>
+            <a:graphic>
+              <a:graphicData uri="http://schemas.openxmlformats.org/drawingml/2006/table">
+                <a:tbl>
+                  <a:tblPr firstRow="1" bandRow="1">
+                    <a:tableStyleId>{2D5ABB26-0587-4C30-8999-92F81FD0307C}</a:tableStyleId>
+                  </a:tblPr>
+                  <a:tblGrid>
+                    <a:gridCol w="597285">
+                      <a:extLst>
+                        <a:ext uri="{9D8B030D-6E8A-4147-A177-3AD203B41FA5}">
+                          <a16:colId xmlns:a16="http://schemas.microsoft.com/office/drawing/2014/main" val="3966724155"/>
+                        </a:ext>
+                      </a:extLst>
+                    </a:gridCol>
+                    <a:gridCol w="597285">
+                      <a:extLst>
+                        <a:ext uri="{9D8B030D-6E8A-4147-A177-3AD203B41FA5}">
+                          <a16:colId xmlns:a16="http://schemas.microsoft.com/office/drawing/2014/main" val="1876420039"/>
+                        </a:ext>
+                      </a:extLst>
+                    </a:gridCol>
+                    <a:gridCol w="597285">
+                      <a:extLst>
+                        <a:ext uri="{9D8B030D-6E8A-4147-A177-3AD203B41FA5}">
+                          <a16:colId xmlns:a16="http://schemas.microsoft.com/office/drawing/2014/main" val="76310099"/>
+                        </a:ext>
+                      </a:extLst>
+                    </a:gridCol>
+                  </a:tblGrid>
+                  <a:tr h="615142">
+                    <a:tc>
+                      <a:txBody>
+                        <a:bodyPr/>
+                        <a:lstStyle/>
+                        <a:p>
+                          <a:r>
+                            <a:rPr kumimoji="1" lang="en-US" altLang="ja-JP" dirty="0"/>
+                            <a:t> </a:t>
+                          </a:r>
+                          <a:r>
+                            <a:rPr kumimoji="1" lang="ja-JP" altLang="en-US" dirty="0"/>
+                            <a:t>  </a:t>
+                          </a:r>
+                        </a:p>
+                      </a:txBody>
+                      <a:tcPr>
+                        <a:lnL w="12700" cap="flat" cmpd="sng" algn="ctr">
+                          <a:noFill/>
+                          <a:prstDash val="solid"/>
+                          <a:round/>
+                          <a:headEnd type="none" w="med" len="med"/>
+                          <a:tailEnd type="none" w="med" len="med"/>
+                        </a:lnL>
+                        <a:lnR w="12700" cap="flat" cmpd="sng" algn="ctr">
+                          <a:noFill/>
+                          <a:prstDash val="solid"/>
+                          <a:round/>
+                          <a:headEnd type="none" w="med" len="med"/>
+                          <a:tailEnd type="none" w="med" len="med"/>
+                        </a:lnR>
+                        <a:lnT w="12700" cap="flat" cmpd="sng" algn="ctr">
+                          <a:noFill/>
+                          <a:prstDash val="solid"/>
+                          <a:round/>
+                          <a:headEnd type="none" w="med" len="med"/>
+                          <a:tailEnd type="none" w="med" len="med"/>
+                        </a:lnT>
+                        <a:lnB w="12700" cap="flat" cmpd="sng" algn="ctr">
+                          <a:noFill/>
+                          <a:prstDash val="solid"/>
+                          <a:round/>
+                          <a:headEnd type="none" w="med" len="med"/>
+                          <a:tailEnd type="none" w="med" len="med"/>
+                        </a:lnB>
+                        <a:lnTlToBr w="12700" cap="flat" cmpd="sng" algn="ctr">
+                          <a:solidFill>
+                            <a:schemeClr val="tx1"/>
+                          </a:solidFill>
+                          <a:prstDash val="solid"/>
+                          <a:round/>
+                          <a:headEnd type="none" w="med" len="med"/>
+                          <a:tailEnd type="none" w="med" len="med"/>
+                        </a:lnTlToBr>
+                        <a:lnBlToTr w="12700" cmpd="sng">
+                          <a:noFill/>
+                          <a:prstDash val="solid"/>
+                        </a:lnBlToTr>
+                      </a:tcPr>
+                    </a:tc>
+                    <a:tc>
+                      <a:txBody>
+                        <a:bodyPr/>
+                        <a:lstStyle/>
+                        <a:p>
+                          <a:pPr algn="ctr"/>
+                          <a:r>
+                            <a:rPr kumimoji="1" lang="en-US" altLang="ja-JP" dirty="0"/>
+                            <a:t>0</a:t>
+                          </a:r>
+                          <a:endParaRPr kumimoji="1" lang="ja-JP" altLang="en-US" dirty="0"/>
+                        </a:p>
+                      </a:txBody>
+                      <a:tcPr anchor="b">
+                        <a:lnL w="12700" cap="flat" cmpd="sng" algn="ctr">
+                          <a:noFill/>
+                          <a:prstDash val="solid"/>
+                          <a:round/>
+                          <a:headEnd type="none" w="med" len="med"/>
+                          <a:tailEnd type="none" w="med" len="med"/>
+                        </a:lnL>
+                        <a:lnR w="12700" cap="flat" cmpd="sng" algn="ctr">
+                          <a:noFill/>
+                          <a:prstDash val="solid"/>
+                          <a:round/>
+                          <a:headEnd type="none" w="med" len="med"/>
+                          <a:tailEnd type="none" w="med" len="med"/>
+                        </a:lnR>
+                        <a:lnT w="12700" cap="flat" cmpd="sng" algn="ctr">
+                          <a:noFill/>
+                          <a:prstDash val="solid"/>
+                          <a:round/>
+                          <a:headEnd type="none" w="med" len="med"/>
+                          <a:tailEnd type="none" w="med" len="med"/>
+                        </a:lnT>
+                        <a:lnB w="12700" cap="flat" cmpd="sng" algn="ctr">
+                          <a:solidFill>
+                            <a:schemeClr val="tx1"/>
+                          </a:solidFill>
+                          <a:prstDash val="solid"/>
+                          <a:round/>
+                          <a:headEnd type="none" w="med" len="med"/>
+                          <a:tailEnd type="none" w="med" len="med"/>
+                        </a:lnB>
+                        <a:lnTlToBr w="12700" cmpd="sng">
+                          <a:noFill/>
+                          <a:prstDash val="solid"/>
+                        </a:lnTlToBr>
+                        <a:lnBlToTr w="12700" cmpd="sng">
+                          <a:noFill/>
+                          <a:prstDash val="solid"/>
+                        </a:lnBlToTr>
+                      </a:tcPr>
+                    </a:tc>
+                    <a:tc>
+                      <a:txBody>
+                        <a:bodyPr/>
+                        <a:lstStyle/>
+                        <a:p>
+                          <a:pPr algn="ctr"/>
+                          <a:r>
+                            <a:rPr kumimoji="1" lang="en-US" altLang="ja-JP" dirty="0"/>
+                            <a:t>1</a:t>
+                          </a:r>
+                          <a:endParaRPr kumimoji="1" lang="ja-JP" altLang="en-US" dirty="0"/>
+                        </a:p>
+                      </a:txBody>
+                      <a:tcPr anchor="b">
+                        <a:lnL w="12700" cap="flat" cmpd="sng" algn="ctr">
+                          <a:noFill/>
+                          <a:prstDash val="solid"/>
+                          <a:round/>
+                          <a:headEnd type="none" w="med" len="med"/>
+                          <a:tailEnd type="none" w="med" len="med"/>
+                        </a:lnL>
+                        <a:lnR w="12700" cap="flat" cmpd="sng" algn="ctr">
+                          <a:noFill/>
+                          <a:prstDash val="solid"/>
+                          <a:round/>
+                          <a:headEnd type="none" w="med" len="med"/>
+                          <a:tailEnd type="none" w="med" len="med"/>
+                        </a:lnR>
+                        <a:lnT w="12700" cap="flat" cmpd="sng" algn="ctr">
+                          <a:noFill/>
+                          <a:prstDash val="solid"/>
+                          <a:round/>
+                          <a:headEnd type="none" w="med" len="med"/>
+                          <a:tailEnd type="none" w="med" len="med"/>
+                        </a:lnT>
+                        <a:lnB w="12700" cap="flat" cmpd="sng" algn="ctr">
+                          <a:solidFill>
+                            <a:schemeClr val="tx1"/>
+                          </a:solidFill>
+                          <a:prstDash val="solid"/>
+                          <a:round/>
+                          <a:headEnd type="none" w="med" len="med"/>
+                          <a:tailEnd type="none" w="med" len="med"/>
+                        </a:lnB>
+                        <a:lnTlToBr w="12700" cmpd="sng">
+                          <a:noFill/>
+                          <a:prstDash val="solid"/>
+                        </a:lnTlToBr>
+                        <a:lnBlToTr w="12700" cmpd="sng">
+                          <a:noFill/>
+                          <a:prstDash val="solid"/>
+                        </a:lnBlToTr>
+                      </a:tcPr>
+                    </a:tc>
+                    <a:extLst>
+                      <a:ext uri="{0D108BD9-81ED-4DB2-BD59-A6C34878D82A}">
+                        <a16:rowId xmlns:a16="http://schemas.microsoft.com/office/drawing/2014/main" val="4076029043"/>
+                      </a:ext>
+                    </a:extLst>
+                  </a:tr>
+                  <a:tr h="615142">
+                    <a:tc>
+                      <a:txBody>
+                        <a:bodyPr/>
+                        <a:lstStyle/>
+                        <a:p>
+                          <a:pPr algn="r"/>
+                          <a:r>
+                            <a:rPr kumimoji="1" lang="en-US" altLang="ja-JP" dirty="0"/>
+                            <a:t>00</a:t>
+                          </a:r>
+                        </a:p>
+                      </a:txBody>
+                      <a:tcPr anchor="ctr">
+                        <a:lnL w="12700" cap="flat" cmpd="sng" algn="ctr">
+                          <a:noFill/>
+                          <a:prstDash val="solid"/>
+                          <a:round/>
+                          <a:headEnd type="none" w="med" len="med"/>
+                          <a:tailEnd type="none" w="med" len="med"/>
+                        </a:lnL>
+                        <a:lnR w="12700" cap="flat" cmpd="sng" algn="ctr">
+                          <a:solidFill>
+                            <a:schemeClr val="tx1"/>
+                          </a:solidFill>
+                          <a:prstDash val="solid"/>
+                          <a:round/>
+                          <a:headEnd type="none" w="med" len="med"/>
+                          <a:tailEnd type="none" w="med" len="med"/>
+                        </a:lnR>
+                        <a:lnT w="12700" cap="flat" cmpd="sng" algn="ctr">
+                          <a:noFill/>
+                          <a:prstDash val="solid"/>
+                          <a:round/>
+                          <a:headEnd type="none" w="med" len="med"/>
+                          <a:tailEnd type="none" w="med" len="med"/>
+                        </a:lnT>
+                        <a:lnB w="12700" cap="flat" cmpd="sng" algn="ctr">
+                          <a:noFill/>
+                          <a:prstDash val="solid"/>
+                          <a:round/>
+                          <a:headEnd type="none" w="med" len="med"/>
+                          <a:tailEnd type="none" w="med" len="med"/>
+                        </a:lnB>
+                        <a:lnTlToBr w="12700" cap="flat" cmpd="sng" algn="ctr">
+                          <a:noFill/>
+                          <a:prstDash val="solid"/>
+                          <a:round/>
+                          <a:headEnd type="none" w="med" len="med"/>
+                          <a:tailEnd type="none" w="med" len="med"/>
+                        </a:lnTlToBr>
+                        <a:lnBlToTr w="12700" cmpd="sng">
+                          <a:noFill/>
+                          <a:prstDash val="solid"/>
+                        </a:lnBlToTr>
+                      </a:tcPr>
+                    </a:tc>
+                    <a:tc>
+                      <a:txBody>
+                        <a:bodyPr/>
+                        <a:lstStyle/>
+                        <a:p>
+                          <a:pPr algn="ctr"/>
+                          <a:r>
+                            <a:rPr kumimoji="1" lang="en-US" altLang="ja-JP" dirty="0"/>
+                            <a:t>1</a:t>
+                          </a:r>
+                          <a:endParaRPr kumimoji="1" lang="ja-JP" altLang="en-US" dirty="0"/>
+                        </a:p>
+                      </a:txBody>
+                      <a:tcPr anchor="ctr">
+                        <a:lnL w="12700" cap="flat" cmpd="sng" algn="ctr">
+                          <a:solidFill>
+                            <a:schemeClr val="tx1"/>
+                          </a:solidFill>
+                          <a:prstDash val="solid"/>
+                          <a:round/>
+                          <a:headEnd type="none" w="med" len="med"/>
+                          <a:tailEnd type="none" w="med" len="med"/>
+                        </a:lnL>
+                        <a:lnR w="12700" cap="flat" cmpd="sng" algn="ctr">
+                          <a:solidFill>
+                            <a:schemeClr val="tx1"/>
+                          </a:solidFill>
+                          <a:prstDash val="solid"/>
+                          <a:round/>
+                          <a:headEnd type="none" w="med" len="med"/>
+                          <a:tailEnd type="none" w="med" len="med"/>
+                        </a:lnR>
+                        <a:lnT w="12700" cap="flat" cmpd="sng" algn="ctr">
+                          <a:solidFill>
+                            <a:schemeClr val="tx1"/>
+                          </a:solidFill>
+                          <a:prstDash val="solid"/>
+                          <a:round/>
+                          <a:headEnd type="none" w="med" len="med"/>
+                          <a:tailEnd type="none" w="med" len="med"/>
+                        </a:lnT>
+                        <a:lnB w="12700" cap="flat" cmpd="sng" algn="ctr">
+                          <a:solidFill>
+                            <a:schemeClr val="tx1"/>
+                          </a:solidFill>
+                          <a:prstDash val="solid"/>
+                          <a:round/>
+                          <a:headEnd type="none" w="med" len="med"/>
+                          <a:tailEnd type="none" w="med" len="med"/>
+                        </a:lnB>
+                        <a:lnTlToBr w="12700" cmpd="sng">
+                          <a:noFill/>
+                          <a:prstDash val="solid"/>
+                        </a:lnTlToBr>
+                        <a:lnBlToTr w="12700" cmpd="sng">
+                          <a:noFill/>
+                          <a:prstDash val="solid"/>
+                        </a:lnBlToTr>
+                      </a:tcPr>
+                    </a:tc>
+                    <a:tc>
+                      <a:txBody>
+                        <a:bodyPr/>
+                        <a:lstStyle/>
+                        <a:p>
+                          <a:pPr algn="ctr"/>
+                          <a:endParaRPr kumimoji="1" lang="ja-JP" altLang="en-US" dirty="0"/>
+                        </a:p>
+                      </a:txBody>
+                      <a:tcPr anchor="ctr">
+                        <a:lnL w="12700" cap="flat" cmpd="sng" algn="ctr">
+                          <a:solidFill>
+                            <a:schemeClr val="tx1"/>
+                          </a:solidFill>
+                          <a:prstDash val="solid"/>
+                          <a:round/>
+                          <a:headEnd type="none" w="med" len="med"/>
+                          <a:tailEnd type="none" w="med" len="med"/>
+                        </a:lnL>
+                        <a:lnR w="12700" cap="flat" cmpd="sng" algn="ctr">
+                          <a:solidFill>
+                            <a:schemeClr val="tx1"/>
+                          </a:solidFill>
+                          <a:prstDash val="solid"/>
+                          <a:round/>
+                          <a:headEnd type="none" w="med" len="med"/>
+                          <a:tailEnd type="none" w="med" len="med"/>
+                        </a:lnR>
+                        <a:lnT w="12700" cap="flat" cmpd="sng" algn="ctr">
+                          <a:solidFill>
+                            <a:schemeClr val="tx1"/>
+                          </a:solidFill>
+                          <a:prstDash val="solid"/>
+                          <a:round/>
+                          <a:headEnd type="none" w="med" len="med"/>
+                          <a:tailEnd type="none" w="med" len="med"/>
+                        </a:lnT>
+                        <a:lnB w="12700" cap="flat" cmpd="sng" algn="ctr">
+                          <a:solidFill>
+                            <a:schemeClr val="tx1"/>
+                          </a:solidFill>
+                          <a:prstDash val="solid"/>
+                          <a:round/>
+                          <a:headEnd type="none" w="med" len="med"/>
+                          <a:tailEnd type="none" w="med" len="med"/>
+                        </a:lnB>
+                        <a:lnTlToBr w="12700" cmpd="sng">
+                          <a:noFill/>
+                          <a:prstDash val="solid"/>
+                        </a:lnTlToBr>
+                        <a:lnBlToTr w="12700" cmpd="sng">
+                          <a:noFill/>
+                          <a:prstDash val="solid"/>
+                        </a:lnBlToTr>
+                      </a:tcPr>
+                    </a:tc>
+                    <a:extLst>
+                      <a:ext uri="{0D108BD9-81ED-4DB2-BD59-A6C34878D82A}">
+                        <a16:rowId xmlns:a16="http://schemas.microsoft.com/office/drawing/2014/main" val="3163174870"/>
+                      </a:ext>
+                    </a:extLst>
+                  </a:tr>
+                  <a:tr h="615142">
+                    <a:tc>
+                      <a:txBody>
+                        <a:bodyPr/>
+                        <a:lstStyle/>
+                        <a:p>
+                          <a:pPr algn="r"/>
+                          <a:r>
+                            <a:rPr kumimoji="1" lang="en-US" altLang="ja-JP" dirty="0"/>
+                            <a:t>01</a:t>
+                          </a:r>
+                          <a:endParaRPr kumimoji="1" lang="ja-JP" altLang="en-US" dirty="0"/>
+                        </a:p>
+                      </a:txBody>
+                      <a:tcPr anchor="ctr">
+                        <a:lnL w="12700" cap="flat" cmpd="sng" algn="ctr">
+                          <a:noFill/>
+                          <a:prstDash val="solid"/>
+                          <a:round/>
+                          <a:headEnd type="none" w="med" len="med"/>
+                          <a:tailEnd type="none" w="med" len="med"/>
+                        </a:lnL>
+                        <a:lnR w="12700" cap="flat" cmpd="sng" algn="ctr">
+                          <a:solidFill>
+                            <a:schemeClr val="tx1"/>
+                          </a:solidFill>
+                          <a:prstDash val="solid"/>
+                          <a:round/>
+                          <a:headEnd type="none" w="med" len="med"/>
+                          <a:tailEnd type="none" w="med" len="med"/>
+                        </a:lnR>
+                        <a:lnT w="12700" cap="flat" cmpd="sng" algn="ctr">
+                          <a:noFill/>
+                          <a:prstDash val="solid"/>
+                          <a:round/>
+                          <a:headEnd type="none" w="med" len="med"/>
+                          <a:tailEnd type="none" w="med" len="med"/>
+                        </a:lnT>
+                        <a:lnB w="12700" cap="flat" cmpd="sng" algn="ctr">
+                          <a:noFill/>
+                          <a:prstDash val="solid"/>
+                          <a:round/>
+                          <a:headEnd type="none" w="med" len="med"/>
+                          <a:tailEnd type="none" w="med" len="med"/>
+                        </a:lnB>
+                        <a:lnTlToBr w="12700" cap="flat" cmpd="sng" algn="ctr">
+                          <a:noFill/>
+                          <a:prstDash val="solid"/>
+                          <a:round/>
+                          <a:headEnd type="none" w="med" len="med"/>
+                          <a:tailEnd type="none" w="med" len="med"/>
+                        </a:lnTlToBr>
+                        <a:lnBlToTr w="12700" cmpd="sng">
+                          <a:noFill/>
+                          <a:prstDash val="solid"/>
+                        </a:lnBlToTr>
+                      </a:tcPr>
+                    </a:tc>
+                    <a:tc>
+                      <a:txBody>
+                        <a:bodyPr/>
+                        <a:lstStyle/>
+                        <a:p>
+                          <a:pPr algn="ctr"/>
+                          <a:endParaRPr kumimoji="1" lang="ja-JP" altLang="en-US" dirty="0"/>
+                        </a:p>
+                      </a:txBody>
+                      <a:tcPr anchor="ctr">
+                        <a:lnL w="12700" cap="flat" cmpd="sng" algn="ctr">
+                          <a:solidFill>
+                            <a:schemeClr val="tx1"/>
+                          </a:solidFill>
+                          <a:prstDash val="solid"/>
+                          <a:round/>
+                          <a:headEnd type="none" w="med" len="med"/>
+                          <a:tailEnd type="none" w="med" len="med"/>
+                        </a:lnL>
+                        <a:lnR w="12700" cap="flat" cmpd="sng" algn="ctr">
+                          <a:solidFill>
+                            <a:schemeClr val="tx1"/>
+                          </a:solidFill>
+                          <a:prstDash val="solid"/>
+                          <a:round/>
+                          <a:headEnd type="none" w="med" len="med"/>
+                          <a:tailEnd type="none" w="med" len="med"/>
+                        </a:lnR>
+                        <a:lnT w="12700" cap="flat" cmpd="sng" algn="ctr">
+                          <a:solidFill>
+                            <a:schemeClr val="tx1"/>
+                          </a:solidFill>
+                          <a:prstDash val="solid"/>
+                          <a:round/>
+                          <a:headEnd type="none" w="med" len="med"/>
+                          <a:tailEnd type="none" w="med" len="med"/>
+                        </a:lnT>
+                        <a:lnB w="12700" cap="flat" cmpd="sng" algn="ctr">
+                          <a:solidFill>
+                            <a:schemeClr val="tx1"/>
+                          </a:solidFill>
+                          <a:prstDash val="solid"/>
+                          <a:round/>
+                          <a:headEnd type="none" w="med" len="med"/>
+                          <a:tailEnd type="none" w="med" len="med"/>
+                        </a:lnB>
+                        <a:lnTlToBr w="12700" cmpd="sng">
+                          <a:noFill/>
+                          <a:prstDash val="solid"/>
+                        </a:lnTlToBr>
+                        <a:lnBlToTr w="12700" cmpd="sng">
+                          <a:noFill/>
+                          <a:prstDash val="solid"/>
+                        </a:lnBlToTr>
+                      </a:tcPr>
+                    </a:tc>
+                    <a:tc>
+                      <a:txBody>
+                        <a:bodyPr/>
+                        <a:lstStyle/>
+                        <a:p>
+                          <a:pPr algn="ctr"/>
+                          <a:r>
+                            <a:rPr kumimoji="1" lang="en-US" altLang="ja-JP" dirty="0"/>
+                            <a:t>1</a:t>
+                          </a:r>
+                          <a:endParaRPr kumimoji="1" lang="ja-JP" altLang="en-US" dirty="0"/>
+                        </a:p>
+                      </a:txBody>
+                      <a:tcPr anchor="ctr">
+                        <a:lnL w="12700" cap="flat" cmpd="sng" algn="ctr">
+                          <a:solidFill>
+                            <a:schemeClr val="tx1"/>
+                          </a:solidFill>
+                          <a:prstDash val="solid"/>
+                          <a:round/>
+                          <a:headEnd type="none" w="med" len="med"/>
+                          <a:tailEnd type="none" w="med" len="med"/>
+                        </a:lnL>
+                        <a:lnR w="12700" cap="flat" cmpd="sng" algn="ctr">
+                          <a:solidFill>
+                            <a:schemeClr val="tx1"/>
+                          </a:solidFill>
+                          <a:prstDash val="solid"/>
+                          <a:round/>
+                          <a:headEnd type="none" w="med" len="med"/>
+                          <a:tailEnd type="none" w="med" len="med"/>
+                        </a:lnR>
+                        <a:lnT w="12700" cap="flat" cmpd="sng" algn="ctr">
+                          <a:solidFill>
+                            <a:schemeClr val="tx1"/>
+                          </a:solidFill>
+                          <a:prstDash val="solid"/>
+                          <a:round/>
+                          <a:headEnd type="none" w="med" len="med"/>
+                          <a:tailEnd type="none" w="med" len="med"/>
+                        </a:lnT>
+                        <a:lnB w="12700" cap="flat" cmpd="sng" algn="ctr">
+                          <a:solidFill>
+                            <a:schemeClr val="tx1"/>
+                          </a:solidFill>
+                          <a:prstDash val="solid"/>
+                          <a:round/>
+                          <a:headEnd type="none" w="med" len="med"/>
+                          <a:tailEnd type="none" w="med" len="med"/>
+                        </a:lnB>
+                        <a:lnTlToBr w="12700" cmpd="sng">
+                          <a:noFill/>
+                          <a:prstDash val="solid"/>
+                        </a:lnTlToBr>
+                        <a:lnBlToTr w="12700" cmpd="sng">
+                          <a:noFill/>
+                          <a:prstDash val="solid"/>
+                        </a:lnBlToTr>
+                      </a:tcPr>
+                    </a:tc>
+                    <a:extLst>
+                      <a:ext uri="{0D108BD9-81ED-4DB2-BD59-A6C34878D82A}">
+                        <a16:rowId xmlns:a16="http://schemas.microsoft.com/office/drawing/2014/main" val="1297509366"/>
+                      </a:ext>
+                    </a:extLst>
+                  </a:tr>
+                  <a:tr h="615142">
+                    <a:tc>
+                      <a:txBody>
+                        <a:bodyPr/>
+                        <a:lstStyle/>
+                        <a:p>
+                          <a:pPr algn="r"/>
+                          <a:r>
+                            <a:rPr kumimoji="1" lang="en-US" altLang="ja-JP" dirty="0"/>
+                            <a:t>11</a:t>
+                          </a:r>
+                          <a:endParaRPr kumimoji="1" lang="ja-JP" altLang="en-US" dirty="0"/>
+                        </a:p>
+                      </a:txBody>
+                      <a:tcPr anchor="ctr">
+                        <a:lnL w="12700" cap="flat" cmpd="sng" algn="ctr">
+                          <a:noFill/>
+                          <a:prstDash val="solid"/>
+                          <a:round/>
+                          <a:headEnd type="none" w="med" len="med"/>
+                          <a:tailEnd type="none" w="med" len="med"/>
+                        </a:lnL>
+                        <a:lnR w="12700" cap="flat" cmpd="sng" algn="ctr">
+                          <a:solidFill>
+                            <a:schemeClr val="tx1"/>
+                          </a:solidFill>
+                          <a:prstDash val="solid"/>
+                          <a:round/>
+                          <a:headEnd type="none" w="med" len="med"/>
+                          <a:tailEnd type="none" w="med" len="med"/>
+                        </a:lnR>
+                        <a:lnT w="12700" cap="flat" cmpd="sng" algn="ctr">
+                          <a:noFill/>
+                          <a:prstDash val="solid"/>
+                          <a:round/>
+                          <a:headEnd type="none" w="med" len="med"/>
+                          <a:tailEnd type="none" w="med" len="med"/>
+                        </a:lnT>
+                        <a:lnB w="12700" cap="flat" cmpd="sng" algn="ctr">
+                          <a:noFill/>
+                          <a:prstDash val="solid"/>
+                          <a:round/>
+                          <a:headEnd type="none" w="med" len="med"/>
+                          <a:tailEnd type="none" w="med" len="med"/>
+                        </a:lnB>
+                        <a:lnTlToBr w="12700" cap="flat" cmpd="sng" algn="ctr">
+                          <a:noFill/>
+                          <a:prstDash val="solid"/>
+                          <a:round/>
+                          <a:headEnd type="none" w="med" len="med"/>
+                          <a:tailEnd type="none" w="med" len="med"/>
+                        </a:lnTlToBr>
+                        <a:lnBlToTr w="12700" cmpd="sng">
+                          <a:noFill/>
+                          <a:prstDash val="solid"/>
+                        </a:lnBlToTr>
+                      </a:tcPr>
+                    </a:tc>
+                    <a:tc>
+                      <a:txBody>
+                        <a:bodyPr/>
+                        <a:lstStyle/>
+                        <a:p>
+                          <a:pPr algn="ctr"/>
+                          <a14:m>
+                            <m:oMathPara xmlns:m="http://schemas.openxmlformats.org/officeDocument/2006/math">
+                              <m:oMathParaPr>
+                                <m:jc m:val="centerGroup"/>
+                              </m:oMathParaPr>
+                              <m:oMath xmlns:m="http://schemas.openxmlformats.org/officeDocument/2006/math">
+                                <m:r>
+                                  <a:rPr kumimoji="1" lang="en-US" altLang="ja-JP" b="0" i="1" smtClean="0">
+                                    <a:latin typeface="Cambria Math" panose="02040503050406030204" pitchFamily="18" charset="0"/>
+                                  </a:rPr>
+                                  <m:t>∗</m:t>
+                                </m:r>
+                              </m:oMath>
+                            </m:oMathPara>
+                          </a14:m>
+                          <a:endParaRPr kumimoji="1" lang="ja-JP" altLang="en-US" dirty="0"/>
+                        </a:p>
+                      </a:txBody>
+                      <a:tcPr anchor="ctr">
+                        <a:lnL w="12700" cap="flat" cmpd="sng" algn="ctr">
+                          <a:solidFill>
+                            <a:schemeClr val="tx1"/>
+                          </a:solidFill>
+                          <a:prstDash val="solid"/>
+                          <a:round/>
+                          <a:headEnd type="none" w="med" len="med"/>
+                          <a:tailEnd type="none" w="med" len="med"/>
+                        </a:lnL>
+                        <a:lnR w="12700" cap="flat" cmpd="sng" algn="ctr">
+                          <a:solidFill>
+                            <a:schemeClr val="tx1"/>
+                          </a:solidFill>
+                          <a:prstDash val="solid"/>
+                          <a:round/>
+                          <a:headEnd type="none" w="med" len="med"/>
+                          <a:tailEnd type="none" w="med" len="med"/>
+                        </a:lnR>
+                        <a:lnT w="12700" cap="flat" cmpd="sng" algn="ctr">
+                          <a:solidFill>
+                            <a:schemeClr val="tx1"/>
+                          </a:solidFill>
+                          <a:prstDash val="solid"/>
+                          <a:round/>
+                          <a:headEnd type="none" w="med" len="med"/>
+                          <a:tailEnd type="none" w="med" len="med"/>
+                        </a:lnT>
+                        <a:lnB w="12700" cap="flat" cmpd="sng" algn="ctr">
+                          <a:solidFill>
+                            <a:schemeClr val="tx1"/>
+                          </a:solidFill>
+                          <a:prstDash val="solid"/>
+                          <a:round/>
+                          <a:headEnd type="none" w="med" len="med"/>
+                          <a:tailEnd type="none" w="med" len="med"/>
+                        </a:lnB>
+                        <a:lnTlToBr w="12700" cmpd="sng">
+                          <a:noFill/>
+                          <a:prstDash val="solid"/>
+                        </a:lnTlToBr>
+                        <a:lnBlToTr w="12700" cmpd="sng">
+                          <a:noFill/>
+                          <a:prstDash val="solid"/>
+                        </a:lnBlToTr>
+                      </a:tcPr>
+                    </a:tc>
+                    <a:tc>
+                      <a:txBody>
+                        <a:bodyPr/>
+                        <a:lstStyle/>
+                        <a:p>
+                          <a:pPr algn="ctr"/>
+                          <a14:m>
+                            <m:oMathPara xmlns:m="http://schemas.openxmlformats.org/officeDocument/2006/math">
+                              <m:oMathParaPr>
+                                <m:jc m:val="centerGroup"/>
+                              </m:oMathParaPr>
+                              <m:oMath xmlns:m="http://schemas.openxmlformats.org/officeDocument/2006/math">
+                                <m:r>
+                                  <a:rPr kumimoji="1" lang="en-US" altLang="ja-JP" b="0" i="1" smtClean="0">
+                                    <a:latin typeface="Cambria Math" panose="02040503050406030204" pitchFamily="18" charset="0"/>
+                                  </a:rPr>
+                                  <m:t>∗</m:t>
+                                </m:r>
+                              </m:oMath>
+                            </m:oMathPara>
+                          </a14:m>
+                          <a:endParaRPr kumimoji="1" lang="ja-JP" altLang="en-US" dirty="0"/>
+                        </a:p>
+                      </a:txBody>
+                      <a:tcPr anchor="ctr">
+                        <a:lnL w="12700" cap="flat" cmpd="sng" algn="ctr">
+                          <a:solidFill>
+                            <a:schemeClr val="tx1"/>
+                          </a:solidFill>
+                          <a:prstDash val="solid"/>
+                          <a:round/>
+                          <a:headEnd type="none" w="med" len="med"/>
+                          <a:tailEnd type="none" w="med" len="med"/>
+                        </a:lnL>
+                        <a:lnR w="12700" cap="flat" cmpd="sng" algn="ctr">
+                          <a:solidFill>
+                            <a:schemeClr val="tx1"/>
+                          </a:solidFill>
+                          <a:prstDash val="solid"/>
+                          <a:round/>
+                          <a:headEnd type="none" w="med" len="med"/>
+                          <a:tailEnd type="none" w="med" len="med"/>
+                        </a:lnR>
+                        <a:lnT w="12700" cap="flat" cmpd="sng" algn="ctr">
+                          <a:solidFill>
+                            <a:schemeClr val="tx1"/>
+                          </a:solidFill>
+                          <a:prstDash val="solid"/>
+                          <a:round/>
+                          <a:headEnd type="none" w="med" len="med"/>
+                          <a:tailEnd type="none" w="med" len="med"/>
+                        </a:lnT>
+                        <a:lnB w="12700" cap="flat" cmpd="sng" algn="ctr">
+                          <a:solidFill>
+                            <a:schemeClr val="tx1"/>
+                          </a:solidFill>
+                          <a:prstDash val="solid"/>
+                          <a:round/>
+                          <a:headEnd type="none" w="med" len="med"/>
+                          <a:tailEnd type="none" w="med" len="med"/>
+                        </a:lnB>
+                        <a:lnTlToBr w="12700" cmpd="sng">
+                          <a:noFill/>
+                          <a:prstDash val="solid"/>
+                        </a:lnTlToBr>
+                        <a:lnBlToTr w="12700" cmpd="sng">
+                          <a:noFill/>
+                          <a:prstDash val="solid"/>
+                        </a:lnBlToTr>
+                      </a:tcPr>
+                    </a:tc>
+                    <a:extLst>
+                      <a:ext uri="{0D108BD9-81ED-4DB2-BD59-A6C34878D82A}">
+                        <a16:rowId xmlns:a16="http://schemas.microsoft.com/office/drawing/2014/main" val="2786928437"/>
+                      </a:ext>
+                    </a:extLst>
+                  </a:tr>
+                  <a:tr h="615142">
+                    <a:tc>
+                      <a:txBody>
+                        <a:bodyPr/>
+                        <a:lstStyle/>
+                        <a:p>
+                          <a:pPr algn="r"/>
+                          <a:r>
+                            <a:rPr kumimoji="1" lang="en-US" altLang="ja-JP" dirty="0"/>
+                            <a:t>10</a:t>
+                          </a:r>
+                          <a:endParaRPr kumimoji="1" lang="ja-JP" altLang="en-US" dirty="0"/>
+                        </a:p>
+                      </a:txBody>
+                      <a:tcPr anchor="ctr">
+                        <a:lnL w="12700" cap="flat" cmpd="sng" algn="ctr">
+                          <a:noFill/>
+                          <a:prstDash val="solid"/>
+                          <a:round/>
+                          <a:headEnd type="none" w="med" len="med"/>
+                          <a:tailEnd type="none" w="med" len="med"/>
+                        </a:lnL>
+                        <a:lnR w="12700" cap="flat" cmpd="sng" algn="ctr">
+                          <a:solidFill>
+                            <a:schemeClr val="tx1"/>
+                          </a:solidFill>
+                          <a:prstDash val="solid"/>
+                          <a:round/>
+                          <a:headEnd type="none" w="med" len="med"/>
+                          <a:tailEnd type="none" w="med" len="med"/>
+                        </a:lnR>
+                        <a:lnT w="12700" cap="flat" cmpd="sng" algn="ctr">
+                          <a:noFill/>
+                          <a:prstDash val="solid"/>
+                          <a:round/>
+                          <a:headEnd type="none" w="med" len="med"/>
+                          <a:tailEnd type="none" w="med" len="med"/>
+                        </a:lnT>
+                        <a:lnB w="12700" cap="flat" cmpd="sng" algn="ctr">
+                          <a:noFill/>
+                          <a:prstDash val="solid"/>
+                          <a:round/>
+                          <a:headEnd type="none" w="med" len="med"/>
+                          <a:tailEnd type="none" w="med" len="med"/>
+                        </a:lnB>
+                        <a:lnTlToBr w="12700" cap="flat" cmpd="sng" algn="ctr">
+                          <a:noFill/>
+                          <a:prstDash val="solid"/>
+                          <a:round/>
+                          <a:headEnd type="none" w="med" len="med"/>
+                          <a:tailEnd type="none" w="med" len="med"/>
+                        </a:lnTlToBr>
+                        <a:lnBlToTr w="12700" cmpd="sng">
+                          <a:noFill/>
+                          <a:prstDash val="solid"/>
+                        </a:lnBlToTr>
+                      </a:tcPr>
+                    </a:tc>
+                    <a:tc>
+                      <a:txBody>
+                        <a:bodyPr/>
+                        <a:lstStyle/>
+                        <a:p>
+                          <a:pPr algn="ctr"/>
+                          <a:endParaRPr kumimoji="1" lang="ja-JP" altLang="en-US" dirty="0"/>
+                        </a:p>
+                      </a:txBody>
+                      <a:tcPr anchor="ctr">
+                        <a:lnL w="12700" cap="flat" cmpd="sng" algn="ctr">
+                          <a:solidFill>
+                            <a:schemeClr val="tx1"/>
+                          </a:solidFill>
+                          <a:prstDash val="solid"/>
+                          <a:round/>
+                          <a:headEnd type="none" w="med" len="med"/>
+                          <a:tailEnd type="none" w="med" len="med"/>
+                        </a:lnL>
+                        <a:lnR w="12700" cap="flat" cmpd="sng" algn="ctr">
+                          <a:solidFill>
+                            <a:schemeClr val="tx1"/>
+                          </a:solidFill>
+                          <a:prstDash val="solid"/>
+                          <a:round/>
+                          <a:headEnd type="none" w="med" len="med"/>
+                          <a:tailEnd type="none" w="med" len="med"/>
+                        </a:lnR>
+                        <a:lnT w="12700" cap="flat" cmpd="sng" algn="ctr">
+                          <a:solidFill>
+                            <a:schemeClr val="tx1"/>
+                          </a:solidFill>
+                          <a:prstDash val="solid"/>
+                          <a:round/>
+                          <a:headEnd type="none" w="med" len="med"/>
+                          <a:tailEnd type="none" w="med" len="med"/>
+                        </a:lnT>
+                        <a:lnB w="12700" cap="flat" cmpd="sng" algn="ctr">
+                          <a:solidFill>
+                            <a:schemeClr val="tx1"/>
+                          </a:solidFill>
+                          <a:prstDash val="solid"/>
+                          <a:round/>
+                          <a:headEnd type="none" w="med" len="med"/>
+                          <a:tailEnd type="none" w="med" len="med"/>
+                        </a:lnB>
+                        <a:lnTlToBr w="12700" cmpd="sng">
+                          <a:noFill/>
+                          <a:prstDash val="solid"/>
+                        </a:lnTlToBr>
+                        <a:lnBlToTr w="12700" cmpd="sng">
+                          <a:noFill/>
+                          <a:prstDash val="solid"/>
+                        </a:lnBlToTr>
+                      </a:tcPr>
+                    </a:tc>
+                    <a:tc>
+                      <a:txBody>
+                        <a:bodyPr/>
+                        <a:lstStyle/>
+                        <a:p>
+                          <a:pPr algn="ctr"/>
+                          <a:endParaRPr kumimoji="1" lang="ja-JP" altLang="en-US" dirty="0"/>
+                        </a:p>
+                      </a:txBody>
+                      <a:tcPr anchor="ctr">
+                        <a:lnL w="12700" cap="flat" cmpd="sng" algn="ctr">
+                          <a:solidFill>
+                            <a:schemeClr val="tx1"/>
+                          </a:solidFill>
+                          <a:prstDash val="solid"/>
+                          <a:round/>
+                          <a:headEnd type="none" w="med" len="med"/>
+                          <a:tailEnd type="none" w="med" len="med"/>
+                        </a:lnL>
+                        <a:lnR w="12700" cap="flat" cmpd="sng" algn="ctr">
+                          <a:solidFill>
+                            <a:schemeClr val="tx1"/>
+                          </a:solidFill>
+                          <a:prstDash val="solid"/>
+                          <a:round/>
+                          <a:headEnd type="none" w="med" len="med"/>
+                          <a:tailEnd type="none" w="med" len="med"/>
+                        </a:lnR>
+                        <a:lnT w="12700" cap="flat" cmpd="sng" algn="ctr">
+                          <a:solidFill>
+                            <a:schemeClr val="tx1"/>
+                          </a:solidFill>
+                          <a:prstDash val="solid"/>
+                          <a:round/>
+                          <a:headEnd type="none" w="med" len="med"/>
+                          <a:tailEnd type="none" w="med" len="med"/>
+                        </a:lnT>
+                        <a:lnB w="12700" cap="flat" cmpd="sng" algn="ctr">
+                          <a:solidFill>
+                            <a:schemeClr val="tx1"/>
+                          </a:solidFill>
+                          <a:prstDash val="solid"/>
+                          <a:round/>
+                          <a:headEnd type="none" w="med" len="med"/>
+                          <a:tailEnd type="none" w="med" len="med"/>
+                        </a:lnB>
+                        <a:lnTlToBr w="12700" cmpd="sng">
+                          <a:noFill/>
+                          <a:prstDash val="solid"/>
+                        </a:lnTlToBr>
+                        <a:lnBlToTr w="12700" cmpd="sng">
+                          <a:noFill/>
+                          <a:prstDash val="solid"/>
+                        </a:lnBlToTr>
+                      </a:tcPr>
+                    </a:tc>
+                    <a:extLst>
+                      <a:ext uri="{0D108BD9-81ED-4DB2-BD59-A6C34878D82A}">
+                        <a16:rowId xmlns:a16="http://schemas.microsoft.com/office/drawing/2014/main" val="1734436533"/>
+                      </a:ext>
+                    </a:extLst>
+                  </a:tr>
+                </a:tbl>
+              </a:graphicData>
+            </a:graphic>
+          </p:graphicFrame>
+        </mc:Choice>
+        <mc:Fallback xmlns="">
+          <p:graphicFrame>
+            <p:nvGraphicFramePr>
+              <p:cNvPr id="4" name="表 3">
+                <a:extLst>
+                  <a:ext uri="{FF2B5EF4-FFF2-40B4-BE49-F238E27FC236}">
+                    <a16:creationId xmlns:a16="http://schemas.microsoft.com/office/drawing/2014/main" id="{91077AA4-40DE-4FA6-9954-3A4DB4AC6DCC}"/>
+                  </a:ext>
+                </a:extLst>
+              </p:cNvPr>
+              <p:cNvGraphicFramePr>
+                <a:graphicFrameLocks noGrp="1"/>
+              </p:cNvGraphicFramePr>
+              <p:nvPr>
+                <p:extLst>
+                  <p:ext uri="{D42A27DB-BD31-4B8C-83A1-F6EECF244321}">
+                    <p14:modId xmlns:p14="http://schemas.microsoft.com/office/powerpoint/2010/main" val="511478944"/>
+                  </p:ext>
+                </p:extLst>
+              </p:nvPr>
+            </p:nvGraphicFramePr>
+            <p:xfrm>
+              <a:off x="1930400" y="1200727"/>
+              <a:ext cx="1791855" cy="3075710"/>
+            </p:xfrm>
+            <a:graphic>
+              <a:graphicData uri="http://schemas.openxmlformats.org/drawingml/2006/table">
+                <a:tbl>
+                  <a:tblPr firstRow="1" bandRow="1">
+                    <a:tableStyleId>{2D5ABB26-0587-4C30-8999-92F81FD0307C}</a:tableStyleId>
+                  </a:tblPr>
+                  <a:tblGrid>
+                    <a:gridCol w="597285">
+                      <a:extLst>
+                        <a:ext uri="{9D8B030D-6E8A-4147-A177-3AD203B41FA5}">
+                          <a16:colId xmlns:a16="http://schemas.microsoft.com/office/drawing/2014/main" val="3966724155"/>
+                        </a:ext>
+                      </a:extLst>
+                    </a:gridCol>
+                    <a:gridCol w="597285">
+                      <a:extLst>
+                        <a:ext uri="{9D8B030D-6E8A-4147-A177-3AD203B41FA5}">
+                          <a16:colId xmlns:a16="http://schemas.microsoft.com/office/drawing/2014/main" val="1876420039"/>
+                        </a:ext>
+                      </a:extLst>
+                    </a:gridCol>
+                    <a:gridCol w="597285">
+                      <a:extLst>
+                        <a:ext uri="{9D8B030D-6E8A-4147-A177-3AD203B41FA5}">
+                          <a16:colId xmlns:a16="http://schemas.microsoft.com/office/drawing/2014/main" val="76310099"/>
+                        </a:ext>
+                      </a:extLst>
+                    </a:gridCol>
+                  </a:tblGrid>
+                  <a:tr h="615142">
+                    <a:tc>
+                      <a:txBody>
+                        <a:bodyPr/>
+                        <a:lstStyle/>
+                        <a:p>
+                          <a:r>
+                            <a:rPr kumimoji="1" lang="en-US" altLang="ja-JP" dirty="0"/>
+                            <a:t> </a:t>
+                          </a:r>
+                          <a:r>
+                            <a:rPr kumimoji="1" lang="ja-JP" altLang="en-US" dirty="0"/>
+                            <a:t>  </a:t>
+                          </a:r>
+                        </a:p>
+                      </a:txBody>
+                      <a:tcPr>
+                        <a:lnL w="12700" cap="flat" cmpd="sng" algn="ctr">
+                          <a:noFill/>
+                          <a:prstDash val="solid"/>
+                          <a:round/>
+                          <a:headEnd type="none" w="med" len="med"/>
+                          <a:tailEnd type="none" w="med" len="med"/>
+                        </a:lnL>
+                        <a:lnR w="12700" cap="flat" cmpd="sng" algn="ctr">
+                          <a:noFill/>
+                          <a:prstDash val="solid"/>
+                          <a:round/>
+                          <a:headEnd type="none" w="med" len="med"/>
+                          <a:tailEnd type="none" w="med" len="med"/>
+                        </a:lnR>
+                        <a:lnT w="12700" cap="flat" cmpd="sng" algn="ctr">
+                          <a:noFill/>
+                          <a:prstDash val="solid"/>
+                          <a:round/>
+                          <a:headEnd type="none" w="med" len="med"/>
+                          <a:tailEnd type="none" w="med" len="med"/>
+                        </a:lnT>
+                        <a:lnB w="12700" cap="flat" cmpd="sng" algn="ctr">
+                          <a:noFill/>
+                          <a:prstDash val="solid"/>
+                          <a:round/>
+                          <a:headEnd type="none" w="med" len="med"/>
+                          <a:tailEnd type="none" w="med" len="med"/>
+                        </a:lnB>
+                        <a:lnTlToBr w="12700" cap="flat" cmpd="sng" algn="ctr">
+                          <a:solidFill>
+                            <a:schemeClr val="tx1"/>
+                          </a:solidFill>
+                          <a:prstDash val="solid"/>
+                          <a:round/>
+                          <a:headEnd type="none" w="med" len="med"/>
+                          <a:tailEnd type="none" w="med" len="med"/>
+                        </a:lnTlToBr>
+                        <a:lnBlToTr w="12700" cmpd="sng">
+                          <a:noFill/>
+                          <a:prstDash val="solid"/>
+                        </a:lnBlToTr>
+                      </a:tcPr>
+                    </a:tc>
+                    <a:tc>
+                      <a:txBody>
+                        <a:bodyPr/>
+                        <a:lstStyle/>
+                        <a:p>
+                          <a:pPr algn="ctr"/>
+                          <a:r>
+                            <a:rPr kumimoji="1" lang="en-US" altLang="ja-JP" dirty="0"/>
+                            <a:t>0</a:t>
+                          </a:r>
+                          <a:endParaRPr kumimoji="1" lang="ja-JP" altLang="en-US" dirty="0"/>
+                        </a:p>
+                      </a:txBody>
+                      <a:tcPr anchor="b">
+                        <a:lnL w="12700" cap="flat" cmpd="sng" algn="ctr">
+                          <a:noFill/>
+                          <a:prstDash val="solid"/>
+                          <a:round/>
+                          <a:headEnd type="none" w="med" len="med"/>
+                          <a:tailEnd type="none" w="med" len="med"/>
+                        </a:lnL>
+                        <a:lnR w="12700" cap="flat" cmpd="sng" algn="ctr">
+                          <a:noFill/>
+                          <a:prstDash val="solid"/>
+                          <a:round/>
+                          <a:headEnd type="none" w="med" len="med"/>
+                          <a:tailEnd type="none" w="med" len="med"/>
+                        </a:lnR>
+                        <a:lnT w="12700" cap="flat" cmpd="sng" algn="ctr">
+                          <a:noFill/>
+                          <a:prstDash val="solid"/>
+                          <a:round/>
+                          <a:headEnd type="none" w="med" len="med"/>
+                          <a:tailEnd type="none" w="med" len="med"/>
+                        </a:lnT>
+                        <a:lnB w="12700" cap="flat" cmpd="sng" algn="ctr">
+                          <a:solidFill>
+                            <a:schemeClr val="tx1"/>
+                          </a:solidFill>
+                          <a:prstDash val="solid"/>
+                          <a:round/>
+                          <a:headEnd type="none" w="med" len="med"/>
+                          <a:tailEnd type="none" w="med" len="med"/>
+                        </a:lnB>
+                        <a:lnTlToBr w="12700" cmpd="sng">
+                          <a:noFill/>
+                          <a:prstDash val="solid"/>
+                        </a:lnTlToBr>
+                        <a:lnBlToTr w="12700" cmpd="sng">
+                          <a:noFill/>
+                          <a:prstDash val="solid"/>
+                        </a:lnBlToTr>
+                      </a:tcPr>
+                    </a:tc>
+                    <a:tc>
+                      <a:txBody>
+                        <a:bodyPr/>
+                        <a:lstStyle/>
+                        <a:p>
+                          <a:pPr algn="ctr"/>
+                          <a:r>
+                            <a:rPr kumimoji="1" lang="en-US" altLang="ja-JP" dirty="0"/>
+                            <a:t>1</a:t>
+                          </a:r>
+                          <a:endParaRPr kumimoji="1" lang="ja-JP" altLang="en-US" dirty="0"/>
+                        </a:p>
+                      </a:txBody>
+                      <a:tcPr anchor="b">
+                        <a:lnL w="12700" cap="flat" cmpd="sng" algn="ctr">
+                          <a:noFill/>
+                          <a:prstDash val="solid"/>
+                          <a:round/>
+                          <a:headEnd type="none" w="med" len="med"/>
+                          <a:tailEnd type="none" w="med" len="med"/>
+                        </a:lnL>
+                        <a:lnR w="12700" cap="flat" cmpd="sng" algn="ctr">
+                          <a:noFill/>
+                          <a:prstDash val="solid"/>
+                          <a:round/>
+                          <a:headEnd type="none" w="med" len="med"/>
+                          <a:tailEnd type="none" w="med" len="med"/>
+                        </a:lnR>
+                        <a:lnT w="12700" cap="flat" cmpd="sng" algn="ctr">
+                          <a:noFill/>
+                          <a:prstDash val="solid"/>
+                          <a:round/>
+                          <a:headEnd type="none" w="med" len="med"/>
+                          <a:tailEnd type="none" w="med" len="med"/>
+                        </a:lnT>
+                        <a:lnB w="12700" cap="flat" cmpd="sng" algn="ctr">
+                          <a:solidFill>
+                            <a:schemeClr val="tx1"/>
+                          </a:solidFill>
+                          <a:prstDash val="solid"/>
+                          <a:round/>
+                          <a:headEnd type="none" w="med" len="med"/>
+                          <a:tailEnd type="none" w="med" len="med"/>
+                        </a:lnB>
+                        <a:lnTlToBr w="12700" cmpd="sng">
+                          <a:noFill/>
+                          <a:prstDash val="solid"/>
+                        </a:lnTlToBr>
+                        <a:lnBlToTr w="12700" cmpd="sng">
+                          <a:noFill/>
+                          <a:prstDash val="solid"/>
+                        </a:lnBlToTr>
+                      </a:tcPr>
+                    </a:tc>
+                    <a:extLst>
+                      <a:ext uri="{0D108BD9-81ED-4DB2-BD59-A6C34878D82A}">
+                        <a16:rowId xmlns:a16="http://schemas.microsoft.com/office/drawing/2014/main" val="4076029043"/>
+                      </a:ext>
+                    </a:extLst>
+                  </a:tr>
+                  <a:tr h="615142">
+                    <a:tc>
+                      <a:txBody>
+                        <a:bodyPr/>
+                        <a:lstStyle/>
+                        <a:p>
+                          <a:pPr algn="r"/>
+                          <a:r>
+                            <a:rPr kumimoji="1" lang="en-US" altLang="ja-JP" dirty="0"/>
+                            <a:t>00</a:t>
+                          </a:r>
+                        </a:p>
+                      </a:txBody>
+                      <a:tcPr anchor="ctr">
+                        <a:lnL w="12700" cap="flat" cmpd="sng" algn="ctr">
+                          <a:noFill/>
+                          <a:prstDash val="solid"/>
+                          <a:round/>
+                          <a:headEnd type="none" w="med" len="med"/>
+                          <a:tailEnd type="none" w="med" len="med"/>
+                        </a:lnL>
+                        <a:lnR w="12700" cap="flat" cmpd="sng" algn="ctr">
+                          <a:solidFill>
+                            <a:schemeClr val="tx1"/>
+                          </a:solidFill>
+                          <a:prstDash val="solid"/>
+                          <a:round/>
+                          <a:headEnd type="none" w="med" len="med"/>
+                          <a:tailEnd type="none" w="med" len="med"/>
+                        </a:lnR>
+                        <a:lnT w="12700" cap="flat" cmpd="sng" algn="ctr">
+                          <a:noFill/>
+                          <a:prstDash val="solid"/>
+                          <a:round/>
+                          <a:headEnd type="none" w="med" len="med"/>
+                          <a:tailEnd type="none" w="med" len="med"/>
+                        </a:lnT>
+                        <a:lnB w="12700" cap="flat" cmpd="sng" algn="ctr">
+                          <a:noFill/>
+                          <a:prstDash val="solid"/>
+                          <a:round/>
+                          <a:headEnd type="none" w="med" len="med"/>
+                          <a:tailEnd type="none" w="med" len="med"/>
+                        </a:lnB>
+                        <a:lnTlToBr w="12700" cap="flat" cmpd="sng" algn="ctr">
+                          <a:noFill/>
+                          <a:prstDash val="solid"/>
+                          <a:round/>
+                          <a:headEnd type="none" w="med" len="med"/>
+                          <a:tailEnd type="none" w="med" len="med"/>
+                        </a:lnTlToBr>
+                        <a:lnBlToTr w="12700" cmpd="sng">
+                          <a:noFill/>
+                          <a:prstDash val="solid"/>
+                        </a:lnBlToTr>
+                      </a:tcPr>
+                    </a:tc>
+                    <a:tc>
+                      <a:txBody>
+                        <a:bodyPr/>
+                        <a:lstStyle/>
+                        <a:p>
+                          <a:pPr algn="ctr"/>
+                          <a:r>
+                            <a:rPr kumimoji="1" lang="en-US" altLang="ja-JP" dirty="0"/>
+                            <a:t>1</a:t>
+                          </a:r>
+                          <a:endParaRPr kumimoji="1" lang="ja-JP" altLang="en-US" dirty="0"/>
+                        </a:p>
+                      </a:txBody>
+                      <a:tcPr anchor="ctr">
+                        <a:lnL w="12700" cap="flat" cmpd="sng" algn="ctr">
+                          <a:solidFill>
+                            <a:schemeClr val="tx1"/>
+                          </a:solidFill>
+                          <a:prstDash val="solid"/>
+                          <a:round/>
+                          <a:headEnd type="none" w="med" len="med"/>
+                          <a:tailEnd type="none" w="med" len="med"/>
+                        </a:lnL>
+                        <a:lnR w="12700" cap="flat" cmpd="sng" algn="ctr">
+                          <a:solidFill>
+                            <a:schemeClr val="tx1"/>
+                          </a:solidFill>
+                          <a:prstDash val="solid"/>
+                          <a:round/>
+                          <a:headEnd type="none" w="med" len="med"/>
+                          <a:tailEnd type="none" w="med" len="med"/>
+                        </a:lnR>
+                        <a:lnT w="12700" cap="flat" cmpd="sng" algn="ctr">
+                          <a:solidFill>
+                            <a:schemeClr val="tx1"/>
+                          </a:solidFill>
+                          <a:prstDash val="solid"/>
+                          <a:round/>
+                          <a:headEnd type="none" w="med" len="med"/>
+                          <a:tailEnd type="none" w="med" len="med"/>
+                        </a:lnT>
+                        <a:lnB w="12700" cap="flat" cmpd="sng" algn="ctr">
+                          <a:solidFill>
+                            <a:schemeClr val="tx1"/>
+                          </a:solidFill>
+                          <a:prstDash val="solid"/>
+                          <a:round/>
+                          <a:headEnd type="none" w="med" len="med"/>
+                          <a:tailEnd type="none" w="med" len="med"/>
+                        </a:lnB>
+                        <a:lnTlToBr w="12700" cmpd="sng">
+                          <a:noFill/>
+                          <a:prstDash val="solid"/>
+                        </a:lnTlToBr>
+                        <a:lnBlToTr w="12700" cmpd="sng">
+                          <a:noFill/>
+                          <a:prstDash val="solid"/>
+                        </a:lnBlToTr>
+                      </a:tcPr>
+                    </a:tc>
+                    <a:tc>
+                      <a:txBody>
+                        <a:bodyPr/>
+                        <a:lstStyle/>
+                        <a:p>
+                          <a:pPr algn="ctr"/>
+                          <a:endParaRPr kumimoji="1" lang="ja-JP" altLang="en-US" dirty="0"/>
+                        </a:p>
+                      </a:txBody>
+                      <a:tcPr anchor="ctr">
+                        <a:lnL w="12700" cap="flat" cmpd="sng" algn="ctr">
+                          <a:solidFill>
+                            <a:schemeClr val="tx1"/>
+                          </a:solidFill>
+                          <a:prstDash val="solid"/>
+                          <a:round/>
+                          <a:headEnd type="none" w="med" len="med"/>
+                          <a:tailEnd type="none" w="med" len="med"/>
+                        </a:lnL>
+                        <a:lnR w="12700" cap="flat" cmpd="sng" algn="ctr">
+                          <a:solidFill>
+                            <a:schemeClr val="tx1"/>
+                          </a:solidFill>
+                          <a:prstDash val="solid"/>
+                          <a:round/>
+                          <a:headEnd type="none" w="med" len="med"/>
+                          <a:tailEnd type="none" w="med" len="med"/>
+                        </a:lnR>
+                        <a:lnT w="12700" cap="flat" cmpd="sng" algn="ctr">
+                          <a:solidFill>
+                            <a:schemeClr val="tx1"/>
+                          </a:solidFill>
+                          <a:prstDash val="solid"/>
+                          <a:round/>
+                          <a:headEnd type="none" w="med" len="med"/>
+                          <a:tailEnd type="none" w="med" len="med"/>
+                        </a:lnT>
+                        <a:lnB w="12700" cap="flat" cmpd="sng" algn="ctr">
+                          <a:solidFill>
+                            <a:schemeClr val="tx1"/>
+                          </a:solidFill>
+                          <a:prstDash val="solid"/>
+                          <a:round/>
+                          <a:headEnd type="none" w="med" len="med"/>
+                          <a:tailEnd type="none" w="med" len="med"/>
+                        </a:lnB>
+                        <a:lnTlToBr w="12700" cmpd="sng">
+                          <a:noFill/>
+                          <a:prstDash val="solid"/>
+                        </a:lnTlToBr>
+                        <a:lnBlToTr w="12700" cmpd="sng">
+                          <a:noFill/>
+                          <a:prstDash val="solid"/>
+                        </a:lnBlToTr>
+                      </a:tcPr>
+                    </a:tc>
+                    <a:extLst>
+                      <a:ext uri="{0D108BD9-81ED-4DB2-BD59-A6C34878D82A}">
+                        <a16:rowId xmlns:a16="http://schemas.microsoft.com/office/drawing/2014/main" val="3163174870"/>
+                      </a:ext>
+                    </a:extLst>
+                  </a:tr>
+                  <a:tr h="615142">
+                    <a:tc>
+                      <a:txBody>
+                        <a:bodyPr/>
+                        <a:lstStyle/>
+                        <a:p>
+                          <a:pPr algn="r"/>
+                          <a:r>
+                            <a:rPr kumimoji="1" lang="en-US" altLang="ja-JP" dirty="0"/>
+                            <a:t>01</a:t>
+                          </a:r>
+                          <a:endParaRPr kumimoji="1" lang="ja-JP" altLang="en-US" dirty="0"/>
+                        </a:p>
+                      </a:txBody>
+                      <a:tcPr anchor="ctr">
+                        <a:lnL w="12700" cap="flat" cmpd="sng" algn="ctr">
+                          <a:noFill/>
+                          <a:prstDash val="solid"/>
+                          <a:round/>
+                          <a:headEnd type="none" w="med" len="med"/>
+                          <a:tailEnd type="none" w="med" len="med"/>
+                        </a:lnL>
+                        <a:lnR w="12700" cap="flat" cmpd="sng" algn="ctr">
+                          <a:solidFill>
+                            <a:schemeClr val="tx1"/>
+                          </a:solidFill>
+                          <a:prstDash val="solid"/>
+                          <a:round/>
+                          <a:headEnd type="none" w="med" len="med"/>
+                          <a:tailEnd type="none" w="med" len="med"/>
+                        </a:lnR>
+                        <a:lnT w="12700" cap="flat" cmpd="sng" algn="ctr">
+                          <a:noFill/>
+                          <a:prstDash val="solid"/>
+                          <a:round/>
+                          <a:headEnd type="none" w="med" len="med"/>
+                          <a:tailEnd type="none" w="med" len="med"/>
+                        </a:lnT>
+                        <a:lnB w="12700" cap="flat" cmpd="sng" algn="ctr">
+                          <a:noFill/>
+                          <a:prstDash val="solid"/>
+                          <a:round/>
+                          <a:headEnd type="none" w="med" len="med"/>
+                          <a:tailEnd type="none" w="med" len="med"/>
+                        </a:lnB>
+                        <a:lnTlToBr w="12700" cap="flat" cmpd="sng" algn="ctr">
+                          <a:noFill/>
+                          <a:prstDash val="solid"/>
+                          <a:round/>
+                          <a:headEnd type="none" w="med" len="med"/>
+                          <a:tailEnd type="none" w="med" len="med"/>
+                        </a:lnTlToBr>
+                        <a:lnBlToTr w="12700" cmpd="sng">
+                          <a:noFill/>
+                          <a:prstDash val="solid"/>
+                        </a:lnBlToTr>
+                      </a:tcPr>
+                    </a:tc>
+                    <a:tc>
+                      <a:txBody>
+                        <a:bodyPr/>
+                        <a:lstStyle/>
+                        <a:p>
+                          <a:pPr algn="ctr"/>
+                          <a:endParaRPr kumimoji="1" lang="ja-JP" altLang="en-US" dirty="0"/>
+                        </a:p>
+                      </a:txBody>
+                      <a:tcPr anchor="ctr">
+                        <a:lnL w="12700" cap="flat" cmpd="sng" algn="ctr">
+                          <a:solidFill>
+                            <a:schemeClr val="tx1"/>
+                          </a:solidFill>
+                          <a:prstDash val="solid"/>
+                          <a:round/>
+                          <a:headEnd type="none" w="med" len="med"/>
+                          <a:tailEnd type="none" w="med" len="med"/>
+                        </a:lnL>
+                        <a:lnR w="12700" cap="flat" cmpd="sng" algn="ctr">
+                          <a:solidFill>
+                            <a:schemeClr val="tx1"/>
+                          </a:solidFill>
+                          <a:prstDash val="solid"/>
+                          <a:round/>
+                          <a:headEnd type="none" w="med" len="med"/>
+                          <a:tailEnd type="none" w="med" len="med"/>
+                        </a:lnR>
+                        <a:lnT w="12700" cap="flat" cmpd="sng" algn="ctr">
+                          <a:solidFill>
+                            <a:schemeClr val="tx1"/>
+                          </a:solidFill>
+                          <a:prstDash val="solid"/>
+                          <a:round/>
+                          <a:headEnd type="none" w="med" len="med"/>
+                          <a:tailEnd type="none" w="med" len="med"/>
+                        </a:lnT>
+                        <a:lnB w="12700" cap="flat" cmpd="sng" algn="ctr">
+                          <a:solidFill>
+                            <a:schemeClr val="tx1"/>
+                          </a:solidFill>
+                          <a:prstDash val="solid"/>
+                          <a:round/>
+                          <a:headEnd type="none" w="med" len="med"/>
+                          <a:tailEnd type="none" w="med" len="med"/>
+                        </a:lnB>
+                        <a:lnTlToBr w="12700" cmpd="sng">
+                          <a:noFill/>
+                          <a:prstDash val="solid"/>
+                        </a:lnTlToBr>
+                        <a:lnBlToTr w="12700" cmpd="sng">
+                          <a:noFill/>
+                          <a:prstDash val="solid"/>
+                        </a:lnBlToTr>
+                      </a:tcPr>
+                    </a:tc>
+                    <a:tc>
+                      <a:txBody>
+                        <a:bodyPr/>
+                        <a:lstStyle/>
+                        <a:p>
+                          <a:pPr algn="ctr"/>
+                          <a:r>
+                            <a:rPr kumimoji="1" lang="en-US" altLang="ja-JP" dirty="0"/>
+                            <a:t>1</a:t>
+                          </a:r>
+                          <a:endParaRPr kumimoji="1" lang="ja-JP" altLang="en-US" dirty="0"/>
+                        </a:p>
+                      </a:txBody>
+                      <a:tcPr anchor="ctr">
+                        <a:lnL w="12700" cap="flat" cmpd="sng" algn="ctr">
+                          <a:solidFill>
+                            <a:schemeClr val="tx1"/>
+                          </a:solidFill>
+                          <a:prstDash val="solid"/>
+                          <a:round/>
+                          <a:headEnd type="none" w="med" len="med"/>
+                          <a:tailEnd type="none" w="med" len="med"/>
+                        </a:lnL>
+                        <a:lnR w="12700" cap="flat" cmpd="sng" algn="ctr">
+                          <a:solidFill>
+                            <a:schemeClr val="tx1"/>
+                          </a:solidFill>
+                          <a:prstDash val="solid"/>
+                          <a:round/>
+                          <a:headEnd type="none" w="med" len="med"/>
+                          <a:tailEnd type="none" w="med" len="med"/>
+                        </a:lnR>
+                        <a:lnT w="12700" cap="flat" cmpd="sng" algn="ctr">
+                          <a:solidFill>
+                            <a:schemeClr val="tx1"/>
+                          </a:solidFill>
+                          <a:prstDash val="solid"/>
+                          <a:round/>
+                          <a:headEnd type="none" w="med" len="med"/>
+                          <a:tailEnd type="none" w="med" len="med"/>
+                        </a:lnT>
+                        <a:lnB w="12700" cap="flat" cmpd="sng" algn="ctr">
+                          <a:solidFill>
+                            <a:schemeClr val="tx1"/>
+                          </a:solidFill>
+                          <a:prstDash val="solid"/>
+                          <a:round/>
+                          <a:headEnd type="none" w="med" len="med"/>
+                          <a:tailEnd type="none" w="med" len="med"/>
+                        </a:lnB>
+                        <a:lnTlToBr w="12700" cmpd="sng">
+                          <a:noFill/>
+                          <a:prstDash val="solid"/>
+                        </a:lnTlToBr>
+                        <a:lnBlToTr w="12700" cmpd="sng">
+                          <a:noFill/>
+                          <a:prstDash val="solid"/>
+                        </a:lnBlToTr>
+                      </a:tcPr>
+                    </a:tc>
+                    <a:extLst>
+                      <a:ext uri="{0D108BD9-81ED-4DB2-BD59-A6C34878D82A}">
+                        <a16:rowId xmlns:a16="http://schemas.microsoft.com/office/drawing/2014/main" val="1297509366"/>
+                      </a:ext>
+                    </a:extLst>
+                  </a:tr>
+                  <a:tr h="615142">
+                    <a:tc>
+                      <a:txBody>
+                        <a:bodyPr/>
+                        <a:lstStyle/>
+                        <a:p>
+                          <a:pPr algn="r"/>
+                          <a:r>
+                            <a:rPr kumimoji="1" lang="en-US" altLang="ja-JP" dirty="0"/>
+                            <a:t>11</a:t>
+                          </a:r>
+                          <a:endParaRPr kumimoji="1" lang="ja-JP" altLang="en-US" dirty="0"/>
+                        </a:p>
+                      </a:txBody>
+                      <a:tcPr anchor="ctr">
+                        <a:lnL w="12700" cap="flat" cmpd="sng" algn="ctr">
+                          <a:noFill/>
+                          <a:prstDash val="solid"/>
+                          <a:round/>
+                          <a:headEnd type="none" w="med" len="med"/>
+                          <a:tailEnd type="none" w="med" len="med"/>
+                        </a:lnL>
+                        <a:lnR w="12700" cap="flat" cmpd="sng" algn="ctr">
+                          <a:solidFill>
+                            <a:schemeClr val="tx1"/>
+                          </a:solidFill>
+                          <a:prstDash val="solid"/>
+                          <a:round/>
+                          <a:headEnd type="none" w="med" len="med"/>
+                          <a:tailEnd type="none" w="med" len="med"/>
+                        </a:lnR>
+                        <a:lnT w="12700" cap="flat" cmpd="sng" algn="ctr">
+                          <a:noFill/>
+                          <a:prstDash val="solid"/>
+                          <a:round/>
+                          <a:headEnd type="none" w="med" len="med"/>
+                          <a:tailEnd type="none" w="med" len="med"/>
+                        </a:lnT>
+                        <a:lnB w="12700" cap="flat" cmpd="sng" algn="ctr">
+                          <a:noFill/>
+                          <a:prstDash val="solid"/>
+                          <a:round/>
+                          <a:headEnd type="none" w="med" len="med"/>
+                          <a:tailEnd type="none" w="med" len="med"/>
+                        </a:lnB>
+                        <a:lnTlToBr w="12700" cap="flat" cmpd="sng" algn="ctr">
+                          <a:noFill/>
+                          <a:prstDash val="solid"/>
+                          <a:round/>
+                          <a:headEnd type="none" w="med" len="med"/>
+                          <a:tailEnd type="none" w="med" len="med"/>
+                        </a:lnTlToBr>
+                        <a:lnBlToTr w="12700" cmpd="sng">
+                          <a:noFill/>
+                          <a:prstDash val="solid"/>
+                        </a:lnBlToTr>
+                      </a:tcPr>
+                    </a:tc>
+                    <a:tc>
+                      <a:txBody>
+                        <a:bodyPr/>
+                        <a:lstStyle/>
+                        <a:p>
+                          <a:endParaRPr lang="ja-JP"/>
+                        </a:p>
+                      </a:txBody>
+                      <a:tcPr anchor="ctr">
+                        <a:lnL w="12700" cap="flat" cmpd="sng" algn="ctr">
+                          <a:solidFill>
+                            <a:schemeClr val="tx1"/>
+                          </a:solidFill>
+                          <a:prstDash val="solid"/>
+                          <a:round/>
+                          <a:headEnd type="none" w="med" len="med"/>
+                          <a:tailEnd type="none" w="med" len="med"/>
+                        </a:lnL>
+                        <a:lnR w="12700" cap="flat" cmpd="sng" algn="ctr">
+                          <a:solidFill>
+                            <a:schemeClr val="tx1"/>
+                          </a:solidFill>
+                          <a:prstDash val="solid"/>
+                          <a:round/>
+                          <a:headEnd type="none" w="med" len="med"/>
+                          <a:tailEnd type="none" w="med" len="med"/>
+                        </a:lnR>
+                        <a:lnT w="12700" cap="flat" cmpd="sng" algn="ctr">
+                          <a:solidFill>
+                            <a:schemeClr val="tx1"/>
+                          </a:solidFill>
+                          <a:prstDash val="solid"/>
+                          <a:round/>
+                          <a:headEnd type="none" w="med" len="med"/>
+                          <a:tailEnd type="none" w="med" len="med"/>
+                        </a:lnT>
+                        <a:lnB w="12700" cap="flat" cmpd="sng" algn="ctr">
+                          <a:solidFill>
+                            <a:schemeClr val="tx1"/>
+                          </a:solidFill>
+                          <a:prstDash val="solid"/>
+                          <a:round/>
+                          <a:headEnd type="none" w="med" len="med"/>
+                          <a:tailEnd type="none" w="med" len="med"/>
+                        </a:lnB>
+                        <a:lnTlToBr w="12700" cmpd="sng">
+                          <a:noFill/>
+                          <a:prstDash val="solid"/>
+                        </a:lnTlToBr>
+                        <a:lnBlToTr w="12700" cmpd="sng">
+                          <a:noFill/>
+                          <a:prstDash val="solid"/>
+                        </a:lnBlToTr>
+                        <a:blipFill>
+                          <a:blip r:embed="rId2"/>
+                          <a:stretch>
+                            <a:fillRect l="-100000" t="-300990" r="-101010" b="-101980"/>
+                          </a:stretch>
+                        </a:blipFill>
+                      </a:tcPr>
+                    </a:tc>
+                    <a:tc>
+                      <a:txBody>
+                        <a:bodyPr/>
+                        <a:lstStyle/>
+                        <a:p>
+                          <a:endParaRPr lang="ja-JP"/>
+                        </a:p>
+                      </a:txBody>
+                      <a:tcPr anchor="ctr">
+                        <a:lnL w="12700" cap="flat" cmpd="sng" algn="ctr">
+                          <a:solidFill>
+                            <a:schemeClr val="tx1"/>
+                          </a:solidFill>
+                          <a:prstDash val="solid"/>
+                          <a:round/>
+                          <a:headEnd type="none" w="med" len="med"/>
+                          <a:tailEnd type="none" w="med" len="med"/>
+                        </a:lnL>
+                        <a:lnR w="12700" cap="flat" cmpd="sng" algn="ctr">
+                          <a:solidFill>
+                            <a:schemeClr val="tx1"/>
+                          </a:solidFill>
+                          <a:prstDash val="solid"/>
+                          <a:round/>
+                          <a:headEnd type="none" w="med" len="med"/>
+                          <a:tailEnd type="none" w="med" len="med"/>
+                        </a:lnR>
+                        <a:lnT w="12700" cap="flat" cmpd="sng" algn="ctr">
+                          <a:solidFill>
+                            <a:schemeClr val="tx1"/>
+                          </a:solidFill>
+                          <a:prstDash val="solid"/>
+                          <a:round/>
+                          <a:headEnd type="none" w="med" len="med"/>
+                          <a:tailEnd type="none" w="med" len="med"/>
+                        </a:lnT>
+                        <a:lnB w="12700" cap="flat" cmpd="sng" algn="ctr">
+                          <a:solidFill>
+                            <a:schemeClr val="tx1"/>
+                          </a:solidFill>
+                          <a:prstDash val="solid"/>
+                          <a:round/>
+                          <a:headEnd type="none" w="med" len="med"/>
+                          <a:tailEnd type="none" w="med" len="med"/>
+                        </a:lnB>
+                        <a:lnTlToBr w="12700" cmpd="sng">
+                          <a:noFill/>
+                          <a:prstDash val="solid"/>
+                        </a:lnTlToBr>
+                        <a:lnBlToTr w="12700" cmpd="sng">
+                          <a:noFill/>
+                          <a:prstDash val="solid"/>
+                        </a:lnBlToTr>
+                        <a:blipFill>
+                          <a:blip r:embed="rId2"/>
+                          <a:stretch>
+                            <a:fillRect l="-202041" t="-300990" r="-2041" b="-101980"/>
+                          </a:stretch>
+                        </a:blipFill>
+                      </a:tcPr>
+                    </a:tc>
+                    <a:extLst>
+                      <a:ext uri="{0D108BD9-81ED-4DB2-BD59-A6C34878D82A}">
+                        <a16:rowId xmlns:a16="http://schemas.microsoft.com/office/drawing/2014/main" val="2786928437"/>
+                      </a:ext>
+                    </a:extLst>
+                  </a:tr>
+                  <a:tr h="615142">
+                    <a:tc>
+                      <a:txBody>
+                        <a:bodyPr/>
+                        <a:lstStyle/>
+                        <a:p>
+                          <a:pPr algn="r"/>
+                          <a:r>
+                            <a:rPr kumimoji="1" lang="en-US" altLang="ja-JP" dirty="0"/>
+                            <a:t>10</a:t>
+                          </a:r>
+                          <a:endParaRPr kumimoji="1" lang="ja-JP" altLang="en-US" dirty="0"/>
+                        </a:p>
+                      </a:txBody>
+                      <a:tcPr anchor="ctr">
+                        <a:lnL w="12700" cap="flat" cmpd="sng" algn="ctr">
+                          <a:noFill/>
+                          <a:prstDash val="solid"/>
+                          <a:round/>
+                          <a:headEnd type="none" w="med" len="med"/>
+                          <a:tailEnd type="none" w="med" len="med"/>
+                        </a:lnL>
+                        <a:lnR w="12700" cap="flat" cmpd="sng" algn="ctr">
+                          <a:solidFill>
+                            <a:schemeClr val="tx1"/>
+                          </a:solidFill>
+                          <a:prstDash val="solid"/>
+                          <a:round/>
+                          <a:headEnd type="none" w="med" len="med"/>
+                          <a:tailEnd type="none" w="med" len="med"/>
+                        </a:lnR>
+                        <a:lnT w="12700" cap="flat" cmpd="sng" algn="ctr">
+                          <a:noFill/>
+                          <a:prstDash val="solid"/>
+                          <a:round/>
+                          <a:headEnd type="none" w="med" len="med"/>
+                          <a:tailEnd type="none" w="med" len="med"/>
+                        </a:lnT>
+                        <a:lnB w="12700" cap="flat" cmpd="sng" algn="ctr">
+                          <a:noFill/>
+                          <a:prstDash val="solid"/>
+                          <a:round/>
+                          <a:headEnd type="none" w="med" len="med"/>
+                          <a:tailEnd type="none" w="med" len="med"/>
+                        </a:lnB>
+                        <a:lnTlToBr w="12700" cap="flat" cmpd="sng" algn="ctr">
+                          <a:noFill/>
+                          <a:prstDash val="solid"/>
+                          <a:round/>
+                          <a:headEnd type="none" w="med" len="med"/>
+                          <a:tailEnd type="none" w="med" len="med"/>
+                        </a:lnTlToBr>
+                        <a:lnBlToTr w="12700" cmpd="sng">
+                          <a:noFill/>
+                          <a:prstDash val="solid"/>
+                        </a:lnBlToTr>
+                      </a:tcPr>
+                    </a:tc>
+                    <a:tc>
+                      <a:txBody>
+                        <a:bodyPr/>
+                        <a:lstStyle/>
+                        <a:p>
+                          <a:pPr algn="ctr"/>
+                          <a:endParaRPr kumimoji="1" lang="ja-JP" altLang="en-US" dirty="0"/>
+                        </a:p>
+                      </a:txBody>
+                      <a:tcPr anchor="ctr">
+                        <a:lnL w="12700" cap="flat" cmpd="sng" algn="ctr">
+                          <a:solidFill>
+                            <a:schemeClr val="tx1"/>
+                          </a:solidFill>
+                          <a:prstDash val="solid"/>
+                          <a:round/>
+                          <a:headEnd type="none" w="med" len="med"/>
+                          <a:tailEnd type="none" w="med" len="med"/>
+                        </a:lnL>
+                        <a:lnR w="12700" cap="flat" cmpd="sng" algn="ctr">
+                          <a:solidFill>
+                            <a:schemeClr val="tx1"/>
+                          </a:solidFill>
+                          <a:prstDash val="solid"/>
+                          <a:round/>
+                          <a:headEnd type="none" w="med" len="med"/>
+                          <a:tailEnd type="none" w="med" len="med"/>
+                        </a:lnR>
+                        <a:lnT w="12700" cap="flat" cmpd="sng" algn="ctr">
+                          <a:solidFill>
+                            <a:schemeClr val="tx1"/>
+                          </a:solidFill>
+                          <a:prstDash val="solid"/>
+                          <a:round/>
+                          <a:headEnd type="none" w="med" len="med"/>
+                          <a:tailEnd type="none" w="med" len="med"/>
+                        </a:lnT>
+                        <a:lnB w="12700" cap="flat" cmpd="sng" algn="ctr">
+                          <a:solidFill>
+                            <a:schemeClr val="tx1"/>
+                          </a:solidFill>
+                          <a:prstDash val="solid"/>
+                          <a:round/>
+                          <a:headEnd type="none" w="med" len="med"/>
+                          <a:tailEnd type="none" w="med" len="med"/>
+                        </a:lnB>
+                        <a:lnTlToBr w="12700" cmpd="sng">
+                          <a:noFill/>
+                          <a:prstDash val="solid"/>
+                        </a:lnTlToBr>
+                        <a:lnBlToTr w="12700" cmpd="sng">
+                          <a:noFill/>
+                          <a:prstDash val="solid"/>
+                        </a:lnBlToTr>
+                      </a:tcPr>
+                    </a:tc>
+                    <a:tc>
+                      <a:txBody>
+                        <a:bodyPr/>
+                        <a:lstStyle/>
+                        <a:p>
+                          <a:pPr algn="ctr"/>
+                          <a:endParaRPr kumimoji="1" lang="ja-JP" altLang="en-US" dirty="0"/>
+                        </a:p>
+                      </a:txBody>
+                      <a:tcPr anchor="ctr">
+                        <a:lnL w="12700" cap="flat" cmpd="sng" algn="ctr">
+                          <a:solidFill>
+                            <a:schemeClr val="tx1"/>
+                          </a:solidFill>
+                          <a:prstDash val="solid"/>
+                          <a:round/>
+                          <a:headEnd type="none" w="med" len="med"/>
+                          <a:tailEnd type="none" w="med" len="med"/>
+                        </a:lnL>
+                        <a:lnR w="12700" cap="flat" cmpd="sng" algn="ctr">
+                          <a:solidFill>
+                            <a:schemeClr val="tx1"/>
+                          </a:solidFill>
+                          <a:prstDash val="solid"/>
+                          <a:round/>
+                          <a:headEnd type="none" w="med" len="med"/>
+                          <a:tailEnd type="none" w="med" len="med"/>
+                        </a:lnR>
+                        <a:lnT w="12700" cap="flat" cmpd="sng" algn="ctr">
+                          <a:solidFill>
+                            <a:schemeClr val="tx1"/>
+                          </a:solidFill>
+                          <a:prstDash val="solid"/>
+                          <a:round/>
+                          <a:headEnd type="none" w="med" len="med"/>
+                          <a:tailEnd type="none" w="med" len="med"/>
+                        </a:lnT>
+                        <a:lnB w="12700" cap="flat" cmpd="sng" algn="ctr">
+                          <a:solidFill>
+                            <a:schemeClr val="tx1"/>
+                          </a:solidFill>
+                          <a:prstDash val="solid"/>
+                          <a:round/>
+                          <a:headEnd type="none" w="med" len="med"/>
+                          <a:tailEnd type="none" w="med" len="med"/>
+                        </a:lnB>
+                        <a:lnTlToBr w="12700" cmpd="sng">
+                          <a:noFill/>
+                          <a:prstDash val="solid"/>
+                        </a:lnTlToBr>
+                        <a:lnBlToTr w="12700" cmpd="sng">
+                          <a:noFill/>
+                          <a:prstDash val="solid"/>
+                        </a:lnBlToTr>
+                      </a:tcPr>
+                    </a:tc>
+                    <a:extLst>
+                      <a:ext uri="{0D108BD9-81ED-4DB2-BD59-A6C34878D82A}">
+                        <a16:rowId xmlns:a16="http://schemas.microsoft.com/office/drawing/2014/main" val="1734436533"/>
+                      </a:ext>
+                    </a:extLst>
+                  </a:tr>
+                </a:tbl>
+              </a:graphicData>
+            </a:graphic>
+          </p:graphicFrame>
+        </mc:Fallback>
+      </mc:AlternateContent>
+      <mc:AlternateContent xmlns:mc="http://schemas.openxmlformats.org/markup-compatibility/2006" xmlns:a14="http://schemas.microsoft.com/office/drawing/2010/main">
+        <mc:Choice Requires="a14">
+          <p:graphicFrame>
+            <p:nvGraphicFramePr>
+              <p:cNvPr id="6" name="表 5">
+                <a:extLst>
+                  <a:ext uri="{FF2B5EF4-FFF2-40B4-BE49-F238E27FC236}">
+                    <a16:creationId xmlns:a16="http://schemas.microsoft.com/office/drawing/2014/main" id="{161CB0B6-73D5-4B22-8B9C-6DA2E05D1693}"/>
+                  </a:ext>
+                </a:extLst>
+              </p:cNvPr>
+              <p:cNvGraphicFramePr>
+                <a:graphicFrameLocks noGrp="1"/>
+              </p:cNvGraphicFramePr>
+              <p:nvPr>
+                <p:extLst>
+                  <p:ext uri="{D42A27DB-BD31-4B8C-83A1-F6EECF244321}">
+                    <p14:modId xmlns:p14="http://schemas.microsoft.com/office/powerpoint/2010/main" val="2213734477"/>
+                  </p:ext>
+                </p:extLst>
+              </p:nvPr>
+            </p:nvGraphicFramePr>
+            <p:xfrm>
+              <a:off x="4899891" y="1200727"/>
+              <a:ext cx="1791855" cy="3075710"/>
+            </p:xfrm>
+            <a:graphic>
+              <a:graphicData uri="http://schemas.openxmlformats.org/drawingml/2006/table">
+                <a:tbl>
+                  <a:tblPr firstRow="1" bandRow="1">
+                    <a:tableStyleId>{2D5ABB26-0587-4C30-8999-92F81FD0307C}</a:tableStyleId>
+                  </a:tblPr>
+                  <a:tblGrid>
+                    <a:gridCol w="597285">
+                      <a:extLst>
+                        <a:ext uri="{9D8B030D-6E8A-4147-A177-3AD203B41FA5}">
+                          <a16:colId xmlns:a16="http://schemas.microsoft.com/office/drawing/2014/main" val="3966724155"/>
+                        </a:ext>
+                      </a:extLst>
+                    </a:gridCol>
+                    <a:gridCol w="597285">
+                      <a:extLst>
+                        <a:ext uri="{9D8B030D-6E8A-4147-A177-3AD203B41FA5}">
+                          <a16:colId xmlns:a16="http://schemas.microsoft.com/office/drawing/2014/main" val="1876420039"/>
+                        </a:ext>
+                      </a:extLst>
+                    </a:gridCol>
+                    <a:gridCol w="597285">
+                      <a:extLst>
+                        <a:ext uri="{9D8B030D-6E8A-4147-A177-3AD203B41FA5}">
+                          <a16:colId xmlns:a16="http://schemas.microsoft.com/office/drawing/2014/main" val="76310099"/>
+                        </a:ext>
+                      </a:extLst>
+                    </a:gridCol>
+                  </a:tblGrid>
+                  <a:tr h="615142">
+                    <a:tc>
+                      <a:txBody>
+                        <a:bodyPr/>
+                        <a:lstStyle/>
+                        <a:p>
+                          <a:r>
+                            <a:rPr kumimoji="1" lang="en-US" altLang="ja-JP" dirty="0"/>
+                            <a:t> </a:t>
+                          </a:r>
+                          <a:r>
+                            <a:rPr kumimoji="1" lang="ja-JP" altLang="en-US" dirty="0"/>
+                            <a:t>  </a:t>
+                          </a:r>
+                        </a:p>
+                      </a:txBody>
+                      <a:tcPr>
+                        <a:lnL w="12700" cap="flat" cmpd="sng" algn="ctr">
+                          <a:noFill/>
+                          <a:prstDash val="solid"/>
+                          <a:round/>
+                          <a:headEnd type="none" w="med" len="med"/>
+                          <a:tailEnd type="none" w="med" len="med"/>
+                        </a:lnL>
+                        <a:lnR w="12700" cap="flat" cmpd="sng" algn="ctr">
+                          <a:noFill/>
+                          <a:prstDash val="solid"/>
+                          <a:round/>
+                          <a:headEnd type="none" w="med" len="med"/>
+                          <a:tailEnd type="none" w="med" len="med"/>
+                        </a:lnR>
+                        <a:lnT w="12700" cap="flat" cmpd="sng" algn="ctr">
+                          <a:noFill/>
+                          <a:prstDash val="solid"/>
+                          <a:round/>
+                          <a:headEnd type="none" w="med" len="med"/>
+                          <a:tailEnd type="none" w="med" len="med"/>
+                        </a:lnT>
+                        <a:lnB w="12700" cap="flat" cmpd="sng" algn="ctr">
+                          <a:noFill/>
+                          <a:prstDash val="solid"/>
+                          <a:round/>
+                          <a:headEnd type="none" w="med" len="med"/>
+                          <a:tailEnd type="none" w="med" len="med"/>
+                        </a:lnB>
+                        <a:lnTlToBr w="12700" cap="flat" cmpd="sng" algn="ctr">
+                          <a:solidFill>
+                            <a:schemeClr val="tx1"/>
+                          </a:solidFill>
+                          <a:prstDash val="solid"/>
+                          <a:round/>
+                          <a:headEnd type="none" w="med" len="med"/>
+                          <a:tailEnd type="none" w="med" len="med"/>
+                        </a:lnTlToBr>
+                        <a:lnBlToTr w="12700" cmpd="sng">
+                          <a:noFill/>
+                          <a:prstDash val="solid"/>
+                        </a:lnBlToTr>
+                      </a:tcPr>
+                    </a:tc>
+                    <a:tc>
+                      <a:txBody>
+                        <a:bodyPr/>
+                        <a:lstStyle/>
+                        <a:p>
+                          <a:pPr algn="ctr"/>
+                          <a:r>
+                            <a:rPr kumimoji="1" lang="en-US" altLang="ja-JP" dirty="0"/>
+                            <a:t>0</a:t>
+                          </a:r>
+                          <a:endParaRPr kumimoji="1" lang="ja-JP" altLang="en-US" dirty="0"/>
+                        </a:p>
+                      </a:txBody>
+                      <a:tcPr anchor="b">
+                        <a:lnL w="12700" cap="flat" cmpd="sng" algn="ctr">
+                          <a:noFill/>
+                          <a:prstDash val="solid"/>
+                          <a:round/>
+                          <a:headEnd type="none" w="med" len="med"/>
+                          <a:tailEnd type="none" w="med" len="med"/>
+                        </a:lnL>
+                        <a:lnR w="12700" cap="flat" cmpd="sng" algn="ctr">
+                          <a:noFill/>
+                          <a:prstDash val="solid"/>
+                          <a:round/>
+                          <a:headEnd type="none" w="med" len="med"/>
+                          <a:tailEnd type="none" w="med" len="med"/>
+                        </a:lnR>
+                        <a:lnT w="12700" cap="flat" cmpd="sng" algn="ctr">
+                          <a:noFill/>
+                          <a:prstDash val="solid"/>
+                          <a:round/>
+                          <a:headEnd type="none" w="med" len="med"/>
+                          <a:tailEnd type="none" w="med" len="med"/>
+                        </a:lnT>
+                        <a:lnB w="12700" cap="flat" cmpd="sng" algn="ctr">
+                          <a:solidFill>
+                            <a:schemeClr val="tx1"/>
+                          </a:solidFill>
+                          <a:prstDash val="solid"/>
+                          <a:round/>
+                          <a:headEnd type="none" w="med" len="med"/>
+                          <a:tailEnd type="none" w="med" len="med"/>
+                        </a:lnB>
+                        <a:lnTlToBr w="12700" cmpd="sng">
+                          <a:noFill/>
+                          <a:prstDash val="solid"/>
+                        </a:lnTlToBr>
+                        <a:lnBlToTr w="12700" cmpd="sng">
+                          <a:noFill/>
+                          <a:prstDash val="solid"/>
+                        </a:lnBlToTr>
+                      </a:tcPr>
+                    </a:tc>
+                    <a:tc>
+                      <a:txBody>
+                        <a:bodyPr/>
+                        <a:lstStyle/>
+                        <a:p>
+                          <a:pPr algn="ctr"/>
+                          <a:r>
+                            <a:rPr kumimoji="1" lang="en-US" altLang="ja-JP" dirty="0"/>
+                            <a:t>1</a:t>
+                          </a:r>
+                          <a:endParaRPr kumimoji="1" lang="ja-JP" altLang="en-US" dirty="0"/>
+                        </a:p>
+                      </a:txBody>
+                      <a:tcPr anchor="b">
+                        <a:lnL w="12700" cap="flat" cmpd="sng" algn="ctr">
+                          <a:noFill/>
+                          <a:prstDash val="solid"/>
+                          <a:round/>
+                          <a:headEnd type="none" w="med" len="med"/>
+                          <a:tailEnd type="none" w="med" len="med"/>
+                        </a:lnL>
+                        <a:lnR w="12700" cap="flat" cmpd="sng" algn="ctr">
+                          <a:noFill/>
+                          <a:prstDash val="solid"/>
+                          <a:round/>
+                          <a:headEnd type="none" w="med" len="med"/>
+                          <a:tailEnd type="none" w="med" len="med"/>
+                        </a:lnR>
+                        <a:lnT w="12700" cap="flat" cmpd="sng" algn="ctr">
+                          <a:noFill/>
+                          <a:prstDash val="solid"/>
+                          <a:round/>
+                          <a:headEnd type="none" w="med" len="med"/>
+                          <a:tailEnd type="none" w="med" len="med"/>
+                        </a:lnT>
+                        <a:lnB w="12700" cap="flat" cmpd="sng" algn="ctr">
+                          <a:solidFill>
+                            <a:schemeClr val="tx1"/>
+                          </a:solidFill>
+                          <a:prstDash val="solid"/>
+                          <a:round/>
+                          <a:headEnd type="none" w="med" len="med"/>
+                          <a:tailEnd type="none" w="med" len="med"/>
+                        </a:lnB>
+                        <a:lnTlToBr w="12700" cmpd="sng">
+                          <a:noFill/>
+                          <a:prstDash val="solid"/>
+                        </a:lnTlToBr>
+                        <a:lnBlToTr w="12700" cmpd="sng">
+                          <a:noFill/>
+                          <a:prstDash val="solid"/>
+                        </a:lnBlToTr>
+                      </a:tcPr>
+                    </a:tc>
+                    <a:extLst>
+                      <a:ext uri="{0D108BD9-81ED-4DB2-BD59-A6C34878D82A}">
+                        <a16:rowId xmlns:a16="http://schemas.microsoft.com/office/drawing/2014/main" val="4076029043"/>
+                      </a:ext>
+                    </a:extLst>
+                  </a:tr>
+                  <a:tr h="615142">
+                    <a:tc>
+                      <a:txBody>
+                        <a:bodyPr/>
+                        <a:lstStyle/>
+                        <a:p>
+                          <a:pPr algn="r"/>
+                          <a:r>
+                            <a:rPr kumimoji="1" lang="en-US" altLang="ja-JP" dirty="0"/>
+                            <a:t>00</a:t>
+                          </a:r>
+                        </a:p>
+                      </a:txBody>
+                      <a:tcPr anchor="ctr">
+                        <a:lnL w="12700" cap="flat" cmpd="sng" algn="ctr">
+                          <a:noFill/>
+                          <a:prstDash val="solid"/>
+                          <a:round/>
+                          <a:headEnd type="none" w="med" len="med"/>
+                          <a:tailEnd type="none" w="med" len="med"/>
+                        </a:lnL>
+                        <a:lnR w="12700" cap="flat" cmpd="sng" algn="ctr">
+                          <a:solidFill>
+                            <a:schemeClr val="tx1"/>
+                          </a:solidFill>
+                          <a:prstDash val="solid"/>
+                          <a:round/>
+                          <a:headEnd type="none" w="med" len="med"/>
+                          <a:tailEnd type="none" w="med" len="med"/>
+                        </a:lnR>
+                        <a:lnT w="12700" cap="flat" cmpd="sng" algn="ctr">
+                          <a:noFill/>
+                          <a:prstDash val="solid"/>
+                          <a:round/>
+                          <a:headEnd type="none" w="med" len="med"/>
+                          <a:tailEnd type="none" w="med" len="med"/>
+                        </a:lnT>
+                        <a:lnB w="12700" cap="flat" cmpd="sng" algn="ctr">
+                          <a:noFill/>
+                          <a:prstDash val="solid"/>
+                          <a:round/>
+                          <a:headEnd type="none" w="med" len="med"/>
+                          <a:tailEnd type="none" w="med" len="med"/>
+                        </a:lnB>
+                        <a:lnTlToBr w="12700" cap="flat" cmpd="sng" algn="ctr">
+                          <a:noFill/>
+                          <a:prstDash val="solid"/>
+                          <a:round/>
+                          <a:headEnd type="none" w="med" len="med"/>
+                          <a:tailEnd type="none" w="med" len="med"/>
+                        </a:lnTlToBr>
+                        <a:lnBlToTr w="12700" cmpd="sng">
+                          <a:noFill/>
+                          <a:prstDash val="solid"/>
+                        </a:lnBlToTr>
+                      </a:tcPr>
+                    </a:tc>
+                    <a:tc>
+                      <a:txBody>
+                        <a:bodyPr/>
+                        <a:lstStyle/>
+                        <a:p>
+                          <a:pPr algn="ctr"/>
+                          <a:endParaRPr kumimoji="1" lang="ja-JP" altLang="en-US" dirty="0"/>
+                        </a:p>
+                      </a:txBody>
+                      <a:tcPr anchor="ctr">
+                        <a:lnL w="12700" cap="flat" cmpd="sng" algn="ctr">
+                          <a:solidFill>
+                            <a:schemeClr val="tx1"/>
+                          </a:solidFill>
+                          <a:prstDash val="solid"/>
+                          <a:round/>
+                          <a:headEnd type="none" w="med" len="med"/>
+                          <a:tailEnd type="none" w="med" len="med"/>
+                        </a:lnL>
+                        <a:lnR w="12700" cap="flat" cmpd="sng" algn="ctr">
+                          <a:solidFill>
+                            <a:schemeClr val="tx1"/>
+                          </a:solidFill>
+                          <a:prstDash val="solid"/>
+                          <a:round/>
+                          <a:headEnd type="none" w="med" len="med"/>
+                          <a:tailEnd type="none" w="med" len="med"/>
+                        </a:lnR>
+                        <a:lnT w="12700" cap="flat" cmpd="sng" algn="ctr">
+                          <a:solidFill>
+                            <a:schemeClr val="tx1"/>
+                          </a:solidFill>
+                          <a:prstDash val="solid"/>
+                          <a:round/>
+                          <a:headEnd type="none" w="med" len="med"/>
+                          <a:tailEnd type="none" w="med" len="med"/>
+                        </a:lnT>
+                        <a:lnB w="12700" cap="flat" cmpd="sng" algn="ctr">
+                          <a:solidFill>
+                            <a:schemeClr val="tx1"/>
+                          </a:solidFill>
+                          <a:prstDash val="solid"/>
+                          <a:round/>
+                          <a:headEnd type="none" w="med" len="med"/>
+                          <a:tailEnd type="none" w="med" len="med"/>
+                        </a:lnB>
+                        <a:lnTlToBr w="12700" cmpd="sng">
+                          <a:noFill/>
+                          <a:prstDash val="solid"/>
+                        </a:lnTlToBr>
+                        <a:lnBlToTr w="12700" cmpd="sng">
+                          <a:noFill/>
+                          <a:prstDash val="solid"/>
+                        </a:lnBlToTr>
+                      </a:tcPr>
+                    </a:tc>
+                    <a:tc>
+                      <a:txBody>
+                        <a:bodyPr/>
+                        <a:lstStyle/>
+                        <a:p>
+                          <a:pPr algn="ctr"/>
+                          <a:r>
+                            <a:rPr kumimoji="1" lang="en-US" altLang="ja-JP" dirty="0"/>
+                            <a:t>1</a:t>
+                          </a:r>
+                          <a:endParaRPr kumimoji="1" lang="ja-JP" altLang="en-US" dirty="0"/>
+                        </a:p>
+                      </a:txBody>
+                      <a:tcPr anchor="ctr">
+                        <a:lnL w="12700" cap="flat" cmpd="sng" algn="ctr">
+                          <a:solidFill>
+                            <a:schemeClr val="tx1"/>
+                          </a:solidFill>
+                          <a:prstDash val="solid"/>
+                          <a:round/>
+                          <a:headEnd type="none" w="med" len="med"/>
+                          <a:tailEnd type="none" w="med" len="med"/>
+                        </a:lnL>
+                        <a:lnR w="12700" cap="flat" cmpd="sng" algn="ctr">
+                          <a:solidFill>
+                            <a:schemeClr val="tx1"/>
+                          </a:solidFill>
+                          <a:prstDash val="solid"/>
+                          <a:round/>
+                          <a:headEnd type="none" w="med" len="med"/>
+                          <a:tailEnd type="none" w="med" len="med"/>
+                        </a:lnR>
+                        <a:lnT w="12700" cap="flat" cmpd="sng" algn="ctr">
+                          <a:solidFill>
+                            <a:schemeClr val="tx1"/>
+                          </a:solidFill>
+                          <a:prstDash val="solid"/>
+                          <a:round/>
+                          <a:headEnd type="none" w="med" len="med"/>
+                          <a:tailEnd type="none" w="med" len="med"/>
+                        </a:lnT>
+                        <a:lnB w="12700" cap="flat" cmpd="sng" algn="ctr">
+                          <a:solidFill>
+                            <a:schemeClr val="tx1"/>
+                          </a:solidFill>
+                          <a:prstDash val="solid"/>
+                          <a:round/>
+                          <a:headEnd type="none" w="med" len="med"/>
+                          <a:tailEnd type="none" w="med" len="med"/>
+                        </a:lnB>
+                        <a:lnTlToBr w="12700" cmpd="sng">
+                          <a:noFill/>
+                          <a:prstDash val="solid"/>
+                        </a:lnTlToBr>
+                        <a:lnBlToTr w="12700" cmpd="sng">
+                          <a:noFill/>
+                          <a:prstDash val="solid"/>
+                        </a:lnBlToTr>
+                      </a:tcPr>
+                    </a:tc>
+                    <a:extLst>
+                      <a:ext uri="{0D108BD9-81ED-4DB2-BD59-A6C34878D82A}">
+                        <a16:rowId xmlns:a16="http://schemas.microsoft.com/office/drawing/2014/main" val="3163174870"/>
+                      </a:ext>
+                    </a:extLst>
+                  </a:tr>
+                  <a:tr h="615142">
+                    <a:tc>
+                      <a:txBody>
+                        <a:bodyPr/>
+                        <a:lstStyle/>
+                        <a:p>
+                          <a:pPr algn="r"/>
+                          <a:r>
+                            <a:rPr kumimoji="1" lang="en-US" altLang="ja-JP" dirty="0"/>
+                            <a:t>01</a:t>
+                          </a:r>
+                          <a:endParaRPr kumimoji="1" lang="ja-JP" altLang="en-US" dirty="0"/>
+                        </a:p>
+                      </a:txBody>
+                      <a:tcPr anchor="ctr">
+                        <a:lnL w="12700" cap="flat" cmpd="sng" algn="ctr">
+                          <a:noFill/>
+                          <a:prstDash val="solid"/>
+                          <a:round/>
+                          <a:headEnd type="none" w="med" len="med"/>
+                          <a:tailEnd type="none" w="med" len="med"/>
+                        </a:lnL>
+                        <a:lnR w="12700" cap="flat" cmpd="sng" algn="ctr">
+                          <a:solidFill>
+                            <a:schemeClr val="tx1"/>
+                          </a:solidFill>
+                          <a:prstDash val="solid"/>
+                          <a:round/>
+                          <a:headEnd type="none" w="med" len="med"/>
+                          <a:tailEnd type="none" w="med" len="med"/>
+                        </a:lnR>
+                        <a:lnT w="12700" cap="flat" cmpd="sng" algn="ctr">
+                          <a:noFill/>
+                          <a:prstDash val="solid"/>
+                          <a:round/>
+                          <a:headEnd type="none" w="med" len="med"/>
+                          <a:tailEnd type="none" w="med" len="med"/>
+                        </a:lnT>
+                        <a:lnB w="12700" cap="flat" cmpd="sng" algn="ctr">
+                          <a:noFill/>
+                          <a:prstDash val="solid"/>
+                          <a:round/>
+                          <a:headEnd type="none" w="med" len="med"/>
+                          <a:tailEnd type="none" w="med" len="med"/>
+                        </a:lnB>
+                        <a:lnTlToBr w="12700" cap="flat" cmpd="sng" algn="ctr">
+                          <a:noFill/>
+                          <a:prstDash val="solid"/>
+                          <a:round/>
+                          <a:headEnd type="none" w="med" len="med"/>
+                          <a:tailEnd type="none" w="med" len="med"/>
+                        </a:lnTlToBr>
+                        <a:lnBlToTr w="12700" cmpd="sng">
+                          <a:noFill/>
+                          <a:prstDash val="solid"/>
+                        </a:lnBlToTr>
+                      </a:tcPr>
+                    </a:tc>
+                    <a:tc>
+                      <a:txBody>
+                        <a:bodyPr/>
+                        <a:lstStyle/>
+                        <a:p>
+                          <a:pPr algn="ctr"/>
+                          <a:endParaRPr kumimoji="1" lang="ja-JP" altLang="en-US" dirty="0"/>
+                        </a:p>
+                      </a:txBody>
+                      <a:tcPr anchor="ctr">
+                        <a:lnL w="12700" cap="flat" cmpd="sng" algn="ctr">
+                          <a:solidFill>
+                            <a:schemeClr val="tx1"/>
+                          </a:solidFill>
+                          <a:prstDash val="solid"/>
+                          <a:round/>
+                          <a:headEnd type="none" w="med" len="med"/>
+                          <a:tailEnd type="none" w="med" len="med"/>
+                        </a:lnL>
+                        <a:lnR w="12700" cap="flat" cmpd="sng" algn="ctr">
+                          <a:solidFill>
+                            <a:schemeClr val="tx1"/>
+                          </a:solidFill>
+                          <a:prstDash val="solid"/>
+                          <a:round/>
+                          <a:headEnd type="none" w="med" len="med"/>
+                          <a:tailEnd type="none" w="med" len="med"/>
+                        </a:lnR>
+                        <a:lnT w="12700" cap="flat" cmpd="sng" algn="ctr">
+                          <a:solidFill>
+                            <a:schemeClr val="tx1"/>
+                          </a:solidFill>
+                          <a:prstDash val="solid"/>
+                          <a:round/>
+                          <a:headEnd type="none" w="med" len="med"/>
+                          <a:tailEnd type="none" w="med" len="med"/>
+                        </a:lnT>
+                        <a:lnB w="12700" cap="flat" cmpd="sng" algn="ctr">
+                          <a:solidFill>
+                            <a:schemeClr val="tx1"/>
+                          </a:solidFill>
+                          <a:prstDash val="solid"/>
+                          <a:round/>
+                          <a:headEnd type="none" w="med" len="med"/>
+                          <a:tailEnd type="none" w="med" len="med"/>
+                        </a:lnB>
+                        <a:lnTlToBr w="12700" cmpd="sng">
+                          <a:noFill/>
+                          <a:prstDash val="solid"/>
+                        </a:lnTlToBr>
+                        <a:lnBlToTr w="12700" cmpd="sng">
+                          <a:noFill/>
+                          <a:prstDash val="solid"/>
+                        </a:lnBlToTr>
+                      </a:tcPr>
+                    </a:tc>
+                    <a:tc>
+                      <a:txBody>
+                        <a:bodyPr/>
+                        <a:lstStyle/>
+                        <a:p>
+                          <a:pPr algn="ctr"/>
+                          <a:endParaRPr kumimoji="1" lang="ja-JP" altLang="en-US" dirty="0"/>
+                        </a:p>
+                      </a:txBody>
+                      <a:tcPr anchor="ctr">
+                        <a:lnL w="12700" cap="flat" cmpd="sng" algn="ctr">
+                          <a:solidFill>
+                            <a:schemeClr val="tx1"/>
+                          </a:solidFill>
+                          <a:prstDash val="solid"/>
+                          <a:round/>
+                          <a:headEnd type="none" w="med" len="med"/>
+                          <a:tailEnd type="none" w="med" len="med"/>
+                        </a:lnL>
+                        <a:lnR w="12700" cap="flat" cmpd="sng" algn="ctr">
+                          <a:solidFill>
+                            <a:schemeClr val="tx1"/>
+                          </a:solidFill>
+                          <a:prstDash val="solid"/>
+                          <a:round/>
+                          <a:headEnd type="none" w="med" len="med"/>
+                          <a:tailEnd type="none" w="med" len="med"/>
+                        </a:lnR>
+                        <a:lnT w="12700" cap="flat" cmpd="sng" algn="ctr">
+                          <a:solidFill>
+                            <a:schemeClr val="tx1"/>
+                          </a:solidFill>
+                          <a:prstDash val="solid"/>
+                          <a:round/>
+                          <a:headEnd type="none" w="med" len="med"/>
+                          <a:tailEnd type="none" w="med" len="med"/>
+                        </a:lnT>
+                        <a:lnB w="12700" cap="flat" cmpd="sng" algn="ctr">
+                          <a:solidFill>
+                            <a:schemeClr val="tx1"/>
+                          </a:solidFill>
+                          <a:prstDash val="solid"/>
+                          <a:round/>
+                          <a:headEnd type="none" w="med" len="med"/>
+                          <a:tailEnd type="none" w="med" len="med"/>
+                        </a:lnB>
+                        <a:lnTlToBr w="12700" cmpd="sng">
+                          <a:noFill/>
+                          <a:prstDash val="solid"/>
+                        </a:lnTlToBr>
+                        <a:lnBlToTr w="12700" cmpd="sng">
+                          <a:noFill/>
+                          <a:prstDash val="solid"/>
+                        </a:lnBlToTr>
+                      </a:tcPr>
+                    </a:tc>
+                    <a:extLst>
+                      <a:ext uri="{0D108BD9-81ED-4DB2-BD59-A6C34878D82A}">
+                        <a16:rowId xmlns:a16="http://schemas.microsoft.com/office/drawing/2014/main" val="1297509366"/>
+                      </a:ext>
+                    </a:extLst>
+                  </a:tr>
+                  <a:tr h="615142">
+                    <a:tc>
+                      <a:txBody>
+                        <a:bodyPr/>
+                        <a:lstStyle/>
+                        <a:p>
+                          <a:pPr algn="r"/>
+                          <a:r>
+                            <a:rPr kumimoji="1" lang="en-US" altLang="ja-JP" dirty="0"/>
+                            <a:t>11</a:t>
+                          </a:r>
+                          <a:endParaRPr kumimoji="1" lang="ja-JP" altLang="en-US" dirty="0"/>
+                        </a:p>
+                      </a:txBody>
+                      <a:tcPr anchor="ctr">
+                        <a:lnL w="12700" cap="flat" cmpd="sng" algn="ctr">
+                          <a:noFill/>
+                          <a:prstDash val="solid"/>
+                          <a:round/>
+                          <a:headEnd type="none" w="med" len="med"/>
+                          <a:tailEnd type="none" w="med" len="med"/>
+                        </a:lnL>
+                        <a:lnR w="12700" cap="flat" cmpd="sng" algn="ctr">
+                          <a:solidFill>
+                            <a:schemeClr val="tx1"/>
+                          </a:solidFill>
+                          <a:prstDash val="solid"/>
+                          <a:round/>
+                          <a:headEnd type="none" w="med" len="med"/>
+                          <a:tailEnd type="none" w="med" len="med"/>
+                        </a:lnR>
+                        <a:lnT w="12700" cap="flat" cmpd="sng" algn="ctr">
+                          <a:noFill/>
+                          <a:prstDash val="solid"/>
+                          <a:round/>
+                          <a:headEnd type="none" w="med" len="med"/>
+                          <a:tailEnd type="none" w="med" len="med"/>
+                        </a:lnT>
+                        <a:lnB w="12700" cap="flat" cmpd="sng" algn="ctr">
+                          <a:noFill/>
+                          <a:prstDash val="solid"/>
+                          <a:round/>
+                          <a:headEnd type="none" w="med" len="med"/>
+                          <a:tailEnd type="none" w="med" len="med"/>
+                        </a:lnB>
+                        <a:lnTlToBr w="12700" cap="flat" cmpd="sng" algn="ctr">
+                          <a:noFill/>
+                          <a:prstDash val="solid"/>
+                          <a:round/>
+                          <a:headEnd type="none" w="med" len="med"/>
+                          <a:tailEnd type="none" w="med" len="med"/>
+                        </a:lnTlToBr>
+                        <a:lnBlToTr w="12700" cmpd="sng">
+                          <a:noFill/>
+                          <a:prstDash val="solid"/>
+                        </a:lnBlToTr>
+                      </a:tcPr>
+                    </a:tc>
+                    <a:tc>
+                      <a:txBody>
+                        <a:bodyPr/>
+                        <a:lstStyle/>
+                        <a:p>
+                          <a:pPr algn="ctr"/>
+                          <a14:m>
+                            <m:oMathPara xmlns:m="http://schemas.openxmlformats.org/officeDocument/2006/math">
+                              <m:oMathParaPr>
+                                <m:jc m:val="centerGroup"/>
+                              </m:oMathParaPr>
+                              <m:oMath xmlns:m="http://schemas.openxmlformats.org/officeDocument/2006/math">
+                                <m:r>
+                                  <a:rPr kumimoji="1" lang="en-US" altLang="ja-JP" b="0" i="1" smtClean="0">
+                                    <a:latin typeface="Cambria Math" panose="02040503050406030204" pitchFamily="18" charset="0"/>
+                                  </a:rPr>
+                                  <m:t>∗</m:t>
+                                </m:r>
+                              </m:oMath>
+                            </m:oMathPara>
+                          </a14:m>
+                          <a:endParaRPr kumimoji="1" lang="ja-JP" altLang="en-US" dirty="0"/>
+                        </a:p>
+                      </a:txBody>
+                      <a:tcPr anchor="ctr">
+                        <a:lnL w="12700" cap="flat" cmpd="sng" algn="ctr">
+                          <a:solidFill>
+                            <a:schemeClr val="tx1"/>
+                          </a:solidFill>
+                          <a:prstDash val="solid"/>
+                          <a:round/>
+                          <a:headEnd type="none" w="med" len="med"/>
+                          <a:tailEnd type="none" w="med" len="med"/>
+                        </a:lnL>
+                        <a:lnR w="12700" cap="flat" cmpd="sng" algn="ctr">
+                          <a:solidFill>
+                            <a:schemeClr val="tx1"/>
+                          </a:solidFill>
+                          <a:prstDash val="solid"/>
+                          <a:round/>
+                          <a:headEnd type="none" w="med" len="med"/>
+                          <a:tailEnd type="none" w="med" len="med"/>
+                        </a:lnR>
+                        <a:lnT w="12700" cap="flat" cmpd="sng" algn="ctr">
+                          <a:solidFill>
+                            <a:schemeClr val="tx1"/>
+                          </a:solidFill>
+                          <a:prstDash val="solid"/>
+                          <a:round/>
+                          <a:headEnd type="none" w="med" len="med"/>
+                          <a:tailEnd type="none" w="med" len="med"/>
+                        </a:lnT>
+                        <a:lnB w="12700" cap="flat" cmpd="sng" algn="ctr">
+                          <a:solidFill>
+                            <a:schemeClr val="tx1"/>
+                          </a:solidFill>
+                          <a:prstDash val="solid"/>
+                          <a:round/>
+                          <a:headEnd type="none" w="med" len="med"/>
+                          <a:tailEnd type="none" w="med" len="med"/>
+                        </a:lnB>
+                        <a:lnTlToBr w="12700" cmpd="sng">
+                          <a:noFill/>
+                          <a:prstDash val="solid"/>
+                        </a:lnTlToBr>
+                        <a:lnBlToTr w="12700" cmpd="sng">
+                          <a:noFill/>
+                          <a:prstDash val="solid"/>
+                        </a:lnBlToTr>
+                      </a:tcPr>
+                    </a:tc>
+                    <a:tc>
+                      <a:txBody>
+                        <a:bodyPr/>
+                        <a:lstStyle/>
+                        <a:p>
+                          <a:pPr algn="ctr"/>
+                          <a14:m>
+                            <m:oMathPara xmlns:m="http://schemas.openxmlformats.org/officeDocument/2006/math">
+                              <m:oMathParaPr>
+                                <m:jc m:val="centerGroup"/>
+                              </m:oMathParaPr>
+                              <m:oMath xmlns:m="http://schemas.openxmlformats.org/officeDocument/2006/math">
+                                <m:r>
+                                  <a:rPr kumimoji="1" lang="en-US" altLang="ja-JP" b="0" i="1" smtClean="0">
+                                    <a:latin typeface="Cambria Math" panose="02040503050406030204" pitchFamily="18" charset="0"/>
+                                  </a:rPr>
+                                  <m:t>∗</m:t>
+                                </m:r>
+                              </m:oMath>
+                            </m:oMathPara>
+                          </a14:m>
+                          <a:endParaRPr kumimoji="1" lang="ja-JP" altLang="en-US" dirty="0"/>
+                        </a:p>
+                      </a:txBody>
+                      <a:tcPr anchor="ctr">
+                        <a:lnL w="12700" cap="flat" cmpd="sng" algn="ctr">
+                          <a:solidFill>
+                            <a:schemeClr val="tx1"/>
+                          </a:solidFill>
+                          <a:prstDash val="solid"/>
+                          <a:round/>
+                          <a:headEnd type="none" w="med" len="med"/>
+                          <a:tailEnd type="none" w="med" len="med"/>
+                        </a:lnL>
+                        <a:lnR w="12700" cap="flat" cmpd="sng" algn="ctr">
+                          <a:solidFill>
+                            <a:schemeClr val="tx1"/>
+                          </a:solidFill>
+                          <a:prstDash val="solid"/>
+                          <a:round/>
+                          <a:headEnd type="none" w="med" len="med"/>
+                          <a:tailEnd type="none" w="med" len="med"/>
+                        </a:lnR>
+                        <a:lnT w="12700" cap="flat" cmpd="sng" algn="ctr">
+                          <a:solidFill>
+                            <a:schemeClr val="tx1"/>
+                          </a:solidFill>
+                          <a:prstDash val="solid"/>
+                          <a:round/>
+                          <a:headEnd type="none" w="med" len="med"/>
+                          <a:tailEnd type="none" w="med" len="med"/>
+                        </a:lnT>
+                        <a:lnB w="12700" cap="flat" cmpd="sng" algn="ctr">
+                          <a:solidFill>
+                            <a:schemeClr val="tx1"/>
+                          </a:solidFill>
+                          <a:prstDash val="solid"/>
+                          <a:round/>
+                          <a:headEnd type="none" w="med" len="med"/>
+                          <a:tailEnd type="none" w="med" len="med"/>
+                        </a:lnB>
+                        <a:lnTlToBr w="12700" cmpd="sng">
+                          <a:noFill/>
+                          <a:prstDash val="solid"/>
+                        </a:lnTlToBr>
+                        <a:lnBlToTr w="12700" cmpd="sng">
+                          <a:noFill/>
+                          <a:prstDash val="solid"/>
+                        </a:lnBlToTr>
+                      </a:tcPr>
+                    </a:tc>
+                    <a:extLst>
+                      <a:ext uri="{0D108BD9-81ED-4DB2-BD59-A6C34878D82A}">
+                        <a16:rowId xmlns:a16="http://schemas.microsoft.com/office/drawing/2014/main" val="2786928437"/>
+                      </a:ext>
+                    </a:extLst>
+                  </a:tr>
+                  <a:tr h="615142">
+                    <a:tc>
+                      <a:txBody>
+                        <a:bodyPr/>
+                        <a:lstStyle/>
+                        <a:p>
+                          <a:pPr algn="r"/>
+                          <a:r>
+                            <a:rPr kumimoji="1" lang="en-US" altLang="ja-JP" dirty="0"/>
+                            <a:t>10</a:t>
+                          </a:r>
+                          <a:endParaRPr kumimoji="1" lang="ja-JP" altLang="en-US" dirty="0"/>
+                        </a:p>
+                      </a:txBody>
+                      <a:tcPr anchor="ctr">
+                        <a:lnL w="12700" cap="flat" cmpd="sng" algn="ctr">
+                          <a:noFill/>
+                          <a:prstDash val="solid"/>
+                          <a:round/>
+                          <a:headEnd type="none" w="med" len="med"/>
+                          <a:tailEnd type="none" w="med" len="med"/>
+                        </a:lnL>
+                        <a:lnR w="12700" cap="flat" cmpd="sng" algn="ctr">
+                          <a:solidFill>
+                            <a:schemeClr val="tx1"/>
+                          </a:solidFill>
+                          <a:prstDash val="solid"/>
+                          <a:round/>
+                          <a:headEnd type="none" w="med" len="med"/>
+                          <a:tailEnd type="none" w="med" len="med"/>
+                        </a:lnR>
+                        <a:lnT w="12700" cap="flat" cmpd="sng" algn="ctr">
+                          <a:noFill/>
+                          <a:prstDash val="solid"/>
+                          <a:round/>
+                          <a:headEnd type="none" w="med" len="med"/>
+                          <a:tailEnd type="none" w="med" len="med"/>
+                        </a:lnT>
+                        <a:lnB w="12700" cap="flat" cmpd="sng" algn="ctr">
+                          <a:noFill/>
+                          <a:prstDash val="solid"/>
+                          <a:round/>
+                          <a:headEnd type="none" w="med" len="med"/>
+                          <a:tailEnd type="none" w="med" len="med"/>
+                        </a:lnB>
+                        <a:lnTlToBr w="12700" cap="flat" cmpd="sng" algn="ctr">
+                          <a:noFill/>
+                          <a:prstDash val="solid"/>
+                          <a:round/>
+                          <a:headEnd type="none" w="med" len="med"/>
+                          <a:tailEnd type="none" w="med" len="med"/>
+                        </a:lnTlToBr>
+                        <a:lnBlToTr w="12700" cmpd="sng">
+                          <a:noFill/>
+                          <a:prstDash val="solid"/>
+                        </a:lnBlToTr>
+                      </a:tcPr>
+                    </a:tc>
+                    <a:tc>
+                      <a:txBody>
+                        <a:bodyPr/>
+                        <a:lstStyle/>
+                        <a:p>
+                          <a:pPr algn="ctr"/>
+                          <a:r>
+                            <a:rPr kumimoji="1" lang="en-US" altLang="ja-JP" dirty="0"/>
+                            <a:t>1</a:t>
+                          </a:r>
+                          <a:endParaRPr kumimoji="1" lang="ja-JP" altLang="en-US" dirty="0"/>
+                        </a:p>
+                      </a:txBody>
+                      <a:tcPr anchor="ctr">
+                        <a:lnL w="12700" cap="flat" cmpd="sng" algn="ctr">
+                          <a:solidFill>
+                            <a:schemeClr val="tx1"/>
+                          </a:solidFill>
+                          <a:prstDash val="solid"/>
+                          <a:round/>
+                          <a:headEnd type="none" w="med" len="med"/>
+                          <a:tailEnd type="none" w="med" len="med"/>
+                        </a:lnL>
+                        <a:lnR w="12700" cap="flat" cmpd="sng" algn="ctr">
+                          <a:solidFill>
+                            <a:schemeClr val="tx1"/>
+                          </a:solidFill>
+                          <a:prstDash val="solid"/>
+                          <a:round/>
+                          <a:headEnd type="none" w="med" len="med"/>
+                          <a:tailEnd type="none" w="med" len="med"/>
+                        </a:lnR>
+                        <a:lnT w="12700" cap="flat" cmpd="sng" algn="ctr">
+                          <a:solidFill>
+                            <a:schemeClr val="tx1"/>
+                          </a:solidFill>
+                          <a:prstDash val="solid"/>
+                          <a:round/>
+                          <a:headEnd type="none" w="med" len="med"/>
+                          <a:tailEnd type="none" w="med" len="med"/>
+                        </a:lnT>
+                        <a:lnB w="12700" cap="flat" cmpd="sng" algn="ctr">
+                          <a:solidFill>
+                            <a:schemeClr val="tx1"/>
+                          </a:solidFill>
+                          <a:prstDash val="solid"/>
+                          <a:round/>
+                          <a:headEnd type="none" w="med" len="med"/>
+                          <a:tailEnd type="none" w="med" len="med"/>
+                        </a:lnB>
+                        <a:lnTlToBr w="12700" cmpd="sng">
+                          <a:noFill/>
+                          <a:prstDash val="solid"/>
+                        </a:lnTlToBr>
+                        <a:lnBlToTr w="12700" cmpd="sng">
+                          <a:noFill/>
+                          <a:prstDash val="solid"/>
+                        </a:lnBlToTr>
+                      </a:tcPr>
+                    </a:tc>
+                    <a:tc>
+                      <a:txBody>
+                        <a:bodyPr/>
+                        <a:lstStyle/>
+                        <a:p>
+                          <a:pPr algn="ctr"/>
+                          <a:endParaRPr kumimoji="1" lang="ja-JP" altLang="en-US" dirty="0"/>
+                        </a:p>
+                      </a:txBody>
+                      <a:tcPr anchor="ctr">
+                        <a:lnL w="12700" cap="flat" cmpd="sng" algn="ctr">
+                          <a:solidFill>
+                            <a:schemeClr val="tx1"/>
+                          </a:solidFill>
+                          <a:prstDash val="solid"/>
+                          <a:round/>
+                          <a:headEnd type="none" w="med" len="med"/>
+                          <a:tailEnd type="none" w="med" len="med"/>
+                        </a:lnL>
+                        <a:lnR w="12700" cap="flat" cmpd="sng" algn="ctr">
+                          <a:solidFill>
+                            <a:schemeClr val="tx1"/>
+                          </a:solidFill>
+                          <a:prstDash val="solid"/>
+                          <a:round/>
+                          <a:headEnd type="none" w="med" len="med"/>
+                          <a:tailEnd type="none" w="med" len="med"/>
+                        </a:lnR>
+                        <a:lnT w="12700" cap="flat" cmpd="sng" algn="ctr">
+                          <a:solidFill>
+                            <a:schemeClr val="tx1"/>
+                          </a:solidFill>
+                          <a:prstDash val="solid"/>
+                          <a:round/>
+                          <a:headEnd type="none" w="med" len="med"/>
+                          <a:tailEnd type="none" w="med" len="med"/>
+                        </a:lnT>
+                        <a:lnB w="12700" cap="flat" cmpd="sng" algn="ctr">
+                          <a:solidFill>
+                            <a:schemeClr val="tx1"/>
+                          </a:solidFill>
+                          <a:prstDash val="solid"/>
+                          <a:round/>
+                          <a:headEnd type="none" w="med" len="med"/>
+                          <a:tailEnd type="none" w="med" len="med"/>
+                        </a:lnB>
+                        <a:lnTlToBr w="12700" cmpd="sng">
+                          <a:noFill/>
+                          <a:prstDash val="solid"/>
+                        </a:lnTlToBr>
+                        <a:lnBlToTr w="12700" cmpd="sng">
+                          <a:noFill/>
+                          <a:prstDash val="solid"/>
+                        </a:lnBlToTr>
+                      </a:tcPr>
+                    </a:tc>
+                    <a:extLst>
+                      <a:ext uri="{0D108BD9-81ED-4DB2-BD59-A6C34878D82A}">
+                        <a16:rowId xmlns:a16="http://schemas.microsoft.com/office/drawing/2014/main" val="1734436533"/>
+                      </a:ext>
+                    </a:extLst>
+                  </a:tr>
+                </a:tbl>
+              </a:graphicData>
+            </a:graphic>
+          </p:graphicFrame>
+        </mc:Choice>
+        <mc:Fallback xmlns="">
+          <p:graphicFrame>
+            <p:nvGraphicFramePr>
+              <p:cNvPr id="6" name="表 5">
+                <a:extLst>
+                  <a:ext uri="{FF2B5EF4-FFF2-40B4-BE49-F238E27FC236}">
+                    <a16:creationId xmlns:a16="http://schemas.microsoft.com/office/drawing/2014/main" id="{161CB0B6-73D5-4B22-8B9C-6DA2E05D1693}"/>
+                  </a:ext>
+                </a:extLst>
+              </p:cNvPr>
+              <p:cNvGraphicFramePr>
+                <a:graphicFrameLocks noGrp="1"/>
+              </p:cNvGraphicFramePr>
+              <p:nvPr>
+                <p:extLst>
+                  <p:ext uri="{D42A27DB-BD31-4B8C-83A1-F6EECF244321}">
+                    <p14:modId xmlns:p14="http://schemas.microsoft.com/office/powerpoint/2010/main" val="2213734477"/>
+                  </p:ext>
+                </p:extLst>
+              </p:nvPr>
+            </p:nvGraphicFramePr>
+            <p:xfrm>
+              <a:off x="4899891" y="1200727"/>
+              <a:ext cx="1791855" cy="3075710"/>
+            </p:xfrm>
+            <a:graphic>
+              <a:graphicData uri="http://schemas.openxmlformats.org/drawingml/2006/table">
+                <a:tbl>
+                  <a:tblPr firstRow="1" bandRow="1">
+                    <a:tableStyleId>{2D5ABB26-0587-4C30-8999-92F81FD0307C}</a:tableStyleId>
+                  </a:tblPr>
+                  <a:tblGrid>
+                    <a:gridCol w="597285">
+                      <a:extLst>
+                        <a:ext uri="{9D8B030D-6E8A-4147-A177-3AD203B41FA5}">
+                          <a16:colId xmlns:a16="http://schemas.microsoft.com/office/drawing/2014/main" val="3966724155"/>
+                        </a:ext>
+                      </a:extLst>
+                    </a:gridCol>
+                    <a:gridCol w="597285">
+                      <a:extLst>
+                        <a:ext uri="{9D8B030D-6E8A-4147-A177-3AD203B41FA5}">
+                          <a16:colId xmlns:a16="http://schemas.microsoft.com/office/drawing/2014/main" val="1876420039"/>
+                        </a:ext>
+                      </a:extLst>
+                    </a:gridCol>
+                    <a:gridCol w="597285">
+                      <a:extLst>
+                        <a:ext uri="{9D8B030D-6E8A-4147-A177-3AD203B41FA5}">
+                          <a16:colId xmlns:a16="http://schemas.microsoft.com/office/drawing/2014/main" val="76310099"/>
+                        </a:ext>
+                      </a:extLst>
+                    </a:gridCol>
+                  </a:tblGrid>
+                  <a:tr h="615142">
+                    <a:tc>
+                      <a:txBody>
+                        <a:bodyPr/>
+                        <a:lstStyle/>
+                        <a:p>
+                          <a:r>
+                            <a:rPr kumimoji="1" lang="en-US" altLang="ja-JP" dirty="0"/>
+                            <a:t> </a:t>
+                          </a:r>
+                          <a:r>
+                            <a:rPr kumimoji="1" lang="ja-JP" altLang="en-US" dirty="0"/>
+                            <a:t>  </a:t>
+                          </a:r>
+                        </a:p>
+                      </a:txBody>
+                      <a:tcPr>
+                        <a:lnL w="12700" cap="flat" cmpd="sng" algn="ctr">
+                          <a:noFill/>
+                          <a:prstDash val="solid"/>
+                          <a:round/>
+                          <a:headEnd type="none" w="med" len="med"/>
+                          <a:tailEnd type="none" w="med" len="med"/>
+                        </a:lnL>
+                        <a:lnR w="12700" cap="flat" cmpd="sng" algn="ctr">
+                          <a:noFill/>
+                          <a:prstDash val="solid"/>
+                          <a:round/>
+                          <a:headEnd type="none" w="med" len="med"/>
+                          <a:tailEnd type="none" w="med" len="med"/>
+                        </a:lnR>
+                        <a:lnT w="12700" cap="flat" cmpd="sng" algn="ctr">
+                          <a:noFill/>
+                          <a:prstDash val="solid"/>
+                          <a:round/>
+                          <a:headEnd type="none" w="med" len="med"/>
+                          <a:tailEnd type="none" w="med" len="med"/>
+                        </a:lnT>
+                        <a:lnB w="12700" cap="flat" cmpd="sng" algn="ctr">
+                          <a:noFill/>
+                          <a:prstDash val="solid"/>
+                          <a:round/>
+                          <a:headEnd type="none" w="med" len="med"/>
+                          <a:tailEnd type="none" w="med" len="med"/>
+                        </a:lnB>
+                        <a:lnTlToBr w="12700" cap="flat" cmpd="sng" algn="ctr">
+                          <a:solidFill>
+                            <a:schemeClr val="tx1"/>
+                          </a:solidFill>
+                          <a:prstDash val="solid"/>
+                          <a:round/>
+                          <a:headEnd type="none" w="med" len="med"/>
+                          <a:tailEnd type="none" w="med" len="med"/>
+                        </a:lnTlToBr>
+                        <a:lnBlToTr w="12700" cmpd="sng">
+                          <a:noFill/>
+                          <a:prstDash val="solid"/>
+                        </a:lnBlToTr>
+                      </a:tcPr>
+                    </a:tc>
+                    <a:tc>
+                      <a:txBody>
+                        <a:bodyPr/>
+                        <a:lstStyle/>
+                        <a:p>
+                          <a:pPr algn="ctr"/>
+                          <a:r>
+                            <a:rPr kumimoji="1" lang="en-US" altLang="ja-JP" dirty="0"/>
+                            <a:t>0</a:t>
+                          </a:r>
+                          <a:endParaRPr kumimoji="1" lang="ja-JP" altLang="en-US" dirty="0"/>
+                        </a:p>
+                      </a:txBody>
+                      <a:tcPr anchor="b">
+                        <a:lnL w="12700" cap="flat" cmpd="sng" algn="ctr">
+                          <a:noFill/>
+                          <a:prstDash val="solid"/>
+                          <a:round/>
+                          <a:headEnd type="none" w="med" len="med"/>
+                          <a:tailEnd type="none" w="med" len="med"/>
+                        </a:lnL>
+                        <a:lnR w="12700" cap="flat" cmpd="sng" algn="ctr">
+                          <a:noFill/>
+                          <a:prstDash val="solid"/>
+                          <a:round/>
+                          <a:headEnd type="none" w="med" len="med"/>
+                          <a:tailEnd type="none" w="med" len="med"/>
+                        </a:lnR>
+                        <a:lnT w="12700" cap="flat" cmpd="sng" algn="ctr">
+                          <a:noFill/>
+                          <a:prstDash val="solid"/>
+                          <a:round/>
+                          <a:headEnd type="none" w="med" len="med"/>
+                          <a:tailEnd type="none" w="med" len="med"/>
+                        </a:lnT>
+                        <a:lnB w="12700" cap="flat" cmpd="sng" algn="ctr">
+                          <a:solidFill>
+                            <a:schemeClr val="tx1"/>
+                          </a:solidFill>
+                          <a:prstDash val="solid"/>
+                          <a:round/>
+                          <a:headEnd type="none" w="med" len="med"/>
+                          <a:tailEnd type="none" w="med" len="med"/>
+                        </a:lnB>
+                        <a:lnTlToBr w="12700" cmpd="sng">
+                          <a:noFill/>
+                          <a:prstDash val="solid"/>
+                        </a:lnTlToBr>
+                        <a:lnBlToTr w="12700" cmpd="sng">
+                          <a:noFill/>
+                          <a:prstDash val="solid"/>
+                        </a:lnBlToTr>
+                      </a:tcPr>
+                    </a:tc>
+                    <a:tc>
+                      <a:txBody>
+                        <a:bodyPr/>
+                        <a:lstStyle/>
+                        <a:p>
+                          <a:pPr algn="ctr"/>
+                          <a:r>
+                            <a:rPr kumimoji="1" lang="en-US" altLang="ja-JP" dirty="0"/>
+                            <a:t>1</a:t>
+                          </a:r>
+                          <a:endParaRPr kumimoji="1" lang="ja-JP" altLang="en-US" dirty="0"/>
+                        </a:p>
+                      </a:txBody>
+                      <a:tcPr anchor="b">
+                        <a:lnL w="12700" cap="flat" cmpd="sng" algn="ctr">
+                          <a:noFill/>
+                          <a:prstDash val="solid"/>
+                          <a:round/>
+                          <a:headEnd type="none" w="med" len="med"/>
+                          <a:tailEnd type="none" w="med" len="med"/>
+                        </a:lnL>
+                        <a:lnR w="12700" cap="flat" cmpd="sng" algn="ctr">
+                          <a:noFill/>
+                          <a:prstDash val="solid"/>
+                          <a:round/>
+                          <a:headEnd type="none" w="med" len="med"/>
+                          <a:tailEnd type="none" w="med" len="med"/>
+                        </a:lnR>
+                        <a:lnT w="12700" cap="flat" cmpd="sng" algn="ctr">
+                          <a:noFill/>
+                          <a:prstDash val="solid"/>
+                          <a:round/>
+                          <a:headEnd type="none" w="med" len="med"/>
+                          <a:tailEnd type="none" w="med" len="med"/>
+                        </a:lnT>
+                        <a:lnB w="12700" cap="flat" cmpd="sng" algn="ctr">
+                          <a:solidFill>
+                            <a:schemeClr val="tx1"/>
+                          </a:solidFill>
+                          <a:prstDash val="solid"/>
+                          <a:round/>
+                          <a:headEnd type="none" w="med" len="med"/>
+                          <a:tailEnd type="none" w="med" len="med"/>
+                        </a:lnB>
+                        <a:lnTlToBr w="12700" cmpd="sng">
+                          <a:noFill/>
+                          <a:prstDash val="solid"/>
+                        </a:lnTlToBr>
+                        <a:lnBlToTr w="12700" cmpd="sng">
+                          <a:noFill/>
+                          <a:prstDash val="solid"/>
+                        </a:lnBlToTr>
+                      </a:tcPr>
+                    </a:tc>
+                    <a:extLst>
+                      <a:ext uri="{0D108BD9-81ED-4DB2-BD59-A6C34878D82A}">
+                        <a16:rowId xmlns:a16="http://schemas.microsoft.com/office/drawing/2014/main" val="4076029043"/>
+                      </a:ext>
+                    </a:extLst>
+                  </a:tr>
+                  <a:tr h="615142">
+                    <a:tc>
+                      <a:txBody>
+                        <a:bodyPr/>
+                        <a:lstStyle/>
+                        <a:p>
+                          <a:pPr algn="r"/>
+                          <a:r>
+                            <a:rPr kumimoji="1" lang="en-US" altLang="ja-JP" dirty="0"/>
+                            <a:t>00</a:t>
+                          </a:r>
+                        </a:p>
+                      </a:txBody>
+                      <a:tcPr anchor="ctr">
+                        <a:lnL w="12700" cap="flat" cmpd="sng" algn="ctr">
+                          <a:noFill/>
+                          <a:prstDash val="solid"/>
+                          <a:round/>
+                          <a:headEnd type="none" w="med" len="med"/>
+                          <a:tailEnd type="none" w="med" len="med"/>
+                        </a:lnL>
+                        <a:lnR w="12700" cap="flat" cmpd="sng" algn="ctr">
+                          <a:solidFill>
+                            <a:schemeClr val="tx1"/>
+                          </a:solidFill>
+                          <a:prstDash val="solid"/>
+                          <a:round/>
+                          <a:headEnd type="none" w="med" len="med"/>
+                          <a:tailEnd type="none" w="med" len="med"/>
+                        </a:lnR>
+                        <a:lnT w="12700" cap="flat" cmpd="sng" algn="ctr">
+                          <a:noFill/>
+                          <a:prstDash val="solid"/>
+                          <a:round/>
+                          <a:headEnd type="none" w="med" len="med"/>
+                          <a:tailEnd type="none" w="med" len="med"/>
+                        </a:lnT>
+                        <a:lnB w="12700" cap="flat" cmpd="sng" algn="ctr">
+                          <a:noFill/>
+                          <a:prstDash val="solid"/>
+                          <a:round/>
+                          <a:headEnd type="none" w="med" len="med"/>
+                          <a:tailEnd type="none" w="med" len="med"/>
+                        </a:lnB>
+                        <a:lnTlToBr w="12700" cap="flat" cmpd="sng" algn="ctr">
+                          <a:noFill/>
+                          <a:prstDash val="solid"/>
+                          <a:round/>
+                          <a:headEnd type="none" w="med" len="med"/>
+                          <a:tailEnd type="none" w="med" len="med"/>
+                        </a:lnTlToBr>
+                        <a:lnBlToTr w="12700" cmpd="sng">
+                          <a:noFill/>
+                          <a:prstDash val="solid"/>
+                        </a:lnBlToTr>
+                      </a:tcPr>
+                    </a:tc>
+                    <a:tc>
+                      <a:txBody>
+                        <a:bodyPr/>
+                        <a:lstStyle/>
+                        <a:p>
+                          <a:pPr algn="ctr"/>
+                          <a:endParaRPr kumimoji="1" lang="ja-JP" altLang="en-US" dirty="0"/>
+                        </a:p>
+                      </a:txBody>
+                      <a:tcPr anchor="ctr">
+                        <a:lnL w="12700" cap="flat" cmpd="sng" algn="ctr">
+                          <a:solidFill>
+                            <a:schemeClr val="tx1"/>
+                          </a:solidFill>
+                          <a:prstDash val="solid"/>
+                          <a:round/>
+                          <a:headEnd type="none" w="med" len="med"/>
+                          <a:tailEnd type="none" w="med" len="med"/>
+                        </a:lnL>
+                        <a:lnR w="12700" cap="flat" cmpd="sng" algn="ctr">
+                          <a:solidFill>
+                            <a:schemeClr val="tx1"/>
+                          </a:solidFill>
+                          <a:prstDash val="solid"/>
+                          <a:round/>
+                          <a:headEnd type="none" w="med" len="med"/>
+                          <a:tailEnd type="none" w="med" len="med"/>
+                        </a:lnR>
+                        <a:lnT w="12700" cap="flat" cmpd="sng" algn="ctr">
+                          <a:solidFill>
+                            <a:schemeClr val="tx1"/>
+                          </a:solidFill>
+                          <a:prstDash val="solid"/>
+                          <a:round/>
+                          <a:headEnd type="none" w="med" len="med"/>
+                          <a:tailEnd type="none" w="med" len="med"/>
+                        </a:lnT>
+                        <a:lnB w="12700" cap="flat" cmpd="sng" algn="ctr">
+                          <a:solidFill>
+                            <a:schemeClr val="tx1"/>
+                          </a:solidFill>
+                          <a:prstDash val="solid"/>
+                          <a:round/>
+                          <a:headEnd type="none" w="med" len="med"/>
+                          <a:tailEnd type="none" w="med" len="med"/>
+                        </a:lnB>
+                        <a:lnTlToBr w="12700" cmpd="sng">
+                          <a:noFill/>
+                          <a:prstDash val="solid"/>
+                        </a:lnTlToBr>
+                        <a:lnBlToTr w="12700" cmpd="sng">
+                          <a:noFill/>
+                          <a:prstDash val="solid"/>
+                        </a:lnBlToTr>
+                      </a:tcPr>
+                    </a:tc>
+                    <a:tc>
+                      <a:txBody>
+                        <a:bodyPr/>
+                        <a:lstStyle/>
+                        <a:p>
+                          <a:pPr algn="ctr"/>
+                          <a:r>
+                            <a:rPr kumimoji="1" lang="en-US" altLang="ja-JP" dirty="0"/>
+                            <a:t>1</a:t>
+                          </a:r>
+                          <a:endParaRPr kumimoji="1" lang="ja-JP" altLang="en-US" dirty="0"/>
+                        </a:p>
+                      </a:txBody>
+                      <a:tcPr anchor="ctr">
+                        <a:lnL w="12700" cap="flat" cmpd="sng" algn="ctr">
+                          <a:solidFill>
+                            <a:schemeClr val="tx1"/>
+                          </a:solidFill>
+                          <a:prstDash val="solid"/>
+                          <a:round/>
+                          <a:headEnd type="none" w="med" len="med"/>
+                          <a:tailEnd type="none" w="med" len="med"/>
+                        </a:lnL>
+                        <a:lnR w="12700" cap="flat" cmpd="sng" algn="ctr">
+                          <a:solidFill>
+                            <a:schemeClr val="tx1"/>
+                          </a:solidFill>
+                          <a:prstDash val="solid"/>
+                          <a:round/>
+                          <a:headEnd type="none" w="med" len="med"/>
+                          <a:tailEnd type="none" w="med" len="med"/>
+                        </a:lnR>
+                        <a:lnT w="12700" cap="flat" cmpd="sng" algn="ctr">
+                          <a:solidFill>
+                            <a:schemeClr val="tx1"/>
+                          </a:solidFill>
+                          <a:prstDash val="solid"/>
+                          <a:round/>
+                          <a:headEnd type="none" w="med" len="med"/>
+                          <a:tailEnd type="none" w="med" len="med"/>
+                        </a:lnT>
+                        <a:lnB w="12700" cap="flat" cmpd="sng" algn="ctr">
+                          <a:solidFill>
+                            <a:schemeClr val="tx1"/>
+                          </a:solidFill>
+                          <a:prstDash val="solid"/>
+                          <a:round/>
+                          <a:headEnd type="none" w="med" len="med"/>
+                          <a:tailEnd type="none" w="med" len="med"/>
+                        </a:lnB>
+                        <a:lnTlToBr w="12700" cmpd="sng">
+                          <a:noFill/>
+                          <a:prstDash val="solid"/>
+                        </a:lnTlToBr>
+                        <a:lnBlToTr w="12700" cmpd="sng">
+                          <a:noFill/>
+                          <a:prstDash val="solid"/>
+                        </a:lnBlToTr>
+                      </a:tcPr>
+                    </a:tc>
+                    <a:extLst>
+                      <a:ext uri="{0D108BD9-81ED-4DB2-BD59-A6C34878D82A}">
+                        <a16:rowId xmlns:a16="http://schemas.microsoft.com/office/drawing/2014/main" val="3163174870"/>
+                      </a:ext>
+                    </a:extLst>
+                  </a:tr>
+                  <a:tr h="615142">
+                    <a:tc>
+                      <a:txBody>
+                        <a:bodyPr/>
+                        <a:lstStyle/>
+                        <a:p>
+                          <a:pPr algn="r"/>
+                          <a:r>
+                            <a:rPr kumimoji="1" lang="en-US" altLang="ja-JP" dirty="0"/>
+                            <a:t>01</a:t>
+                          </a:r>
+                          <a:endParaRPr kumimoji="1" lang="ja-JP" altLang="en-US" dirty="0"/>
+                        </a:p>
+                      </a:txBody>
+                      <a:tcPr anchor="ctr">
+                        <a:lnL w="12700" cap="flat" cmpd="sng" algn="ctr">
+                          <a:noFill/>
+                          <a:prstDash val="solid"/>
+                          <a:round/>
+                          <a:headEnd type="none" w="med" len="med"/>
+                          <a:tailEnd type="none" w="med" len="med"/>
+                        </a:lnL>
+                        <a:lnR w="12700" cap="flat" cmpd="sng" algn="ctr">
+                          <a:solidFill>
+                            <a:schemeClr val="tx1"/>
+                          </a:solidFill>
+                          <a:prstDash val="solid"/>
+                          <a:round/>
+                          <a:headEnd type="none" w="med" len="med"/>
+                          <a:tailEnd type="none" w="med" len="med"/>
+                        </a:lnR>
+                        <a:lnT w="12700" cap="flat" cmpd="sng" algn="ctr">
+                          <a:noFill/>
+                          <a:prstDash val="solid"/>
+                          <a:round/>
+                          <a:headEnd type="none" w="med" len="med"/>
+                          <a:tailEnd type="none" w="med" len="med"/>
+                        </a:lnT>
+                        <a:lnB w="12700" cap="flat" cmpd="sng" algn="ctr">
+                          <a:noFill/>
+                          <a:prstDash val="solid"/>
+                          <a:round/>
+                          <a:headEnd type="none" w="med" len="med"/>
+                          <a:tailEnd type="none" w="med" len="med"/>
+                        </a:lnB>
+                        <a:lnTlToBr w="12700" cap="flat" cmpd="sng" algn="ctr">
+                          <a:noFill/>
+                          <a:prstDash val="solid"/>
+                          <a:round/>
+                          <a:headEnd type="none" w="med" len="med"/>
+                          <a:tailEnd type="none" w="med" len="med"/>
+                        </a:lnTlToBr>
+                        <a:lnBlToTr w="12700" cmpd="sng">
+                          <a:noFill/>
+                          <a:prstDash val="solid"/>
+                        </a:lnBlToTr>
+                      </a:tcPr>
+                    </a:tc>
+                    <a:tc>
+                      <a:txBody>
+                        <a:bodyPr/>
+                        <a:lstStyle/>
+                        <a:p>
+                          <a:pPr algn="ctr"/>
+                          <a:endParaRPr kumimoji="1" lang="ja-JP" altLang="en-US" dirty="0"/>
+                        </a:p>
+                      </a:txBody>
+                      <a:tcPr anchor="ctr">
+                        <a:lnL w="12700" cap="flat" cmpd="sng" algn="ctr">
+                          <a:solidFill>
+                            <a:schemeClr val="tx1"/>
+                          </a:solidFill>
+                          <a:prstDash val="solid"/>
+                          <a:round/>
+                          <a:headEnd type="none" w="med" len="med"/>
+                          <a:tailEnd type="none" w="med" len="med"/>
+                        </a:lnL>
+                        <a:lnR w="12700" cap="flat" cmpd="sng" algn="ctr">
+                          <a:solidFill>
+                            <a:schemeClr val="tx1"/>
+                          </a:solidFill>
+                          <a:prstDash val="solid"/>
+                          <a:round/>
+                          <a:headEnd type="none" w="med" len="med"/>
+                          <a:tailEnd type="none" w="med" len="med"/>
+                        </a:lnR>
+                        <a:lnT w="12700" cap="flat" cmpd="sng" algn="ctr">
+                          <a:solidFill>
+                            <a:schemeClr val="tx1"/>
+                          </a:solidFill>
+                          <a:prstDash val="solid"/>
+                          <a:round/>
+                          <a:headEnd type="none" w="med" len="med"/>
+                          <a:tailEnd type="none" w="med" len="med"/>
+                        </a:lnT>
+                        <a:lnB w="12700" cap="flat" cmpd="sng" algn="ctr">
+                          <a:solidFill>
+                            <a:schemeClr val="tx1"/>
+                          </a:solidFill>
+                          <a:prstDash val="solid"/>
+                          <a:round/>
+                          <a:headEnd type="none" w="med" len="med"/>
+                          <a:tailEnd type="none" w="med" len="med"/>
+                        </a:lnB>
+                        <a:lnTlToBr w="12700" cmpd="sng">
+                          <a:noFill/>
+                          <a:prstDash val="solid"/>
+                        </a:lnTlToBr>
+                        <a:lnBlToTr w="12700" cmpd="sng">
+                          <a:noFill/>
+                          <a:prstDash val="solid"/>
+                        </a:lnBlToTr>
+                      </a:tcPr>
+                    </a:tc>
+                    <a:tc>
+                      <a:txBody>
+                        <a:bodyPr/>
+                        <a:lstStyle/>
+                        <a:p>
+                          <a:pPr algn="ctr"/>
+                          <a:endParaRPr kumimoji="1" lang="ja-JP" altLang="en-US" dirty="0"/>
+                        </a:p>
+                      </a:txBody>
+                      <a:tcPr anchor="ctr">
+                        <a:lnL w="12700" cap="flat" cmpd="sng" algn="ctr">
+                          <a:solidFill>
+                            <a:schemeClr val="tx1"/>
+                          </a:solidFill>
+                          <a:prstDash val="solid"/>
+                          <a:round/>
+                          <a:headEnd type="none" w="med" len="med"/>
+                          <a:tailEnd type="none" w="med" len="med"/>
+                        </a:lnL>
+                        <a:lnR w="12700" cap="flat" cmpd="sng" algn="ctr">
+                          <a:solidFill>
+                            <a:schemeClr val="tx1"/>
+                          </a:solidFill>
+                          <a:prstDash val="solid"/>
+                          <a:round/>
+                          <a:headEnd type="none" w="med" len="med"/>
+                          <a:tailEnd type="none" w="med" len="med"/>
+                        </a:lnR>
+                        <a:lnT w="12700" cap="flat" cmpd="sng" algn="ctr">
+                          <a:solidFill>
+                            <a:schemeClr val="tx1"/>
+                          </a:solidFill>
+                          <a:prstDash val="solid"/>
+                          <a:round/>
+                          <a:headEnd type="none" w="med" len="med"/>
+                          <a:tailEnd type="none" w="med" len="med"/>
+                        </a:lnT>
+                        <a:lnB w="12700" cap="flat" cmpd="sng" algn="ctr">
+                          <a:solidFill>
+                            <a:schemeClr val="tx1"/>
+                          </a:solidFill>
+                          <a:prstDash val="solid"/>
+                          <a:round/>
+                          <a:headEnd type="none" w="med" len="med"/>
+                          <a:tailEnd type="none" w="med" len="med"/>
+                        </a:lnB>
+                        <a:lnTlToBr w="12700" cmpd="sng">
+                          <a:noFill/>
+                          <a:prstDash val="solid"/>
+                        </a:lnTlToBr>
+                        <a:lnBlToTr w="12700" cmpd="sng">
+                          <a:noFill/>
+                          <a:prstDash val="solid"/>
+                        </a:lnBlToTr>
+                      </a:tcPr>
+                    </a:tc>
+                    <a:extLst>
+                      <a:ext uri="{0D108BD9-81ED-4DB2-BD59-A6C34878D82A}">
+                        <a16:rowId xmlns:a16="http://schemas.microsoft.com/office/drawing/2014/main" val="1297509366"/>
+                      </a:ext>
+                    </a:extLst>
+                  </a:tr>
+                  <a:tr h="615142">
+                    <a:tc>
+                      <a:txBody>
+                        <a:bodyPr/>
+                        <a:lstStyle/>
+                        <a:p>
+                          <a:pPr algn="r"/>
+                          <a:r>
+                            <a:rPr kumimoji="1" lang="en-US" altLang="ja-JP" dirty="0"/>
+                            <a:t>11</a:t>
+                          </a:r>
+                          <a:endParaRPr kumimoji="1" lang="ja-JP" altLang="en-US" dirty="0"/>
+                        </a:p>
+                      </a:txBody>
+                      <a:tcPr anchor="ctr">
+                        <a:lnL w="12700" cap="flat" cmpd="sng" algn="ctr">
+                          <a:noFill/>
+                          <a:prstDash val="solid"/>
+                          <a:round/>
+                          <a:headEnd type="none" w="med" len="med"/>
+                          <a:tailEnd type="none" w="med" len="med"/>
+                        </a:lnL>
+                        <a:lnR w="12700" cap="flat" cmpd="sng" algn="ctr">
+                          <a:solidFill>
+                            <a:schemeClr val="tx1"/>
+                          </a:solidFill>
+                          <a:prstDash val="solid"/>
+                          <a:round/>
+                          <a:headEnd type="none" w="med" len="med"/>
+                          <a:tailEnd type="none" w="med" len="med"/>
+                        </a:lnR>
+                        <a:lnT w="12700" cap="flat" cmpd="sng" algn="ctr">
+                          <a:noFill/>
+                          <a:prstDash val="solid"/>
+                          <a:round/>
+                          <a:headEnd type="none" w="med" len="med"/>
+                          <a:tailEnd type="none" w="med" len="med"/>
+                        </a:lnT>
+                        <a:lnB w="12700" cap="flat" cmpd="sng" algn="ctr">
+                          <a:noFill/>
+                          <a:prstDash val="solid"/>
+                          <a:round/>
+                          <a:headEnd type="none" w="med" len="med"/>
+                          <a:tailEnd type="none" w="med" len="med"/>
+                        </a:lnB>
+                        <a:lnTlToBr w="12700" cap="flat" cmpd="sng" algn="ctr">
+                          <a:noFill/>
+                          <a:prstDash val="solid"/>
+                          <a:round/>
+                          <a:headEnd type="none" w="med" len="med"/>
+                          <a:tailEnd type="none" w="med" len="med"/>
+                        </a:lnTlToBr>
+                        <a:lnBlToTr w="12700" cmpd="sng">
+                          <a:noFill/>
+                          <a:prstDash val="solid"/>
+                        </a:lnBlToTr>
+                      </a:tcPr>
+                    </a:tc>
+                    <a:tc>
+                      <a:txBody>
+                        <a:bodyPr/>
+                        <a:lstStyle/>
+                        <a:p>
+                          <a:endParaRPr lang="ja-JP"/>
+                        </a:p>
+                      </a:txBody>
+                      <a:tcPr anchor="ctr">
+                        <a:lnL w="12700" cap="flat" cmpd="sng" algn="ctr">
+                          <a:solidFill>
+                            <a:schemeClr val="tx1"/>
+                          </a:solidFill>
+                          <a:prstDash val="solid"/>
+                          <a:round/>
+                          <a:headEnd type="none" w="med" len="med"/>
+                          <a:tailEnd type="none" w="med" len="med"/>
+                        </a:lnL>
+                        <a:lnR w="12700" cap="flat" cmpd="sng" algn="ctr">
+                          <a:solidFill>
+                            <a:schemeClr val="tx1"/>
+                          </a:solidFill>
+                          <a:prstDash val="solid"/>
+                          <a:round/>
+                          <a:headEnd type="none" w="med" len="med"/>
+                          <a:tailEnd type="none" w="med" len="med"/>
+                        </a:lnR>
+                        <a:lnT w="12700" cap="flat" cmpd="sng" algn="ctr">
+                          <a:solidFill>
+                            <a:schemeClr val="tx1"/>
+                          </a:solidFill>
+                          <a:prstDash val="solid"/>
+                          <a:round/>
+                          <a:headEnd type="none" w="med" len="med"/>
+                          <a:tailEnd type="none" w="med" len="med"/>
+                        </a:lnT>
+                        <a:lnB w="12700" cap="flat" cmpd="sng" algn="ctr">
+                          <a:solidFill>
+                            <a:schemeClr val="tx1"/>
+                          </a:solidFill>
+                          <a:prstDash val="solid"/>
+                          <a:round/>
+                          <a:headEnd type="none" w="med" len="med"/>
+                          <a:tailEnd type="none" w="med" len="med"/>
+                        </a:lnB>
+                        <a:lnTlToBr w="12700" cmpd="sng">
+                          <a:noFill/>
+                          <a:prstDash val="solid"/>
+                        </a:lnTlToBr>
+                        <a:lnBlToTr w="12700" cmpd="sng">
+                          <a:noFill/>
+                          <a:prstDash val="solid"/>
+                        </a:lnBlToTr>
+                        <a:blipFill>
+                          <a:blip r:embed="rId3"/>
+                          <a:stretch>
+                            <a:fillRect l="-98990" t="-300990" r="-101010" b="-101980"/>
+                          </a:stretch>
+                        </a:blipFill>
+                      </a:tcPr>
+                    </a:tc>
+                    <a:tc>
+                      <a:txBody>
+                        <a:bodyPr/>
+                        <a:lstStyle/>
+                        <a:p>
+                          <a:endParaRPr lang="ja-JP"/>
+                        </a:p>
+                      </a:txBody>
+                      <a:tcPr anchor="ctr">
+                        <a:lnL w="12700" cap="flat" cmpd="sng" algn="ctr">
+                          <a:solidFill>
+                            <a:schemeClr val="tx1"/>
+                          </a:solidFill>
+                          <a:prstDash val="solid"/>
+                          <a:round/>
+                          <a:headEnd type="none" w="med" len="med"/>
+                          <a:tailEnd type="none" w="med" len="med"/>
+                        </a:lnL>
+                        <a:lnR w="12700" cap="flat" cmpd="sng" algn="ctr">
+                          <a:solidFill>
+                            <a:schemeClr val="tx1"/>
+                          </a:solidFill>
+                          <a:prstDash val="solid"/>
+                          <a:round/>
+                          <a:headEnd type="none" w="med" len="med"/>
+                          <a:tailEnd type="none" w="med" len="med"/>
+                        </a:lnR>
+                        <a:lnT w="12700" cap="flat" cmpd="sng" algn="ctr">
+                          <a:solidFill>
+                            <a:schemeClr val="tx1"/>
+                          </a:solidFill>
+                          <a:prstDash val="solid"/>
+                          <a:round/>
+                          <a:headEnd type="none" w="med" len="med"/>
+                          <a:tailEnd type="none" w="med" len="med"/>
+                        </a:lnT>
+                        <a:lnB w="12700" cap="flat" cmpd="sng" algn="ctr">
+                          <a:solidFill>
+                            <a:schemeClr val="tx1"/>
+                          </a:solidFill>
+                          <a:prstDash val="solid"/>
+                          <a:round/>
+                          <a:headEnd type="none" w="med" len="med"/>
+                          <a:tailEnd type="none" w="med" len="med"/>
+                        </a:lnB>
+                        <a:lnTlToBr w="12700" cmpd="sng">
+                          <a:noFill/>
+                          <a:prstDash val="solid"/>
+                        </a:lnTlToBr>
+                        <a:lnBlToTr w="12700" cmpd="sng">
+                          <a:noFill/>
+                          <a:prstDash val="solid"/>
+                        </a:lnBlToTr>
+                        <a:blipFill>
+                          <a:blip r:embed="rId3"/>
+                          <a:stretch>
+                            <a:fillRect l="-201020" t="-300990" r="-2041" b="-101980"/>
+                          </a:stretch>
+                        </a:blipFill>
+                      </a:tcPr>
+                    </a:tc>
+                    <a:extLst>
+                      <a:ext uri="{0D108BD9-81ED-4DB2-BD59-A6C34878D82A}">
+                        <a16:rowId xmlns:a16="http://schemas.microsoft.com/office/drawing/2014/main" val="2786928437"/>
+                      </a:ext>
+                    </a:extLst>
+                  </a:tr>
+                  <a:tr h="615142">
+                    <a:tc>
+                      <a:txBody>
+                        <a:bodyPr/>
+                        <a:lstStyle/>
+                        <a:p>
+                          <a:pPr algn="r"/>
+                          <a:r>
+                            <a:rPr kumimoji="1" lang="en-US" altLang="ja-JP" dirty="0"/>
+                            <a:t>10</a:t>
+                          </a:r>
+                          <a:endParaRPr kumimoji="1" lang="ja-JP" altLang="en-US" dirty="0"/>
+                        </a:p>
+                      </a:txBody>
+                      <a:tcPr anchor="ctr">
+                        <a:lnL w="12700" cap="flat" cmpd="sng" algn="ctr">
+                          <a:noFill/>
+                          <a:prstDash val="solid"/>
+                          <a:round/>
+                          <a:headEnd type="none" w="med" len="med"/>
+                          <a:tailEnd type="none" w="med" len="med"/>
+                        </a:lnL>
+                        <a:lnR w="12700" cap="flat" cmpd="sng" algn="ctr">
+                          <a:solidFill>
+                            <a:schemeClr val="tx1"/>
+                          </a:solidFill>
+                          <a:prstDash val="solid"/>
+                          <a:round/>
+                          <a:headEnd type="none" w="med" len="med"/>
+                          <a:tailEnd type="none" w="med" len="med"/>
+                        </a:lnR>
+                        <a:lnT w="12700" cap="flat" cmpd="sng" algn="ctr">
+                          <a:noFill/>
+                          <a:prstDash val="solid"/>
+                          <a:round/>
+                          <a:headEnd type="none" w="med" len="med"/>
+                          <a:tailEnd type="none" w="med" len="med"/>
+                        </a:lnT>
+                        <a:lnB w="12700" cap="flat" cmpd="sng" algn="ctr">
+                          <a:noFill/>
+                          <a:prstDash val="solid"/>
+                          <a:round/>
+                          <a:headEnd type="none" w="med" len="med"/>
+                          <a:tailEnd type="none" w="med" len="med"/>
+                        </a:lnB>
+                        <a:lnTlToBr w="12700" cap="flat" cmpd="sng" algn="ctr">
+                          <a:noFill/>
+                          <a:prstDash val="solid"/>
+                          <a:round/>
+                          <a:headEnd type="none" w="med" len="med"/>
+                          <a:tailEnd type="none" w="med" len="med"/>
+                        </a:lnTlToBr>
+                        <a:lnBlToTr w="12700" cmpd="sng">
+                          <a:noFill/>
+                          <a:prstDash val="solid"/>
+                        </a:lnBlToTr>
+                      </a:tcPr>
+                    </a:tc>
+                    <a:tc>
+                      <a:txBody>
+                        <a:bodyPr/>
+                        <a:lstStyle/>
+                        <a:p>
+                          <a:pPr algn="ctr"/>
+                          <a:r>
+                            <a:rPr kumimoji="1" lang="en-US" altLang="ja-JP" dirty="0"/>
+                            <a:t>1</a:t>
+                          </a:r>
+                          <a:endParaRPr kumimoji="1" lang="ja-JP" altLang="en-US" dirty="0"/>
+                        </a:p>
+                      </a:txBody>
+                      <a:tcPr anchor="ctr">
+                        <a:lnL w="12700" cap="flat" cmpd="sng" algn="ctr">
+                          <a:solidFill>
+                            <a:schemeClr val="tx1"/>
+                          </a:solidFill>
+                          <a:prstDash val="solid"/>
+                          <a:round/>
+                          <a:headEnd type="none" w="med" len="med"/>
+                          <a:tailEnd type="none" w="med" len="med"/>
+                        </a:lnL>
+                        <a:lnR w="12700" cap="flat" cmpd="sng" algn="ctr">
+                          <a:solidFill>
+                            <a:schemeClr val="tx1"/>
+                          </a:solidFill>
+                          <a:prstDash val="solid"/>
+                          <a:round/>
+                          <a:headEnd type="none" w="med" len="med"/>
+                          <a:tailEnd type="none" w="med" len="med"/>
+                        </a:lnR>
+                        <a:lnT w="12700" cap="flat" cmpd="sng" algn="ctr">
+                          <a:solidFill>
+                            <a:schemeClr val="tx1"/>
+                          </a:solidFill>
+                          <a:prstDash val="solid"/>
+                          <a:round/>
+                          <a:headEnd type="none" w="med" len="med"/>
+                          <a:tailEnd type="none" w="med" len="med"/>
+                        </a:lnT>
+                        <a:lnB w="12700" cap="flat" cmpd="sng" algn="ctr">
+                          <a:solidFill>
+                            <a:schemeClr val="tx1"/>
+                          </a:solidFill>
+                          <a:prstDash val="solid"/>
+                          <a:round/>
+                          <a:headEnd type="none" w="med" len="med"/>
+                          <a:tailEnd type="none" w="med" len="med"/>
+                        </a:lnB>
+                        <a:lnTlToBr w="12700" cmpd="sng">
+                          <a:noFill/>
+                          <a:prstDash val="solid"/>
+                        </a:lnTlToBr>
+                        <a:lnBlToTr w="12700" cmpd="sng">
+                          <a:noFill/>
+                          <a:prstDash val="solid"/>
+                        </a:lnBlToTr>
+                      </a:tcPr>
+                    </a:tc>
+                    <a:tc>
+                      <a:txBody>
+                        <a:bodyPr/>
+                        <a:lstStyle/>
+                        <a:p>
+                          <a:pPr algn="ctr"/>
+                          <a:endParaRPr kumimoji="1" lang="ja-JP" altLang="en-US" dirty="0"/>
+                        </a:p>
+                      </a:txBody>
+                      <a:tcPr anchor="ctr">
+                        <a:lnL w="12700" cap="flat" cmpd="sng" algn="ctr">
+                          <a:solidFill>
+                            <a:schemeClr val="tx1"/>
+                          </a:solidFill>
+                          <a:prstDash val="solid"/>
+                          <a:round/>
+                          <a:headEnd type="none" w="med" len="med"/>
+                          <a:tailEnd type="none" w="med" len="med"/>
+                        </a:lnL>
+                        <a:lnR w="12700" cap="flat" cmpd="sng" algn="ctr">
+                          <a:solidFill>
+                            <a:schemeClr val="tx1"/>
+                          </a:solidFill>
+                          <a:prstDash val="solid"/>
+                          <a:round/>
+                          <a:headEnd type="none" w="med" len="med"/>
+                          <a:tailEnd type="none" w="med" len="med"/>
+                        </a:lnR>
+                        <a:lnT w="12700" cap="flat" cmpd="sng" algn="ctr">
+                          <a:solidFill>
+                            <a:schemeClr val="tx1"/>
+                          </a:solidFill>
+                          <a:prstDash val="solid"/>
+                          <a:round/>
+                          <a:headEnd type="none" w="med" len="med"/>
+                          <a:tailEnd type="none" w="med" len="med"/>
+                        </a:lnT>
+                        <a:lnB w="12700" cap="flat" cmpd="sng" algn="ctr">
+                          <a:solidFill>
+                            <a:schemeClr val="tx1"/>
+                          </a:solidFill>
+                          <a:prstDash val="solid"/>
+                          <a:round/>
+                          <a:headEnd type="none" w="med" len="med"/>
+                          <a:tailEnd type="none" w="med" len="med"/>
+                        </a:lnB>
+                        <a:lnTlToBr w="12700" cmpd="sng">
+                          <a:noFill/>
+                          <a:prstDash val="solid"/>
+                        </a:lnTlToBr>
+                        <a:lnBlToTr w="12700" cmpd="sng">
+                          <a:noFill/>
+                          <a:prstDash val="solid"/>
+                        </a:lnBlToTr>
+                      </a:tcPr>
+                    </a:tc>
+                    <a:extLst>
+                      <a:ext uri="{0D108BD9-81ED-4DB2-BD59-A6C34878D82A}">
+                        <a16:rowId xmlns:a16="http://schemas.microsoft.com/office/drawing/2014/main" val="1734436533"/>
+                      </a:ext>
+                    </a:extLst>
+                  </a:tr>
+                </a:tbl>
+              </a:graphicData>
+            </a:graphic>
+          </p:graphicFrame>
+        </mc:Fallback>
+      </mc:AlternateContent>
+      <mc:AlternateContent xmlns:mc="http://schemas.openxmlformats.org/markup-compatibility/2006" xmlns:a14="http://schemas.microsoft.com/office/drawing/2010/main">
+        <mc:Choice Requires="a14">
+          <p:graphicFrame>
+            <p:nvGraphicFramePr>
+              <p:cNvPr id="7" name="表 6">
+                <a:extLst>
+                  <a:ext uri="{FF2B5EF4-FFF2-40B4-BE49-F238E27FC236}">
+                    <a16:creationId xmlns:a16="http://schemas.microsoft.com/office/drawing/2014/main" id="{7FF38748-2643-4BF3-A8CD-9F6ECB14CE45}"/>
+                  </a:ext>
+                </a:extLst>
+              </p:cNvPr>
+              <p:cNvGraphicFramePr>
+                <a:graphicFrameLocks noGrp="1"/>
+              </p:cNvGraphicFramePr>
+              <p:nvPr>
+                <p:extLst>
+                  <p:ext uri="{D42A27DB-BD31-4B8C-83A1-F6EECF244321}">
+                    <p14:modId xmlns:p14="http://schemas.microsoft.com/office/powerpoint/2010/main" val="2436348215"/>
+                  </p:ext>
+                </p:extLst>
+              </p:nvPr>
+            </p:nvGraphicFramePr>
+            <p:xfrm>
+              <a:off x="8649855" y="1200727"/>
+              <a:ext cx="1791855" cy="3075710"/>
+            </p:xfrm>
+            <a:graphic>
+              <a:graphicData uri="http://schemas.openxmlformats.org/drawingml/2006/table">
+                <a:tbl>
+                  <a:tblPr firstRow="1" bandRow="1">
+                    <a:tableStyleId>{2D5ABB26-0587-4C30-8999-92F81FD0307C}</a:tableStyleId>
+                  </a:tblPr>
+                  <a:tblGrid>
+                    <a:gridCol w="597285">
+                      <a:extLst>
+                        <a:ext uri="{9D8B030D-6E8A-4147-A177-3AD203B41FA5}">
+                          <a16:colId xmlns:a16="http://schemas.microsoft.com/office/drawing/2014/main" val="3966724155"/>
+                        </a:ext>
+                      </a:extLst>
+                    </a:gridCol>
+                    <a:gridCol w="597285">
+                      <a:extLst>
+                        <a:ext uri="{9D8B030D-6E8A-4147-A177-3AD203B41FA5}">
+                          <a16:colId xmlns:a16="http://schemas.microsoft.com/office/drawing/2014/main" val="1876420039"/>
+                        </a:ext>
+                      </a:extLst>
+                    </a:gridCol>
+                    <a:gridCol w="597285">
+                      <a:extLst>
+                        <a:ext uri="{9D8B030D-6E8A-4147-A177-3AD203B41FA5}">
+                          <a16:colId xmlns:a16="http://schemas.microsoft.com/office/drawing/2014/main" val="76310099"/>
+                        </a:ext>
+                      </a:extLst>
+                    </a:gridCol>
+                  </a:tblGrid>
+                  <a:tr h="615142">
+                    <a:tc>
+                      <a:txBody>
+                        <a:bodyPr/>
+                        <a:lstStyle/>
+                        <a:p>
+                          <a:r>
+                            <a:rPr kumimoji="1" lang="en-US" altLang="ja-JP" dirty="0"/>
+                            <a:t> </a:t>
+                          </a:r>
+                          <a:r>
+                            <a:rPr kumimoji="1" lang="ja-JP" altLang="en-US" dirty="0"/>
+                            <a:t>  </a:t>
+                          </a:r>
+                        </a:p>
+                      </a:txBody>
+                      <a:tcPr>
+                        <a:lnL w="12700" cap="flat" cmpd="sng" algn="ctr">
+                          <a:noFill/>
+                          <a:prstDash val="solid"/>
+                          <a:round/>
+                          <a:headEnd type="none" w="med" len="med"/>
+                          <a:tailEnd type="none" w="med" len="med"/>
+                        </a:lnL>
+                        <a:lnR w="12700" cap="flat" cmpd="sng" algn="ctr">
+                          <a:noFill/>
+                          <a:prstDash val="solid"/>
+                          <a:round/>
+                          <a:headEnd type="none" w="med" len="med"/>
+                          <a:tailEnd type="none" w="med" len="med"/>
+                        </a:lnR>
+                        <a:lnT w="12700" cap="flat" cmpd="sng" algn="ctr">
+                          <a:noFill/>
+                          <a:prstDash val="solid"/>
+                          <a:round/>
+                          <a:headEnd type="none" w="med" len="med"/>
+                          <a:tailEnd type="none" w="med" len="med"/>
+                        </a:lnT>
+                        <a:lnB w="12700" cap="flat" cmpd="sng" algn="ctr">
+                          <a:noFill/>
+                          <a:prstDash val="solid"/>
+                          <a:round/>
+                          <a:headEnd type="none" w="med" len="med"/>
+                          <a:tailEnd type="none" w="med" len="med"/>
+                        </a:lnB>
+                        <a:lnTlToBr w="12700" cap="flat" cmpd="sng" algn="ctr">
+                          <a:solidFill>
+                            <a:schemeClr val="tx1"/>
+                          </a:solidFill>
+                          <a:prstDash val="solid"/>
+                          <a:round/>
+                          <a:headEnd type="none" w="med" len="med"/>
+                          <a:tailEnd type="none" w="med" len="med"/>
+                        </a:lnTlToBr>
+                        <a:lnBlToTr w="12700" cmpd="sng">
+                          <a:noFill/>
+                          <a:prstDash val="solid"/>
+                        </a:lnBlToTr>
+                      </a:tcPr>
+                    </a:tc>
+                    <a:tc>
+                      <a:txBody>
+                        <a:bodyPr/>
+                        <a:lstStyle/>
+                        <a:p>
+                          <a:pPr algn="ctr"/>
+                          <a:r>
+                            <a:rPr kumimoji="1" lang="en-US" altLang="ja-JP" dirty="0"/>
+                            <a:t>0</a:t>
+                          </a:r>
+                          <a:endParaRPr kumimoji="1" lang="ja-JP" altLang="en-US" dirty="0"/>
+                        </a:p>
+                      </a:txBody>
+                      <a:tcPr anchor="b">
+                        <a:lnL w="12700" cap="flat" cmpd="sng" algn="ctr">
+                          <a:noFill/>
+                          <a:prstDash val="solid"/>
+                          <a:round/>
+                          <a:headEnd type="none" w="med" len="med"/>
+                          <a:tailEnd type="none" w="med" len="med"/>
+                        </a:lnL>
+                        <a:lnR w="12700" cap="flat" cmpd="sng" algn="ctr">
+                          <a:noFill/>
+                          <a:prstDash val="solid"/>
+                          <a:round/>
+                          <a:headEnd type="none" w="med" len="med"/>
+                          <a:tailEnd type="none" w="med" len="med"/>
+                        </a:lnR>
+                        <a:lnT w="12700" cap="flat" cmpd="sng" algn="ctr">
+                          <a:noFill/>
+                          <a:prstDash val="solid"/>
+                          <a:round/>
+                          <a:headEnd type="none" w="med" len="med"/>
+                          <a:tailEnd type="none" w="med" len="med"/>
+                        </a:lnT>
+                        <a:lnB w="12700" cap="flat" cmpd="sng" algn="ctr">
+                          <a:solidFill>
+                            <a:schemeClr val="tx1"/>
+                          </a:solidFill>
+                          <a:prstDash val="solid"/>
+                          <a:round/>
+                          <a:headEnd type="none" w="med" len="med"/>
+                          <a:tailEnd type="none" w="med" len="med"/>
+                        </a:lnB>
+                        <a:lnTlToBr w="12700" cmpd="sng">
+                          <a:noFill/>
+                          <a:prstDash val="solid"/>
+                        </a:lnTlToBr>
+                        <a:lnBlToTr w="12700" cmpd="sng">
+                          <a:noFill/>
+                          <a:prstDash val="solid"/>
+                        </a:lnBlToTr>
+                      </a:tcPr>
+                    </a:tc>
+                    <a:tc>
+                      <a:txBody>
+                        <a:bodyPr/>
+                        <a:lstStyle/>
+                        <a:p>
+                          <a:pPr algn="ctr"/>
+                          <a:r>
+                            <a:rPr kumimoji="1" lang="en-US" altLang="ja-JP" dirty="0"/>
+                            <a:t>1</a:t>
+                          </a:r>
+                          <a:endParaRPr kumimoji="1" lang="ja-JP" altLang="en-US" dirty="0"/>
+                        </a:p>
+                      </a:txBody>
+                      <a:tcPr anchor="b">
+                        <a:lnL w="12700" cap="flat" cmpd="sng" algn="ctr">
+                          <a:noFill/>
+                          <a:prstDash val="solid"/>
+                          <a:round/>
+                          <a:headEnd type="none" w="med" len="med"/>
+                          <a:tailEnd type="none" w="med" len="med"/>
+                        </a:lnL>
+                        <a:lnR w="12700" cap="flat" cmpd="sng" algn="ctr">
+                          <a:noFill/>
+                          <a:prstDash val="solid"/>
+                          <a:round/>
+                          <a:headEnd type="none" w="med" len="med"/>
+                          <a:tailEnd type="none" w="med" len="med"/>
+                        </a:lnR>
+                        <a:lnT w="12700" cap="flat" cmpd="sng" algn="ctr">
+                          <a:noFill/>
+                          <a:prstDash val="solid"/>
+                          <a:round/>
+                          <a:headEnd type="none" w="med" len="med"/>
+                          <a:tailEnd type="none" w="med" len="med"/>
+                        </a:lnT>
+                        <a:lnB w="12700" cap="flat" cmpd="sng" algn="ctr">
+                          <a:solidFill>
+                            <a:schemeClr val="tx1"/>
+                          </a:solidFill>
+                          <a:prstDash val="solid"/>
+                          <a:round/>
+                          <a:headEnd type="none" w="med" len="med"/>
+                          <a:tailEnd type="none" w="med" len="med"/>
+                        </a:lnB>
+                        <a:lnTlToBr w="12700" cmpd="sng">
+                          <a:noFill/>
+                          <a:prstDash val="solid"/>
+                        </a:lnTlToBr>
+                        <a:lnBlToTr w="12700" cmpd="sng">
+                          <a:noFill/>
+                          <a:prstDash val="solid"/>
+                        </a:lnBlToTr>
+                      </a:tcPr>
+                    </a:tc>
+                    <a:extLst>
+                      <a:ext uri="{0D108BD9-81ED-4DB2-BD59-A6C34878D82A}">
+                        <a16:rowId xmlns:a16="http://schemas.microsoft.com/office/drawing/2014/main" val="4076029043"/>
+                      </a:ext>
+                    </a:extLst>
+                  </a:tr>
+                  <a:tr h="615142">
+                    <a:tc>
+                      <a:txBody>
+                        <a:bodyPr/>
+                        <a:lstStyle/>
+                        <a:p>
+                          <a:pPr algn="r"/>
+                          <a:r>
+                            <a:rPr kumimoji="1" lang="en-US" altLang="ja-JP" dirty="0"/>
+                            <a:t>00</a:t>
+                          </a:r>
+                        </a:p>
+                      </a:txBody>
+                      <a:tcPr anchor="ctr">
+                        <a:lnL w="12700" cap="flat" cmpd="sng" algn="ctr">
+                          <a:noFill/>
+                          <a:prstDash val="solid"/>
+                          <a:round/>
+                          <a:headEnd type="none" w="med" len="med"/>
+                          <a:tailEnd type="none" w="med" len="med"/>
+                        </a:lnL>
+                        <a:lnR w="12700" cap="flat" cmpd="sng" algn="ctr">
+                          <a:solidFill>
+                            <a:schemeClr val="tx1"/>
+                          </a:solidFill>
+                          <a:prstDash val="solid"/>
+                          <a:round/>
+                          <a:headEnd type="none" w="med" len="med"/>
+                          <a:tailEnd type="none" w="med" len="med"/>
+                        </a:lnR>
+                        <a:lnT w="12700" cap="flat" cmpd="sng" algn="ctr">
+                          <a:noFill/>
+                          <a:prstDash val="solid"/>
+                          <a:round/>
+                          <a:headEnd type="none" w="med" len="med"/>
+                          <a:tailEnd type="none" w="med" len="med"/>
+                        </a:lnT>
+                        <a:lnB w="12700" cap="flat" cmpd="sng" algn="ctr">
+                          <a:noFill/>
+                          <a:prstDash val="solid"/>
+                          <a:round/>
+                          <a:headEnd type="none" w="med" len="med"/>
+                          <a:tailEnd type="none" w="med" len="med"/>
+                        </a:lnB>
+                        <a:lnTlToBr w="12700" cap="flat" cmpd="sng" algn="ctr">
+                          <a:noFill/>
+                          <a:prstDash val="solid"/>
+                          <a:round/>
+                          <a:headEnd type="none" w="med" len="med"/>
+                          <a:tailEnd type="none" w="med" len="med"/>
+                        </a:lnTlToBr>
+                        <a:lnBlToTr w="12700" cmpd="sng">
+                          <a:noFill/>
+                          <a:prstDash val="solid"/>
+                        </a:lnBlToTr>
+                      </a:tcPr>
+                    </a:tc>
+                    <a:tc>
+                      <a:txBody>
+                        <a:bodyPr/>
+                        <a:lstStyle/>
+                        <a:p>
+                          <a:pPr algn="ctr"/>
+                          <a:endParaRPr kumimoji="1" lang="ja-JP" altLang="en-US" dirty="0"/>
+                        </a:p>
+                      </a:txBody>
+                      <a:tcPr anchor="ctr">
+                        <a:lnL w="12700" cap="flat" cmpd="sng" algn="ctr">
+                          <a:solidFill>
+                            <a:schemeClr val="tx1"/>
+                          </a:solidFill>
+                          <a:prstDash val="solid"/>
+                          <a:round/>
+                          <a:headEnd type="none" w="med" len="med"/>
+                          <a:tailEnd type="none" w="med" len="med"/>
+                        </a:lnL>
+                        <a:lnR w="12700" cap="flat" cmpd="sng" algn="ctr">
+                          <a:solidFill>
+                            <a:schemeClr val="tx1"/>
+                          </a:solidFill>
+                          <a:prstDash val="solid"/>
+                          <a:round/>
+                          <a:headEnd type="none" w="med" len="med"/>
+                          <a:tailEnd type="none" w="med" len="med"/>
+                        </a:lnR>
+                        <a:lnT w="12700" cap="flat" cmpd="sng" algn="ctr">
+                          <a:solidFill>
+                            <a:schemeClr val="tx1"/>
+                          </a:solidFill>
+                          <a:prstDash val="solid"/>
+                          <a:round/>
+                          <a:headEnd type="none" w="med" len="med"/>
+                          <a:tailEnd type="none" w="med" len="med"/>
+                        </a:lnT>
+                        <a:lnB w="12700" cap="flat" cmpd="sng" algn="ctr">
+                          <a:solidFill>
+                            <a:schemeClr val="tx1"/>
+                          </a:solidFill>
+                          <a:prstDash val="solid"/>
+                          <a:round/>
+                          <a:headEnd type="none" w="med" len="med"/>
+                          <a:tailEnd type="none" w="med" len="med"/>
+                        </a:lnB>
+                        <a:lnTlToBr w="12700" cmpd="sng">
+                          <a:noFill/>
+                          <a:prstDash val="solid"/>
+                        </a:lnTlToBr>
+                        <a:lnBlToTr w="12700" cmpd="sng">
+                          <a:noFill/>
+                          <a:prstDash val="solid"/>
+                        </a:lnBlToTr>
+                      </a:tcPr>
+                    </a:tc>
+                    <a:tc>
+                      <a:txBody>
+                        <a:bodyPr/>
+                        <a:lstStyle/>
+                        <a:p>
+                          <a:pPr algn="ctr"/>
+                          <a:endParaRPr kumimoji="1" lang="ja-JP" altLang="en-US" dirty="0"/>
+                        </a:p>
+                      </a:txBody>
+                      <a:tcPr anchor="ctr">
+                        <a:lnL w="12700" cap="flat" cmpd="sng" algn="ctr">
+                          <a:solidFill>
+                            <a:schemeClr val="tx1"/>
+                          </a:solidFill>
+                          <a:prstDash val="solid"/>
+                          <a:round/>
+                          <a:headEnd type="none" w="med" len="med"/>
+                          <a:tailEnd type="none" w="med" len="med"/>
+                        </a:lnL>
+                        <a:lnR w="12700" cap="flat" cmpd="sng" algn="ctr">
+                          <a:solidFill>
+                            <a:schemeClr val="tx1"/>
+                          </a:solidFill>
+                          <a:prstDash val="solid"/>
+                          <a:round/>
+                          <a:headEnd type="none" w="med" len="med"/>
+                          <a:tailEnd type="none" w="med" len="med"/>
+                        </a:lnR>
+                        <a:lnT w="12700" cap="flat" cmpd="sng" algn="ctr">
+                          <a:solidFill>
+                            <a:schemeClr val="tx1"/>
+                          </a:solidFill>
+                          <a:prstDash val="solid"/>
+                          <a:round/>
+                          <a:headEnd type="none" w="med" len="med"/>
+                          <a:tailEnd type="none" w="med" len="med"/>
+                        </a:lnT>
+                        <a:lnB w="12700" cap="flat" cmpd="sng" algn="ctr">
+                          <a:solidFill>
+                            <a:schemeClr val="tx1"/>
+                          </a:solidFill>
+                          <a:prstDash val="solid"/>
+                          <a:round/>
+                          <a:headEnd type="none" w="med" len="med"/>
+                          <a:tailEnd type="none" w="med" len="med"/>
+                        </a:lnB>
+                        <a:lnTlToBr w="12700" cmpd="sng">
+                          <a:noFill/>
+                          <a:prstDash val="solid"/>
+                        </a:lnTlToBr>
+                        <a:lnBlToTr w="12700" cmpd="sng">
+                          <a:noFill/>
+                          <a:prstDash val="solid"/>
+                        </a:lnBlToTr>
+                      </a:tcPr>
+                    </a:tc>
+                    <a:extLst>
+                      <a:ext uri="{0D108BD9-81ED-4DB2-BD59-A6C34878D82A}">
+                        <a16:rowId xmlns:a16="http://schemas.microsoft.com/office/drawing/2014/main" val="3163174870"/>
+                      </a:ext>
+                    </a:extLst>
+                  </a:tr>
+                  <a:tr h="615142">
+                    <a:tc>
+                      <a:txBody>
+                        <a:bodyPr/>
+                        <a:lstStyle/>
+                        <a:p>
+                          <a:pPr algn="r"/>
+                          <a:r>
+                            <a:rPr kumimoji="1" lang="en-US" altLang="ja-JP" dirty="0"/>
+                            <a:t>01</a:t>
+                          </a:r>
+                          <a:endParaRPr kumimoji="1" lang="ja-JP" altLang="en-US" dirty="0"/>
+                        </a:p>
+                      </a:txBody>
+                      <a:tcPr anchor="ctr">
+                        <a:lnL w="12700" cap="flat" cmpd="sng" algn="ctr">
+                          <a:noFill/>
+                          <a:prstDash val="solid"/>
+                          <a:round/>
+                          <a:headEnd type="none" w="med" len="med"/>
+                          <a:tailEnd type="none" w="med" len="med"/>
+                        </a:lnL>
+                        <a:lnR w="12700" cap="flat" cmpd="sng" algn="ctr">
+                          <a:solidFill>
+                            <a:schemeClr val="tx1"/>
+                          </a:solidFill>
+                          <a:prstDash val="solid"/>
+                          <a:round/>
+                          <a:headEnd type="none" w="med" len="med"/>
+                          <a:tailEnd type="none" w="med" len="med"/>
+                        </a:lnR>
+                        <a:lnT w="12700" cap="flat" cmpd="sng" algn="ctr">
+                          <a:noFill/>
+                          <a:prstDash val="solid"/>
+                          <a:round/>
+                          <a:headEnd type="none" w="med" len="med"/>
+                          <a:tailEnd type="none" w="med" len="med"/>
+                        </a:lnT>
+                        <a:lnB w="12700" cap="flat" cmpd="sng" algn="ctr">
+                          <a:noFill/>
+                          <a:prstDash val="solid"/>
+                          <a:round/>
+                          <a:headEnd type="none" w="med" len="med"/>
+                          <a:tailEnd type="none" w="med" len="med"/>
+                        </a:lnB>
+                        <a:lnTlToBr w="12700" cap="flat" cmpd="sng" algn="ctr">
+                          <a:noFill/>
+                          <a:prstDash val="solid"/>
+                          <a:round/>
+                          <a:headEnd type="none" w="med" len="med"/>
+                          <a:tailEnd type="none" w="med" len="med"/>
+                        </a:lnTlToBr>
+                        <a:lnBlToTr w="12700" cmpd="sng">
+                          <a:noFill/>
+                          <a:prstDash val="solid"/>
+                        </a:lnBlToTr>
+                      </a:tcPr>
+                    </a:tc>
+                    <a:tc>
+                      <a:txBody>
+                        <a:bodyPr/>
+                        <a:lstStyle/>
+                        <a:p>
+                          <a:pPr algn="ctr"/>
+                          <a:r>
+                            <a:rPr kumimoji="1" lang="en-US" altLang="ja-JP" dirty="0"/>
+                            <a:t>1</a:t>
+                          </a:r>
+                          <a:endParaRPr kumimoji="1" lang="ja-JP" altLang="en-US" dirty="0"/>
+                        </a:p>
+                      </a:txBody>
+                      <a:tcPr anchor="ctr">
+                        <a:lnL w="12700" cap="flat" cmpd="sng" algn="ctr">
+                          <a:solidFill>
+                            <a:schemeClr val="tx1"/>
+                          </a:solidFill>
+                          <a:prstDash val="solid"/>
+                          <a:round/>
+                          <a:headEnd type="none" w="med" len="med"/>
+                          <a:tailEnd type="none" w="med" len="med"/>
+                        </a:lnL>
+                        <a:lnR w="12700" cap="flat" cmpd="sng" algn="ctr">
+                          <a:solidFill>
+                            <a:schemeClr val="tx1"/>
+                          </a:solidFill>
+                          <a:prstDash val="solid"/>
+                          <a:round/>
+                          <a:headEnd type="none" w="med" len="med"/>
+                          <a:tailEnd type="none" w="med" len="med"/>
+                        </a:lnR>
+                        <a:lnT w="12700" cap="flat" cmpd="sng" algn="ctr">
+                          <a:solidFill>
+                            <a:schemeClr val="tx1"/>
+                          </a:solidFill>
+                          <a:prstDash val="solid"/>
+                          <a:round/>
+                          <a:headEnd type="none" w="med" len="med"/>
+                          <a:tailEnd type="none" w="med" len="med"/>
+                        </a:lnT>
+                        <a:lnB w="12700" cap="flat" cmpd="sng" algn="ctr">
+                          <a:solidFill>
+                            <a:schemeClr val="tx1"/>
+                          </a:solidFill>
+                          <a:prstDash val="solid"/>
+                          <a:round/>
+                          <a:headEnd type="none" w="med" len="med"/>
+                          <a:tailEnd type="none" w="med" len="med"/>
+                        </a:lnB>
+                        <a:lnTlToBr w="12700" cmpd="sng">
+                          <a:noFill/>
+                          <a:prstDash val="solid"/>
+                        </a:lnTlToBr>
+                        <a:lnBlToTr w="12700" cmpd="sng">
+                          <a:noFill/>
+                          <a:prstDash val="solid"/>
+                        </a:lnBlToTr>
+                      </a:tcPr>
+                    </a:tc>
+                    <a:tc>
+                      <a:txBody>
+                        <a:bodyPr/>
+                        <a:lstStyle/>
+                        <a:p>
+                          <a:pPr algn="ctr"/>
+                          <a:endParaRPr kumimoji="1" lang="ja-JP" altLang="en-US" dirty="0"/>
+                        </a:p>
+                      </a:txBody>
+                      <a:tcPr anchor="ctr">
+                        <a:lnL w="12700" cap="flat" cmpd="sng" algn="ctr">
+                          <a:solidFill>
+                            <a:schemeClr val="tx1"/>
+                          </a:solidFill>
+                          <a:prstDash val="solid"/>
+                          <a:round/>
+                          <a:headEnd type="none" w="med" len="med"/>
+                          <a:tailEnd type="none" w="med" len="med"/>
+                        </a:lnL>
+                        <a:lnR w="12700" cap="flat" cmpd="sng" algn="ctr">
+                          <a:solidFill>
+                            <a:schemeClr val="tx1"/>
+                          </a:solidFill>
+                          <a:prstDash val="solid"/>
+                          <a:round/>
+                          <a:headEnd type="none" w="med" len="med"/>
+                          <a:tailEnd type="none" w="med" len="med"/>
+                        </a:lnR>
+                        <a:lnT w="12700" cap="flat" cmpd="sng" algn="ctr">
+                          <a:solidFill>
+                            <a:schemeClr val="tx1"/>
+                          </a:solidFill>
+                          <a:prstDash val="solid"/>
+                          <a:round/>
+                          <a:headEnd type="none" w="med" len="med"/>
+                          <a:tailEnd type="none" w="med" len="med"/>
+                        </a:lnT>
+                        <a:lnB w="12700" cap="flat" cmpd="sng" algn="ctr">
+                          <a:solidFill>
+                            <a:schemeClr val="tx1"/>
+                          </a:solidFill>
+                          <a:prstDash val="solid"/>
+                          <a:round/>
+                          <a:headEnd type="none" w="med" len="med"/>
+                          <a:tailEnd type="none" w="med" len="med"/>
+                        </a:lnB>
+                        <a:lnTlToBr w="12700" cmpd="sng">
+                          <a:noFill/>
+                          <a:prstDash val="solid"/>
+                        </a:lnTlToBr>
+                        <a:lnBlToTr w="12700" cmpd="sng">
+                          <a:noFill/>
+                          <a:prstDash val="solid"/>
+                        </a:lnBlToTr>
+                      </a:tcPr>
+                    </a:tc>
+                    <a:extLst>
+                      <a:ext uri="{0D108BD9-81ED-4DB2-BD59-A6C34878D82A}">
+                        <a16:rowId xmlns:a16="http://schemas.microsoft.com/office/drawing/2014/main" val="1297509366"/>
+                      </a:ext>
+                    </a:extLst>
+                  </a:tr>
+                  <a:tr h="615142">
+                    <a:tc>
+                      <a:txBody>
+                        <a:bodyPr/>
+                        <a:lstStyle/>
+                        <a:p>
+                          <a:pPr algn="r"/>
+                          <a:r>
+                            <a:rPr kumimoji="1" lang="en-US" altLang="ja-JP" dirty="0"/>
+                            <a:t>11</a:t>
+                          </a:r>
+                          <a:endParaRPr kumimoji="1" lang="ja-JP" altLang="en-US" dirty="0"/>
+                        </a:p>
+                      </a:txBody>
+                      <a:tcPr anchor="ctr">
+                        <a:lnL w="12700" cap="flat" cmpd="sng" algn="ctr">
+                          <a:noFill/>
+                          <a:prstDash val="solid"/>
+                          <a:round/>
+                          <a:headEnd type="none" w="med" len="med"/>
+                          <a:tailEnd type="none" w="med" len="med"/>
+                        </a:lnL>
+                        <a:lnR w="12700" cap="flat" cmpd="sng" algn="ctr">
+                          <a:solidFill>
+                            <a:schemeClr val="tx1"/>
+                          </a:solidFill>
+                          <a:prstDash val="solid"/>
+                          <a:round/>
+                          <a:headEnd type="none" w="med" len="med"/>
+                          <a:tailEnd type="none" w="med" len="med"/>
+                        </a:lnR>
+                        <a:lnT w="12700" cap="flat" cmpd="sng" algn="ctr">
+                          <a:noFill/>
+                          <a:prstDash val="solid"/>
+                          <a:round/>
+                          <a:headEnd type="none" w="med" len="med"/>
+                          <a:tailEnd type="none" w="med" len="med"/>
+                        </a:lnT>
+                        <a:lnB w="12700" cap="flat" cmpd="sng" algn="ctr">
+                          <a:noFill/>
+                          <a:prstDash val="solid"/>
+                          <a:round/>
+                          <a:headEnd type="none" w="med" len="med"/>
+                          <a:tailEnd type="none" w="med" len="med"/>
+                        </a:lnB>
+                        <a:lnTlToBr w="12700" cap="flat" cmpd="sng" algn="ctr">
+                          <a:noFill/>
+                          <a:prstDash val="solid"/>
+                          <a:round/>
+                          <a:headEnd type="none" w="med" len="med"/>
+                          <a:tailEnd type="none" w="med" len="med"/>
+                        </a:lnTlToBr>
+                        <a:lnBlToTr w="12700" cmpd="sng">
+                          <a:noFill/>
+                          <a:prstDash val="solid"/>
+                        </a:lnBlToTr>
+                      </a:tcPr>
+                    </a:tc>
+                    <a:tc>
+                      <a:txBody>
+                        <a:bodyPr/>
+                        <a:lstStyle/>
+                        <a:p>
+                          <a:pPr algn="ctr"/>
+                          <a14:m>
+                            <m:oMathPara xmlns:m="http://schemas.openxmlformats.org/officeDocument/2006/math">
+                              <m:oMathParaPr>
+                                <m:jc m:val="centerGroup"/>
+                              </m:oMathParaPr>
+                              <m:oMath xmlns:m="http://schemas.openxmlformats.org/officeDocument/2006/math">
+                                <m:r>
+                                  <a:rPr kumimoji="1" lang="en-US" altLang="ja-JP" b="0" i="1" smtClean="0">
+                                    <a:latin typeface="Cambria Math" panose="02040503050406030204" pitchFamily="18" charset="0"/>
+                                  </a:rPr>
+                                  <m:t>∗</m:t>
+                                </m:r>
+                              </m:oMath>
+                            </m:oMathPara>
+                          </a14:m>
+                          <a:endParaRPr kumimoji="1" lang="ja-JP" altLang="en-US" dirty="0"/>
+                        </a:p>
+                      </a:txBody>
+                      <a:tcPr anchor="ctr">
+                        <a:lnL w="12700" cap="flat" cmpd="sng" algn="ctr">
+                          <a:solidFill>
+                            <a:schemeClr val="tx1"/>
+                          </a:solidFill>
+                          <a:prstDash val="solid"/>
+                          <a:round/>
+                          <a:headEnd type="none" w="med" len="med"/>
+                          <a:tailEnd type="none" w="med" len="med"/>
+                        </a:lnL>
+                        <a:lnR w="12700" cap="flat" cmpd="sng" algn="ctr">
+                          <a:solidFill>
+                            <a:schemeClr val="tx1"/>
+                          </a:solidFill>
+                          <a:prstDash val="solid"/>
+                          <a:round/>
+                          <a:headEnd type="none" w="med" len="med"/>
+                          <a:tailEnd type="none" w="med" len="med"/>
+                        </a:lnR>
+                        <a:lnT w="12700" cap="flat" cmpd="sng" algn="ctr">
+                          <a:solidFill>
+                            <a:schemeClr val="tx1"/>
+                          </a:solidFill>
+                          <a:prstDash val="solid"/>
+                          <a:round/>
+                          <a:headEnd type="none" w="med" len="med"/>
+                          <a:tailEnd type="none" w="med" len="med"/>
+                        </a:lnT>
+                        <a:lnB w="12700" cap="flat" cmpd="sng" algn="ctr">
+                          <a:solidFill>
+                            <a:schemeClr val="tx1"/>
+                          </a:solidFill>
+                          <a:prstDash val="solid"/>
+                          <a:round/>
+                          <a:headEnd type="none" w="med" len="med"/>
+                          <a:tailEnd type="none" w="med" len="med"/>
+                        </a:lnB>
+                        <a:lnTlToBr w="12700" cmpd="sng">
+                          <a:noFill/>
+                          <a:prstDash val="solid"/>
+                        </a:lnTlToBr>
+                        <a:lnBlToTr w="12700" cmpd="sng">
+                          <a:noFill/>
+                          <a:prstDash val="solid"/>
+                        </a:lnBlToTr>
+                      </a:tcPr>
+                    </a:tc>
+                    <a:tc>
+                      <a:txBody>
+                        <a:bodyPr/>
+                        <a:lstStyle/>
+                        <a:p>
+                          <a:pPr algn="ctr"/>
+                          <a14:m>
+                            <m:oMathPara xmlns:m="http://schemas.openxmlformats.org/officeDocument/2006/math">
+                              <m:oMathParaPr>
+                                <m:jc m:val="centerGroup"/>
+                              </m:oMathParaPr>
+                              <m:oMath xmlns:m="http://schemas.openxmlformats.org/officeDocument/2006/math">
+                                <m:r>
+                                  <a:rPr kumimoji="1" lang="en-US" altLang="ja-JP" b="0" i="1" smtClean="0">
+                                    <a:latin typeface="Cambria Math" panose="02040503050406030204" pitchFamily="18" charset="0"/>
+                                  </a:rPr>
+                                  <m:t>∗</m:t>
+                                </m:r>
+                              </m:oMath>
+                            </m:oMathPara>
+                          </a14:m>
+                          <a:endParaRPr kumimoji="1" lang="ja-JP" altLang="en-US" dirty="0"/>
+                        </a:p>
+                      </a:txBody>
+                      <a:tcPr anchor="ctr">
+                        <a:lnL w="12700" cap="flat" cmpd="sng" algn="ctr">
+                          <a:solidFill>
+                            <a:schemeClr val="tx1"/>
+                          </a:solidFill>
+                          <a:prstDash val="solid"/>
+                          <a:round/>
+                          <a:headEnd type="none" w="med" len="med"/>
+                          <a:tailEnd type="none" w="med" len="med"/>
+                        </a:lnL>
+                        <a:lnR w="12700" cap="flat" cmpd="sng" algn="ctr">
+                          <a:solidFill>
+                            <a:schemeClr val="tx1"/>
+                          </a:solidFill>
+                          <a:prstDash val="solid"/>
+                          <a:round/>
+                          <a:headEnd type="none" w="med" len="med"/>
+                          <a:tailEnd type="none" w="med" len="med"/>
+                        </a:lnR>
+                        <a:lnT w="12700" cap="flat" cmpd="sng" algn="ctr">
+                          <a:solidFill>
+                            <a:schemeClr val="tx1"/>
+                          </a:solidFill>
+                          <a:prstDash val="solid"/>
+                          <a:round/>
+                          <a:headEnd type="none" w="med" len="med"/>
+                          <a:tailEnd type="none" w="med" len="med"/>
+                        </a:lnT>
+                        <a:lnB w="12700" cap="flat" cmpd="sng" algn="ctr">
+                          <a:solidFill>
+                            <a:schemeClr val="tx1"/>
+                          </a:solidFill>
+                          <a:prstDash val="solid"/>
+                          <a:round/>
+                          <a:headEnd type="none" w="med" len="med"/>
+                          <a:tailEnd type="none" w="med" len="med"/>
+                        </a:lnB>
+                        <a:lnTlToBr w="12700" cmpd="sng">
+                          <a:noFill/>
+                          <a:prstDash val="solid"/>
+                        </a:lnTlToBr>
+                        <a:lnBlToTr w="12700" cmpd="sng">
+                          <a:noFill/>
+                          <a:prstDash val="solid"/>
+                        </a:lnBlToTr>
+                      </a:tcPr>
+                    </a:tc>
+                    <a:extLst>
+                      <a:ext uri="{0D108BD9-81ED-4DB2-BD59-A6C34878D82A}">
+                        <a16:rowId xmlns:a16="http://schemas.microsoft.com/office/drawing/2014/main" val="2786928437"/>
+                      </a:ext>
+                    </a:extLst>
+                  </a:tr>
+                  <a:tr h="615142">
+                    <a:tc>
+                      <a:txBody>
+                        <a:bodyPr/>
+                        <a:lstStyle/>
+                        <a:p>
+                          <a:pPr algn="r"/>
+                          <a:r>
+                            <a:rPr kumimoji="1" lang="en-US" altLang="ja-JP" dirty="0"/>
+                            <a:t>10</a:t>
+                          </a:r>
+                          <a:endParaRPr kumimoji="1" lang="ja-JP" altLang="en-US" dirty="0"/>
+                        </a:p>
+                      </a:txBody>
+                      <a:tcPr anchor="ctr">
+                        <a:lnL w="12700" cap="flat" cmpd="sng" algn="ctr">
+                          <a:noFill/>
+                          <a:prstDash val="solid"/>
+                          <a:round/>
+                          <a:headEnd type="none" w="med" len="med"/>
+                          <a:tailEnd type="none" w="med" len="med"/>
+                        </a:lnL>
+                        <a:lnR w="12700" cap="flat" cmpd="sng" algn="ctr">
+                          <a:solidFill>
+                            <a:schemeClr val="tx1"/>
+                          </a:solidFill>
+                          <a:prstDash val="solid"/>
+                          <a:round/>
+                          <a:headEnd type="none" w="med" len="med"/>
+                          <a:tailEnd type="none" w="med" len="med"/>
+                        </a:lnR>
+                        <a:lnT w="12700" cap="flat" cmpd="sng" algn="ctr">
+                          <a:noFill/>
+                          <a:prstDash val="solid"/>
+                          <a:round/>
+                          <a:headEnd type="none" w="med" len="med"/>
+                          <a:tailEnd type="none" w="med" len="med"/>
+                        </a:lnT>
+                        <a:lnB w="12700" cap="flat" cmpd="sng" algn="ctr">
+                          <a:noFill/>
+                          <a:prstDash val="solid"/>
+                          <a:round/>
+                          <a:headEnd type="none" w="med" len="med"/>
+                          <a:tailEnd type="none" w="med" len="med"/>
+                        </a:lnB>
+                        <a:lnTlToBr w="12700" cap="flat" cmpd="sng" algn="ctr">
+                          <a:noFill/>
+                          <a:prstDash val="solid"/>
+                          <a:round/>
+                          <a:headEnd type="none" w="med" len="med"/>
+                          <a:tailEnd type="none" w="med" len="med"/>
+                        </a:lnTlToBr>
+                        <a:lnBlToTr w="12700" cmpd="sng">
+                          <a:noFill/>
+                          <a:prstDash val="solid"/>
+                        </a:lnBlToTr>
+                      </a:tcPr>
+                    </a:tc>
+                    <a:tc>
+                      <a:txBody>
+                        <a:bodyPr/>
+                        <a:lstStyle/>
+                        <a:p>
+                          <a:pPr algn="ctr"/>
+                          <a:endParaRPr kumimoji="1" lang="ja-JP" altLang="en-US" dirty="0"/>
+                        </a:p>
+                      </a:txBody>
+                      <a:tcPr anchor="ctr">
+                        <a:lnL w="12700" cap="flat" cmpd="sng" algn="ctr">
+                          <a:solidFill>
+                            <a:schemeClr val="tx1"/>
+                          </a:solidFill>
+                          <a:prstDash val="solid"/>
+                          <a:round/>
+                          <a:headEnd type="none" w="med" len="med"/>
+                          <a:tailEnd type="none" w="med" len="med"/>
+                        </a:lnL>
+                        <a:lnR w="12700" cap="flat" cmpd="sng" algn="ctr">
+                          <a:solidFill>
+                            <a:schemeClr val="tx1"/>
+                          </a:solidFill>
+                          <a:prstDash val="solid"/>
+                          <a:round/>
+                          <a:headEnd type="none" w="med" len="med"/>
+                          <a:tailEnd type="none" w="med" len="med"/>
+                        </a:lnR>
+                        <a:lnT w="12700" cap="flat" cmpd="sng" algn="ctr">
+                          <a:solidFill>
+                            <a:schemeClr val="tx1"/>
+                          </a:solidFill>
+                          <a:prstDash val="solid"/>
+                          <a:round/>
+                          <a:headEnd type="none" w="med" len="med"/>
+                          <a:tailEnd type="none" w="med" len="med"/>
+                        </a:lnT>
+                        <a:lnB w="12700" cap="flat" cmpd="sng" algn="ctr">
+                          <a:solidFill>
+                            <a:schemeClr val="tx1"/>
+                          </a:solidFill>
+                          <a:prstDash val="solid"/>
+                          <a:round/>
+                          <a:headEnd type="none" w="med" len="med"/>
+                          <a:tailEnd type="none" w="med" len="med"/>
+                        </a:lnB>
+                        <a:lnTlToBr w="12700" cmpd="sng">
+                          <a:noFill/>
+                          <a:prstDash val="solid"/>
+                        </a:lnTlToBr>
+                        <a:lnBlToTr w="12700" cmpd="sng">
+                          <a:noFill/>
+                          <a:prstDash val="solid"/>
+                        </a:lnBlToTr>
+                      </a:tcPr>
+                    </a:tc>
+                    <a:tc>
+                      <a:txBody>
+                        <a:bodyPr/>
+                        <a:lstStyle/>
+                        <a:p>
+                          <a:pPr algn="ctr"/>
+                          <a:r>
+                            <a:rPr kumimoji="1" lang="en-US" altLang="ja-JP" dirty="0"/>
+                            <a:t>1</a:t>
+                          </a:r>
+                          <a:endParaRPr kumimoji="1" lang="ja-JP" altLang="en-US" dirty="0"/>
+                        </a:p>
+                      </a:txBody>
+                      <a:tcPr anchor="ctr">
+                        <a:lnL w="12700" cap="flat" cmpd="sng" algn="ctr">
+                          <a:solidFill>
+                            <a:schemeClr val="tx1"/>
+                          </a:solidFill>
+                          <a:prstDash val="solid"/>
+                          <a:round/>
+                          <a:headEnd type="none" w="med" len="med"/>
+                          <a:tailEnd type="none" w="med" len="med"/>
+                        </a:lnL>
+                        <a:lnR w="12700" cap="flat" cmpd="sng" algn="ctr">
+                          <a:solidFill>
+                            <a:schemeClr val="tx1"/>
+                          </a:solidFill>
+                          <a:prstDash val="solid"/>
+                          <a:round/>
+                          <a:headEnd type="none" w="med" len="med"/>
+                          <a:tailEnd type="none" w="med" len="med"/>
+                        </a:lnR>
+                        <a:lnT w="12700" cap="flat" cmpd="sng" algn="ctr">
+                          <a:solidFill>
+                            <a:schemeClr val="tx1"/>
+                          </a:solidFill>
+                          <a:prstDash val="solid"/>
+                          <a:round/>
+                          <a:headEnd type="none" w="med" len="med"/>
+                          <a:tailEnd type="none" w="med" len="med"/>
+                        </a:lnT>
+                        <a:lnB w="12700" cap="flat" cmpd="sng" algn="ctr">
+                          <a:solidFill>
+                            <a:schemeClr val="tx1"/>
+                          </a:solidFill>
+                          <a:prstDash val="solid"/>
+                          <a:round/>
+                          <a:headEnd type="none" w="med" len="med"/>
+                          <a:tailEnd type="none" w="med" len="med"/>
+                        </a:lnB>
+                        <a:lnTlToBr w="12700" cmpd="sng">
+                          <a:noFill/>
+                          <a:prstDash val="solid"/>
+                        </a:lnTlToBr>
+                        <a:lnBlToTr w="12700" cmpd="sng">
+                          <a:noFill/>
+                          <a:prstDash val="solid"/>
+                        </a:lnBlToTr>
+                      </a:tcPr>
+                    </a:tc>
+                    <a:extLst>
+                      <a:ext uri="{0D108BD9-81ED-4DB2-BD59-A6C34878D82A}">
+                        <a16:rowId xmlns:a16="http://schemas.microsoft.com/office/drawing/2014/main" val="1734436533"/>
+                      </a:ext>
+                    </a:extLst>
+                  </a:tr>
+                </a:tbl>
+              </a:graphicData>
+            </a:graphic>
+          </p:graphicFrame>
+        </mc:Choice>
+        <mc:Fallback xmlns="">
+          <p:graphicFrame>
+            <p:nvGraphicFramePr>
+              <p:cNvPr id="7" name="表 6">
+                <a:extLst>
+                  <a:ext uri="{FF2B5EF4-FFF2-40B4-BE49-F238E27FC236}">
+                    <a16:creationId xmlns:a16="http://schemas.microsoft.com/office/drawing/2014/main" id="{7FF38748-2643-4BF3-A8CD-9F6ECB14CE45}"/>
+                  </a:ext>
+                </a:extLst>
+              </p:cNvPr>
+              <p:cNvGraphicFramePr>
+                <a:graphicFrameLocks noGrp="1"/>
+              </p:cNvGraphicFramePr>
+              <p:nvPr>
+                <p:extLst>
+                  <p:ext uri="{D42A27DB-BD31-4B8C-83A1-F6EECF244321}">
+                    <p14:modId xmlns:p14="http://schemas.microsoft.com/office/powerpoint/2010/main" val="2436348215"/>
+                  </p:ext>
+                </p:extLst>
+              </p:nvPr>
+            </p:nvGraphicFramePr>
+            <p:xfrm>
+              <a:off x="8649855" y="1200727"/>
+              <a:ext cx="1791855" cy="3075710"/>
+            </p:xfrm>
+            <a:graphic>
+              <a:graphicData uri="http://schemas.openxmlformats.org/drawingml/2006/table">
+                <a:tbl>
+                  <a:tblPr firstRow="1" bandRow="1">
+                    <a:tableStyleId>{2D5ABB26-0587-4C30-8999-92F81FD0307C}</a:tableStyleId>
+                  </a:tblPr>
+                  <a:tblGrid>
+                    <a:gridCol w="597285">
+                      <a:extLst>
+                        <a:ext uri="{9D8B030D-6E8A-4147-A177-3AD203B41FA5}">
+                          <a16:colId xmlns:a16="http://schemas.microsoft.com/office/drawing/2014/main" val="3966724155"/>
+                        </a:ext>
+                      </a:extLst>
+                    </a:gridCol>
+                    <a:gridCol w="597285">
+                      <a:extLst>
+                        <a:ext uri="{9D8B030D-6E8A-4147-A177-3AD203B41FA5}">
+                          <a16:colId xmlns:a16="http://schemas.microsoft.com/office/drawing/2014/main" val="1876420039"/>
+                        </a:ext>
+                      </a:extLst>
+                    </a:gridCol>
+                    <a:gridCol w="597285">
+                      <a:extLst>
+                        <a:ext uri="{9D8B030D-6E8A-4147-A177-3AD203B41FA5}">
+                          <a16:colId xmlns:a16="http://schemas.microsoft.com/office/drawing/2014/main" val="76310099"/>
+                        </a:ext>
+                      </a:extLst>
+                    </a:gridCol>
+                  </a:tblGrid>
+                  <a:tr h="615142">
+                    <a:tc>
+                      <a:txBody>
+                        <a:bodyPr/>
+                        <a:lstStyle/>
+                        <a:p>
+                          <a:r>
+                            <a:rPr kumimoji="1" lang="en-US" altLang="ja-JP" dirty="0"/>
+                            <a:t> </a:t>
+                          </a:r>
+                          <a:r>
+                            <a:rPr kumimoji="1" lang="ja-JP" altLang="en-US" dirty="0"/>
+                            <a:t>  </a:t>
+                          </a:r>
+                        </a:p>
+                      </a:txBody>
+                      <a:tcPr>
+                        <a:lnL w="12700" cap="flat" cmpd="sng" algn="ctr">
+                          <a:noFill/>
+                          <a:prstDash val="solid"/>
+                          <a:round/>
+                          <a:headEnd type="none" w="med" len="med"/>
+                          <a:tailEnd type="none" w="med" len="med"/>
+                        </a:lnL>
+                        <a:lnR w="12700" cap="flat" cmpd="sng" algn="ctr">
+                          <a:noFill/>
+                          <a:prstDash val="solid"/>
+                          <a:round/>
+                          <a:headEnd type="none" w="med" len="med"/>
+                          <a:tailEnd type="none" w="med" len="med"/>
+                        </a:lnR>
+                        <a:lnT w="12700" cap="flat" cmpd="sng" algn="ctr">
+                          <a:noFill/>
+                          <a:prstDash val="solid"/>
+                          <a:round/>
+                          <a:headEnd type="none" w="med" len="med"/>
+                          <a:tailEnd type="none" w="med" len="med"/>
+                        </a:lnT>
+                        <a:lnB w="12700" cap="flat" cmpd="sng" algn="ctr">
+                          <a:noFill/>
+                          <a:prstDash val="solid"/>
+                          <a:round/>
+                          <a:headEnd type="none" w="med" len="med"/>
+                          <a:tailEnd type="none" w="med" len="med"/>
+                        </a:lnB>
+                        <a:lnTlToBr w="12700" cap="flat" cmpd="sng" algn="ctr">
+                          <a:solidFill>
+                            <a:schemeClr val="tx1"/>
+                          </a:solidFill>
+                          <a:prstDash val="solid"/>
+                          <a:round/>
+                          <a:headEnd type="none" w="med" len="med"/>
+                          <a:tailEnd type="none" w="med" len="med"/>
+                        </a:lnTlToBr>
+                        <a:lnBlToTr w="12700" cmpd="sng">
+                          <a:noFill/>
+                          <a:prstDash val="solid"/>
+                        </a:lnBlToTr>
+                      </a:tcPr>
+                    </a:tc>
+                    <a:tc>
+                      <a:txBody>
+                        <a:bodyPr/>
+                        <a:lstStyle/>
+                        <a:p>
+                          <a:pPr algn="ctr"/>
+                          <a:r>
+                            <a:rPr kumimoji="1" lang="en-US" altLang="ja-JP" dirty="0"/>
+                            <a:t>0</a:t>
+                          </a:r>
+                          <a:endParaRPr kumimoji="1" lang="ja-JP" altLang="en-US" dirty="0"/>
+                        </a:p>
+                      </a:txBody>
+                      <a:tcPr anchor="b">
+                        <a:lnL w="12700" cap="flat" cmpd="sng" algn="ctr">
+                          <a:noFill/>
+                          <a:prstDash val="solid"/>
+                          <a:round/>
+                          <a:headEnd type="none" w="med" len="med"/>
+                          <a:tailEnd type="none" w="med" len="med"/>
+                        </a:lnL>
+                        <a:lnR w="12700" cap="flat" cmpd="sng" algn="ctr">
+                          <a:noFill/>
+                          <a:prstDash val="solid"/>
+                          <a:round/>
+                          <a:headEnd type="none" w="med" len="med"/>
+                          <a:tailEnd type="none" w="med" len="med"/>
+                        </a:lnR>
+                        <a:lnT w="12700" cap="flat" cmpd="sng" algn="ctr">
+                          <a:noFill/>
+                          <a:prstDash val="solid"/>
+                          <a:round/>
+                          <a:headEnd type="none" w="med" len="med"/>
+                          <a:tailEnd type="none" w="med" len="med"/>
+                        </a:lnT>
+                        <a:lnB w="12700" cap="flat" cmpd="sng" algn="ctr">
+                          <a:solidFill>
+                            <a:schemeClr val="tx1"/>
+                          </a:solidFill>
+                          <a:prstDash val="solid"/>
+                          <a:round/>
+                          <a:headEnd type="none" w="med" len="med"/>
+                          <a:tailEnd type="none" w="med" len="med"/>
+                        </a:lnB>
+                        <a:lnTlToBr w="12700" cmpd="sng">
+                          <a:noFill/>
+                          <a:prstDash val="solid"/>
+                        </a:lnTlToBr>
+                        <a:lnBlToTr w="12700" cmpd="sng">
+                          <a:noFill/>
+                          <a:prstDash val="solid"/>
+                        </a:lnBlToTr>
+                      </a:tcPr>
+                    </a:tc>
+                    <a:tc>
+                      <a:txBody>
+                        <a:bodyPr/>
+                        <a:lstStyle/>
+                        <a:p>
+                          <a:pPr algn="ctr"/>
+                          <a:r>
+                            <a:rPr kumimoji="1" lang="en-US" altLang="ja-JP" dirty="0"/>
+                            <a:t>1</a:t>
+                          </a:r>
+                          <a:endParaRPr kumimoji="1" lang="ja-JP" altLang="en-US" dirty="0"/>
+                        </a:p>
+                      </a:txBody>
+                      <a:tcPr anchor="b">
+                        <a:lnL w="12700" cap="flat" cmpd="sng" algn="ctr">
+                          <a:noFill/>
+                          <a:prstDash val="solid"/>
+                          <a:round/>
+                          <a:headEnd type="none" w="med" len="med"/>
+                          <a:tailEnd type="none" w="med" len="med"/>
+                        </a:lnL>
+                        <a:lnR w="12700" cap="flat" cmpd="sng" algn="ctr">
+                          <a:noFill/>
+                          <a:prstDash val="solid"/>
+                          <a:round/>
+                          <a:headEnd type="none" w="med" len="med"/>
+                          <a:tailEnd type="none" w="med" len="med"/>
+                        </a:lnR>
+                        <a:lnT w="12700" cap="flat" cmpd="sng" algn="ctr">
+                          <a:noFill/>
+                          <a:prstDash val="solid"/>
+                          <a:round/>
+                          <a:headEnd type="none" w="med" len="med"/>
+                          <a:tailEnd type="none" w="med" len="med"/>
+                        </a:lnT>
+                        <a:lnB w="12700" cap="flat" cmpd="sng" algn="ctr">
+                          <a:solidFill>
+                            <a:schemeClr val="tx1"/>
+                          </a:solidFill>
+                          <a:prstDash val="solid"/>
+                          <a:round/>
+                          <a:headEnd type="none" w="med" len="med"/>
+                          <a:tailEnd type="none" w="med" len="med"/>
+                        </a:lnB>
+                        <a:lnTlToBr w="12700" cmpd="sng">
+                          <a:noFill/>
+                          <a:prstDash val="solid"/>
+                        </a:lnTlToBr>
+                        <a:lnBlToTr w="12700" cmpd="sng">
+                          <a:noFill/>
+                          <a:prstDash val="solid"/>
+                        </a:lnBlToTr>
+                      </a:tcPr>
+                    </a:tc>
+                    <a:extLst>
+                      <a:ext uri="{0D108BD9-81ED-4DB2-BD59-A6C34878D82A}">
+                        <a16:rowId xmlns:a16="http://schemas.microsoft.com/office/drawing/2014/main" val="4076029043"/>
+                      </a:ext>
+                    </a:extLst>
+                  </a:tr>
+                  <a:tr h="615142">
+                    <a:tc>
+                      <a:txBody>
+                        <a:bodyPr/>
+                        <a:lstStyle/>
+                        <a:p>
+                          <a:pPr algn="r"/>
+                          <a:r>
+                            <a:rPr kumimoji="1" lang="en-US" altLang="ja-JP" dirty="0"/>
+                            <a:t>00</a:t>
+                          </a:r>
+                        </a:p>
+                      </a:txBody>
+                      <a:tcPr anchor="ctr">
+                        <a:lnL w="12700" cap="flat" cmpd="sng" algn="ctr">
+                          <a:noFill/>
+                          <a:prstDash val="solid"/>
+                          <a:round/>
+                          <a:headEnd type="none" w="med" len="med"/>
+                          <a:tailEnd type="none" w="med" len="med"/>
+                        </a:lnL>
+                        <a:lnR w="12700" cap="flat" cmpd="sng" algn="ctr">
+                          <a:solidFill>
+                            <a:schemeClr val="tx1"/>
+                          </a:solidFill>
+                          <a:prstDash val="solid"/>
+                          <a:round/>
+                          <a:headEnd type="none" w="med" len="med"/>
+                          <a:tailEnd type="none" w="med" len="med"/>
+                        </a:lnR>
+                        <a:lnT w="12700" cap="flat" cmpd="sng" algn="ctr">
+                          <a:noFill/>
+                          <a:prstDash val="solid"/>
+                          <a:round/>
+                          <a:headEnd type="none" w="med" len="med"/>
+                          <a:tailEnd type="none" w="med" len="med"/>
+                        </a:lnT>
+                        <a:lnB w="12700" cap="flat" cmpd="sng" algn="ctr">
+                          <a:noFill/>
+                          <a:prstDash val="solid"/>
+                          <a:round/>
+                          <a:headEnd type="none" w="med" len="med"/>
+                          <a:tailEnd type="none" w="med" len="med"/>
+                        </a:lnB>
+                        <a:lnTlToBr w="12700" cap="flat" cmpd="sng" algn="ctr">
+                          <a:noFill/>
+                          <a:prstDash val="solid"/>
+                          <a:round/>
+                          <a:headEnd type="none" w="med" len="med"/>
+                          <a:tailEnd type="none" w="med" len="med"/>
+                        </a:lnTlToBr>
+                        <a:lnBlToTr w="12700" cmpd="sng">
+                          <a:noFill/>
+                          <a:prstDash val="solid"/>
+                        </a:lnBlToTr>
+                      </a:tcPr>
+                    </a:tc>
+                    <a:tc>
+                      <a:txBody>
+                        <a:bodyPr/>
+                        <a:lstStyle/>
+                        <a:p>
+                          <a:pPr algn="ctr"/>
+                          <a:endParaRPr kumimoji="1" lang="ja-JP" altLang="en-US" dirty="0"/>
+                        </a:p>
+                      </a:txBody>
+                      <a:tcPr anchor="ctr">
+                        <a:lnL w="12700" cap="flat" cmpd="sng" algn="ctr">
+                          <a:solidFill>
+                            <a:schemeClr val="tx1"/>
+                          </a:solidFill>
+                          <a:prstDash val="solid"/>
+                          <a:round/>
+                          <a:headEnd type="none" w="med" len="med"/>
+                          <a:tailEnd type="none" w="med" len="med"/>
+                        </a:lnL>
+                        <a:lnR w="12700" cap="flat" cmpd="sng" algn="ctr">
+                          <a:solidFill>
+                            <a:schemeClr val="tx1"/>
+                          </a:solidFill>
+                          <a:prstDash val="solid"/>
+                          <a:round/>
+                          <a:headEnd type="none" w="med" len="med"/>
+                          <a:tailEnd type="none" w="med" len="med"/>
+                        </a:lnR>
+                        <a:lnT w="12700" cap="flat" cmpd="sng" algn="ctr">
+                          <a:solidFill>
+                            <a:schemeClr val="tx1"/>
+                          </a:solidFill>
+                          <a:prstDash val="solid"/>
+                          <a:round/>
+                          <a:headEnd type="none" w="med" len="med"/>
+                          <a:tailEnd type="none" w="med" len="med"/>
+                        </a:lnT>
+                        <a:lnB w="12700" cap="flat" cmpd="sng" algn="ctr">
+                          <a:solidFill>
+                            <a:schemeClr val="tx1"/>
+                          </a:solidFill>
+                          <a:prstDash val="solid"/>
+                          <a:round/>
+                          <a:headEnd type="none" w="med" len="med"/>
+                          <a:tailEnd type="none" w="med" len="med"/>
+                        </a:lnB>
+                        <a:lnTlToBr w="12700" cmpd="sng">
+                          <a:noFill/>
+                          <a:prstDash val="solid"/>
+                        </a:lnTlToBr>
+                        <a:lnBlToTr w="12700" cmpd="sng">
+                          <a:noFill/>
+                          <a:prstDash val="solid"/>
+                        </a:lnBlToTr>
+                      </a:tcPr>
+                    </a:tc>
+                    <a:tc>
+                      <a:txBody>
+                        <a:bodyPr/>
+                        <a:lstStyle/>
+                        <a:p>
+                          <a:pPr algn="ctr"/>
+                          <a:endParaRPr kumimoji="1" lang="ja-JP" altLang="en-US" dirty="0"/>
+                        </a:p>
+                      </a:txBody>
+                      <a:tcPr anchor="ctr">
+                        <a:lnL w="12700" cap="flat" cmpd="sng" algn="ctr">
+                          <a:solidFill>
+                            <a:schemeClr val="tx1"/>
+                          </a:solidFill>
+                          <a:prstDash val="solid"/>
+                          <a:round/>
+                          <a:headEnd type="none" w="med" len="med"/>
+                          <a:tailEnd type="none" w="med" len="med"/>
+                        </a:lnL>
+                        <a:lnR w="12700" cap="flat" cmpd="sng" algn="ctr">
+                          <a:solidFill>
+                            <a:schemeClr val="tx1"/>
+                          </a:solidFill>
+                          <a:prstDash val="solid"/>
+                          <a:round/>
+                          <a:headEnd type="none" w="med" len="med"/>
+                          <a:tailEnd type="none" w="med" len="med"/>
+                        </a:lnR>
+                        <a:lnT w="12700" cap="flat" cmpd="sng" algn="ctr">
+                          <a:solidFill>
+                            <a:schemeClr val="tx1"/>
+                          </a:solidFill>
+                          <a:prstDash val="solid"/>
+                          <a:round/>
+                          <a:headEnd type="none" w="med" len="med"/>
+                          <a:tailEnd type="none" w="med" len="med"/>
+                        </a:lnT>
+                        <a:lnB w="12700" cap="flat" cmpd="sng" algn="ctr">
+                          <a:solidFill>
+                            <a:schemeClr val="tx1"/>
+                          </a:solidFill>
+                          <a:prstDash val="solid"/>
+                          <a:round/>
+                          <a:headEnd type="none" w="med" len="med"/>
+                          <a:tailEnd type="none" w="med" len="med"/>
+                        </a:lnB>
+                        <a:lnTlToBr w="12700" cmpd="sng">
+                          <a:noFill/>
+                          <a:prstDash val="solid"/>
+                        </a:lnTlToBr>
+                        <a:lnBlToTr w="12700" cmpd="sng">
+                          <a:noFill/>
+                          <a:prstDash val="solid"/>
+                        </a:lnBlToTr>
+                      </a:tcPr>
+                    </a:tc>
+                    <a:extLst>
+                      <a:ext uri="{0D108BD9-81ED-4DB2-BD59-A6C34878D82A}">
+                        <a16:rowId xmlns:a16="http://schemas.microsoft.com/office/drawing/2014/main" val="3163174870"/>
+                      </a:ext>
+                    </a:extLst>
+                  </a:tr>
+                  <a:tr h="615142">
+                    <a:tc>
+                      <a:txBody>
+                        <a:bodyPr/>
+                        <a:lstStyle/>
+                        <a:p>
+                          <a:pPr algn="r"/>
+                          <a:r>
+                            <a:rPr kumimoji="1" lang="en-US" altLang="ja-JP" dirty="0"/>
+                            <a:t>01</a:t>
+                          </a:r>
+                          <a:endParaRPr kumimoji="1" lang="ja-JP" altLang="en-US" dirty="0"/>
+                        </a:p>
+                      </a:txBody>
+                      <a:tcPr anchor="ctr">
+                        <a:lnL w="12700" cap="flat" cmpd="sng" algn="ctr">
+                          <a:noFill/>
+                          <a:prstDash val="solid"/>
+                          <a:round/>
+                          <a:headEnd type="none" w="med" len="med"/>
+                          <a:tailEnd type="none" w="med" len="med"/>
+                        </a:lnL>
+                        <a:lnR w="12700" cap="flat" cmpd="sng" algn="ctr">
+                          <a:solidFill>
+                            <a:schemeClr val="tx1"/>
+                          </a:solidFill>
+                          <a:prstDash val="solid"/>
+                          <a:round/>
+                          <a:headEnd type="none" w="med" len="med"/>
+                          <a:tailEnd type="none" w="med" len="med"/>
+                        </a:lnR>
+                        <a:lnT w="12700" cap="flat" cmpd="sng" algn="ctr">
+                          <a:noFill/>
+                          <a:prstDash val="solid"/>
+                          <a:round/>
+                          <a:headEnd type="none" w="med" len="med"/>
+                          <a:tailEnd type="none" w="med" len="med"/>
+                        </a:lnT>
+                        <a:lnB w="12700" cap="flat" cmpd="sng" algn="ctr">
+                          <a:noFill/>
+                          <a:prstDash val="solid"/>
+                          <a:round/>
+                          <a:headEnd type="none" w="med" len="med"/>
+                          <a:tailEnd type="none" w="med" len="med"/>
+                        </a:lnB>
+                        <a:lnTlToBr w="12700" cap="flat" cmpd="sng" algn="ctr">
+                          <a:noFill/>
+                          <a:prstDash val="solid"/>
+                          <a:round/>
+                          <a:headEnd type="none" w="med" len="med"/>
+                          <a:tailEnd type="none" w="med" len="med"/>
+                        </a:lnTlToBr>
+                        <a:lnBlToTr w="12700" cmpd="sng">
+                          <a:noFill/>
+                          <a:prstDash val="solid"/>
+                        </a:lnBlToTr>
+                      </a:tcPr>
+                    </a:tc>
+                    <a:tc>
+                      <a:txBody>
+                        <a:bodyPr/>
+                        <a:lstStyle/>
+                        <a:p>
+                          <a:pPr algn="ctr"/>
+                          <a:r>
+                            <a:rPr kumimoji="1" lang="en-US" altLang="ja-JP" dirty="0"/>
+                            <a:t>1</a:t>
+                          </a:r>
+                          <a:endParaRPr kumimoji="1" lang="ja-JP" altLang="en-US" dirty="0"/>
+                        </a:p>
+                      </a:txBody>
+                      <a:tcPr anchor="ctr">
+                        <a:lnL w="12700" cap="flat" cmpd="sng" algn="ctr">
+                          <a:solidFill>
+                            <a:schemeClr val="tx1"/>
+                          </a:solidFill>
+                          <a:prstDash val="solid"/>
+                          <a:round/>
+                          <a:headEnd type="none" w="med" len="med"/>
+                          <a:tailEnd type="none" w="med" len="med"/>
+                        </a:lnL>
+                        <a:lnR w="12700" cap="flat" cmpd="sng" algn="ctr">
+                          <a:solidFill>
+                            <a:schemeClr val="tx1"/>
+                          </a:solidFill>
+                          <a:prstDash val="solid"/>
+                          <a:round/>
+                          <a:headEnd type="none" w="med" len="med"/>
+                          <a:tailEnd type="none" w="med" len="med"/>
+                        </a:lnR>
+                        <a:lnT w="12700" cap="flat" cmpd="sng" algn="ctr">
+                          <a:solidFill>
+                            <a:schemeClr val="tx1"/>
+                          </a:solidFill>
+                          <a:prstDash val="solid"/>
+                          <a:round/>
+                          <a:headEnd type="none" w="med" len="med"/>
+                          <a:tailEnd type="none" w="med" len="med"/>
+                        </a:lnT>
+                        <a:lnB w="12700" cap="flat" cmpd="sng" algn="ctr">
+                          <a:solidFill>
+                            <a:schemeClr val="tx1"/>
+                          </a:solidFill>
+                          <a:prstDash val="solid"/>
+                          <a:round/>
+                          <a:headEnd type="none" w="med" len="med"/>
+                          <a:tailEnd type="none" w="med" len="med"/>
+                        </a:lnB>
+                        <a:lnTlToBr w="12700" cmpd="sng">
+                          <a:noFill/>
+                          <a:prstDash val="solid"/>
+                        </a:lnTlToBr>
+                        <a:lnBlToTr w="12700" cmpd="sng">
+                          <a:noFill/>
+                          <a:prstDash val="solid"/>
+                        </a:lnBlToTr>
+                      </a:tcPr>
+                    </a:tc>
+                    <a:tc>
+                      <a:txBody>
+                        <a:bodyPr/>
+                        <a:lstStyle/>
+                        <a:p>
+                          <a:pPr algn="ctr"/>
+                          <a:endParaRPr kumimoji="1" lang="ja-JP" altLang="en-US" dirty="0"/>
+                        </a:p>
+                      </a:txBody>
+                      <a:tcPr anchor="ctr">
+                        <a:lnL w="12700" cap="flat" cmpd="sng" algn="ctr">
+                          <a:solidFill>
+                            <a:schemeClr val="tx1"/>
+                          </a:solidFill>
+                          <a:prstDash val="solid"/>
+                          <a:round/>
+                          <a:headEnd type="none" w="med" len="med"/>
+                          <a:tailEnd type="none" w="med" len="med"/>
+                        </a:lnL>
+                        <a:lnR w="12700" cap="flat" cmpd="sng" algn="ctr">
+                          <a:solidFill>
+                            <a:schemeClr val="tx1"/>
+                          </a:solidFill>
+                          <a:prstDash val="solid"/>
+                          <a:round/>
+                          <a:headEnd type="none" w="med" len="med"/>
+                          <a:tailEnd type="none" w="med" len="med"/>
+                        </a:lnR>
+                        <a:lnT w="12700" cap="flat" cmpd="sng" algn="ctr">
+                          <a:solidFill>
+                            <a:schemeClr val="tx1"/>
+                          </a:solidFill>
+                          <a:prstDash val="solid"/>
+                          <a:round/>
+                          <a:headEnd type="none" w="med" len="med"/>
+                          <a:tailEnd type="none" w="med" len="med"/>
+                        </a:lnT>
+                        <a:lnB w="12700" cap="flat" cmpd="sng" algn="ctr">
+                          <a:solidFill>
+                            <a:schemeClr val="tx1"/>
+                          </a:solidFill>
+                          <a:prstDash val="solid"/>
+                          <a:round/>
+                          <a:headEnd type="none" w="med" len="med"/>
+                          <a:tailEnd type="none" w="med" len="med"/>
+                        </a:lnB>
+                        <a:lnTlToBr w="12700" cmpd="sng">
+                          <a:noFill/>
+                          <a:prstDash val="solid"/>
+                        </a:lnTlToBr>
+                        <a:lnBlToTr w="12700" cmpd="sng">
+                          <a:noFill/>
+                          <a:prstDash val="solid"/>
+                        </a:lnBlToTr>
+                      </a:tcPr>
+                    </a:tc>
+                    <a:extLst>
+                      <a:ext uri="{0D108BD9-81ED-4DB2-BD59-A6C34878D82A}">
+                        <a16:rowId xmlns:a16="http://schemas.microsoft.com/office/drawing/2014/main" val="1297509366"/>
+                      </a:ext>
+                    </a:extLst>
+                  </a:tr>
+                  <a:tr h="615142">
+                    <a:tc>
+                      <a:txBody>
+                        <a:bodyPr/>
+                        <a:lstStyle/>
+                        <a:p>
+                          <a:pPr algn="r"/>
+                          <a:r>
+                            <a:rPr kumimoji="1" lang="en-US" altLang="ja-JP" dirty="0"/>
+                            <a:t>11</a:t>
+                          </a:r>
+                          <a:endParaRPr kumimoji="1" lang="ja-JP" altLang="en-US" dirty="0"/>
+                        </a:p>
+                      </a:txBody>
+                      <a:tcPr anchor="ctr">
+                        <a:lnL w="12700" cap="flat" cmpd="sng" algn="ctr">
+                          <a:noFill/>
+                          <a:prstDash val="solid"/>
+                          <a:round/>
+                          <a:headEnd type="none" w="med" len="med"/>
+                          <a:tailEnd type="none" w="med" len="med"/>
+                        </a:lnL>
+                        <a:lnR w="12700" cap="flat" cmpd="sng" algn="ctr">
+                          <a:solidFill>
+                            <a:schemeClr val="tx1"/>
+                          </a:solidFill>
+                          <a:prstDash val="solid"/>
+                          <a:round/>
+                          <a:headEnd type="none" w="med" len="med"/>
+                          <a:tailEnd type="none" w="med" len="med"/>
+                        </a:lnR>
+                        <a:lnT w="12700" cap="flat" cmpd="sng" algn="ctr">
+                          <a:noFill/>
+                          <a:prstDash val="solid"/>
+                          <a:round/>
+                          <a:headEnd type="none" w="med" len="med"/>
+                          <a:tailEnd type="none" w="med" len="med"/>
+                        </a:lnT>
+                        <a:lnB w="12700" cap="flat" cmpd="sng" algn="ctr">
+                          <a:noFill/>
+                          <a:prstDash val="solid"/>
+                          <a:round/>
+                          <a:headEnd type="none" w="med" len="med"/>
+                          <a:tailEnd type="none" w="med" len="med"/>
+                        </a:lnB>
+                        <a:lnTlToBr w="12700" cap="flat" cmpd="sng" algn="ctr">
+                          <a:noFill/>
+                          <a:prstDash val="solid"/>
+                          <a:round/>
+                          <a:headEnd type="none" w="med" len="med"/>
+                          <a:tailEnd type="none" w="med" len="med"/>
+                        </a:lnTlToBr>
+                        <a:lnBlToTr w="12700" cmpd="sng">
+                          <a:noFill/>
+                          <a:prstDash val="solid"/>
+                        </a:lnBlToTr>
+                      </a:tcPr>
+                    </a:tc>
+                    <a:tc>
+                      <a:txBody>
+                        <a:bodyPr/>
+                        <a:lstStyle/>
+                        <a:p>
+                          <a:endParaRPr lang="ja-JP"/>
+                        </a:p>
+                      </a:txBody>
+                      <a:tcPr anchor="ctr">
+                        <a:lnL w="12700" cap="flat" cmpd="sng" algn="ctr">
+                          <a:solidFill>
+                            <a:schemeClr val="tx1"/>
+                          </a:solidFill>
+                          <a:prstDash val="solid"/>
+                          <a:round/>
+                          <a:headEnd type="none" w="med" len="med"/>
+                          <a:tailEnd type="none" w="med" len="med"/>
+                        </a:lnL>
+                        <a:lnR w="12700" cap="flat" cmpd="sng" algn="ctr">
+                          <a:solidFill>
+                            <a:schemeClr val="tx1"/>
+                          </a:solidFill>
+                          <a:prstDash val="solid"/>
+                          <a:round/>
+                          <a:headEnd type="none" w="med" len="med"/>
+                          <a:tailEnd type="none" w="med" len="med"/>
+                        </a:lnR>
+                        <a:lnT w="12700" cap="flat" cmpd="sng" algn="ctr">
+                          <a:solidFill>
+                            <a:schemeClr val="tx1"/>
+                          </a:solidFill>
+                          <a:prstDash val="solid"/>
+                          <a:round/>
+                          <a:headEnd type="none" w="med" len="med"/>
+                          <a:tailEnd type="none" w="med" len="med"/>
+                        </a:lnT>
+                        <a:lnB w="12700" cap="flat" cmpd="sng" algn="ctr">
+                          <a:solidFill>
+                            <a:schemeClr val="tx1"/>
+                          </a:solidFill>
+                          <a:prstDash val="solid"/>
+                          <a:round/>
+                          <a:headEnd type="none" w="med" len="med"/>
+                          <a:tailEnd type="none" w="med" len="med"/>
+                        </a:lnB>
+                        <a:lnTlToBr w="12700" cmpd="sng">
+                          <a:noFill/>
+                          <a:prstDash val="solid"/>
+                        </a:lnTlToBr>
+                        <a:lnBlToTr w="12700" cmpd="sng">
+                          <a:noFill/>
+                          <a:prstDash val="solid"/>
+                        </a:lnBlToTr>
+                        <a:blipFill>
+                          <a:blip r:embed="rId4"/>
+                          <a:stretch>
+                            <a:fillRect l="-98990" t="-300990" r="-101010" b="-101980"/>
+                          </a:stretch>
+                        </a:blipFill>
+                      </a:tcPr>
+                    </a:tc>
+                    <a:tc>
+                      <a:txBody>
+                        <a:bodyPr/>
+                        <a:lstStyle/>
+                        <a:p>
+                          <a:endParaRPr lang="ja-JP"/>
+                        </a:p>
+                      </a:txBody>
+                      <a:tcPr anchor="ctr">
+                        <a:lnL w="12700" cap="flat" cmpd="sng" algn="ctr">
+                          <a:solidFill>
+                            <a:schemeClr val="tx1"/>
+                          </a:solidFill>
+                          <a:prstDash val="solid"/>
+                          <a:round/>
+                          <a:headEnd type="none" w="med" len="med"/>
+                          <a:tailEnd type="none" w="med" len="med"/>
+                        </a:lnL>
+                        <a:lnR w="12700" cap="flat" cmpd="sng" algn="ctr">
+                          <a:solidFill>
+                            <a:schemeClr val="tx1"/>
+                          </a:solidFill>
+                          <a:prstDash val="solid"/>
+                          <a:round/>
+                          <a:headEnd type="none" w="med" len="med"/>
+                          <a:tailEnd type="none" w="med" len="med"/>
+                        </a:lnR>
+                        <a:lnT w="12700" cap="flat" cmpd="sng" algn="ctr">
+                          <a:solidFill>
+                            <a:schemeClr val="tx1"/>
+                          </a:solidFill>
+                          <a:prstDash val="solid"/>
+                          <a:round/>
+                          <a:headEnd type="none" w="med" len="med"/>
+                          <a:tailEnd type="none" w="med" len="med"/>
+                        </a:lnT>
+                        <a:lnB w="12700" cap="flat" cmpd="sng" algn="ctr">
+                          <a:solidFill>
+                            <a:schemeClr val="tx1"/>
+                          </a:solidFill>
+                          <a:prstDash val="solid"/>
+                          <a:round/>
+                          <a:headEnd type="none" w="med" len="med"/>
+                          <a:tailEnd type="none" w="med" len="med"/>
+                        </a:lnB>
+                        <a:lnTlToBr w="12700" cmpd="sng">
+                          <a:noFill/>
+                          <a:prstDash val="solid"/>
+                        </a:lnTlToBr>
+                        <a:lnBlToTr w="12700" cmpd="sng">
+                          <a:noFill/>
+                          <a:prstDash val="solid"/>
+                        </a:lnBlToTr>
+                        <a:blipFill>
+                          <a:blip r:embed="rId4"/>
+                          <a:stretch>
+                            <a:fillRect l="-201020" t="-300990" r="-2041" b="-101980"/>
+                          </a:stretch>
+                        </a:blipFill>
+                      </a:tcPr>
+                    </a:tc>
+                    <a:extLst>
+                      <a:ext uri="{0D108BD9-81ED-4DB2-BD59-A6C34878D82A}">
+                        <a16:rowId xmlns:a16="http://schemas.microsoft.com/office/drawing/2014/main" val="2786928437"/>
+                      </a:ext>
+                    </a:extLst>
+                  </a:tr>
+                  <a:tr h="615142">
+                    <a:tc>
+                      <a:txBody>
+                        <a:bodyPr/>
+                        <a:lstStyle/>
+                        <a:p>
+                          <a:pPr algn="r"/>
+                          <a:r>
+                            <a:rPr kumimoji="1" lang="en-US" altLang="ja-JP" dirty="0"/>
+                            <a:t>10</a:t>
+                          </a:r>
+                          <a:endParaRPr kumimoji="1" lang="ja-JP" altLang="en-US" dirty="0"/>
+                        </a:p>
+                      </a:txBody>
+                      <a:tcPr anchor="ctr">
+                        <a:lnL w="12700" cap="flat" cmpd="sng" algn="ctr">
+                          <a:noFill/>
+                          <a:prstDash val="solid"/>
+                          <a:round/>
+                          <a:headEnd type="none" w="med" len="med"/>
+                          <a:tailEnd type="none" w="med" len="med"/>
+                        </a:lnL>
+                        <a:lnR w="12700" cap="flat" cmpd="sng" algn="ctr">
+                          <a:solidFill>
+                            <a:schemeClr val="tx1"/>
+                          </a:solidFill>
+                          <a:prstDash val="solid"/>
+                          <a:round/>
+                          <a:headEnd type="none" w="med" len="med"/>
+                          <a:tailEnd type="none" w="med" len="med"/>
+                        </a:lnR>
+                        <a:lnT w="12700" cap="flat" cmpd="sng" algn="ctr">
+                          <a:noFill/>
+                          <a:prstDash val="solid"/>
+                          <a:round/>
+                          <a:headEnd type="none" w="med" len="med"/>
+                          <a:tailEnd type="none" w="med" len="med"/>
+                        </a:lnT>
+                        <a:lnB w="12700" cap="flat" cmpd="sng" algn="ctr">
+                          <a:noFill/>
+                          <a:prstDash val="solid"/>
+                          <a:round/>
+                          <a:headEnd type="none" w="med" len="med"/>
+                          <a:tailEnd type="none" w="med" len="med"/>
+                        </a:lnB>
+                        <a:lnTlToBr w="12700" cap="flat" cmpd="sng" algn="ctr">
+                          <a:noFill/>
+                          <a:prstDash val="solid"/>
+                          <a:round/>
+                          <a:headEnd type="none" w="med" len="med"/>
+                          <a:tailEnd type="none" w="med" len="med"/>
+                        </a:lnTlToBr>
+                        <a:lnBlToTr w="12700" cmpd="sng">
+                          <a:noFill/>
+                          <a:prstDash val="solid"/>
+                        </a:lnBlToTr>
+                      </a:tcPr>
+                    </a:tc>
+                    <a:tc>
+                      <a:txBody>
+                        <a:bodyPr/>
+                        <a:lstStyle/>
+                        <a:p>
+                          <a:pPr algn="ctr"/>
+                          <a:endParaRPr kumimoji="1" lang="ja-JP" altLang="en-US" dirty="0"/>
+                        </a:p>
+                      </a:txBody>
+                      <a:tcPr anchor="ctr">
+                        <a:lnL w="12700" cap="flat" cmpd="sng" algn="ctr">
+                          <a:solidFill>
+                            <a:schemeClr val="tx1"/>
+                          </a:solidFill>
+                          <a:prstDash val="solid"/>
+                          <a:round/>
+                          <a:headEnd type="none" w="med" len="med"/>
+                          <a:tailEnd type="none" w="med" len="med"/>
+                        </a:lnL>
+                        <a:lnR w="12700" cap="flat" cmpd="sng" algn="ctr">
+                          <a:solidFill>
+                            <a:schemeClr val="tx1"/>
+                          </a:solidFill>
+                          <a:prstDash val="solid"/>
+                          <a:round/>
+                          <a:headEnd type="none" w="med" len="med"/>
+                          <a:tailEnd type="none" w="med" len="med"/>
+                        </a:lnR>
+                        <a:lnT w="12700" cap="flat" cmpd="sng" algn="ctr">
+                          <a:solidFill>
+                            <a:schemeClr val="tx1"/>
+                          </a:solidFill>
+                          <a:prstDash val="solid"/>
+                          <a:round/>
+                          <a:headEnd type="none" w="med" len="med"/>
+                          <a:tailEnd type="none" w="med" len="med"/>
+                        </a:lnT>
+                        <a:lnB w="12700" cap="flat" cmpd="sng" algn="ctr">
+                          <a:solidFill>
+                            <a:schemeClr val="tx1"/>
+                          </a:solidFill>
+                          <a:prstDash val="solid"/>
+                          <a:round/>
+                          <a:headEnd type="none" w="med" len="med"/>
+                          <a:tailEnd type="none" w="med" len="med"/>
+                        </a:lnB>
+                        <a:lnTlToBr w="12700" cmpd="sng">
+                          <a:noFill/>
+                          <a:prstDash val="solid"/>
+                        </a:lnTlToBr>
+                        <a:lnBlToTr w="12700" cmpd="sng">
+                          <a:noFill/>
+                          <a:prstDash val="solid"/>
+                        </a:lnBlToTr>
+                      </a:tcPr>
+                    </a:tc>
+                    <a:tc>
+                      <a:txBody>
+                        <a:bodyPr/>
+                        <a:lstStyle/>
+                        <a:p>
+                          <a:pPr algn="ctr"/>
+                          <a:r>
+                            <a:rPr kumimoji="1" lang="en-US" altLang="ja-JP" dirty="0"/>
+                            <a:t>1</a:t>
+                          </a:r>
+                          <a:endParaRPr kumimoji="1" lang="ja-JP" altLang="en-US" dirty="0"/>
+                        </a:p>
+                      </a:txBody>
+                      <a:tcPr anchor="ctr">
+                        <a:lnL w="12700" cap="flat" cmpd="sng" algn="ctr">
+                          <a:solidFill>
+                            <a:schemeClr val="tx1"/>
+                          </a:solidFill>
+                          <a:prstDash val="solid"/>
+                          <a:round/>
+                          <a:headEnd type="none" w="med" len="med"/>
+                          <a:tailEnd type="none" w="med" len="med"/>
+                        </a:lnL>
+                        <a:lnR w="12700" cap="flat" cmpd="sng" algn="ctr">
+                          <a:solidFill>
+                            <a:schemeClr val="tx1"/>
+                          </a:solidFill>
+                          <a:prstDash val="solid"/>
+                          <a:round/>
+                          <a:headEnd type="none" w="med" len="med"/>
+                          <a:tailEnd type="none" w="med" len="med"/>
+                        </a:lnR>
+                        <a:lnT w="12700" cap="flat" cmpd="sng" algn="ctr">
+                          <a:solidFill>
+                            <a:schemeClr val="tx1"/>
+                          </a:solidFill>
+                          <a:prstDash val="solid"/>
+                          <a:round/>
+                          <a:headEnd type="none" w="med" len="med"/>
+                          <a:tailEnd type="none" w="med" len="med"/>
+                        </a:lnT>
+                        <a:lnB w="12700" cap="flat" cmpd="sng" algn="ctr">
+                          <a:solidFill>
+                            <a:schemeClr val="tx1"/>
+                          </a:solidFill>
+                          <a:prstDash val="solid"/>
+                          <a:round/>
+                          <a:headEnd type="none" w="med" len="med"/>
+                          <a:tailEnd type="none" w="med" len="med"/>
+                        </a:lnB>
+                        <a:lnTlToBr w="12700" cmpd="sng">
+                          <a:noFill/>
+                          <a:prstDash val="solid"/>
+                        </a:lnTlToBr>
+                        <a:lnBlToTr w="12700" cmpd="sng">
+                          <a:noFill/>
+                          <a:prstDash val="solid"/>
+                        </a:lnBlToTr>
+                      </a:tcPr>
+                    </a:tc>
+                    <a:extLst>
+                      <a:ext uri="{0D108BD9-81ED-4DB2-BD59-A6C34878D82A}">
+                        <a16:rowId xmlns:a16="http://schemas.microsoft.com/office/drawing/2014/main" val="1734436533"/>
+                      </a:ext>
+                    </a:extLst>
+                  </a:tr>
+                </a:tbl>
+              </a:graphicData>
+            </a:graphic>
+          </p:graphicFrame>
+        </mc:Fallback>
+      </mc:AlternateContent>
+      <mc:AlternateContent xmlns:mc="http://schemas.openxmlformats.org/markup-compatibility/2006" xmlns:a14="http://schemas.microsoft.com/office/drawing/2010/main">
+        <mc:Choice Requires="a14">
+          <p:sp>
+            <p:nvSpPr>
+              <p:cNvPr id="8" name="テキスト ボックス 7">
+                <a:extLst>
+                  <a:ext uri="{FF2B5EF4-FFF2-40B4-BE49-F238E27FC236}">
+                    <a16:creationId xmlns:a16="http://schemas.microsoft.com/office/drawing/2014/main" id="{38FB66E7-FEED-4905-9985-30731FD936A9}"/>
+                  </a:ext>
+                </a:extLst>
+              </p:cNvPr>
+              <p:cNvSpPr txBox="1"/>
+              <p:nvPr/>
+            </p:nvSpPr>
+            <p:spPr>
+              <a:xfrm>
+                <a:off x="1579418" y="1385393"/>
+                <a:ext cx="701963" cy="369332"/>
+              </a:xfrm>
+              <a:prstGeom prst="rect">
+                <a:avLst/>
+              </a:prstGeom>
+              <a:noFill/>
+            </p:spPr>
+            <p:txBody>
+              <a:bodyPr wrap="square" rtlCol="0">
+                <a:spAutoFit/>
+              </a:bodyPr>
+              <a:lstStyle/>
+              <a:p>
+                <a:pPr/>
+                <a14:m>
+                  <m:oMathPara xmlns:m="http://schemas.openxmlformats.org/officeDocument/2006/math">
+                    <m:oMathParaPr>
+                      <m:jc m:val="centerGroup"/>
+                    </m:oMathParaPr>
+                    <m:oMath xmlns:m="http://schemas.openxmlformats.org/officeDocument/2006/math">
+                      <m:sSub>
+                        <m:sSubPr>
+                          <m:ctrlPr>
+                            <a:rPr kumimoji="1" lang="en-US" altLang="ja-JP" b="0" i="1" smtClean="0">
+                              <a:latin typeface="Cambria Math" panose="02040503050406030204" pitchFamily="18" charset="0"/>
+                            </a:rPr>
+                          </m:ctrlPr>
+                        </m:sSubPr>
+                        <m:e>
+                          <m:r>
+                            <a:rPr kumimoji="1" lang="en-US" altLang="ja-JP" b="0" i="1" smtClean="0">
+                              <a:latin typeface="Cambria Math" panose="02040503050406030204" pitchFamily="18" charset="0"/>
+                            </a:rPr>
+                            <m:t>𝑠</m:t>
+                          </m:r>
+                        </m:e>
+                        <m:sub>
+                          <m:r>
+                            <a:rPr kumimoji="1" lang="en-US" altLang="ja-JP" b="0" i="1" smtClean="0">
+                              <a:latin typeface="Cambria Math" panose="02040503050406030204" pitchFamily="18" charset="0"/>
+                            </a:rPr>
+                            <m:t>1</m:t>
+                          </m:r>
+                        </m:sub>
+                      </m:sSub>
+                      <m:r>
+                        <a:rPr kumimoji="1" lang="en-US" altLang="ja-JP" b="0" i="1" smtClean="0">
+                          <a:latin typeface="Cambria Math" panose="02040503050406030204" pitchFamily="18" charset="0"/>
+                        </a:rPr>
+                        <m:t> </m:t>
+                      </m:r>
+                      <m:sSub>
+                        <m:sSubPr>
+                          <m:ctrlPr>
+                            <a:rPr kumimoji="1" lang="en-US" altLang="ja-JP" b="0" i="1" smtClean="0">
+                              <a:latin typeface="Cambria Math" panose="02040503050406030204" pitchFamily="18" charset="0"/>
+                            </a:rPr>
+                          </m:ctrlPr>
+                        </m:sSubPr>
+                        <m:e>
+                          <m:r>
+                            <a:rPr kumimoji="1" lang="en-US" altLang="ja-JP" b="0" i="1" smtClean="0">
+                              <a:latin typeface="Cambria Math" panose="02040503050406030204" pitchFamily="18" charset="0"/>
+                            </a:rPr>
+                            <m:t>𝑠</m:t>
+                          </m:r>
+                        </m:e>
+                        <m:sub>
+                          <m:r>
+                            <a:rPr kumimoji="1" lang="en-US" altLang="ja-JP" b="0" i="1" smtClean="0">
+                              <a:latin typeface="Cambria Math" panose="02040503050406030204" pitchFamily="18" charset="0"/>
+                            </a:rPr>
+                            <m:t>0</m:t>
+                          </m:r>
+                        </m:sub>
+                      </m:sSub>
+                    </m:oMath>
+                  </m:oMathPara>
+                </a14:m>
+                <a:endParaRPr kumimoji="1" lang="ja-JP" altLang="en-US" dirty="0"/>
+              </a:p>
+            </p:txBody>
+          </p:sp>
+        </mc:Choice>
+        <mc:Fallback xmlns="">
+          <p:sp>
+            <p:nvSpPr>
+              <p:cNvPr id="8" name="テキスト ボックス 7">
+                <a:extLst>
+                  <a:ext uri="{FF2B5EF4-FFF2-40B4-BE49-F238E27FC236}">
+                    <a16:creationId xmlns:a16="http://schemas.microsoft.com/office/drawing/2014/main" id="{38FB66E7-FEED-4905-9985-30731FD936A9}"/>
+                  </a:ext>
+                </a:extLst>
+              </p:cNvPr>
+              <p:cNvSpPr txBox="1">
+                <a:spLocks noRot="1" noChangeAspect="1" noMove="1" noResize="1" noEditPoints="1" noAdjustHandles="1" noChangeArrowheads="1" noChangeShapeType="1" noTextEdit="1"/>
+              </p:cNvSpPr>
+              <p:nvPr/>
+            </p:nvSpPr>
+            <p:spPr>
+              <a:xfrm>
+                <a:off x="1579418" y="1385393"/>
+                <a:ext cx="701963" cy="369332"/>
+              </a:xfrm>
+              <a:prstGeom prst="rect">
+                <a:avLst/>
+              </a:prstGeom>
+              <a:blipFill>
+                <a:blip r:embed="rId5"/>
+                <a:stretch>
+                  <a:fillRect/>
+                </a:stretch>
+              </a:blipFill>
+            </p:spPr>
+            <p:txBody>
+              <a:bodyPr/>
+              <a:lstStyle/>
+              <a:p>
+                <a:r>
+                  <a:rPr lang="ja-JP" altLang="en-US">
+                    <a:noFill/>
+                  </a:rPr>
+                  <a:t> </a:t>
+                </a:r>
+              </a:p>
+            </p:txBody>
+          </p:sp>
+        </mc:Fallback>
+      </mc:AlternateContent>
+      <mc:AlternateContent xmlns:mc="http://schemas.openxmlformats.org/markup-compatibility/2006" xmlns:a14="http://schemas.microsoft.com/office/drawing/2010/main">
+        <mc:Choice Requires="a14">
+          <p:sp>
+            <p:nvSpPr>
+              <p:cNvPr id="9" name="テキスト ボックス 8">
+                <a:extLst>
+                  <a:ext uri="{FF2B5EF4-FFF2-40B4-BE49-F238E27FC236}">
+                    <a16:creationId xmlns:a16="http://schemas.microsoft.com/office/drawing/2014/main" id="{BF3192C0-76D2-4B06-82DD-E04DE2D27C32}"/>
+                  </a:ext>
+                </a:extLst>
+              </p:cNvPr>
+              <p:cNvSpPr txBox="1"/>
+              <p:nvPr/>
+            </p:nvSpPr>
+            <p:spPr>
+              <a:xfrm>
+                <a:off x="8298873" y="1385393"/>
+                <a:ext cx="701963" cy="369332"/>
+              </a:xfrm>
+              <a:prstGeom prst="rect">
+                <a:avLst/>
+              </a:prstGeom>
+              <a:noFill/>
+            </p:spPr>
+            <p:txBody>
+              <a:bodyPr wrap="square" rtlCol="0">
+                <a:spAutoFit/>
+              </a:bodyPr>
+              <a:lstStyle/>
+              <a:p>
+                <a:pPr/>
+                <a14:m>
+                  <m:oMathPara xmlns:m="http://schemas.openxmlformats.org/officeDocument/2006/math">
+                    <m:oMathParaPr>
+                      <m:jc m:val="centerGroup"/>
+                    </m:oMathParaPr>
+                    <m:oMath xmlns:m="http://schemas.openxmlformats.org/officeDocument/2006/math">
+                      <m:sSub>
+                        <m:sSubPr>
+                          <m:ctrlPr>
+                            <a:rPr kumimoji="1" lang="en-US" altLang="ja-JP" b="0" i="1" smtClean="0">
+                              <a:latin typeface="Cambria Math" panose="02040503050406030204" pitchFamily="18" charset="0"/>
+                            </a:rPr>
+                          </m:ctrlPr>
+                        </m:sSubPr>
+                        <m:e>
+                          <m:r>
+                            <a:rPr kumimoji="1" lang="en-US" altLang="ja-JP" b="0" i="1" smtClean="0">
+                              <a:latin typeface="Cambria Math" panose="02040503050406030204" pitchFamily="18" charset="0"/>
+                            </a:rPr>
+                            <m:t>𝑠</m:t>
+                          </m:r>
+                        </m:e>
+                        <m:sub>
+                          <m:r>
+                            <a:rPr kumimoji="1" lang="en-US" altLang="ja-JP" b="0" i="1" smtClean="0">
+                              <a:latin typeface="Cambria Math" panose="02040503050406030204" pitchFamily="18" charset="0"/>
+                            </a:rPr>
+                            <m:t>1</m:t>
+                          </m:r>
+                        </m:sub>
+                      </m:sSub>
+                      <m:r>
+                        <a:rPr kumimoji="1" lang="en-US" altLang="ja-JP" b="0" i="1" smtClean="0">
+                          <a:latin typeface="Cambria Math" panose="02040503050406030204" pitchFamily="18" charset="0"/>
+                        </a:rPr>
+                        <m:t> </m:t>
+                      </m:r>
+                      <m:sSub>
+                        <m:sSubPr>
+                          <m:ctrlPr>
+                            <a:rPr kumimoji="1" lang="en-US" altLang="ja-JP" b="0" i="1" smtClean="0">
+                              <a:latin typeface="Cambria Math" panose="02040503050406030204" pitchFamily="18" charset="0"/>
+                            </a:rPr>
+                          </m:ctrlPr>
+                        </m:sSubPr>
+                        <m:e>
+                          <m:r>
+                            <a:rPr kumimoji="1" lang="en-US" altLang="ja-JP" b="0" i="1" smtClean="0">
+                              <a:latin typeface="Cambria Math" panose="02040503050406030204" pitchFamily="18" charset="0"/>
+                            </a:rPr>
+                            <m:t>𝑠</m:t>
+                          </m:r>
+                        </m:e>
+                        <m:sub>
+                          <m:r>
+                            <a:rPr kumimoji="1" lang="en-US" altLang="ja-JP" b="0" i="1" smtClean="0">
+                              <a:latin typeface="Cambria Math" panose="02040503050406030204" pitchFamily="18" charset="0"/>
+                            </a:rPr>
+                            <m:t>0</m:t>
+                          </m:r>
+                        </m:sub>
+                      </m:sSub>
+                    </m:oMath>
+                  </m:oMathPara>
+                </a14:m>
+                <a:endParaRPr kumimoji="1" lang="ja-JP" altLang="en-US" dirty="0"/>
+              </a:p>
+            </p:txBody>
+          </p:sp>
+        </mc:Choice>
+        <mc:Fallback xmlns="">
+          <p:sp>
+            <p:nvSpPr>
+              <p:cNvPr id="9" name="テキスト ボックス 8">
+                <a:extLst>
+                  <a:ext uri="{FF2B5EF4-FFF2-40B4-BE49-F238E27FC236}">
+                    <a16:creationId xmlns:a16="http://schemas.microsoft.com/office/drawing/2014/main" id="{BF3192C0-76D2-4B06-82DD-E04DE2D27C32}"/>
+                  </a:ext>
+                </a:extLst>
+              </p:cNvPr>
+              <p:cNvSpPr txBox="1">
+                <a:spLocks noRot="1" noChangeAspect="1" noMove="1" noResize="1" noEditPoints="1" noAdjustHandles="1" noChangeArrowheads="1" noChangeShapeType="1" noTextEdit="1"/>
+              </p:cNvSpPr>
+              <p:nvPr/>
+            </p:nvSpPr>
+            <p:spPr>
+              <a:xfrm>
+                <a:off x="8298873" y="1385393"/>
+                <a:ext cx="701963" cy="369332"/>
+              </a:xfrm>
+              <a:prstGeom prst="rect">
+                <a:avLst/>
+              </a:prstGeom>
+              <a:blipFill>
+                <a:blip r:embed="rId6"/>
+                <a:stretch>
+                  <a:fillRect/>
+                </a:stretch>
+              </a:blipFill>
+            </p:spPr>
+            <p:txBody>
+              <a:bodyPr/>
+              <a:lstStyle/>
+              <a:p>
+                <a:r>
+                  <a:rPr lang="ja-JP" altLang="en-US">
+                    <a:noFill/>
+                  </a:rPr>
+                  <a:t> </a:t>
+                </a:r>
+              </a:p>
+            </p:txBody>
+          </p:sp>
+        </mc:Fallback>
+      </mc:AlternateContent>
+      <mc:AlternateContent xmlns:mc="http://schemas.openxmlformats.org/markup-compatibility/2006" xmlns:a14="http://schemas.microsoft.com/office/drawing/2010/main">
+        <mc:Choice Requires="a14">
+          <p:sp>
+            <p:nvSpPr>
+              <p:cNvPr id="10" name="テキスト ボックス 9">
+                <a:extLst>
+                  <a:ext uri="{FF2B5EF4-FFF2-40B4-BE49-F238E27FC236}">
+                    <a16:creationId xmlns:a16="http://schemas.microsoft.com/office/drawing/2014/main" id="{F12EC0A8-C320-4A76-BD15-0E3F60F3CE7A}"/>
+                  </a:ext>
+                </a:extLst>
+              </p:cNvPr>
+              <p:cNvSpPr txBox="1"/>
+              <p:nvPr/>
+            </p:nvSpPr>
+            <p:spPr>
+              <a:xfrm>
+                <a:off x="4548909" y="1385393"/>
+                <a:ext cx="701963" cy="369332"/>
+              </a:xfrm>
+              <a:prstGeom prst="rect">
+                <a:avLst/>
+              </a:prstGeom>
+              <a:noFill/>
+            </p:spPr>
+            <p:txBody>
+              <a:bodyPr wrap="square" rtlCol="0">
+                <a:spAutoFit/>
+              </a:bodyPr>
+              <a:lstStyle/>
+              <a:p>
+                <a:pPr/>
+                <a14:m>
+                  <m:oMathPara xmlns:m="http://schemas.openxmlformats.org/officeDocument/2006/math">
+                    <m:oMathParaPr>
+                      <m:jc m:val="centerGroup"/>
+                    </m:oMathParaPr>
+                    <m:oMath xmlns:m="http://schemas.openxmlformats.org/officeDocument/2006/math">
+                      <m:sSub>
+                        <m:sSubPr>
+                          <m:ctrlPr>
+                            <a:rPr kumimoji="1" lang="en-US" altLang="ja-JP" b="0" i="1" smtClean="0">
+                              <a:latin typeface="Cambria Math" panose="02040503050406030204" pitchFamily="18" charset="0"/>
+                            </a:rPr>
+                          </m:ctrlPr>
+                        </m:sSubPr>
+                        <m:e>
+                          <m:r>
+                            <a:rPr kumimoji="1" lang="en-US" altLang="ja-JP" b="0" i="1" smtClean="0">
+                              <a:latin typeface="Cambria Math" panose="02040503050406030204" pitchFamily="18" charset="0"/>
+                            </a:rPr>
+                            <m:t>𝑠</m:t>
+                          </m:r>
+                        </m:e>
+                        <m:sub>
+                          <m:r>
+                            <a:rPr kumimoji="1" lang="en-US" altLang="ja-JP" b="0" i="1" smtClean="0">
+                              <a:latin typeface="Cambria Math" panose="02040503050406030204" pitchFamily="18" charset="0"/>
+                            </a:rPr>
+                            <m:t>1</m:t>
+                          </m:r>
+                        </m:sub>
+                      </m:sSub>
+                      <m:r>
+                        <a:rPr kumimoji="1" lang="en-US" altLang="ja-JP" b="0" i="1" smtClean="0">
+                          <a:latin typeface="Cambria Math" panose="02040503050406030204" pitchFamily="18" charset="0"/>
+                        </a:rPr>
+                        <m:t> </m:t>
+                      </m:r>
+                      <m:sSub>
+                        <m:sSubPr>
+                          <m:ctrlPr>
+                            <a:rPr kumimoji="1" lang="en-US" altLang="ja-JP" b="0" i="1" smtClean="0">
+                              <a:latin typeface="Cambria Math" panose="02040503050406030204" pitchFamily="18" charset="0"/>
+                            </a:rPr>
+                          </m:ctrlPr>
+                        </m:sSubPr>
+                        <m:e>
+                          <m:r>
+                            <a:rPr kumimoji="1" lang="en-US" altLang="ja-JP" b="0" i="1" smtClean="0">
+                              <a:latin typeface="Cambria Math" panose="02040503050406030204" pitchFamily="18" charset="0"/>
+                            </a:rPr>
+                            <m:t>𝑠</m:t>
+                          </m:r>
+                        </m:e>
+                        <m:sub>
+                          <m:r>
+                            <a:rPr kumimoji="1" lang="en-US" altLang="ja-JP" b="0" i="1" smtClean="0">
+                              <a:latin typeface="Cambria Math" panose="02040503050406030204" pitchFamily="18" charset="0"/>
+                            </a:rPr>
+                            <m:t>0</m:t>
+                          </m:r>
+                        </m:sub>
+                      </m:sSub>
+                    </m:oMath>
+                  </m:oMathPara>
+                </a14:m>
+                <a:endParaRPr kumimoji="1" lang="ja-JP" altLang="en-US" dirty="0"/>
+              </a:p>
+            </p:txBody>
+          </p:sp>
+        </mc:Choice>
+        <mc:Fallback xmlns="">
+          <p:sp>
+            <p:nvSpPr>
+              <p:cNvPr id="10" name="テキスト ボックス 9">
+                <a:extLst>
+                  <a:ext uri="{FF2B5EF4-FFF2-40B4-BE49-F238E27FC236}">
+                    <a16:creationId xmlns:a16="http://schemas.microsoft.com/office/drawing/2014/main" id="{F12EC0A8-C320-4A76-BD15-0E3F60F3CE7A}"/>
+                  </a:ext>
+                </a:extLst>
+              </p:cNvPr>
+              <p:cNvSpPr txBox="1">
+                <a:spLocks noRot="1" noChangeAspect="1" noMove="1" noResize="1" noEditPoints="1" noAdjustHandles="1" noChangeArrowheads="1" noChangeShapeType="1" noTextEdit="1"/>
+              </p:cNvSpPr>
+              <p:nvPr/>
+            </p:nvSpPr>
+            <p:spPr>
+              <a:xfrm>
+                <a:off x="4548909" y="1385393"/>
+                <a:ext cx="701963" cy="369332"/>
+              </a:xfrm>
+              <a:prstGeom prst="rect">
+                <a:avLst/>
+              </a:prstGeom>
+              <a:blipFill>
+                <a:blip r:embed="rId7"/>
+                <a:stretch>
+                  <a:fillRect/>
+                </a:stretch>
+              </a:blipFill>
+            </p:spPr>
+            <p:txBody>
+              <a:bodyPr/>
+              <a:lstStyle/>
+              <a:p>
+                <a:r>
+                  <a:rPr lang="ja-JP" altLang="en-US">
+                    <a:noFill/>
+                  </a:rPr>
+                  <a:t> </a:t>
+                </a:r>
+              </a:p>
+            </p:txBody>
+          </p:sp>
+        </mc:Fallback>
+      </mc:AlternateContent>
+      <mc:AlternateContent xmlns:mc="http://schemas.openxmlformats.org/markup-compatibility/2006" xmlns:a14="http://schemas.microsoft.com/office/drawing/2010/main">
+        <mc:Choice Requires="a14">
+          <p:sp>
+            <p:nvSpPr>
+              <p:cNvPr id="12" name="テキスト ボックス 11">
+                <a:extLst>
+                  <a:ext uri="{FF2B5EF4-FFF2-40B4-BE49-F238E27FC236}">
+                    <a16:creationId xmlns:a16="http://schemas.microsoft.com/office/drawing/2014/main" id="{C4B6B834-0AAC-4561-A5E8-3CC124F6A81F}"/>
+                  </a:ext>
+                </a:extLst>
+              </p:cNvPr>
+              <p:cNvSpPr txBox="1"/>
+              <p:nvPr/>
+            </p:nvSpPr>
+            <p:spPr>
+              <a:xfrm>
+                <a:off x="2105890" y="1016061"/>
+                <a:ext cx="350982" cy="369332"/>
+              </a:xfrm>
+              <a:prstGeom prst="rect">
+                <a:avLst/>
+              </a:prstGeom>
+              <a:noFill/>
+            </p:spPr>
+            <p:txBody>
+              <a:bodyPr wrap="square" rtlCol="0">
+                <a:spAutoFit/>
+              </a:bodyPr>
+              <a:lstStyle/>
+              <a:p>
+                <a:pPr/>
+                <a14:m>
+                  <m:oMathPara xmlns:m="http://schemas.openxmlformats.org/officeDocument/2006/math">
+                    <m:oMathParaPr>
+                      <m:jc m:val="centerGroup"/>
+                    </m:oMathParaPr>
+                    <m:oMath xmlns:m="http://schemas.openxmlformats.org/officeDocument/2006/math">
+                      <m:r>
+                        <a:rPr kumimoji="1" lang="en-US" altLang="ja-JP" b="0" i="1" smtClean="0">
+                          <a:latin typeface="Cambria Math" panose="02040503050406030204" pitchFamily="18" charset="0"/>
+                        </a:rPr>
+                        <m:t>𝑥</m:t>
+                      </m:r>
+                    </m:oMath>
+                  </m:oMathPara>
+                </a14:m>
+                <a:endParaRPr kumimoji="1" lang="ja-JP" altLang="en-US" dirty="0"/>
+              </a:p>
+            </p:txBody>
+          </p:sp>
+        </mc:Choice>
+        <mc:Fallback xmlns="">
+          <p:sp>
+            <p:nvSpPr>
+              <p:cNvPr id="12" name="テキスト ボックス 11">
+                <a:extLst>
+                  <a:ext uri="{FF2B5EF4-FFF2-40B4-BE49-F238E27FC236}">
+                    <a16:creationId xmlns:a16="http://schemas.microsoft.com/office/drawing/2014/main" id="{C4B6B834-0AAC-4561-A5E8-3CC124F6A81F}"/>
+                  </a:ext>
+                </a:extLst>
+              </p:cNvPr>
+              <p:cNvSpPr txBox="1">
+                <a:spLocks noRot="1" noChangeAspect="1" noMove="1" noResize="1" noEditPoints="1" noAdjustHandles="1" noChangeArrowheads="1" noChangeShapeType="1" noTextEdit="1"/>
+              </p:cNvSpPr>
+              <p:nvPr/>
+            </p:nvSpPr>
+            <p:spPr>
+              <a:xfrm>
+                <a:off x="2105890" y="1016061"/>
+                <a:ext cx="350982" cy="369332"/>
+              </a:xfrm>
+              <a:prstGeom prst="rect">
+                <a:avLst/>
+              </a:prstGeom>
+              <a:blipFill>
+                <a:blip r:embed="rId8"/>
+                <a:stretch>
+                  <a:fillRect/>
+                </a:stretch>
+              </a:blipFill>
+            </p:spPr>
+            <p:txBody>
+              <a:bodyPr/>
+              <a:lstStyle/>
+              <a:p>
+                <a:r>
+                  <a:rPr lang="ja-JP" altLang="en-US">
+                    <a:noFill/>
+                  </a:rPr>
+                  <a:t> </a:t>
+                </a:r>
+              </a:p>
+            </p:txBody>
+          </p:sp>
+        </mc:Fallback>
+      </mc:AlternateContent>
+      <mc:AlternateContent xmlns:mc="http://schemas.openxmlformats.org/markup-compatibility/2006" xmlns:a14="http://schemas.microsoft.com/office/drawing/2010/main">
+        <mc:Choice Requires="a14">
+          <p:sp>
+            <p:nvSpPr>
+              <p:cNvPr id="13" name="テキスト ボックス 12">
+                <a:extLst>
+                  <a:ext uri="{FF2B5EF4-FFF2-40B4-BE49-F238E27FC236}">
+                    <a16:creationId xmlns:a16="http://schemas.microsoft.com/office/drawing/2014/main" id="{C42652CB-49D8-4E65-AAC6-117692A46E4C}"/>
+                  </a:ext>
+                </a:extLst>
+              </p:cNvPr>
+              <p:cNvSpPr txBox="1"/>
+              <p:nvPr/>
+            </p:nvSpPr>
+            <p:spPr>
+              <a:xfrm>
+                <a:off x="5075381" y="1016061"/>
+                <a:ext cx="350982" cy="369332"/>
+              </a:xfrm>
+              <a:prstGeom prst="rect">
+                <a:avLst/>
+              </a:prstGeom>
+              <a:noFill/>
+            </p:spPr>
+            <p:txBody>
+              <a:bodyPr wrap="square" rtlCol="0">
+                <a:spAutoFit/>
+              </a:bodyPr>
+              <a:lstStyle/>
+              <a:p>
+                <a:pPr/>
+                <a14:m>
+                  <m:oMathPara xmlns:m="http://schemas.openxmlformats.org/officeDocument/2006/math">
+                    <m:oMathParaPr>
+                      <m:jc m:val="centerGroup"/>
+                    </m:oMathParaPr>
+                    <m:oMath xmlns:m="http://schemas.openxmlformats.org/officeDocument/2006/math">
+                      <m:r>
+                        <a:rPr kumimoji="1" lang="en-US" altLang="ja-JP" b="0" i="1" smtClean="0">
+                          <a:latin typeface="Cambria Math" panose="02040503050406030204" pitchFamily="18" charset="0"/>
+                        </a:rPr>
+                        <m:t>𝑥</m:t>
+                      </m:r>
+                    </m:oMath>
+                  </m:oMathPara>
+                </a14:m>
+                <a:endParaRPr kumimoji="1" lang="ja-JP" altLang="en-US" dirty="0"/>
+              </a:p>
+            </p:txBody>
+          </p:sp>
+        </mc:Choice>
+        <mc:Fallback xmlns="">
+          <p:sp>
+            <p:nvSpPr>
+              <p:cNvPr id="13" name="テキスト ボックス 12">
+                <a:extLst>
+                  <a:ext uri="{FF2B5EF4-FFF2-40B4-BE49-F238E27FC236}">
+                    <a16:creationId xmlns:a16="http://schemas.microsoft.com/office/drawing/2014/main" id="{C42652CB-49D8-4E65-AAC6-117692A46E4C}"/>
+                  </a:ext>
+                </a:extLst>
+              </p:cNvPr>
+              <p:cNvSpPr txBox="1">
+                <a:spLocks noRot="1" noChangeAspect="1" noMove="1" noResize="1" noEditPoints="1" noAdjustHandles="1" noChangeArrowheads="1" noChangeShapeType="1" noTextEdit="1"/>
+              </p:cNvSpPr>
+              <p:nvPr/>
+            </p:nvSpPr>
+            <p:spPr>
+              <a:xfrm>
+                <a:off x="5075381" y="1016061"/>
+                <a:ext cx="350982" cy="369332"/>
+              </a:xfrm>
+              <a:prstGeom prst="rect">
+                <a:avLst/>
+              </a:prstGeom>
+              <a:blipFill>
+                <a:blip r:embed="rId9"/>
+                <a:stretch>
+                  <a:fillRect/>
+                </a:stretch>
+              </a:blipFill>
+            </p:spPr>
+            <p:txBody>
+              <a:bodyPr/>
+              <a:lstStyle/>
+              <a:p>
+                <a:r>
+                  <a:rPr lang="ja-JP" altLang="en-US">
+                    <a:noFill/>
+                  </a:rPr>
+                  <a:t> </a:t>
+                </a:r>
+              </a:p>
+            </p:txBody>
+          </p:sp>
+        </mc:Fallback>
+      </mc:AlternateContent>
+      <mc:AlternateContent xmlns:mc="http://schemas.openxmlformats.org/markup-compatibility/2006" xmlns:a14="http://schemas.microsoft.com/office/drawing/2010/main">
+        <mc:Choice Requires="a14">
+          <p:sp>
+            <p:nvSpPr>
+              <p:cNvPr id="14" name="テキスト ボックス 13">
+                <a:extLst>
+                  <a:ext uri="{FF2B5EF4-FFF2-40B4-BE49-F238E27FC236}">
+                    <a16:creationId xmlns:a16="http://schemas.microsoft.com/office/drawing/2014/main" id="{22BC4F20-2BE8-4AD6-9EA3-1C7D4092A356}"/>
+                  </a:ext>
+                </a:extLst>
+              </p:cNvPr>
+              <p:cNvSpPr txBox="1"/>
+              <p:nvPr/>
+            </p:nvSpPr>
+            <p:spPr>
+              <a:xfrm>
+                <a:off x="8825345" y="1016061"/>
+                <a:ext cx="350982" cy="369332"/>
+              </a:xfrm>
+              <a:prstGeom prst="rect">
+                <a:avLst/>
+              </a:prstGeom>
+              <a:noFill/>
+            </p:spPr>
+            <p:txBody>
+              <a:bodyPr wrap="square" rtlCol="0">
+                <a:spAutoFit/>
+              </a:bodyPr>
+              <a:lstStyle/>
+              <a:p>
+                <a:pPr/>
+                <a14:m>
+                  <m:oMathPara xmlns:m="http://schemas.openxmlformats.org/officeDocument/2006/math">
+                    <m:oMathParaPr>
+                      <m:jc m:val="centerGroup"/>
+                    </m:oMathParaPr>
+                    <m:oMath xmlns:m="http://schemas.openxmlformats.org/officeDocument/2006/math">
+                      <m:r>
+                        <a:rPr kumimoji="1" lang="en-US" altLang="ja-JP" b="0" i="1" smtClean="0">
+                          <a:latin typeface="Cambria Math" panose="02040503050406030204" pitchFamily="18" charset="0"/>
+                        </a:rPr>
+                        <m:t>𝑥</m:t>
+                      </m:r>
+                    </m:oMath>
+                  </m:oMathPara>
+                </a14:m>
+                <a:endParaRPr kumimoji="1" lang="ja-JP" altLang="en-US" dirty="0"/>
+              </a:p>
+            </p:txBody>
+          </p:sp>
+        </mc:Choice>
+        <mc:Fallback xmlns="">
+          <p:sp>
+            <p:nvSpPr>
+              <p:cNvPr id="14" name="テキスト ボックス 13">
+                <a:extLst>
+                  <a:ext uri="{FF2B5EF4-FFF2-40B4-BE49-F238E27FC236}">
+                    <a16:creationId xmlns:a16="http://schemas.microsoft.com/office/drawing/2014/main" id="{22BC4F20-2BE8-4AD6-9EA3-1C7D4092A356}"/>
+                  </a:ext>
+                </a:extLst>
+              </p:cNvPr>
+              <p:cNvSpPr txBox="1">
+                <a:spLocks noRot="1" noChangeAspect="1" noMove="1" noResize="1" noEditPoints="1" noAdjustHandles="1" noChangeArrowheads="1" noChangeShapeType="1" noTextEdit="1"/>
+              </p:cNvSpPr>
+              <p:nvPr/>
+            </p:nvSpPr>
+            <p:spPr>
+              <a:xfrm>
+                <a:off x="8825345" y="1016061"/>
+                <a:ext cx="350982" cy="369332"/>
+              </a:xfrm>
+              <a:prstGeom prst="rect">
+                <a:avLst/>
+              </a:prstGeom>
+              <a:blipFill>
+                <a:blip r:embed="rId10"/>
+                <a:stretch>
+                  <a:fillRect/>
+                </a:stretch>
+              </a:blipFill>
+            </p:spPr>
+            <p:txBody>
+              <a:bodyPr/>
+              <a:lstStyle/>
+              <a:p>
+                <a:r>
+                  <a:rPr lang="ja-JP" altLang="en-US">
+                    <a:noFill/>
+                  </a:rPr>
+                  <a:t> </a:t>
+                </a:r>
+              </a:p>
+            </p:txBody>
+          </p:sp>
+        </mc:Fallback>
+      </mc:AlternateContent>
+      <p:sp>
+        <p:nvSpPr>
+          <p:cNvPr id="15" name="四角形: 角を丸くする 14">
+            <a:extLst>
+              <a:ext uri="{FF2B5EF4-FFF2-40B4-BE49-F238E27FC236}">
+                <a16:creationId xmlns:a16="http://schemas.microsoft.com/office/drawing/2014/main" id="{6C64DBAF-D62A-41F6-A9B5-4702BDE437AE}"/>
+              </a:ext>
+            </a:extLst>
+          </p:cNvPr>
+          <p:cNvSpPr/>
+          <p:nvPr/>
+        </p:nvSpPr>
+        <p:spPr>
+          <a:xfrm>
+            <a:off x="3186545" y="2484582"/>
+            <a:ext cx="471055" cy="1117600"/>
+          </a:xfrm>
+          <a:prstGeom prst="roundRect">
+            <a:avLst/>
+          </a:prstGeom>
+          <a:noFill/>
+          <a:ln w="19050">
+            <a:solidFill>
+              <a:srgbClr val="FF0000"/>
+            </a:solidFill>
+          </a:ln>
+        </p:spPr>
+        <p:style>
+          <a:lnRef idx="2">
+            <a:schemeClr val="accent1">
+              <a:shade val="50000"/>
+            </a:schemeClr>
+          </a:lnRef>
+          <a:fillRef idx="1">
+            <a:schemeClr val="accent1"/>
+          </a:fillRef>
+          <a:effectRef idx="0">
+            <a:schemeClr val="accent1"/>
+          </a:effectRef>
+          <a:fontRef idx="minor">
+            <a:schemeClr val="lt1"/>
+          </a:fontRef>
+        </p:style>
+        <p:txBody>
+          <a:bodyPr rtlCol="0" anchor="ctr"/>
+          <a:lstStyle/>
+          <a:p>
+            <a:pPr algn="ctr"/>
+            <a:endParaRPr kumimoji="1" lang="ja-JP" altLang="en-US"/>
+          </a:p>
+        </p:txBody>
+      </p:sp>
+      <p:sp>
+        <p:nvSpPr>
+          <p:cNvPr id="16" name="四角形: 角を丸くする 15">
+            <a:extLst>
+              <a:ext uri="{FF2B5EF4-FFF2-40B4-BE49-F238E27FC236}">
+                <a16:creationId xmlns:a16="http://schemas.microsoft.com/office/drawing/2014/main" id="{87B1E5A8-8D25-4496-B1BD-BBBD3E01211E}"/>
+              </a:ext>
+            </a:extLst>
+          </p:cNvPr>
+          <p:cNvSpPr/>
+          <p:nvPr/>
+        </p:nvSpPr>
+        <p:spPr>
+          <a:xfrm>
+            <a:off x="5560290" y="3105729"/>
+            <a:ext cx="471055" cy="1117600"/>
+          </a:xfrm>
+          <a:prstGeom prst="roundRect">
+            <a:avLst/>
+          </a:prstGeom>
+          <a:noFill/>
+          <a:ln w="19050">
+            <a:solidFill>
+              <a:srgbClr val="FF0000"/>
+            </a:solidFill>
+          </a:ln>
+        </p:spPr>
+        <p:style>
+          <a:lnRef idx="2">
+            <a:schemeClr val="accent1">
+              <a:shade val="50000"/>
+            </a:schemeClr>
+          </a:lnRef>
+          <a:fillRef idx="1">
+            <a:schemeClr val="accent1"/>
+          </a:fillRef>
+          <a:effectRef idx="0">
+            <a:schemeClr val="accent1"/>
+          </a:effectRef>
+          <a:fontRef idx="minor">
+            <a:schemeClr val="lt1"/>
+          </a:fontRef>
+        </p:style>
+        <p:txBody>
+          <a:bodyPr rtlCol="0" anchor="ctr"/>
+          <a:lstStyle/>
+          <a:p>
+            <a:pPr algn="ctr"/>
+            <a:endParaRPr kumimoji="1" lang="ja-JP" altLang="en-US"/>
+          </a:p>
+        </p:txBody>
+      </p:sp>
+      <p:sp>
+        <p:nvSpPr>
+          <p:cNvPr id="17" name="四角形: 角を丸くする 16">
+            <a:extLst>
+              <a:ext uri="{FF2B5EF4-FFF2-40B4-BE49-F238E27FC236}">
+                <a16:creationId xmlns:a16="http://schemas.microsoft.com/office/drawing/2014/main" id="{9C0735D0-2891-4A18-9878-A155F0DA6EE6}"/>
+              </a:ext>
+            </a:extLst>
+          </p:cNvPr>
+          <p:cNvSpPr/>
+          <p:nvPr/>
+        </p:nvSpPr>
+        <p:spPr>
+          <a:xfrm>
+            <a:off x="9905999" y="3105729"/>
+            <a:ext cx="471055" cy="1117600"/>
+          </a:xfrm>
+          <a:prstGeom prst="roundRect">
+            <a:avLst/>
+          </a:prstGeom>
+          <a:noFill/>
+          <a:ln w="19050">
+            <a:solidFill>
+              <a:srgbClr val="FF0000"/>
+            </a:solidFill>
+          </a:ln>
+        </p:spPr>
+        <p:style>
+          <a:lnRef idx="2">
+            <a:schemeClr val="accent1">
+              <a:shade val="50000"/>
+            </a:schemeClr>
+          </a:lnRef>
+          <a:fillRef idx="1">
+            <a:schemeClr val="accent1"/>
+          </a:fillRef>
+          <a:effectRef idx="0">
+            <a:schemeClr val="accent1"/>
+          </a:effectRef>
+          <a:fontRef idx="minor">
+            <a:schemeClr val="lt1"/>
+          </a:fontRef>
+        </p:style>
+        <p:txBody>
+          <a:bodyPr rtlCol="0" anchor="ctr"/>
+          <a:lstStyle/>
+          <a:p>
+            <a:pPr algn="ctr"/>
+            <a:endParaRPr kumimoji="1" lang="ja-JP" altLang="en-US"/>
+          </a:p>
+        </p:txBody>
+      </p:sp>
+      <p:sp>
+        <p:nvSpPr>
+          <p:cNvPr id="18" name="四角形: 角を丸くする 17">
+            <a:extLst>
+              <a:ext uri="{FF2B5EF4-FFF2-40B4-BE49-F238E27FC236}">
+                <a16:creationId xmlns:a16="http://schemas.microsoft.com/office/drawing/2014/main" id="{988D6262-6893-43B5-BA33-C3FBD36A3205}"/>
+              </a:ext>
+            </a:extLst>
+          </p:cNvPr>
+          <p:cNvSpPr/>
+          <p:nvPr/>
+        </p:nvSpPr>
+        <p:spPr>
+          <a:xfrm>
+            <a:off x="9310254" y="2484582"/>
+            <a:ext cx="471055" cy="1117600"/>
+          </a:xfrm>
+          <a:prstGeom prst="roundRect">
+            <a:avLst/>
+          </a:prstGeom>
+          <a:noFill/>
+          <a:ln w="19050">
+            <a:solidFill>
+              <a:srgbClr val="FF0000"/>
+            </a:solidFill>
+          </a:ln>
+        </p:spPr>
+        <p:style>
+          <a:lnRef idx="2">
+            <a:schemeClr val="accent1">
+              <a:shade val="50000"/>
+            </a:schemeClr>
+          </a:lnRef>
+          <a:fillRef idx="1">
+            <a:schemeClr val="accent1"/>
+          </a:fillRef>
+          <a:effectRef idx="0">
+            <a:schemeClr val="accent1"/>
+          </a:effectRef>
+          <a:fontRef idx="minor">
+            <a:schemeClr val="lt1"/>
+          </a:fontRef>
+        </p:style>
+        <p:txBody>
+          <a:bodyPr rtlCol="0" anchor="ctr"/>
+          <a:lstStyle/>
+          <a:p>
+            <a:pPr algn="ctr"/>
+            <a:endParaRPr kumimoji="1" lang="ja-JP" altLang="en-US"/>
+          </a:p>
+        </p:txBody>
+      </p:sp>
+    </p:spTree>
+    <p:extLst>
+      <p:ext uri="{BB962C8B-B14F-4D97-AF65-F5344CB8AC3E}">
+        <p14:creationId xmlns:p14="http://schemas.microsoft.com/office/powerpoint/2010/main" val="745042923"/>
+      </p:ext>
+    </p:extLst>
+  </p:cSld>
+  <p:clrMapOvr>
+    <a:masterClrMapping/>
+  </p:clrMapOvr>
+</p:sld>
+</file>
+
+<file path=ppt/slides/slide3.xml><?xml version="1.0" encoding="utf-8"?>
+<p:sld xmlns:a="http://schemas.openxmlformats.org/drawingml/2006/main" xmlns:r="http://schemas.openxmlformats.org/officeDocument/2006/relationships" xmlns:p="http://schemas.openxmlformats.org/presentationml/2006/main">
+  <p:cSld>
+    <p:spTree>
+      <p:nvGrpSpPr>
+        <p:cNvPr id="1" name=""/>
+        <p:cNvGrpSpPr/>
+        <p:nvPr/>
+      </p:nvGrpSpPr>
+      <p:grpSpPr>
+        <a:xfrm>
+          <a:off x="0" y="0"/>
+          <a:ext cx="0" cy="0"/>
+          <a:chOff x="0" y="0"/>
+          <a:chExt cx="0" cy="0"/>
+        </a:xfrm>
+      </p:grpSpPr>
+      <mc:AlternateContent xmlns:mc="http://schemas.openxmlformats.org/markup-compatibility/2006">
+        <mc:Choice xmlns:a14="http://schemas.microsoft.com/office/drawing/2010/main" Requires="a14">
+          <p:sp>
+            <p:nvSpPr>
+              <p:cNvPr id="7" name="楕円 6">
+                <a:extLst>
+                  <a:ext uri="{FF2B5EF4-FFF2-40B4-BE49-F238E27FC236}">
+                    <a16:creationId xmlns:a16="http://schemas.microsoft.com/office/drawing/2014/main" id="{A6BF3540-9356-4965-9D79-482F2996C329}"/>
+                  </a:ext>
+                </a:extLst>
+              </p:cNvPr>
+              <p:cNvSpPr/>
+              <p:nvPr/>
+            </p:nvSpPr>
+            <p:spPr>
+              <a:xfrm>
+                <a:off x="3625273" y="2874818"/>
+                <a:ext cx="914400" cy="914400"/>
+              </a:xfrm>
+              <a:prstGeom prst="ellipse">
+                <a:avLst/>
+              </a:prstGeom>
+              <a:noFill/>
+              <a:ln w="28575">
+                <a:solidFill>
+                  <a:schemeClr val="tx1"/>
+                </a:solidFill>
+              </a:ln>
+            </p:spPr>
+            <p:style>
+              <a:lnRef idx="2">
+                <a:schemeClr val="accent1">
+                  <a:shade val="50000"/>
+                </a:schemeClr>
+              </a:lnRef>
+              <a:fillRef idx="1">
+                <a:schemeClr val="accent1"/>
+              </a:fillRef>
+              <a:effectRef idx="0">
+                <a:schemeClr val="accent1"/>
+              </a:effectRef>
+              <a:fontRef idx="minor">
+                <a:schemeClr val="lt1"/>
+              </a:fontRef>
+            </p:style>
+            <p:txBody>
+              <a:bodyPr rtlCol="0" anchor="ctr"/>
+              <a:lstStyle/>
+              <a:p>
+                <a:pPr algn="dist"/>
+                <a14:m>
+                  <m:oMathPara xmlns:m="http://schemas.openxmlformats.org/officeDocument/2006/math">
+                    <m:oMathParaPr>
+                      <m:jc m:val="centerGroup"/>
+                    </m:oMathParaPr>
+                    <m:oMath xmlns:m="http://schemas.openxmlformats.org/officeDocument/2006/math">
+                      <m:sSub>
+                        <m:sSubPr>
+                          <m:ctrlPr>
+                            <a:rPr kumimoji="1" lang="en-US" altLang="ja-JP" sz="2400" b="0" i="1" smtClean="0">
+                              <a:ln>
+                                <a:solidFill>
+                                  <a:schemeClr val="tx1"/>
+                                </a:solidFill>
+                              </a:ln>
+                              <a:solidFill>
+                                <a:schemeClr val="tx1"/>
+                              </a:solidFill>
+                              <a:latin typeface="Cambria Math" panose="02040503050406030204" pitchFamily="18" charset="0"/>
+                            </a:rPr>
+                          </m:ctrlPr>
+                        </m:sSubPr>
+                        <m:e>
+                          <m:r>
+                            <a:rPr kumimoji="1" lang="en-US" altLang="ja-JP" sz="2400" b="0" i="1" smtClean="0">
+                              <a:ln>
+                                <a:solidFill>
+                                  <a:schemeClr val="tx1"/>
+                                </a:solidFill>
+                              </a:ln>
+                              <a:solidFill>
+                                <a:schemeClr val="tx1"/>
+                              </a:solidFill>
+                              <a:latin typeface="Cambria Math" panose="02040503050406030204" pitchFamily="18" charset="0"/>
+                            </a:rPr>
+                            <m:t>𝑆</m:t>
+                          </m:r>
+                        </m:e>
+                        <m:sub>
+                          <m:r>
+                            <a:rPr kumimoji="1" lang="en-US" altLang="ja-JP" sz="2400" b="0" i="1" smtClean="0">
+                              <a:ln>
+                                <a:solidFill>
+                                  <a:schemeClr val="tx1"/>
+                                </a:solidFill>
+                              </a:ln>
+                              <a:solidFill>
+                                <a:schemeClr val="tx1"/>
+                              </a:solidFill>
+                              <a:latin typeface="Cambria Math" panose="02040503050406030204" pitchFamily="18" charset="0"/>
+                            </a:rPr>
+                            <m:t>0</m:t>
+                          </m:r>
+                        </m:sub>
+                      </m:sSub>
+                    </m:oMath>
+                  </m:oMathPara>
+                </a14:m>
+                <a:endParaRPr kumimoji="1" lang="en-US" altLang="ja-JP" b="0" dirty="0">
+                  <a:ln>
+                    <a:solidFill>
+                      <a:schemeClr val="tx1"/>
+                    </a:solidFill>
+                  </a:ln>
+                  <a:solidFill>
+                    <a:schemeClr val="tx1"/>
+                  </a:solidFill>
+                </a:endParaRPr>
+              </a:p>
+            </p:txBody>
+          </p:sp>
+        </mc:Choice>
+        <mc:Fallback>
+          <p:sp>
+            <p:nvSpPr>
+              <p:cNvPr id="7" name="楕円 6">
+                <a:extLst>
+                  <a:ext uri="{FF2B5EF4-FFF2-40B4-BE49-F238E27FC236}">
+                    <a16:creationId xmlns:a16="http://schemas.microsoft.com/office/drawing/2014/main" id="{A6BF3540-9356-4965-9D79-482F2996C329}"/>
+                  </a:ext>
+                </a:extLst>
+              </p:cNvPr>
+              <p:cNvSpPr>
+                <a:spLocks noRot="1" noChangeAspect="1" noMove="1" noResize="1" noEditPoints="1" noAdjustHandles="1" noChangeArrowheads="1" noChangeShapeType="1" noTextEdit="1"/>
+              </p:cNvSpPr>
+              <p:nvPr/>
+            </p:nvSpPr>
+            <p:spPr>
+              <a:xfrm>
+                <a:off x="3625273" y="2874818"/>
+                <a:ext cx="914400" cy="914400"/>
+              </a:xfrm>
+              <a:prstGeom prst="ellipse">
+                <a:avLst/>
+              </a:prstGeom>
+              <a:blipFill>
+                <a:blip r:embed="rId2"/>
+                <a:stretch>
+                  <a:fillRect/>
+                </a:stretch>
+              </a:blipFill>
+              <a:ln w="28575">
+                <a:solidFill>
+                  <a:schemeClr val="tx1"/>
+                </a:solidFill>
+              </a:ln>
+            </p:spPr>
+            <p:txBody>
+              <a:bodyPr/>
+              <a:lstStyle/>
+              <a:p>
+                <a:r>
+                  <a:rPr lang="ja-JP" altLang="en-US">
+                    <a:noFill/>
+                  </a:rPr>
+                  <a:t> </a:t>
+                </a:r>
+              </a:p>
+            </p:txBody>
+          </p:sp>
+        </mc:Fallback>
+      </mc:AlternateContent>
+      <mc:AlternateContent xmlns:mc="http://schemas.openxmlformats.org/markup-compatibility/2006">
+        <mc:Choice xmlns:a14="http://schemas.microsoft.com/office/drawing/2010/main" Requires="a14">
+          <p:sp>
+            <p:nvSpPr>
+              <p:cNvPr id="8" name="楕円 7">
+                <a:extLst>
+                  <a:ext uri="{FF2B5EF4-FFF2-40B4-BE49-F238E27FC236}">
+                    <a16:creationId xmlns:a16="http://schemas.microsoft.com/office/drawing/2014/main" id="{EEA0AF91-9349-4C8B-9169-119FB3DF2A1C}"/>
+                  </a:ext>
+                </a:extLst>
+              </p:cNvPr>
+              <p:cNvSpPr/>
+              <p:nvPr/>
+            </p:nvSpPr>
+            <p:spPr>
+              <a:xfrm>
+                <a:off x="5301673" y="2874818"/>
+                <a:ext cx="914400" cy="914400"/>
+              </a:xfrm>
+              <a:prstGeom prst="ellipse">
+                <a:avLst/>
+              </a:prstGeom>
+              <a:noFill/>
+              <a:ln w="28575">
+                <a:solidFill>
+                  <a:schemeClr val="tx1"/>
+                </a:solidFill>
+              </a:ln>
+            </p:spPr>
+            <p:style>
+              <a:lnRef idx="2">
+                <a:schemeClr val="accent1">
+                  <a:shade val="50000"/>
+                </a:schemeClr>
+              </a:lnRef>
+              <a:fillRef idx="1">
+                <a:schemeClr val="accent1"/>
+              </a:fillRef>
+              <a:effectRef idx="0">
+                <a:schemeClr val="accent1"/>
+              </a:effectRef>
+              <a:fontRef idx="minor">
+                <a:schemeClr val="lt1"/>
+              </a:fontRef>
+            </p:style>
+            <p:txBody>
+              <a:bodyPr rtlCol="0" anchor="ctr"/>
+              <a:lstStyle/>
+              <a:p>
+                <a:pPr algn="dist"/>
+                <a14:m>
+                  <m:oMathPara xmlns:m="http://schemas.openxmlformats.org/officeDocument/2006/math">
+                    <m:oMathParaPr>
+                      <m:jc m:val="center"/>
+                    </m:oMathParaPr>
+                    <m:oMath xmlns:m="http://schemas.openxmlformats.org/officeDocument/2006/math">
+                      <m:sSub>
+                        <m:sSubPr>
+                          <m:ctrlPr>
+                            <a:rPr lang="en-US" altLang="ja-JP" sz="2400" i="1" smtClean="0">
+                              <a:ln>
+                                <a:solidFill>
+                                  <a:schemeClr val="tx1"/>
+                                </a:solidFill>
+                              </a:ln>
+                              <a:solidFill>
+                                <a:schemeClr val="tx1"/>
+                              </a:solidFill>
+                              <a:latin typeface="Cambria Math" panose="02040503050406030204" pitchFamily="18" charset="0"/>
+                            </a:rPr>
+                          </m:ctrlPr>
+                        </m:sSubPr>
+                        <m:e>
+                          <m:r>
+                            <a:rPr lang="en-US" altLang="ja-JP" sz="2400" i="1">
+                              <a:ln>
+                                <a:solidFill>
+                                  <a:schemeClr val="tx1"/>
+                                </a:solidFill>
+                              </a:ln>
+                              <a:solidFill>
+                                <a:schemeClr val="tx1"/>
+                              </a:solidFill>
+                              <a:latin typeface="Cambria Math" panose="02040503050406030204" pitchFamily="18" charset="0"/>
+                            </a:rPr>
+                            <m:t>𝑆</m:t>
+                          </m:r>
+                        </m:e>
+                        <m:sub>
+                          <m:r>
+                            <a:rPr lang="en-US" altLang="ja-JP" sz="2400" b="0" i="1" smtClean="0">
+                              <a:ln>
+                                <a:solidFill>
+                                  <a:schemeClr val="tx1"/>
+                                </a:solidFill>
+                              </a:ln>
+                              <a:solidFill>
+                                <a:schemeClr val="tx1"/>
+                              </a:solidFill>
+                              <a:latin typeface="Cambria Math" panose="02040503050406030204" pitchFamily="18" charset="0"/>
+                            </a:rPr>
+                            <m:t>1</m:t>
+                          </m:r>
+                        </m:sub>
+                      </m:sSub>
+                    </m:oMath>
+                  </m:oMathPara>
+                </a14:m>
+                <a:endParaRPr kumimoji="1" lang="ja-JP" altLang="en-US" dirty="0"/>
+              </a:p>
+            </p:txBody>
+          </p:sp>
+        </mc:Choice>
+        <mc:Fallback>
+          <p:sp>
+            <p:nvSpPr>
+              <p:cNvPr id="8" name="楕円 7">
+                <a:extLst>
+                  <a:ext uri="{FF2B5EF4-FFF2-40B4-BE49-F238E27FC236}">
+                    <a16:creationId xmlns:a16="http://schemas.microsoft.com/office/drawing/2014/main" id="{EEA0AF91-9349-4C8B-9169-119FB3DF2A1C}"/>
+                  </a:ext>
+                </a:extLst>
+              </p:cNvPr>
+              <p:cNvSpPr>
+                <a:spLocks noRot="1" noChangeAspect="1" noMove="1" noResize="1" noEditPoints="1" noAdjustHandles="1" noChangeArrowheads="1" noChangeShapeType="1" noTextEdit="1"/>
+              </p:cNvSpPr>
+              <p:nvPr/>
+            </p:nvSpPr>
+            <p:spPr>
+              <a:xfrm>
+                <a:off x="5301673" y="2874818"/>
+                <a:ext cx="914400" cy="914400"/>
+              </a:xfrm>
+              <a:prstGeom prst="ellipse">
+                <a:avLst/>
+              </a:prstGeom>
+              <a:blipFill>
+                <a:blip r:embed="rId3"/>
+                <a:stretch>
+                  <a:fillRect/>
+                </a:stretch>
+              </a:blipFill>
+              <a:ln w="28575">
+                <a:solidFill>
+                  <a:schemeClr val="tx1"/>
+                </a:solidFill>
+              </a:ln>
+            </p:spPr>
+            <p:txBody>
+              <a:bodyPr/>
+              <a:lstStyle/>
+              <a:p>
+                <a:r>
+                  <a:rPr lang="ja-JP" altLang="en-US">
+                    <a:noFill/>
+                  </a:rPr>
+                  <a:t> </a:t>
+                </a:r>
+              </a:p>
+            </p:txBody>
+          </p:sp>
+        </mc:Fallback>
+      </mc:AlternateContent>
+      <mc:AlternateContent xmlns:mc="http://schemas.openxmlformats.org/markup-compatibility/2006">
+        <mc:Choice xmlns:a14="http://schemas.microsoft.com/office/drawing/2010/main" Requires="a14">
+          <p:sp>
+            <p:nvSpPr>
+              <p:cNvPr id="9" name="楕円 8">
+                <a:extLst>
+                  <a:ext uri="{FF2B5EF4-FFF2-40B4-BE49-F238E27FC236}">
+                    <a16:creationId xmlns:a16="http://schemas.microsoft.com/office/drawing/2014/main" id="{0AAE8F02-760F-49BB-8DE6-03758D2C7B2C}"/>
+                  </a:ext>
+                </a:extLst>
+              </p:cNvPr>
+              <p:cNvSpPr/>
+              <p:nvPr/>
+            </p:nvSpPr>
+            <p:spPr>
+              <a:xfrm>
+                <a:off x="6978073" y="2874818"/>
+                <a:ext cx="914400" cy="914400"/>
+              </a:xfrm>
+              <a:prstGeom prst="ellipse">
+                <a:avLst/>
+              </a:prstGeom>
+              <a:noFill/>
+              <a:ln w="28575">
+                <a:solidFill>
+                  <a:schemeClr val="tx1"/>
+                </a:solidFill>
+              </a:ln>
+            </p:spPr>
+            <p:style>
+              <a:lnRef idx="2">
+                <a:schemeClr val="accent1">
+                  <a:shade val="50000"/>
+                </a:schemeClr>
+              </a:lnRef>
+              <a:fillRef idx="1">
+                <a:schemeClr val="accent1"/>
+              </a:fillRef>
+              <a:effectRef idx="0">
+                <a:schemeClr val="accent1"/>
+              </a:effectRef>
+              <a:fontRef idx="minor">
+                <a:schemeClr val="lt1"/>
+              </a:fontRef>
+            </p:style>
+            <p:txBody>
+              <a:bodyPr rtlCol="0" anchor="ctr"/>
+              <a:lstStyle/>
+              <a:p>
+                <a:pPr algn="dist"/>
+                <a14:m>
+                  <m:oMathPara xmlns:m="http://schemas.openxmlformats.org/officeDocument/2006/math">
+                    <m:oMathParaPr>
+                      <m:jc m:val="centerGroup"/>
+                    </m:oMathParaPr>
+                    <m:oMath xmlns:m="http://schemas.openxmlformats.org/officeDocument/2006/math">
+                      <m:sSub>
+                        <m:sSubPr>
+                          <m:ctrlPr>
+                            <a:rPr lang="en-US" altLang="ja-JP" sz="2400" i="1" smtClean="0">
+                              <a:ln>
+                                <a:solidFill>
+                                  <a:schemeClr val="tx1"/>
+                                </a:solidFill>
+                              </a:ln>
+                              <a:solidFill>
+                                <a:schemeClr val="tx1"/>
+                              </a:solidFill>
+                              <a:latin typeface="Cambria Math" panose="02040503050406030204" pitchFamily="18" charset="0"/>
+                            </a:rPr>
+                          </m:ctrlPr>
+                        </m:sSubPr>
+                        <m:e>
+                          <m:r>
+                            <a:rPr lang="en-US" altLang="ja-JP" sz="2400" i="1">
+                              <a:ln>
+                                <a:solidFill>
+                                  <a:schemeClr val="tx1"/>
+                                </a:solidFill>
+                              </a:ln>
+                              <a:solidFill>
+                                <a:schemeClr val="tx1"/>
+                              </a:solidFill>
+                              <a:latin typeface="Cambria Math" panose="02040503050406030204" pitchFamily="18" charset="0"/>
+                            </a:rPr>
+                            <m:t>𝑆</m:t>
+                          </m:r>
+                        </m:e>
+                        <m:sub>
+                          <m:r>
+                            <a:rPr lang="en-US" altLang="ja-JP" sz="2400" b="0" i="1" smtClean="0">
+                              <a:ln>
+                                <a:solidFill>
+                                  <a:schemeClr val="tx1"/>
+                                </a:solidFill>
+                              </a:ln>
+                              <a:solidFill>
+                                <a:schemeClr val="tx1"/>
+                              </a:solidFill>
+                              <a:latin typeface="Cambria Math" panose="02040503050406030204" pitchFamily="18" charset="0"/>
+                            </a:rPr>
+                            <m:t>2</m:t>
+                          </m:r>
+                        </m:sub>
+                      </m:sSub>
+                    </m:oMath>
+                  </m:oMathPara>
+                </a14:m>
+                <a:endParaRPr kumimoji="1" lang="ja-JP" altLang="en-US" dirty="0"/>
+              </a:p>
+            </p:txBody>
+          </p:sp>
+        </mc:Choice>
+        <mc:Fallback>
+          <p:sp>
+            <p:nvSpPr>
+              <p:cNvPr id="9" name="楕円 8">
+                <a:extLst>
+                  <a:ext uri="{FF2B5EF4-FFF2-40B4-BE49-F238E27FC236}">
+                    <a16:creationId xmlns:a16="http://schemas.microsoft.com/office/drawing/2014/main" id="{0AAE8F02-760F-49BB-8DE6-03758D2C7B2C}"/>
+                  </a:ext>
+                </a:extLst>
+              </p:cNvPr>
+              <p:cNvSpPr>
+                <a:spLocks noRot="1" noChangeAspect="1" noMove="1" noResize="1" noEditPoints="1" noAdjustHandles="1" noChangeArrowheads="1" noChangeShapeType="1" noTextEdit="1"/>
+              </p:cNvSpPr>
+              <p:nvPr/>
+            </p:nvSpPr>
+            <p:spPr>
+              <a:xfrm>
+                <a:off x="6978073" y="2874818"/>
+                <a:ext cx="914400" cy="914400"/>
+              </a:xfrm>
+              <a:prstGeom prst="ellipse">
+                <a:avLst/>
+              </a:prstGeom>
+              <a:blipFill>
+                <a:blip r:embed="rId4"/>
+                <a:stretch>
+                  <a:fillRect/>
+                </a:stretch>
+              </a:blipFill>
+              <a:ln w="28575">
+                <a:solidFill>
+                  <a:schemeClr val="tx1"/>
+                </a:solidFill>
+              </a:ln>
+            </p:spPr>
+            <p:txBody>
+              <a:bodyPr/>
+              <a:lstStyle/>
+              <a:p>
+                <a:r>
+                  <a:rPr lang="ja-JP" altLang="en-US">
+                    <a:noFill/>
+                  </a:rPr>
+                  <a:t> </a:t>
+                </a:r>
+              </a:p>
+            </p:txBody>
+          </p:sp>
+        </mc:Fallback>
+      </mc:AlternateContent>
+      <p:cxnSp>
+        <p:nvCxnSpPr>
+          <p:cNvPr id="11" name="コネクタ: 曲線 10">
+            <a:extLst>
+              <a:ext uri="{FF2B5EF4-FFF2-40B4-BE49-F238E27FC236}">
+                <a16:creationId xmlns:a16="http://schemas.microsoft.com/office/drawing/2014/main" id="{5600F988-EFA1-4D82-8D24-EDC85C1B748D}"/>
+              </a:ext>
+            </a:extLst>
+          </p:cNvPr>
+          <p:cNvCxnSpPr>
+            <a:stCxn id="7" idx="1"/>
+            <a:endCxn id="7" idx="3"/>
+          </p:cNvCxnSpPr>
+          <p:nvPr/>
+        </p:nvCxnSpPr>
+        <p:spPr>
+          <a:xfrm rot="16200000" flipH="1">
+            <a:off x="3435895" y="3332018"/>
+            <a:ext cx="646578" cy="12700"/>
+          </a:xfrm>
+          <a:prstGeom prst="curvedConnector5">
+            <a:avLst>
+              <a:gd name="adj1" fmla="val -35355"/>
+              <a:gd name="adj2" fmla="val -8127394"/>
+              <a:gd name="adj3" fmla="val 135355"/>
+            </a:avLst>
+          </a:prstGeom>
+          <a:ln w="19050">
+            <a:solidFill>
+              <a:schemeClr val="tx1"/>
+            </a:solidFill>
+            <a:tailEnd type="triangle"/>
+          </a:ln>
+        </p:spPr>
+        <p:style>
+          <a:lnRef idx="1">
+            <a:schemeClr val="accent1"/>
+          </a:lnRef>
+          <a:fillRef idx="0">
+            <a:schemeClr val="accent1"/>
+          </a:fillRef>
+          <a:effectRef idx="0">
+            <a:schemeClr val="accent1"/>
+          </a:effectRef>
+          <a:fontRef idx="minor">
+            <a:schemeClr val="tx1"/>
+          </a:fontRef>
+        </p:style>
+      </p:cxnSp>
+      <p:cxnSp>
+        <p:nvCxnSpPr>
+          <p:cNvPr id="15" name="コネクタ: 曲線 14">
+            <a:extLst>
+              <a:ext uri="{FF2B5EF4-FFF2-40B4-BE49-F238E27FC236}">
+                <a16:creationId xmlns:a16="http://schemas.microsoft.com/office/drawing/2014/main" id="{2725F89A-FAA1-4685-A277-D96F4706C3BF}"/>
+              </a:ext>
+            </a:extLst>
+          </p:cNvPr>
+          <p:cNvCxnSpPr>
+            <a:stCxn id="7" idx="7"/>
+            <a:endCxn id="8" idx="1"/>
+          </p:cNvCxnSpPr>
+          <p:nvPr/>
+        </p:nvCxnSpPr>
+        <p:spPr>
+          <a:xfrm rot="5400000" flipH="1" flipV="1">
+            <a:off x="4920673" y="2493818"/>
+            <a:ext cx="12700" cy="1029822"/>
+          </a:xfrm>
+          <a:prstGeom prst="curvedConnector3">
+            <a:avLst>
+              <a:gd name="adj1" fmla="val 2854417"/>
+            </a:avLst>
+          </a:prstGeom>
+          <a:ln w="19050">
+            <a:solidFill>
+              <a:schemeClr val="tx1"/>
+            </a:solidFill>
+            <a:tailEnd type="triangle"/>
+          </a:ln>
+        </p:spPr>
+        <p:style>
+          <a:lnRef idx="1">
+            <a:schemeClr val="accent1"/>
+          </a:lnRef>
+          <a:fillRef idx="0">
+            <a:schemeClr val="accent1"/>
+          </a:fillRef>
+          <a:effectRef idx="0">
+            <a:schemeClr val="accent1"/>
+          </a:effectRef>
+          <a:fontRef idx="minor">
+            <a:schemeClr val="tx1"/>
+          </a:fontRef>
+        </p:style>
+      </p:cxnSp>
+      <p:cxnSp>
+        <p:nvCxnSpPr>
+          <p:cNvPr id="17" name="コネクタ: 曲線 16">
+            <a:extLst>
+              <a:ext uri="{FF2B5EF4-FFF2-40B4-BE49-F238E27FC236}">
+                <a16:creationId xmlns:a16="http://schemas.microsoft.com/office/drawing/2014/main" id="{384A819E-956F-419E-B671-5590C63EE8AC}"/>
+              </a:ext>
+            </a:extLst>
+          </p:cNvPr>
+          <p:cNvCxnSpPr>
+            <a:stCxn id="8" idx="7"/>
+            <a:endCxn id="9" idx="1"/>
+          </p:cNvCxnSpPr>
+          <p:nvPr/>
+        </p:nvCxnSpPr>
+        <p:spPr>
+          <a:xfrm rot="5400000" flipH="1" flipV="1">
+            <a:off x="6597073" y="2493818"/>
+            <a:ext cx="12700" cy="1029822"/>
+          </a:xfrm>
+          <a:prstGeom prst="curvedConnector3">
+            <a:avLst>
+              <a:gd name="adj1" fmla="val 2854417"/>
+            </a:avLst>
+          </a:prstGeom>
+          <a:ln w="19050">
+            <a:solidFill>
+              <a:schemeClr val="tx1"/>
+            </a:solidFill>
+            <a:tailEnd type="triangle"/>
+          </a:ln>
+        </p:spPr>
+        <p:style>
+          <a:lnRef idx="1">
+            <a:schemeClr val="accent1"/>
+          </a:lnRef>
+          <a:fillRef idx="0">
+            <a:schemeClr val="accent1"/>
+          </a:fillRef>
+          <a:effectRef idx="0">
+            <a:schemeClr val="accent1"/>
+          </a:effectRef>
+          <a:fontRef idx="minor">
+            <a:schemeClr val="tx1"/>
+          </a:fontRef>
+        </p:style>
+      </p:cxnSp>
+      <p:cxnSp>
+        <p:nvCxnSpPr>
+          <p:cNvPr id="19" name="コネクタ: 曲線 18">
+            <a:extLst>
+              <a:ext uri="{FF2B5EF4-FFF2-40B4-BE49-F238E27FC236}">
+                <a16:creationId xmlns:a16="http://schemas.microsoft.com/office/drawing/2014/main" id="{B235E3E8-03BD-4ACC-B79C-1696B1F20901}"/>
+              </a:ext>
+            </a:extLst>
+          </p:cNvPr>
+          <p:cNvCxnSpPr>
+            <a:stCxn id="9" idx="7"/>
+            <a:endCxn id="9" idx="5"/>
+          </p:cNvCxnSpPr>
+          <p:nvPr/>
+        </p:nvCxnSpPr>
+        <p:spPr>
+          <a:xfrm rot="16200000" flipH="1">
+            <a:off x="7435273" y="3332018"/>
+            <a:ext cx="646578" cy="12700"/>
+          </a:xfrm>
+          <a:prstGeom prst="curvedConnector5">
+            <a:avLst>
+              <a:gd name="adj1" fmla="val -35355"/>
+              <a:gd name="adj2" fmla="val 7945583"/>
+              <a:gd name="adj3" fmla="val 135355"/>
+            </a:avLst>
+          </a:prstGeom>
+          <a:ln w="19050">
+            <a:solidFill>
+              <a:schemeClr val="tx1"/>
+            </a:solidFill>
+            <a:tailEnd type="triangle"/>
+          </a:ln>
+        </p:spPr>
+        <p:style>
+          <a:lnRef idx="1">
+            <a:schemeClr val="accent1"/>
+          </a:lnRef>
+          <a:fillRef idx="0">
+            <a:schemeClr val="accent1"/>
+          </a:fillRef>
+          <a:effectRef idx="0">
+            <a:schemeClr val="accent1"/>
+          </a:effectRef>
+          <a:fontRef idx="minor">
+            <a:schemeClr val="tx1"/>
+          </a:fontRef>
+        </p:style>
+      </p:cxnSp>
+      <p:cxnSp>
+        <p:nvCxnSpPr>
+          <p:cNvPr id="22" name="コネクタ: 曲線 21">
+            <a:extLst>
+              <a:ext uri="{FF2B5EF4-FFF2-40B4-BE49-F238E27FC236}">
+                <a16:creationId xmlns:a16="http://schemas.microsoft.com/office/drawing/2014/main" id="{29A89E0C-C88F-4549-B330-84CD1D092701}"/>
+              </a:ext>
+            </a:extLst>
+          </p:cNvPr>
+          <p:cNvCxnSpPr>
+            <a:stCxn id="9" idx="3"/>
+            <a:endCxn id="8" idx="5"/>
+          </p:cNvCxnSpPr>
+          <p:nvPr/>
+        </p:nvCxnSpPr>
+        <p:spPr>
+          <a:xfrm rot="5400000">
+            <a:off x="6597073" y="3140396"/>
+            <a:ext cx="12700" cy="1029822"/>
+          </a:xfrm>
+          <a:prstGeom prst="curvedConnector3">
+            <a:avLst>
+              <a:gd name="adj1" fmla="val 2854417"/>
+            </a:avLst>
+          </a:prstGeom>
+          <a:ln w="19050">
+            <a:solidFill>
+              <a:schemeClr val="tx1"/>
+            </a:solidFill>
+            <a:tailEnd type="triangle"/>
+          </a:ln>
+        </p:spPr>
+        <p:style>
+          <a:lnRef idx="1">
+            <a:schemeClr val="accent1"/>
+          </a:lnRef>
+          <a:fillRef idx="0">
+            <a:schemeClr val="accent1"/>
+          </a:fillRef>
+          <a:effectRef idx="0">
+            <a:schemeClr val="accent1"/>
+          </a:effectRef>
+          <a:fontRef idx="minor">
+            <a:schemeClr val="tx1"/>
+          </a:fontRef>
+        </p:style>
+      </p:cxnSp>
+      <p:cxnSp>
+        <p:nvCxnSpPr>
+          <p:cNvPr id="24" name="コネクタ: 曲線 23">
+            <a:extLst>
+              <a:ext uri="{FF2B5EF4-FFF2-40B4-BE49-F238E27FC236}">
+                <a16:creationId xmlns:a16="http://schemas.microsoft.com/office/drawing/2014/main" id="{91C324B1-25EF-428B-884E-50725D1E0E78}"/>
+              </a:ext>
+            </a:extLst>
+          </p:cNvPr>
+          <p:cNvCxnSpPr>
+            <a:stCxn id="8" idx="3"/>
+            <a:endCxn id="7" idx="5"/>
+          </p:cNvCxnSpPr>
+          <p:nvPr/>
+        </p:nvCxnSpPr>
+        <p:spPr>
+          <a:xfrm rot="5400000">
+            <a:off x="4920673" y="3140396"/>
+            <a:ext cx="12700" cy="1029822"/>
+          </a:xfrm>
+          <a:prstGeom prst="curvedConnector3">
+            <a:avLst>
+              <a:gd name="adj1" fmla="val 2854417"/>
+            </a:avLst>
+          </a:prstGeom>
+          <a:ln w="19050">
+            <a:solidFill>
+              <a:schemeClr val="tx1"/>
+            </a:solidFill>
+            <a:tailEnd type="triangle"/>
+          </a:ln>
+        </p:spPr>
+        <p:style>
+          <a:lnRef idx="1">
+            <a:schemeClr val="accent1"/>
+          </a:lnRef>
+          <a:fillRef idx="0">
+            <a:schemeClr val="accent1"/>
+          </a:fillRef>
+          <a:effectRef idx="0">
+            <a:schemeClr val="accent1"/>
+          </a:effectRef>
+          <a:fontRef idx="minor">
+            <a:schemeClr val="tx1"/>
+          </a:fontRef>
+        </p:style>
+      </p:cxnSp>
+      <mc:AlternateContent xmlns:mc="http://schemas.openxmlformats.org/markup-compatibility/2006">
+        <mc:Choice xmlns:a14="http://schemas.microsoft.com/office/drawing/2010/main" Requires="a14">
+          <p:sp>
+            <p:nvSpPr>
+              <p:cNvPr id="25" name="テキスト ボックス 24">
+                <a:extLst>
+                  <a:ext uri="{FF2B5EF4-FFF2-40B4-BE49-F238E27FC236}">
+                    <a16:creationId xmlns:a16="http://schemas.microsoft.com/office/drawing/2014/main" id="{E3E83EB0-0B8C-4ECC-AA13-6FE63133BC39}"/>
+                  </a:ext>
+                </a:extLst>
+              </p:cNvPr>
+              <p:cNvSpPr txBox="1"/>
+              <p:nvPr/>
+            </p:nvSpPr>
+            <p:spPr>
+              <a:xfrm>
+                <a:off x="2156098" y="3147352"/>
+                <a:ext cx="597812" cy="369332"/>
+              </a:xfrm>
+              <a:prstGeom prst="rect">
+                <a:avLst/>
+              </a:prstGeom>
+              <a:noFill/>
+            </p:spPr>
+            <p:txBody>
+              <a:bodyPr wrap="square" rtlCol="0">
+                <a:spAutoFit/>
+              </a:bodyPr>
+              <a:lstStyle/>
+              <a:p>
+                <a:pPr/>
+                <a14:m>
+                  <m:oMathPara xmlns:m="http://schemas.openxmlformats.org/officeDocument/2006/math">
+                    <m:oMathParaPr>
+                      <m:jc m:val="centerGroup"/>
+                    </m:oMathParaPr>
+                    <m:oMath xmlns:m="http://schemas.openxmlformats.org/officeDocument/2006/math">
+                      <m:r>
+                        <a:rPr kumimoji="1" lang="en-US" altLang="ja-JP" b="0" i="1" smtClean="0">
+                          <a:latin typeface="Cambria Math" panose="02040503050406030204" pitchFamily="18" charset="0"/>
+                        </a:rPr>
+                        <m:t>0/1</m:t>
+                      </m:r>
+                    </m:oMath>
+                  </m:oMathPara>
+                </a14:m>
+                <a:endParaRPr kumimoji="1" lang="ja-JP" altLang="en-US" dirty="0"/>
+              </a:p>
+            </p:txBody>
+          </p:sp>
+        </mc:Choice>
+        <mc:Fallback>
+          <p:sp>
+            <p:nvSpPr>
+              <p:cNvPr id="25" name="テキスト ボックス 24">
+                <a:extLst>
+                  <a:ext uri="{FF2B5EF4-FFF2-40B4-BE49-F238E27FC236}">
+                    <a16:creationId xmlns:a16="http://schemas.microsoft.com/office/drawing/2014/main" id="{E3E83EB0-0B8C-4ECC-AA13-6FE63133BC39}"/>
+                  </a:ext>
+                </a:extLst>
+              </p:cNvPr>
+              <p:cNvSpPr txBox="1">
+                <a:spLocks noRot="1" noChangeAspect="1" noMove="1" noResize="1" noEditPoints="1" noAdjustHandles="1" noChangeArrowheads="1" noChangeShapeType="1" noTextEdit="1"/>
+              </p:cNvSpPr>
+              <p:nvPr/>
+            </p:nvSpPr>
+            <p:spPr>
+              <a:xfrm>
+                <a:off x="2156098" y="3147352"/>
+                <a:ext cx="597812" cy="369332"/>
+              </a:xfrm>
+              <a:prstGeom prst="rect">
+                <a:avLst/>
+              </a:prstGeom>
+              <a:blipFill>
+                <a:blip r:embed="rId5"/>
+                <a:stretch>
+                  <a:fillRect b="-13115"/>
+                </a:stretch>
+              </a:blipFill>
+            </p:spPr>
+            <p:txBody>
+              <a:bodyPr/>
+              <a:lstStyle/>
+              <a:p>
+                <a:r>
+                  <a:rPr lang="ja-JP" altLang="en-US">
+                    <a:noFill/>
+                  </a:rPr>
+                  <a:t> </a:t>
+                </a:r>
+              </a:p>
+            </p:txBody>
+          </p:sp>
+        </mc:Fallback>
+      </mc:AlternateContent>
+      <mc:AlternateContent xmlns:mc="http://schemas.openxmlformats.org/markup-compatibility/2006">
+        <mc:Choice xmlns:a14="http://schemas.microsoft.com/office/drawing/2010/main" Requires="a14">
+          <p:sp>
+            <p:nvSpPr>
+              <p:cNvPr id="26" name="テキスト ボックス 25">
+                <a:extLst>
+                  <a:ext uri="{FF2B5EF4-FFF2-40B4-BE49-F238E27FC236}">
+                    <a16:creationId xmlns:a16="http://schemas.microsoft.com/office/drawing/2014/main" id="{A08BA197-877E-4F13-895E-72F2C2C30C18}"/>
+                  </a:ext>
+                </a:extLst>
+              </p:cNvPr>
+              <p:cNvSpPr txBox="1"/>
+              <p:nvPr/>
+            </p:nvSpPr>
+            <p:spPr>
+              <a:xfrm>
+                <a:off x="4628117" y="2316108"/>
+                <a:ext cx="597812" cy="369332"/>
+              </a:xfrm>
+              <a:prstGeom prst="rect">
+                <a:avLst/>
+              </a:prstGeom>
+              <a:noFill/>
+            </p:spPr>
+            <p:txBody>
+              <a:bodyPr wrap="square" rtlCol="0">
+                <a:spAutoFit/>
+              </a:bodyPr>
+              <a:lstStyle/>
+              <a:p>
+                <a:pPr/>
+                <a14:m>
+                  <m:oMathPara xmlns:m="http://schemas.openxmlformats.org/officeDocument/2006/math">
+                    <m:oMathParaPr>
+                      <m:jc m:val="centerGroup"/>
+                    </m:oMathParaPr>
+                    <m:oMath xmlns:m="http://schemas.openxmlformats.org/officeDocument/2006/math">
+                      <m:r>
+                        <a:rPr kumimoji="1" lang="en-US" altLang="ja-JP" b="0" i="1" smtClean="0">
+                          <a:latin typeface="Cambria Math" panose="02040503050406030204" pitchFamily="18" charset="0"/>
+                        </a:rPr>
+                        <m:t>1</m:t>
+                      </m:r>
+                      <m:r>
+                        <a:rPr kumimoji="1" lang="en-US" altLang="ja-JP" b="0" i="1" smtClean="0">
+                          <a:latin typeface="Cambria Math" panose="02040503050406030204" pitchFamily="18" charset="0"/>
+                        </a:rPr>
+                        <m:t>/</m:t>
+                      </m:r>
+                      <m:r>
+                        <a:rPr kumimoji="1" lang="en-US" altLang="ja-JP" b="0" i="1" smtClean="0">
+                          <a:latin typeface="Cambria Math" panose="02040503050406030204" pitchFamily="18" charset="0"/>
+                        </a:rPr>
+                        <m:t>0</m:t>
+                      </m:r>
+                    </m:oMath>
+                  </m:oMathPara>
+                </a14:m>
+                <a:endParaRPr kumimoji="1" lang="ja-JP" altLang="en-US" dirty="0"/>
+              </a:p>
+            </p:txBody>
+          </p:sp>
+        </mc:Choice>
+        <mc:Fallback>
+          <p:sp>
+            <p:nvSpPr>
+              <p:cNvPr id="26" name="テキスト ボックス 25">
+                <a:extLst>
+                  <a:ext uri="{FF2B5EF4-FFF2-40B4-BE49-F238E27FC236}">
+                    <a16:creationId xmlns:a16="http://schemas.microsoft.com/office/drawing/2014/main" id="{A08BA197-877E-4F13-895E-72F2C2C30C18}"/>
+                  </a:ext>
+                </a:extLst>
+              </p:cNvPr>
+              <p:cNvSpPr txBox="1">
+                <a:spLocks noRot="1" noChangeAspect="1" noMove="1" noResize="1" noEditPoints="1" noAdjustHandles="1" noChangeArrowheads="1" noChangeShapeType="1" noTextEdit="1"/>
+              </p:cNvSpPr>
+              <p:nvPr/>
+            </p:nvSpPr>
+            <p:spPr>
+              <a:xfrm>
+                <a:off x="4628117" y="2316108"/>
+                <a:ext cx="597812" cy="369332"/>
+              </a:xfrm>
+              <a:prstGeom prst="rect">
+                <a:avLst/>
+              </a:prstGeom>
+              <a:blipFill>
+                <a:blip r:embed="rId6"/>
+                <a:stretch>
+                  <a:fillRect b="-11475"/>
+                </a:stretch>
+              </a:blipFill>
+            </p:spPr>
+            <p:txBody>
+              <a:bodyPr/>
+              <a:lstStyle/>
+              <a:p>
+                <a:r>
+                  <a:rPr lang="ja-JP" altLang="en-US">
+                    <a:noFill/>
+                  </a:rPr>
+                  <a:t> </a:t>
+                </a:r>
+              </a:p>
+            </p:txBody>
+          </p:sp>
+        </mc:Fallback>
+      </mc:AlternateContent>
+      <mc:AlternateContent xmlns:mc="http://schemas.openxmlformats.org/markup-compatibility/2006">
+        <mc:Choice xmlns:a14="http://schemas.microsoft.com/office/drawing/2010/main" Requires="a14">
+          <p:sp>
+            <p:nvSpPr>
+              <p:cNvPr id="27" name="テキスト ボックス 26">
+                <a:extLst>
+                  <a:ext uri="{FF2B5EF4-FFF2-40B4-BE49-F238E27FC236}">
+                    <a16:creationId xmlns:a16="http://schemas.microsoft.com/office/drawing/2014/main" id="{E907C026-015D-4F90-9991-84755E5859C6}"/>
+                  </a:ext>
+                </a:extLst>
+              </p:cNvPr>
+              <p:cNvSpPr txBox="1"/>
+              <p:nvPr/>
+            </p:nvSpPr>
+            <p:spPr>
+              <a:xfrm>
+                <a:off x="4628117" y="3998623"/>
+                <a:ext cx="597812" cy="369332"/>
+              </a:xfrm>
+              <a:prstGeom prst="rect">
+                <a:avLst/>
+              </a:prstGeom>
+              <a:noFill/>
+            </p:spPr>
+            <p:txBody>
+              <a:bodyPr wrap="square" rtlCol="0">
+                <a:spAutoFit/>
+              </a:bodyPr>
+              <a:lstStyle/>
+              <a:p>
+                <a:pPr/>
+                <a14:m>
+                  <m:oMathPara xmlns:m="http://schemas.openxmlformats.org/officeDocument/2006/math">
+                    <m:oMathParaPr>
+                      <m:jc m:val="centerGroup"/>
+                    </m:oMathParaPr>
+                    <m:oMath xmlns:m="http://schemas.openxmlformats.org/officeDocument/2006/math">
+                      <m:r>
+                        <a:rPr kumimoji="1" lang="en-US" altLang="ja-JP" b="0" i="1" smtClean="0">
+                          <a:latin typeface="Cambria Math" panose="02040503050406030204" pitchFamily="18" charset="0"/>
+                        </a:rPr>
+                        <m:t>1</m:t>
+                      </m:r>
+                      <m:r>
+                        <a:rPr kumimoji="1" lang="en-US" altLang="ja-JP" b="0" i="1" smtClean="0">
+                          <a:latin typeface="Cambria Math" panose="02040503050406030204" pitchFamily="18" charset="0"/>
+                        </a:rPr>
+                        <m:t>/1</m:t>
+                      </m:r>
+                    </m:oMath>
+                  </m:oMathPara>
+                </a14:m>
+                <a:endParaRPr kumimoji="1" lang="ja-JP" altLang="en-US" dirty="0"/>
+              </a:p>
+            </p:txBody>
+          </p:sp>
+        </mc:Choice>
+        <mc:Fallback>
+          <p:sp>
+            <p:nvSpPr>
+              <p:cNvPr id="27" name="テキスト ボックス 26">
+                <a:extLst>
+                  <a:ext uri="{FF2B5EF4-FFF2-40B4-BE49-F238E27FC236}">
+                    <a16:creationId xmlns:a16="http://schemas.microsoft.com/office/drawing/2014/main" id="{E907C026-015D-4F90-9991-84755E5859C6}"/>
+                  </a:ext>
+                </a:extLst>
+              </p:cNvPr>
+              <p:cNvSpPr txBox="1">
+                <a:spLocks noRot="1" noChangeAspect="1" noMove="1" noResize="1" noEditPoints="1" noAdjustHandles="1" noChangeArrowheads="1" noChangeShapeType="1" noTextEdit="1"/>
+              </p:cNvSpPr>
+              <p:nvPr/>
+            </p:nvSpPr>
+            <p:spPr>
+              <a:xfrm>
+                <a:off x="4628117" y="3998623"/>
+                <a:ext cx="597812" cy="369332"/>
+              </a:xfrm>
+              <a:prstGeom prst="rect">
+                <a:avLst/>
+              </a:prstGeom>
+              <a:blipFill>
+                <a:blip r:embed="rId7"/>
+                <a:stretch>
+                  <a:fillRect b="-11475"/>
+                </a:stretch>
+              </a:blipFill>
+            </p:spPr>
+            <p:txBody>
+              <a:bodyPr/>
+              <a:lstStyle/>
+              <a:p>
+                <a:r>
+                  <a:rPr lang="ja-JP" altLang="en-US">
+                    <a:noFill/>
+                  </a:rPr>
+                  <a:t> </a:t>
+                </a:r>
+              </a:p>
+            </p:txBody>
+          </p:sp>
+        </mc:Fallback>
+      </mc:AlternateContent>
+      <mc:AlternateContent xmlns:mc="http://schemas.openxmlformats.org/markup-compatibility/2006">
+        <mc:Choice xmlns:a14="http://schemas.microsoft.com/office/drawing/2010/main" Requires="a14">
+          <p:sp>
+            <p:nvSpPr>
+              <p:cNvPr id="28" name="テキスト ボックス 27">
+                <a:extLst>
+                  <a:ext uri="{FF2B5EF4-FFF2-40B4-BE49-F238E27FC236}">
+                    <a16:creationId xmlns:a16="http://schemas.microsoft.com/office/drawing/2014/main" id="{EDE670D1-7041-4245-880E-9D7237B78B63}"/>
+                  </a:ext>
+                </a:extLst>
+              </p:cNvPr>
+              <p:cNvSpPr txBox="1"/>
+              <p:nvPr/>
+            </p:nvSpPr>
+            <p:spPr>
+              <a:xfrm>
+                <a:off x="6304517" y="2316108"/>
+                <a:ext cx="597812" cy="369332"/>
+              </a:xfrm>
+              <a:prstGeom prst="rect">
+                <a:avLst/>
+              </a:prstGeom>
+              <a:noFill/>
+            </p:spPr>
+            <p:txBody>
+              <a:bodyPr wrap="square" rtlCol="0">
+                <a:spAutoFit/>
+              </a:bodyPr>
+              <a:lstStyle/>
+              <a:p>
+                <a:pPr/>
+                <a14:m>
+                  <m:oMathPara xmlns:m="http://schemas.openxmlformats.org/officeDocument/2006/math">
+                    <m:oMathParaPr>
+                      <m:jc m:val="centerGroup"/>
+                    </m:oMathParaPr>
+                    <m:oMath xmlns:m="http://schemas.openxmlformats.org/officeDocument/2006/math">
+                      <m:r>
+                        <a:rPr kumimoji="1" lang="en-US" altLang="ja-JP" b="0" i="1" smtClean="0">
+                          <a:latin typeface="Cambria Math" panose="02040503050406030204" pitchFamily="18" charset="0"/>
+                        </a:rPr>
+                        <m:t>0/0</m:t>
+                      </m:r>
+                    </m:oMath>
+                  </m:oMathPara>
+                </a14:m>
+                <a:endParaRPr kumimoji="1" lang="ja-JP" altLang="en-US" dirty="0"/>
+              </a:p>
+            </p:txBody>
+          </p:sp>
+        </mc:Choice>
+        <mc:Fallback>
+          <p:sp>
+            <p:nvSpPr>
+              <p:cNvPr id="28" name="テキスト ボックス 27">
+                <a:extLst>
+                  <a:ext uri="{FF2B5EF4-FFF2-40B4-BE49-F238E27FC236}">
+                    <a16:creationId xmlns:a16="http://schemas.microsoft.com/office/drawing/2014/main" id="{EDE670D1-7041-4245-880E-9D7237B78B63}"/>
+                  </a:ext>
+                </a:extLst>
+              </p:cNvPr>
+              <p:cNvSpPr txBox="1">
+                <a:spLocks noRot="1" noChangeAspect="1" noMove="1" noResize="1" noEditPoints="1" noAdjustHandles="1" noChangeArrowheads="1" noChangeShapeType="1" noTextEdit="1"/>
+              </p:cNvSpPr>
+              <p:nvPr/>
+            </p:nvSpPr>
+            <p:spPr>
+              <a:xfrm>
+                <a:off x="6304517" y="2316108"/>
+                <a:ext cx="597812" cy="369332"/>
+              </a:xfrm>
+              <a:prstGeom prst="rect">
+                <a:avLst/>
+              </a:prstGeom>
+              <a:blipFill>
+                <a:blip r:embed="rId8"/>
+                <a:stretch>
+                  <a:fillRect b="-11475"/>
+                </a:stretch>
+              </a:blipFill>
+            </p:spPr>
+            <p:txBody>
+              <a:bodyPr/>
+              <a:lstStyle/>
+              <a:p>
+                <a:r>
+                  <a:rPr lang="ja-JP" altLang="en-US">
+                    <a:noFill/>
+                  </a:rPr>
+                  <a:t> </a:t>
+                </a:r>
+              </a:p>
+            </p:txBody>
+          </p:sp>
+        </mc:Fallback>
+      </mc:AlternateContent>
+      <mc:AlternateContent xmlns:mc="http://schemas.openxmlformats.org/markup-compatibility/2006">
+        <mc:Choice xmlns:a14="http://schemas.microsoft.com/office/drawing/2010/main" Requires="a14">
+          <p:sp>
+            <p:nvSpPr>
+              <p:cNvPr id="29" name="テキスト ボックス 28">
+                <a:extLst>
+                  <a:ext uri="{FF2B5EF4-FFF2-40B4-BE49-F238E27FC236}">
+                    <a16:creationId xmlns:a16="http://schemas.microsoft.com/office/drawing/2014/main" id="{5DE8A4D3-BB60-4BE6-8148-B7AB63612579}"/>
+                  </a:ext>
+                </a:extLst>
+              </p:cNvPr>
+              <p:cNvSpPr txBox="1"/>
+              <p:nvPr/>
+            </p:nvSpPr>
+            <p:spPr>
+              <a:xfrm>
+                <a:off x="6304517" y="3998623"/>
+                <a:ext cx="597812" cy="369332"/>
+              </a:xfrm>
+              <a:prstGeom prst="rect">
+                <a:avLst/>
+              </a:prstGeom>
+              <a:noFill/>
+            </p:spPr>
+            <p:txBody>
+              <a:bodyPr wrap="square" rtlCol="0">
+                <a:spAutoFit/>
+              </a:bodyPr>
+              <a:lstStyle/>
+              <a:p>
+                <a:pPr/>
+                <a14:m>
+                  <m:oMathPara xmlns:m="http://schemas.openxmlformats.org/officeDocument/2006/math">
+                    <m:oMathParaPr>
+                      <m:jc m:val="centerGroup"/>
+                    </m:oMathParaPr>
+                    <m:oMath xmlns:m="http://schemas.openxmlformats.org/officeDocument/2006/math">
+                      <m:r>
+                        <a:rPr kumimoji="1" lang="en-US" altLang="ja-JP" b="0" i="1" smtClean="0">
+                          <a:latin typeface="Cambria Math" panose="02040503050406030204" pitchFamily="18" charset="0"/>
+                        </a:rPr>
+                        <m:t>0/0</m:t>
+                      </m:r>
+                    </m:oMath>
+                  </m:oMathPara>
+                </a14:m>
+                <a:endParaRPr kumimoji="1" lang="ja-JP" altLang="en-US" dirty="0"/>
+              </a:p>
+            </p:txBody>
+          </p:sp>
+        </mc:Choice>
+        <mc:Fallback>
+          <p:sp>
+            <p:nvSpPr>
+              <p:cNvPr id="29" name="テキスト ボックス 28">
+                <a:extLst>
+                  <a:ext uri="{FF2B5EF4-FFF2-40B4-BE49-F238E27FC236}">
+                    <a16:creationId xmlns:a16="http://schemas.microsoft.com/office/drawing/2014/main" id="{5DE8A4D3-BB60-4BE6-8148-B7AB63612579}"/>
+                  </a:ext>
+                </a:extLst>
+              </p:cNvPr>
+              <p:cNvSpPr txBox="1">
+                <a:spLocks noRot="1" noChangeAspect="1" noMove="1" noResize="1" noEditPoints="1" noAdjustHandles="1" noChangeArrowheads="1" noChangeShapeType="1" noTextEdit="1"/>
+              </p:cNvSpPr>
+              <p:nvPr/>
+            </p:nvSpPr>
+            <p:spPr>
+              <a:xfrm>
+                <a:off x="6304517" y="3998623"/>
+                <a:ext cx="597812" cy="369332"/>
+              </a:xfrm>
+              <a:prstGeom prst="rect">
+                <a:avLst/>
+              </a:prstGeom>
+              <a:blipFill>
+                <a:blip r:embed="rId8"/>
+                <a:stretch>
+                  <a:fillRect b="-11475"/>
+                </a:stretch>
+              </a:blipFill>
+            </p:spPr>
+            <p:txBody>
+              <a:bodyPr/>
+              <a:lstStyle/>
+              <a:p>
+                <a:r>
+                  <a:rPr lang="ja-JP" altLang="en-US">
+                    <a:noFill/>
+                  </a:rPr>
+                  <a:t> </a:t>
+                </a:r>
+              </a:p>
+            </p:txBody>
+          </p:sp>
+        </mc:Fallback>
+      </mc:AlternateContent>
+      <mc:AlternateContent xmlns:mc="http://schemas.openxmlformats.org/markup-compatibility/2006">
+        <mc:Choice xmlns:a14="http://schemas.microsoft.com/office/drawing/2010/main" Requires="a14">
+          <p:sp>
+            <p:nvSpPr>
+              <p:cNvPr id="30" name="テキスト ボックス 29">
+                <a:extLst>
+                  <a:ext uri="{FF2B5EF4-FFF2-40B4-BE49-F238E27FC236}">
+                    <a16:creationId xmlns:a16="http://schemas.microsoft.com/office/drawing/2014/main" id="{A5AAAED8-D8F5-4129-80EB-A5E210FFAB91}"/>
+                  </a:ext>
+                </a:extLst>
+              </p:cNvPr>
+              <p:cNvSpPr txBox="1"/>
+              <p:nvPr/>
+            </p:nvSpPr>
+            <p:spPr>
+              <a:xfrm>
+                <a:off x="8760098" y="3147352"/>
+                <a:ext cx="597812" cy="369332"/>
+              </a:xfrm>
+              <a:prstGeom prst="rect">
+                <a:avLst/>
+              </a:prstGeom>
+              <a:noFill/>
+            </p:spPr>
+            <p:txBody>
+              <a:bodyPr wrap="square" rtlCol="0">
+                <a:spAutoFit/>
+              </a:bodyPr>
+              <a:lstStyle/>
+              <a:p>
+                <a:pPr/>
+                <a14:m>
+                  <m:oMathPara xmlns:m="http://schemas.openxmlformats.org/officeDocument/2006/math">
+                    <m:oMathParaPr>
+                      <m:jc m:val="centerGroup"/>
+                    </m:oMathParaPr>
+                    <m:oMath xmlns:m="http://schemas.openxmlformats.org/officeDocument/2006/math">
+                      <m:r>
+                        <a:rPr kumimoji="1" lang="en-US" altLang="ja-JP" b="0" i="1" smtClean="0">
+                          <a:latin typeface="Cambria Math" panose="02040503050406030204" pitchFamily="18" charset="0"/>
+                        </a:rPr>
+                        <m:t>1</m:t>
+                      </m:r>
+                      <m:r>
+                        <a:rPr kumimoji="1" lang="en-US" altLang="ja-JP" b="0" i="1" smtClean="0">
+                          <a:latin typeface="Cambria Math" panose="02040503050406030204" pitchFamily="18" charset="0"/>
+                        </a:rPr>
+                        <m:t>/</m:t>
+                      </m:r>
+                      <m:r>
+                        <a:rPr kumimoji="1" lang="en-US" altLang="ja-JP" b="0" i="1" smtClean="0">
+                          <a:latin typeface="Cambria Math" panose="02040503050406030204" pitchFamily="18" charset="0"/>
+                        </a:rPr>
+                        <m:t>0</m:t>
+                      </m:r>
+                    </m:oMath>
+                  </m:oMathPara>
+                </a14:m>
+                <a:endParaRPr kumimoji="1" lang="ja-JP" altLang="en-US" dirty="0"/>
+              </a:p>
+            </p:txBody>
+          </p:sp>
+        </mc:Choice>
+        <mc:Fallback>
+          <p:sp>
+            <p:nvSpPr>
+              <p:cNvPr id="30" name="テキスト ボックス 29">
+                <a:extLst>
+                  <a:ext uri="{FF2B5EF4-FFF2-40B4-BE49-F238E27FC236}">
+                    <a16:creationId xmlns:a16="http://schemas.microsoft.com/office/drawing/2014/main" id="{A5AAAED8-D8F5-4129-80EB-A5E210FFAB91}"/>
+                  </a:ext>
+                </a:extLst>
+              </p:cNvPr>
+              <p:cNvSpPr txBox="1">
+                <a:spLocks noRot="1" noChangeAspect="1" noMove="1" noResize="1" noEditPoints="1" noAdjustHandles="1" noChangeArrowheads="1" noChangeShapeType="1" noTextEdit="1"/>
+              </p:cNvSpPr>
+              <p:nvPr/>
+            </p:nvSpPr>
+            <p:spPr>
+              <a:xfrm>
+                <a:off x="8760098" y="3147352"/>
+                <a:ext cx="597812" cy="369332"/>
+              </a:xfrm>
+              <a:prstGeom prst="rect">
+                <a:avLst/>
+              </a:prstGeom>
+              <a:blipFill>
+                <a:blip r:embed="rId9"/>
+                <a:stretch>
+                  <a:fillRect b="-13115"/>
+                </a:stretch>
+              </a:blipFill>
+            </p:spPr>
+            <p:txBody>
+              <a:bodyPr/>
+              <a:lstStyle/>
+              <a:p>
+                <a:r>
+                  <a:rPr lang="ja-JP" altLang="en-US">
+                    <a:noFill/>
+                  </a:rPr>
+                  <a:t> </a:t>
+                </a:r>
+              </a:p>
+            </p:txBody>
+          </p:sp>
+        </mc:Fallback>
+      </mc:AlternateContent>
+    </p:spTree>
+    <p:extLst>
+      <p:ext uri="{BB962C8B-B14F-4D97-AF65-F5344CB8AC3E}">
+        <p14:creationId xmlns:p14="http://schemas.microsoft.com/office/powerpoint/2010/main" val="292519008"/>
       </p:ext>
     </p:extLst>
   </p:cSld>

--- a/JR2/L3/picture_memo.pptx
+++ b/JR2/L3/picture_memo.pptx
@@ -8,6 +8,8 @@
     <p:sldId id="256" r:id="rId2"/>
     <p:sldId id="257" r:id="rId3"/>
     <p:sldId id="258" r:id="rId4"/>
+    <p:sldId id="259" r:id="rId5"/>
+    <p:sldId id="260" r:id="rId6"/>
   </p:sldIdLst>
   <p:sldSz cx="12192000" cy="6858000"/>
   <p:notesSz cx="6858000" cy="9144000"/>
@@ -273,7 +275,7 @@
           <a:p>
             <a:fld id="{8892EB94-A1E7-4205-B8A2-1715F998A3BF}" type="datetimeFigureOut">
               <a:rPr kumimoji="1" lang="ja-JP" altLang="en-US" smtClean="0"/>
-              <a:t>2019/7/7</a:t>
+              <a:t>2019/7/8</a:t>
             </a:fld>
             <a:endParaRPr kumimoji="1" lang="ja-JP" altLang="en-US"/>
           </a:p>
@@ -503,7 +505,7 @@
           <a:p>
             <a:fld id="{8892EB94-A1E7-4205-B8A2-1715F998A3BF}" type="datetimeFigureOut">
               <a:rPr kumimoji="1" lang="ja-JP" altLang="en-US" smtClean="0"/>
-              <a:t>2019/7/7</a:t>
+              <a:t>2019/7/8</a:t>
             </a:fld>
             <a:endParaRPr kumimoji="1" lang="ja-JP" altLang="en-US"/>
           </a:p>
@@ -743,7 +745,7 @@
           <a:p>
             <a:fld id="{8892EB94-A1E7-4205-B8A2-1715F998A3BF}" type="datetimeFigureOut">
               <a:rPr kumimoji="1" lang="ja-JP" altLang="en-US" smtClean="0"/>
-              <a:t>2019/7/7</a:t>
+              <a:t>2019/7/8</a:t>
             </a:fld>
             <a:endParaRPr kumimoji="1" lang="ja-JP" altLang="en-US"/>
           </a:p>
@@ -973,7 +975,7 @@
           <a:p>
             <a:fld id="{8892EB94-A1E7-4205-B8A2-1715F998A3BF}" type="datetimeFigureOut">
               <a:rPr kumimoji="1" lang="ja-JP" altLang="en-US" smtClean="0"/>
-              <a:t>2019/7/7</a:t>
+              <a:t>2019/7/8</a:t>
             </a:fld>
             <a:endParaRPr kumimoji="1" lang="ja-JP" altLang="en-US"/>
           </a:p>
@@ -1248,7 +1250,7 @@
           <a:p>
             <a:fld id="{8892EB94-A1E7-4205-B8A2-1715F998A3BF}" type="datetimeFigureOut">
               <a:rPr kumimoji="1" lang="ja-JP" altLang="en-US" smtClean="0"/>
-              <a:t>2019/7/7</a:t>
+              <a:t>2019/7/8</a:t>
             </a:fld>
             <a:endParaRPr kumimoji="1" lang="ja-JP" altLang="en-US"/>
           </a:p>
@@ -1577,7 +1579,7 @@
           <a:p>
             <a:fld id="{8892EB94-A1E7-4205-B8A2-1715F998A3BF}" type="datetimeFigureOut">
               <a:rPr kumimoji="1" lang="ja-JP" altLang="en-US" smtClean="0"/>
-              <a:t>2019/7/7</a:t>
+              <a:t>2019/7/8</a:t>
             </a:fld>
             <a:endParaRPr kumimoji="1" lang="ja-JP" altLang="en-US"/>
           </a:p>
@@ -2053,7 +2055,7 @@
           <a:p>
             <a:fld id="{8892EB94-A1E7-4205-B8A2-1715F998A3BF}" type="datetimeFigureOut">
               <a:rPr kumimoji="1" lang="ja-JP" altLang="en-US" smtClean="0"/>
-              <a:t>2019/7/7</a:t>
+              <a:t>2019/7/8</a:t>
             </a:fld>
             <a:endParaRPr kumimoji="1" lang="ja-JP" altLang="en-US"/>
           </a:p>
@@ -2194,7 +2196,7 @@
           <a:p>
             <a:fld id="{8892EB94-A1E7-4205-B8A2-1715F998A3BF}" type="datetimeFigureOut">
               <a:rPr kumimoji="1" lang="ja-JP" altLang="en-US" smtClean="0"/>
-              <a:t>2019/7/7</a:t>
+              <a:t>2019/7/8</a:t>
             </a:fld>
             <a:endParaRPr kumimoji="1" lang="ja-JP" altLang="en-US"/>
           </a:p>
@@ -2307,7 +2309,7 @@
           <a:p>
             <a:fld id="{8892EB94-A1E7-4205-B8A2-1715F998A3BF}" type="datetimeFigureOut">
               <a:rPr kumimoji="1" lang="ja-JP" altLang="en-US" smtClean="0"/>
-              <a:t>2019/7/7</a:t>
+              <a:t>2019/7/8</a:t>
             </a:fld>
             <a:endParaRPr kumimoji="1" lang="ja-JP" altLang="en-US"/>
           </a:p>
@@ -2650,7 +2652,7 @@
           <a:p>
             <a:fld id="{8892EB94-A1E7-4205-B8A2-1715F998A3BF}" type="datetimeFigureOut">
               <a:rPr kumimoji="1" lang="ja-JP" altLang="en-US" smtClean="0"/>
-              <a:t>2019/7/7</a:t>
+              <a:t>2019/7/8</a:t>
             </a:fld>
             <a:endParaRPr kumimoji="1" lang="ja-JP" altLang="en-US"/>
           </a:p>
@@ -2938,7 +2940,7 @@
           <a:p>
             <a:fld id="{8892EB94-A1E7-4205-B8A2-1715F998A3BF}" type="datetimeFigureOut">
               <a:rPr kumimoji="1" lang="ja-JP" altLang="en-US" smtClean="0"/>
-              <a:t>2019/7/7</a:t>
+              <a:t>2019/7/8</a:t>
             </a:fld>
             <a:endParaRPr kumimoji="1" lang="ja-JP" altLang="en-US"/>
           </a:p>
@@ -3211,7 +3213,7 @@
           <a:p>
             <a:fld id="{8892EB94-A1E7-4205-B8A2-1715F998A3BF}" type="datetimeFigureOut">
               <a:rPr kumimoji="1" lang="ja-JP" altLang="en-US" smtClean="0"/>
-              <a:t>2019/7/7</a:t>
+              <a:t>2019/7/8</a:t>
             </a:fld>
             <a:endParaRPr kumimoji="1" lang="ja-JP" altLang="en-US"/>
           </a:p>
@@ -13159,8 +13161,8 @@
           <a:chExt cx="0" cy="0"/>
         </a:xfrm>
       </p:grpSpPr>
-      <mc:AlternateContent xmlns:mc="http://schemas.openxmlformats.org/markup-compatibility/2006">
-        <mc:Choice xmlns:a14="http://schemas.microsoft.com/office/drawing/2010/main" Requires="a14">
+      <mc:AlternateContent xmlns:mc="http://schemas.openxmlformats.org/markup-compatibility/2006" xmlns:a14="http://schemas.microsoft.com/office/drawing/2010/main">
+        <mc:Choice Requires="a14">
           <p:sp>
             <p:nvSpPr>
               <p:cNvPr id="7" name="楕円 6">
@@ -13281,7 +13283,7 @@
             </p:txBody>
           </p:sp>
         </mc:Choice>
-        <mc:Fallback>
+        <mc:Fallback xmlns="">
           <p:sp>
             <p:nvSpPr>
               <p:cNvPr id="7" name="楕円 6">
@@ -13331,8 +13333,8 @@
           </p:sp>
         </mc:Fallback>
       </mc:AlternateContent>
-      <mc:AlternateContent xmlns:mc="http://schemas.openxmlformats.org/markup-compatibility/2006">
-        <mc:Choice xmlns:a14="http://schemas.microsoft.com/office/drawing/2010/main" Requires="a14">
+      <mc:AlternateContent xmlns:mc="http://schemas.openxmlformats.org/markup-compatibility/2006" xmlns:a14="http://schemas.microsoft.com/office/drawing/2010/main">
+        <mc:Choice Requires="a14">
           <p:sp>
             <p:nvSpPr>
               <p:cNvPr id="8" name="楕円 7">
@@ -13444,7 +13446,7 @@
             </p:txBody>
           </p:sp>
         </mc:Choice>
-        <mc:Fallback>
+        <mc:Fallback xmlns="">
           <p:sp>
             <p:nvSpPr>
               <p:cNvPr id="8" name="楕円 7">
@@ -13494,8 +13496,8 @@
           </p:sp>
         </mc:Fallback>
       </mc:AlternateContent>
-      <mc:AlternateContent xmlns:mc="http://schemas.openxmlformats.org/markup-compatibility/2006">
-        <mc:Choice xmlns:a14="http://schemas.microsoft.com/office/drawing/2010/main" Requires="a14">
+      <mc:AlternateContent xmlns:mc="http://schemas.openxmlformats.org/markup-compatibility/2006" xmlns:a14="http://schemas.microsoft.com/office/drawing/2010/main">
+        <mc:Choice Requires="a14">
           <p:sp>
             <p:nvSpPr>
               <p:cNvPr id="9" name="楕円 8">
@@ -13607,7 +13609,7 @@
             </p:txBody>
           </p:sp>
         </mc:Choice>
-        <mc:Fallback>
+        <mc:Fallback xmlns="">
           <p:sp>
             <p:nvSpPr>
               <p:cNvPr id="9" name="楕円 8">
@@ -13943,8 +13945,8 @@
           </a:fontRef>
         </p:style>
       </p:cxnSp>
-      <mc:AlternateContent xmlns:mc="http://schemas.openxmlformats.org/markup-compatibility/2006">
-        <mc:Choice xmlns:a14="http://schemas.microsoft.com/office/drawing/2010/main" Requires="a14">
+      <mc:AlternateContent xmlns:mc="http://schemas.openxmlformats.org/markup-compatibility/2006" xmlns:a14="http://schemas.microsoft.com/office/drawing/2010/main">
+        <mc:Choice Requires="a14">
           <p:sp>
             <p:nvSpPr>
               <p:cNvPr id="25" name="テキスト ボックス 24">
@@ -13994,7 +13996,7 @@
             </p:txBody>
           </p:sp>
         </mc:Choice>
-        <mc:Fallback>
+        <mc:Fallback xmlns="">
           <p:sp>
             <p:nvSpPr>
               <p:cNvPr id="25" name="テキスト ボックス 24">
@@ -14039,8 +14041,8 @@
           </p:sp>
         </mc:Fallback>
       </mc:AlternateContent>
-      <mc:AlternateContent xmlns:mc="http://schemas.openxmlformats.org/markup-compatibility/2006">
-        <mc:Choice xmlns:a14="http://schemas.microsoft.com/office/drawing/2010/main" Requires="a14">
+      <mc:AlternateContent xmlns:mc="http://schemas.openxmlformats.org/markup-compatibility/2006" xmlns:a14="http://schemas.microsoft.com/office/drawing/2010/main">
+        <mc:Choice Requires="a14">
           <p:sp>
             <p:nvSpPr>
               <p:cNvPr id="26" name="テキスト ボックス 25">
@@ -14080,19 +14082,7 @@
                         <a:rPr kumimoji="1" lang="en-US" altLang="ja-JP" b="0" i="1" smtClean="0">
                           <a:latin typeface="Cambria Math" panose="02040503050406030204" pitchFamily="18" charset="0"/>
                         </a:rPr>
-                        <m:t>1</m:t>
-                      </m:r>
-                      <m:r>
-                        <a:rPr kumimoji="1" lang="en-US" altLang="ja-JP" b="0" i="1" smtClean="0">
-                          <a:latin typeface="Cambria Math" panose="02040503050406030204" pitchFamily="18" charset="0"/>
-                        </a:rPr>
-                        <m:t>/</m:t>
-                      </m:r>
-                      <m:r>
-                        <a:rPr kumimoji="1" lang="en-US" altLang="ja-JP" b="0" i="1" smtClean="0">
-                          <a:latin typeface="Cambria Math" panose="02040503050406030204" pitchFamily="18" charset="0"/>
-                        </a:rPr>
-                        <m:t>0</m:t>
+                        <m:t>1/0</m:t>
                       </m:r>
                     </m:oMath>
                   </m:oMathPara>
@@ -14102,7 +14092,7 @@
             </p:txBody>
           </p:sp>
         </mc:Choice>
-        <mc:Fallback>
+        <mc:Fallback xmlns="">
           <p:sp>
             <p:nvSpPr>
               <p:cNvPr id="26" name="テキスト ボックス 25">
@@ -14147,8 +14137,8 @@
           </p:sp>
         </mc:Fallback>
       </mc:AlternateContent>
-      <mc:AlternateContent xmlns:mc="http://schemas.openxmlformats.org/markup-compatibility/2006">
-        <mc:Choice xmlns:a14="http://schemas.microsoft.com/office/drawing/2010/main" Requires="a14">
+      <mc:AlternateContent xmlns:mc="http://schemas.openxmlformats.org/markup-compatibility/2006" xmlns:a14="http://schemas.microsoft.com/office/drawing/2010/main">
+        <mc:Choice Requires="a14">
           <p:sp>
             <p:nvSpPr>
               <p:cNvPr id="27" name="テキスト ボックス 26">
@@ -14188,13 +14178,7 @@
                         <a:rPr kumimoji="1" lang="en-US" altLang="ja-JP" b="0" i="1" smtClean="0">
                           <a:latin typeface="Cambria Math" panose="02040503050406030204" pitchFamily="18" charset="0"/>
                         </a:rPr>
-                        <m:t>1</m:t>
-                      </m:r>
-                      <m:r>
-                        <a:rPr kumimoji="1" lang="en-US" altLang="ja-JP" b="0" i="1" smtClean="0">
-                          <a:latin typeface="Cambria Math" panose="02040503050406030204" pitchFamily="18" charset="0"/>
-                        </a:rPr>
-                        <m:t>/1</m:t>
+                        <m:t>1/1</m:t>
                       </m:r>
                     </m:oMath>
                   </m:oMathPara>
@@ -14204,7 +14188,7 @@
             </p:txBody>
           </p:sp>
         </mc:Choice>
-        <mc:Fallback>
+        <mc:Fallback xmlns="">
           <p:sp>
             <p:nvSpPr>
               <p:cNvPr id="27" name="テキスト ボックス 26">
@@ -14249,8 +14233,8 @@
           </p:sp>
         </mc:Fallback>
       </mc:AlternateContent>
-      <mc:AlternateContent xmlns:mc="http://schemas.openxmlformats.org/markup-compatibility/2006">
-        <mc:Choice xmlns:a14="http://schemas.microsoft.com/office/drawing/2010/main" Requires="a14">
+      <mc:AlternateContent xmlns:mc="http://schemas.openxmlformats.org/markup-compatibility/2006" xmlns:a14="http://schemas.microsoft.com/office/drawing/2010/main">
+        <mc:Choice Requires="a14">
           <p:sp>
             <p:nvSpPr>
               <p:cNvPr id="28" name="テキスト ボックス 27">
@@ -14300,7 +14284,7 @@
             </p:txBody>
           </p:sp>
         </mc:Choice>
-        <mc:Fallback>
+        <mc:Fallback xmlns="">
           <p:sp>
             <p:nvSpPr>
               <p:cNvPr id="28" name="テキスト ボックス 27">
@@ -14345,8 +14329,8 @@
           </p:sp>
         </mc:Fallback>
       </mc:AlternateContent>
-      <mc:AlternateContent xmlns:mc="http://schemas.openxmlformats.org/markup-compatibility/2006">
-        <mc:Choice xmlns:a14="http://schemas.microsoft.com/office/drawing/2010/main" Requires="a14">
+      <mc:AlternateContent xmlns:mc="http://schemas.openxmlformats.org/markup-compatibility/2006" xmlns:a14="http://schemas.microsoft.com/office/drawing/2010/main">
+        <mc:Choice Requires="a14">
           <p:sp>
             <p:nvSpPr>
               <p:cNvPr id="29" name="テキスト ボックス 28">
@@ -14396,7 +14380,7 @@
             </p:txBody>
           </p:sp>
         </mc:Choice>
-        <mc:Fallback>
+        <mc:Fallback xmlns="">
           <p:sp>
             <p:nvSpPr>
               <p:cNvPr id="29" name="テキスト ボックス 28">
@@ -14441,8 +14425,8 @@
           </p:sp>
         </mc:Fallback>
       </mc:AlternateContent>
-      <mc:AlternateContent xmlns:mc="http://schemas.openxmlformats.org/markup-compatibility/2006">
-        <mc:Choice xmlns:a14="http://schemas.microsoft.com/office/drawing/2010/main" Requires="a14">
+      <mc:AlternateContent xmlns:mc="http://schemas.openxmlformats.org/markup-compatibility/2006" xmlns:a14="http://schemas.microsoft.com/office/drawing/2010/main">
+        <mc:Choice Requires="a14">
           <p:sp>
             <p:nvSpPr>
               <p:cNvPr id="30" name="テキスト ボックス 29">
@@ -14482,19 +14466,7 @@
                         <a:rPr kumimoji="1" lang="en-US" altLang="ja-JP" b="0" i="1" smtClean="0">
                           <a:latin typeface="Cambria Math" panose="02040503050406030204" pitchFamily="18" charset="0"/>
                         </a:rPr>
-                        <m:t>1</m:t>
-                      </m:r>
-                      <m:r>
-                        <a:rPr kumimoji="1" lang="en-US" altLang="ja-JP" b="0" i="1" smtClean="0">
-                          <a:latin typeface="Cambria Math" panose="02040503050406030204" pitchFamily="18" charset="0"/>
-                        </a:rPr>
-                        <m:t>/</m:t>
-                      </m:r>
-                      <m:r>
-                        <a:rPr kumimoji="1" lang="en-US" altLang="ja-JP" b="0" i="1" smtClean="0">
-                          <a:latin typeface="Cambria Math" panose="02040503050406030204" pitchFamily="18" charset="0"/>
-                        </a:rPr>
-                        <m:t>0</m:t>
+                        <m:t>1/0</m:t>
                       </m:r>
                     </m:oMath>
                   </m:oMathPara>
@@ -14504,7 +14476,7 @@
             </p:txBody>
           </p:sp>
         </mc:Choice>
-        <mc:Fallback>
+        <mc:Fallback xmlns="">
           <p:sp>
             <p:nvSpPr>
               <p:cNvPr id="30" name="テキスト ボックス 29">
@@ -14553,6 +14525,4772 @@
     <p:extLst>
       <p:ext uri="{BB962C8B-B14F-4D97-AF65-F5344CB8AC3E}">
         <p14:creationId xmlns:p14="http://schemas.microsoft.com/office/powerpoint/2010/main" val="292519008"/>
+      </p:ext>
+    </p:extLst>
+  </p:cSld>
+  <p:clrMapOvr>
+    <a:masterClrMapping/>
+  </p:clrMapOvr>
+</p:sld>
+</file>
+
+<file path=ppt/slides/slide4.xml><?xml version="1.0" encoding="utf-8"?>
+<p:sld xmlns:a="http://schemas.openxmlformats.org/drawingml/2006/main" xmlns:r="http://schemas.openxmlformats.org/officeDocument/2006/relationships" xmlns:p="http://schemas.openxmlformats.org/presentationml/2006/main">
+  <p:cSld>
+    <p:spTree>
+      <p:nvGrpSpPr>
+        <p:cNvPr id="1" name=""/>
+        <p:cNvGrpSpPr/>
+        <p:nvPr/>
+      </p:nvGrpSpPr>
+      <p:grpSpPr>
+        <a:xfrm>
+          <a:off x="0" y="0"/>
+          <a:ext cx="0" cy="0"/>
+          <a:chOff x="0" y="0"/>
+          <a:chExt cx="0" cy="0"/>
+        </a:xfrm>
+      </p:grpSpPr>
+      <mc:AlternateContent xmlns:mc="http://schemas.openxmlformats.org/markup-compatibility/2006" xmlns:a14="http://schemas.microsoft.com/office/drawing/2010/main">
+        <mc:Choice Requires="a14">
+          <p:sp>
+            <p:nvSpPr>
+              <p:cNvPr id="34" name="楕円 33">
+                <a:extLst>
+                  <a:ext uri="{FF2B5EF4-FFF2-40B4-BE49-F238E27FC236}">
+                    <a16:creationId xmlns:a16="http://schemas.microsoft.com/office/drawing/2014/main" id="{86EF2A2B-1930-4CC3-BC37-9F91972C7E44}"/>
+                  </a:ext>
+                </a:extLst>
+              </p:cNvPr>
+              <p:cNvSpPr/>
+              <p:nvPr/>
+            </p:nvSpPr>
+            <p:spPr>
+              <a:xfrm>
+                <a:off x="1631950" y="2514600"/>
+                <a:ext cx="914400" cy="914400"/>
+              </a:xfrm>
+              <a:prstGeom prst="ellipse">
+                <a:avLst/>
+              </a:prstGeom>
+              <a:noFill/>
+              <a:ln w="28575">
+                <a:solidFill>
+                  <a:schemeClr val="tx1"/>
+                </a:solidFill>
+              </a:ln>
+            </p:spPr>
+            <p:style>
+              <a:lnRef idx="2">
+                <a:schemeClr val="accent1">
+                  <a:shade val="50000"/>
+                </a:schemeClr>
+              </a:lnRef>
+              <a:fillRef idx="1">
+                <a:schemeClr val="accent1"/>
+              </a:fillRef>
+              <a:effectRef idx="0">
+                <a:schemeClr val="accent1"/>
+              </a:effectRef>
+              <a:fontRef idx="minor">
+                <a:schemeClr val="lt1"/>
+              </a:fontRef>
+            </p:style>
+            <p:txBody>
+              <a:bodyPr rtlCol="0" anchor="ctr"/>
+              <a:lstStyle/>
+              <a:p>
+                <a:pPr algn="dist"/>
+                <a14:m>
+                  <m:oMathPara xmlns:m="http://schemas.openxmlformats.org/officeDocument/2006/math">
+                    <m:oMathParaPr>
+                      <m:jc m:val="centerGroup"/>
+                    </m:oMathParaPr>
+                    <m:oMath xmlns:m="http://schemas.openxmlformats.org/officeDocument/2006/math">
+                      <m:sSub>
+                        <m:sSubPr>
+                          <m:ctrlPr>
+                            <a:rPr kumimoji="1" lang="en-US" altLang="ja-JP" sz="2400" b="0" i="1" smtClean="0">
+                              <a:ln>
+                                <a:solidFill>
+                                  <a:schemeClr val="tx1"/>
+                                </a:solidFill>
+                              </a:ln>
+                              <a:solidFill>
+                                <a:schemeClr val="tx1"/>
+                              </a:solidFill>
+                              <a:latin typeface="Cambria Math" panose="02040503050406030204" pitchFamily="18" charset="0"/>
+                            </a:rPr>
+                          </m:ctrlPr>
+                        </m:sSubPr>
+                        <m:e>
+                          <m:r>
+                            <a:rPr kumimoji="1" lang="en-US" altLang="ja-JP" sz="2400" b="0" i="1" smtClean="0">
+                              <a:ln>
+                                <a:solidFill>
+                                  <a:schemeClr val="tx1"/>
+                                </a:solidFill>
+                              </a:ln>
+                              <a:solidFill>
+                                <a:schemeClr val="tx1"/>
+                              </a:solidFill>
+                              <a:latin typeface="Cambria Math" panose="02040503050406030204" pitchFamily="18" charset="0"/>
+                            </a:rPr>
+                            <m:t>𝑆</m:t>
+                          </m:r>
+                        </m:e>
+                        <m:sub>
+                          <m:r>
+                            <a:rPr kumimoji="1" lang="en-US" altLang="ja-JP" sz="2400" b="0" i="1" smtClean="0">
+                              <a:ln>
+                                <a:solidFill>
+                                  <a:schemeClr val="tx1"/>
+                                </a:solidFill>
+                              </a:ln>
+                              <a:solidFill>
+                                <a:schemeClr val="tx1"/>
+                              </a:solidFill>
+                              <a:latin typeface="Cambria Math" panose="02040503050406030204" pitchFamily="18" charset="0"/>
+                            </a:rPr>
+                            <m:t>0</m:t>
+                          </m:r>
+                        </m:sub>
+                      </m:sSub>
+                    </m:oMath>
+                  </m:oMathPara>
+                </a14:m>
+                <a:endParaRPr kumimoji="1" lang="en-US" altLang="ja-JP" b="0" dirty="0">
+                  <a:ln>
+                    <a:solidFill>
+                      <a:schemeClr val="tx1"/>
+                    </a:solidFill>
+                  </a:ln>
+                  <a:solidFill>
+                    <a:schemeClr val="tx1"/>
+                  </a:solidFill>
+                </a:endParaRPr>
+              </a:p>
+            </p:txBody>
+          </p:sp>
+        </mc:Choice>
+        <mc:Fallback xmlns="">
+          <p:sp>
+            <p:nvSpPr>
+              <p:cNvPr id="34" name="楕円 33">
+                <a:extLst>
+                  <a:ext uri="{FF2B5EF4-FFF2-40B4-BE49-F238E27FC236}">
+                    <a16:creationId xmlns:a16="http://schemas.microsoft.com/office/drawing/2014/main" id="{86EF2A2B-1930-4CC3-BC37-9F91972C7E44}"/>
+                  </a:ext>
+                </a:extLst>
+              </p:cNvPr>
+              <p:cNvSpPr>
+                <a:spLocks noRot="1" noChangeAspect="1" noMove="1" noResize="1" noEditPoints="1" noAdjustHandles="1" noChangeArrowheads="1" noChangeShapeType="1" noTextEdit="1"/>
+              </p:cNvSpPr>
+              <p:nvPr/>
+            </p:nvSpPr>
+            <p:spPr>
+              <a:xfrm>
+                <a:off x="1631950" y="2514600"/>
+                <a:ext cx="914400" cy="914400"/>
+              </a:xfrm>
+              <a:prstGeom prst="ellipse">
+                <a:avLst/>
+              </a:prstGeom>
+              <a:blipFill>
+                <a:blip r:embed="rId2"/>
+                <a:stretch>
+                  <a:fillRect/>
+                </a:stretch>
+              </a:blipFill>
+              <a:ln w="28575">
+                <a:solidFill>
+                  <a:schemeClr val="tx1"/>
+                </a:solidFill>
+              </a:ln>
+            </p:spPr>
+            <p:txBody>
+              <a:bodyPr/>
+              <a:lstStyle/>
+              <a:p>
+                <a:r>
+                  <a:rPr lang="ja-JP" altLang="en-US">
+                    <a:noFill/>
+                  </a:rPr>
+                  <a:t> </a:t>
+                </a:r>
+              </a:p>
+            </p:txBody>
+          </p:sp>
+        </mc:Fallback>
+      </mc:AlternateContent>
+      <mc:AlternateContent xmlns:mc="http://schemas.openxmlformats.org/markup-compatibility/2006" xmlns:a14="http://schemas.microsoft.com/office/drawing/2010/main">
+        <mc:Choice Requires="a14">
+          <p:sp>
+            <p:nvSpPr>
+              <p:cNvPr id="35" name="楕円 34">
+                <a:extLst>
+                  <a:ext uri="{FF2B5EF4-FFF2-40B4-BE49-F238E27FC236}">
+                    <a16:creationId xmlns:a16="http://schemas.microsoft.com/office/drawing/2014/main" id="{C6E421E6-D595-4914-AF3D-EF987BF752AA}"/>
+                  </a:ext>
+                </a:extLst>
+              </p:cNvPr>
+              <p:cNvSpPr/>
+              <p:nvPr/>
+            </p:nvSpPr>
+            <p:spPr>
+              <a:xfrm>
+                <a:off x="3308350" y="2514600"/>
+                <a:ext cx="914400" cy="914400"/>
+              </a:xfrm>
+              <a:prstGeom prst="ellipse">
+                <a:avLst/>
+              </a:prstGeom>
+              <a:noFill/>
+              <a:ln w="28575">
+                <a:solidFill>
+                  <a:schemeClr val="tx1"/>
+                </a:solidFill>
+              </a:ln>
+            </p:spPr>
+            <p:style>
+              <a:lnRef idx="2">
+                <a:schemeClr val="accent1">
+                  <a:shade val="50000"/>
+                </a:schemeClr>
+              </a:lnRef>
+              <a:fillRef idx="1">
+                <a:schemeClr val="accent1"/>
+              </a:fillRef>
+              <a:effectRef idx="0">
+                <a:schemeClr val="accent1"/>
+              </a:effectRef>
+              <a:fontRef idx="minor">
+                <a:schemeClr val="lt1"/>
+              </a:fontRef>
+            </p:style>
+            <p:txBody>
+              <a:bodyPr rtlCol="0" anchor="ctr"/>
+              <a:lstStyle/>
+              <a:p>
+                <a:pPr algn="dist"/>
+                <a14:m>
+                  <m:oMathPara xmlns:m="http://schemas.openxmlformats.org/officeDocument/2006/math">
+                    <m:oMathParaPr>
+                      <m:jc m:val="center"/>
+                    </m:oMathParaPr>
+                    <m:oMath xmlns:m="http://schemas.openxmlformats.org/officeDocument/2006/math">
+                      <m:sSub>
+                        <m:sSubPr>
+                          <m:ctrlPr>
+                            <a:rPr lang="en-US" altLang="ja-JP" sz="2400" i="1" smtClean="0">
+                              <a:ln>
+                                <a:solidFill>
+                                  <a:schemeClr val="tx1"/>
+                                </a:solidFill>
+                              </a:ln>
+                              <a:solidFill>
+                                <a:schemeClr val="tx1"/>
+                              </a:solidFill>
+                              <a:latin typeface="Cambria Math" panose="02040503050406030204" pitchFamily="18" charset="0"/>
+                            </a:rPr>
+                          </m:ctrlPr>
+                        </m:sSubPr>
+                        <m:e>
+                          <m:r>
+                            <a:rPr lang="en-US" altLang="ja-JP" sz="2400" i="1">
+                              <a:ln>
+                                <a:solidFill>
+                                  <a:schemeClr val="tx1"/>
+                                </a:solidFill>
+                              </a:ln>
+                              <a:solidFill>
+                                <a:schemeClr val="tx1"/>
+                              </a:solidFill>
+                              <a:latin typeface="Cambria Math" panose="02040503050406030204" pitchFamily="18" charset="0"/>
+                            </a:rPr>
+                            <m:t>𝑆</m:t>
+                          </m:r>
+                        </m:e>
+                        <m:sub>
+                          <m:r>
+                            <a:rPr lang="en-US" altLang="ja-JP" sz="2400" b="0" i="1" smtClean="0">
+                              <a:ln>
+                                <a:solidFill>
+                                  <a:schemeClr val="tx1"/>
+                                </a:solidFill>
+                              </a:ln>
+                              <a:solidFill>
+                                <a:schemeClr val="tx1"/>
+                              </a:solidFill>
+                              <a:latin typeface="Cambria Math" panose="02040503050406030204" pitchFamily="18" charset="0"/>
+                            </a:rPr>
+                            <m:t>1</m:t>
+                          </m:r>
+                        </m:sub>
+                      </m:sSub>
+                    </m:oMath>
+                  </m:oMathPara>
+                </a14:m>
+                <a:endParaRPr kumimoji="1" lang="ja-JP" altLang="en-US" dirty="0"/>
+              </a:p>
+            </p:txBody>
+          </p:sp>
+        </mc:Choice>
+        <mc:Fallback xmlns="">
+          <p:sp>
+            <p:nvSpPr>
+              <p:cNvPr id="35" name="楕円 34">
+                <a:extLst>
+                  <a:ext uri="{FF2B5EF4-FFF2-40B4-BE49-F238E27FC236}">
+                    <a16:creationId xmlns:a16="http://schemas.microsoft.com/office/drawing/2014/main" id="{C6E421E6-D595-4914-AF3D-EF987BF752AA}"/>
+                  </a:ext>
+                </a:extLst>
+              </p:cNvPr>
+              <p:cNvSpPr>
+                <a:spLocks noRot="1" noChangeAspect="1" noMove="1" noResize="1" noEditPoints="1" noAdjustHandles="1" noChangeArrowheads="1" noChangeShapeType="1" noTextEdit="1"/>
+              </p:cNvSpPr>
+              <p:nvPr/>
+            </p:nvSpPr>
+            <p:spPr>
+              <a:xfrm>
+                <a:off x="3308350" y="2514600"/>
+                <a:ext cx="914400" cy="914400"/>
+              </a:xfrm>
+              <a:prstGeom prst="ellipse">
+                <a:avLst/>
+              </a:prstGeom>
+              <a:blipFill>
+                <a:blip r:embed="rId3"/>
+                <a:stretch>
+                  <a:fillRect/>
+                </a:stretch>
+              </a:blipFill>
+              <a:ln w="28575">
+                <a:solidFill>
+                  <a:schemeClr val="tx1"/>
+                </a:solidFill>
+              </a:ln>
+            </p:spPr>
+            <p:txBody>
+              <a:bodyPr/>
+              <a:lstStyle/>
+              <a:p>
+                <a:r>
+                  <a:rPr lang="ja-JP" altLang="en-US">
+                    <a:noFill/>
+                  </a:rPr>
+                  <a:t> </a:t>
+                </a:r>
+              </a:p>
+            </p:txBody>
+          </p:sp>
+        </mc:Fallback>
+      </mc:AlternateContent>
+      <p:cxnSp>
+        <p:nvCxnSpPr>
+          <p:cNvPr id="40" name="コネクタ: 曲線 39">
+            <a:extLst>
+              <a:ext uri="{FF2B5EF4-FFF2-40B4-BE49-F238E27FC236}">
+                <a16:creationId xmlns:a16="http://schemas.microsoft.com/office/drawing/2014/main" id="{1476D685-BE68-466B-9C2D-D90CCC25BA90}"/>
+              </a:ext>
+            </a:extLst>
+          </p:cNvPr>
+          <p:cNvCxnSpPr>
+            <a:stCxn id="34" idx="7"/>
+            <a:endCxn id="35" idx="1"/>
+          </p:cNvCxnSpPr>
+          <p:nvPr/>
+        </p:nvCxnSpPr>
+        <p:spPr>
+          <a:xfrm rot="5400000" flipH="1" flipV="1">
+            <a:off x="2927350" y="2133600"/>
+            <a:ext cx="12700" cy="1029822"/>
+          </a:xfrm>
+          <a:prstGeom prst="curvedConnector3">
+            <a:avLst>
+              <a:gd name="adj1" fmla="val 2029417"/>
+            </a:avLst>
+          </a:prstGeom>
+          <a:ln w="19050">
+            <a:solidFill>
+              <a:schemeClr val="tx1"/>
+            </a:solidFill>
+            <a:tailEnd type="triangle"/>
+          </a:ln>
+        </p:spPr>
+        <p:style>
+          <a:lnRef idx="1">
+            <a:schemeClr val="dk1"/>
+          </a:lnRef>
+          <a:fillRef idx="0">
+            <a:schemeClr val="dk1"/>
+          </a:fillRef>
+          <a:effectRef idx="0">
+            <a:schemeClr val="dk1"/>
+          </a:effectRef>
+          <a:fontRef idx="minor">
+            <a:schemeClr val="tx1"/>
+          </a:fontRef>
+        </p:style>
+      </p:cxnSp>
+      <p:cxnSp>
+        <p:nvCxnSpPr>
+          <p:cNvPr id="42" name="コネクタ: 曲線 41">
+            <a:extLst>
+              <a:ext uri="{FF2B5EF4-FFF2-40B4-BE49-F238E27FC236}">
+                <a16:creationId xmlns:a16="http://schemas.microsoft.com/office/drawing/2014/main" id="{1D280657-E259-4C29-A075-7F18A87D0F8C}"/>
+              </a:ext>
+            </a:extLst>
+          </p:cNvPr>
+          <p:cNvCxnSpPr>
+            <a:cxnSpLocks/>
+            <a:stCxn id="34" idx="1"/>
+            <a:endCxn id="34" idx="3"/>
+          </p:cNvCxnSpPr>
+          <p:nvPr/>
+        </p:nvCxnSpPr>
+        <p:spPr>
+          <a:xfrm rot="16200000" flipH="1">
+            <a:off x="1442572" y="2971800"/>
+            <a:ext cx="646578" cy="12700"/>
+          </a:xfrm>
+          <a:prstGeom prst="curvedConnector5">
+            <a:avLst>
+              <a:gd name="adj1" fmla="val -22097"/>
+              <a:gd name="adj2" fmla="val -4895583"/>
+              <a:gd name="adj3" fmla="val 132409"/>
+            </a:avLst>
+          </a:prstGeom>
+          <a:ln w="19050">
+            <a:solidFill>
+              <a:schemeClr val="tx1"/>
+            </a:solidFill>
+            <a:tailEnd type="triangle"/>
+          </a:ln>
+        </p:spPr>
+        <p:style>
+          <a:lnRef idx="1">
+            <a:schemeClr val="accent1"/>
+          </a:lnRef>
+          <a:fillRef idx="0">
+            <a:schemeClr val="accent1"/>
+          </a:fillRef>
+          <a:effectRef idx="0">
+            <a:schemeClr val="accent1"/>
+          </a:effectRef>
+          <a:fontRef idx="minor">
+            <a:schemeClr val="tx1"/>
+          </a:fontRef>
+        </p:style>
+      </p:cxnSp>
+      <mc:AlternateContent xmlns:mc="http://schemas.openxmlformats.org/markup-compatibility/2006" xmlns:a14="http://schemas.microsoft.com/office/drawing/2010/main">
+        <mc:Choice Requires="a14">
+          <p:sp>
+            <p:nvSpPr>
+              <p:cNvPr id="50" name="テキスト ボックス 49">
+                <a:extLst>
+                  <a:ext uri="{FF2B5EF4-FFF2-40B4-BE49-F238E27FC236}">
+                    <a16:creationId xmlns:a16="http://schemas.microsoft.com/office/drawing/2014/main" id="{0313458A-BE24-46E7-A990-73CE8A208E0C}"/>
+                  </a:ext>
+                </a:extLst>
+              </p:cNvPr>
+              <p:cNvSpPr txBox="1"/>
+              <p:nvPr/>
+            </p:nvSpPr>
+            <p:spPr>
+              <a:xfrm>
+                <a:off x="323273" y="2782669"/>
+                <a:ext cx="789660" cy="646331"/>
+              </a:xfrm>
+              <a:prstGeom prst="rect">
+                <a:avLst/>
+              </a:prstGeom>
+              <a:noFill/>
+            </p:spPr>
+            <p:txBody>
+              <a:bodyPr wrap="square" rtlCol="0">
+                <a:spAutoFit/>
+              </a:bodyPr>
+              <a:lstStyle/>
+              <a:p>
+                <a:pPr/>
+                <a14:m>
+                  <m:oMathPara xmlns:m="http://schemas.openxmlformats.org/officeDocument/2006/math">
+                    <m:oMathParaPr>
+                      <m:jc m:val="centerGroup"/>
+                    </m:oMathParaPr>
+                    <m:oMath xmlns:m="http://schemas.openxmlformats.org/officeDocument/2006/math">
+                      <m:sSub>
+                        <m:sSubPr>
+                          <m:ctrlPr>
+                            <a:rPr kumimoji="1" lang="en-US" altLang="ja-JP" b="0" i="1" smtClean="0">
+                              <a:latin typeface="Cambria Math" panose="02040503050406030204" pitchFamily="18" charset="0"/>
+                            </a:rPr>
+                          </m:ctrlPr>
+                        </m:sSubPr>
+                        <m:e>
+                          <m:r>
+                            <a:rPr kumimoji="1" lang="en-US" altLang="ja-JP" b="0" i="1" smtClean="0">
+                              <a:latin typeface="Cambria Math" panose="02040503050406030204" pitchFamily="18" charset="0"/>
+                            </a:rPr>
+                            <m:t>𝐼</m:t>
+                          </m:r>
+                        </m:e>
+                        <m:sub>
+                          <m:r>
+                            <a:rPr kumimoji="1" lang="en-US" altLang="ja-JP" b="0" i="1" smtClean="0">
+                              <a:latin typeface="Cambria Math" panose="02040503050406030204" pitchFamily="18" charset="0"/>
+                            </a:rPr>
+                            <m:t>0</m:t>
+                          </m:r>
+                        </m:sub>
+                      </m:sSub>
+                      <m:sSub>
+                        <m:sSubPr>
+                          <m:ctrlPr>
+                            <a:rPr kumimoji="1" lang="en-US" altLang="ja-JP" b="0" i="1" smtClean="0">
+                              <a:latin typeface="Cambria Math" panose="02040503050406030204" pitchFamily="18" charset="0"/>
+                            </a:rPr>
+                          </m:ctrlPr>
+                        </m:sSubPr>
+                        <m:e>
+                          <m:r>
+                            <a:rPr kumimoji="1" lang="en-US" altLang="ja-JP" b="0" i="1" smtClean="0">
+                              <a:latin typeface="Cambria Math" panose="02040503050406030204" pitchFamily="18" charset="0"/>
+                            </a:rPr>
+                            <m:t>𝐼</m:t>
+                          </m:r>
+                        </m:e>
+                        <m:sub>
+                          <m:r>
+                            <a:rPr kumimoji="1" lang="en-US" altLang="ja-JP" b="0" i="1" smtClean="0">
+                              <a:latin typeface="Cambria Math" panose="02040503050406030204" pitchFamily="18" charset="0"/>
+                            </a:rPr>
+                            <m:t>0</m:t>
+                          </m:r>
+                        </m:sub>
+                      </m:sSub>
+                      <m:r>
+                        <a:rPr kumimoji="1" lang="en-US" altLang="ja-JP" b="0" i="1" smtClean="0">
+                          <a:latin typeface="Cambria Math" panose="02040503050406030204" pitchFamily="18" charset="0"/>
+                        </a:rPr>
+                        <m:t>/1</m:t>
+                      </m:r>
+                    </m:oMath>
+                  </m:oMathPara>
+                </a14:m>
+                <a:endParaRPr kumimoji="1" lang="en-US" altLang="ja-JP" dirty="0"/>
+              </a:p>
+              <a:p>
+                <a:pPr algn="ctr"/>
+                <a14:m>
+                  <m:oMathPara xmlns:m="http://schemas.openxmlformats.org/officeDocument/2006/math">
+                    <m:oMathParaPr>
+                      <m:jc m:val="centerGroup"/>
+                    </m:oMathParaPr>
+                    <m:oMath xmlns:m="http://schemas.openxmlformats.org/officeDocument/2006/math">
+                      <m:sSub>
+                        <m:sSubPr>
+                          <m:ctrlPr>
+                            <a:rPr lang="en-US" altLang="ja-JP" b="0" i="1" smtClean="0">
+                              <a:latin typeface="Cambria Math" panose="02040503050406030204" pitchFamily="18" charset="0"/>
+                            </a:rPr>
+                          </m:ctrlPr>
+                        </m:sSubPr>
+                        <m:e>
+                          <m:r>
+                            <a:rPr lang="en-US" altLang="ja-JP" b="0" i="1" smtClean="0">
+                              <a:latin typeface="Cambria Math" panose="02040503050406030204" pitchFamily="18" charset="0"/>
+                            </a:rPr>
+                            <m:t>𝐼</m:t>
+                          </m:r>
+                        </m:e>
+                        <m:sub>
+                          <m:r>
+                            <a:rPr lang="en-US" altLang="ja-JP" b="0" i="1" smtClean="0">
+                              <a:latin typeface="Cambria Math" panose="02040503050406030204" pitchFamily="18" charset="0"/>
+                            </a:rPr>
+                            <m:t>1</m:t>
+                          </m:r>
+                        </m:sub>
+                      </m:sSub>
+                      <m:sSub>
+                        <m:sSubPr>
+                          <m:ctrlPr>
+                            <a:rPr lang="en-US" altLang="ja-JP" b="0" i="1" smtClean="0">
+                              <a:latin typeface="Cambria Math" panose="02040503050406030204" pitchFamily="18" charset="0"/>
+                            </a:rPr>
+                          </m:ctrlPr>
+                        </m:sSubPr>
+                        <m:e>
+                          <m:r>
+                            <a:rPr lang="en-US" altLang="ja-JP" b="0" i="1" smtClean="0">
+                              <a:latin typeface="Cambria Math" panose="02040503050406030204" pitchFamily="18" charset="0"/>
+                            </a:rPr>
+                            <m:t>𝐼</m:t>
+                          </m:r>
+                        </m:e>
+                        <m:sub>
+                          <m:r>
+                            <a:rPr lang="en-US" altLang="ja-JP" b="0" i="1" smtClean="0">
+                              <a:latin typeface="Cambria Math" panose="02040503050406030204" pitchFamily="18" charset="0"/>
+                            </a:rPr>
+                            <m:t>1</m:t>
+                          </m:r>
+                        </m:sub>
+                      </m:sSub>
+                      <m:r>
+                        <a:rPr lang="en-US" altLang="ja-JP" i="1">
+                          <a:latin typeface="Cambria Math" panose="02040503050406030204" pitchFamily="18" charset="0"/>
+                        </a:rPr>
+                        <m:t>/</m:t>
+                      </m:r>
+                      <m:r>
+                        <a:rPr lang="en-US" altLang="ja-JP" b="0" i="1" smtClean="0">
+                          <a:latin typeface="Cambria Math" panose="02040503050406030204" pitchFamily="18" charset="0"/>
+                        </a:rPr>
+                        <m:t>1</m:t>
+                      </m:r>
+                    </m:oMath>
+                  </m:oMathPara>
+                </a14:m>
+                <a:endParaRPr lang="en-US" altLang="ja-JP" dirty="0"/>
+              </a:p>
+            </p:txBody>
+          </p:sp>
+        </mc:Choice>
+        <mc:Fallback xmlns="">
+          <p:sp>
+            <p:nvSpPr>
+              <p:cNvPr id="50" name="テキスト ボックス 49">
+                <a:extLst>
+                  <a:ext uri="{FF2B5EF4-FFF2-40B4-BE49-F238E27FC236}">
+                    <a16:creationId xmlns:a16="http://schemas.microsoft.com/office/drawing/2014/main" id="{0313458A-BE24-46E7-A990-73CE8A208E0C}"/>
+                  </a:ext>
+                </a:extLst>
+              </p:cNvPr>
+              <p:cNvSpPr txBox="1">
+                <a:spLocks noRot="1" noChangeAspect="1" noMove="1" noResize="1" noEditPoints="1" noAdjustHandles="1" noChangeArrowheads="1" noChangeShapeType="1" noTextEdit="1"/>
+              </p:cNvSpPr>
+              <p:nvPr/>
+            </p:nvSpPr>
+            <p:spPr>
+              <a:xfrm>
+                <a:off x="323273" y="2782669"/>
+                <a:ext cx="789660" cy="646331"/>
+              </a:xfrm>
+              <a:prstGeom prst="rect">
+                <a:avLst/>
+              </a:prstGeom>
+              <a:blipFill>
+                <a:blip r:embed="rId4"/>
+                <a:stretch>
+                  <a:fillRect b="-6542"/>
+                </a:stretch>
+              </a:blipFill>
+            </p:spPr>
+            <p:txBody>
+              <a:bodyPr/>
+              <a:lstStyle/>
+              <a:p>
+                <a:r>
+                  <a:rPr lang="ja-JP" altLang="en-US">
+                    <a:noFill/>
+                  </a:rPr>
+                  <a:t> </a:t>
+                </a:r>
+              </a:p>
+            </p:txBody>
+          </p:sp>
+        </mc:Fallback>
+      </mc:AlternateContent>
+      <mc:AlternateContent xmlns:mc="http://schemas.openxmlformats.org/markup-compatibility/2006" xmlns:a14="http://schemas.microsoft.com/office/drawing/2010/main">
+        <mc:Choice Requires="a14">
+          <p:sp>
+            <p:nvSpPr>
+              <p:cNvPr id="51" name="テキスト ボックス 50">
+                <a:extLst>
+                  <a:ext uri="{FF2B5EF4-FFF2-40B4-BE49-F238E27FC236}">
+                    <a16:creationId xmlns:a16="http://schemas.microsoft.com/office/drawing/2014/main" id="{005D62DE-7CFE-45D4-8976-92C6D73A57C2}"/>
+                  </a:ext>
+                </a:extLst>
+              </p:cNvPr>
+              <p:cNvSpPr txBox="1"/>
+              <p:nvPr/>
+            </p:nvSpPr>
+            <p:spPr>
+              <a:xfrm>
+                <a:off x="2521511" y="1787171"/>
+                <a:ext cx="786839" cy="646331"/>
+              </a:xfrm>
+              <a:prstGeom prst="rect">
+                <a:avLst/>
+              </a:prstGeom>
+              <a:noFill/>
+            </p:spPr>
+            <p:txBody>
+              <a:bodyPr wrap="square" rtlCol="0">
+                <a:spAutoFit/>
+              </a:bodyPr>
+              <a:lstStyle/>
+              <a:p>
+                <a:pPr/>
+                <a14:m>
+                  <m:oMathPara xmlns:m="http://schemas.openxmlformats.org/officeDocument/2006/math">
+                    <m:oMathParaPr>
+                      <m:jc m:val="centerGroup"/>
+                    </m:oMathParaPr>
+                    <m:oMath xmlns:m="http://schemas.openxmlformats.org/officeDocument/2006/math">
+                      <m:sSub>
+                        <m:sSubPr>
+                          <m:ctrlPr>
+                            <a:rPr lang="en-US" altLang="ja-JP" b="0" i="1" smtClean="0">
+                              <a:latin typeface="Cambria Math" panose="02040503050406030204" pitchFamily="18" charset="0"/>
+                            </a:rPr>
+                          </m:ctrlPr>
+                        </m:sSubPr>
+                        <m:e>
+                          <m:r>
+                            <a:rPr lang="en-US" altLang="ja-JP" b="0" i="1" smtClean="0">
+                              <a:latin typeface="Cambria Math" panose="02040503050406030204" pitchFamily="18" charset="0"/>
+                            </a:rPr>
+                            <m:t>𝐼</m:t>
+                          </m:r>
+                        </m:e>
+                        <m:sub>
+                          <m:r>
+                            <a:rPr lang="en-US" altLang="ja-JP" b="0" i="1" smtClean="0">
+                              <a:latin typeface="Cambria Math" panose="02040503050406030204" pitchFamily="18" charset="0"/>
+                            </a:rPr>
+                            <m:t>0</m:t>
+                          </m:r>
+                        </m:sub>
+                      </m:sSub>
+                      <m:sSub>
+                        <m:sSubPr>
+                          <m:ctrlPr>
+                            <a:rPr lang="en-US" altLang="ja-JP" b="0" i="1" smtClean="0">
+                              <a:latin typeface="Cambria Math" panose="02040503050406030204" pitchFamily="18" charset="0"/>
+                            </a:rPr>
+                          </m:ctrlPr>
+                        </m:sSubPr>
+                        <m:e>
+                          <m:r>
+                            <a:rPr lang="en-US" altLang="ja-JP" b="0" i="1" smtClean="0">
+                              <a:latin typeface="Cambria Math" panose="02040503050406030204" pitchFamily="18" charset="0"/>
+                            </a:rPr>
+                            <m:t>𝐼</m:t>
+                          </m:r>
+                        </m:e>
+                        <m:sub>
+                          <m:r>
+                            <a:rPr lang="en-US" altLang="ja-JP" b="0" i="1" smtClean="0">
+                              <a:latin typeface="Cambria Math" panose="02040503050406030204" pitchFamily="18" charset="0"/>
+                            </a:rPr>
+                            <m:t>1</m:t>
+                          </m:r>
+                        </m:sub>
+                      </m:sSub>
+                      <m:r>
+                        <a:rPr kumimoji="1" lang="en-US" altLang="ja-JP" b="0" i="1" smtClean="0">
+                          <a:latin typeface="Cambria Math" panose="02040503050406030204" pitchFamily="18" charset="0"/>
+                        </a:rPr>
+                        <m:t>/0</m:t>
+                      </m:r>
+                    </m:oMath>
+                  </m:oMathPara>
+                </a14:m>
+                <a:endParaRPr kumimoji="1" lang="en-US" altLang="ja-JP" dirty="0"/>
+              </a:p>
+              <a:p>
+                <a:pPr/>
+                <a14:m>
+                  <m:oMathPara xmlns:m="http://schemas.openxmlformats.org/officeDocument/2006/math">
+                    <m:oMathParaPr>
+                      <m:jc m:val="centerGroup"/>
+                    </m:oMathParaPr>
+                    <m:oMath xmlns:m="http://schemas.openxmlformats.org/officeDocument/2006/math">
+                      <m:sSub>
+                        <m:sSubPr>
+                          <m:ctrlPr>
+                            <a:rPr lang="en-US" altLang="ja-JP" b="0" i="1" smtClean="0">
+                              <a:latin typeface="Cambria Math" panose="02040503050406030204" pitchFamily="18" charset="0"/>
+                            </a:rPr>
+                          </m:ctrlPr>
+                        </m:sSubPr>
+                        <m:e>
+                          <m:r>
+                            <a:rPr lang="en-US" altLang="ja-JP" b="0" i="1" smtClean="0">
+                              <a:latin typeface="Cambria Math" panose="02040503050406030204" pitchFamily="18" charset="0"/>
+                            </a:rPr>
+                            <m:t>𝐼</m:t>
+                          </m:r>
+                        </m:e>
+                        <m:sub>
+                          <m:r>
+                            <a:rPr lang="en-US" altLang="ja-JP" b="0" i="1" smtClean="0">
+                              <a:latin typeface="Cambria Math" panose="02040503050406030204" pitchFamily="18" charset="0"/>
+                            </a:rPr>
+                            <m:t>1</m:t>
+                          </m:r>
+                        </m:sub>
+                      </m:sSub>
+                      <m:sSub>
+                        <m:sSubPr>
+                          <m:ctrlPr>
+                            <a:rPr lang="en-US" altLang="ja-JP" b="0" i="1" smtClean="0">
+                              <a:latin typeface="Cambria Math" panose="02040503050406030204" pitchFamily="18" charset="0"/>
+                            </a:rPr>
+                          </m:ctrlPr>
+                        </m:sSubPr>
+                        <m:e>
+                          <m:r>
+                            <a:rPr lang="en-US" altLang="ja-JP" b="0" i="1" smtClean="0">
+                              <a:latin typeface="Cambria Math" panose="02040503050406030204" pitchFamily="18" charset="0"/>
+                            </a:rPr>
+                            <m:t>𝐼</m:t>
+                          </m:r>
+                        </m:e>
+                        <m:sub>
+                          <m:r>
+                            <a:rPr lang="en-US" altLang="ja-JP" b="0" i="1" smtClean="0">
+                              <a:latin typeface="Cambria Math" panose="02040503050406030204" pitchFamily="18" charset="0"/>
+                            </a:rPr>
+                            <m:t>0</m:t>
+                          </m:r>
+                        </m:sub>
+                      </m:sSub>
+                      <m:r>
+                        <a:rPr lang="en-US" altLang="ja-JP" i="1">
+                          <a:latin typeface="Cambria Math" panose="02040503050406030204" pitchFamily="18" charset="0"/>
+                        </a:rPr>
+                        <m:t>/0</m:t>
+                      </m:r>
+                    </m:oMath>
+                  </m:oMathPara>
+                </a14:m>
+                <a:endParaRPr lang="en-US" altLang="ja-JP" dirty="0"/>
+              </a:p>
+            </p:txBody>
+          </p:sp>
+        </mc:Choice>
+        <mc:Fallback xmlns="">
+          <p:sp>
+            <p:nvSpPr>
+              <p:cNvPr id="51" name="テキスト ボックス 50">
+                <a:extLst>
+                  <a:ext uri="{FF2B5EF4-FFF2-40B4-BE49-F238E27FC236}">
+                    <a16:creationId xmlns:a16="http://schemas.microsoft.com/office/drawing/2014/main" id="{005D62DE-7CFE-45D4-8976-92C6D73A57C2}"/>
+                  </a:ext>
+                </a:extLst>
+              </p:cNvPr>
+              <p:cNvSpPr txBox="1">
+                <a:spLocks noRot="1" noChangeAspect="1" noMove="1" noResize="1" noEditPoints="1" noAdjustHandles="1" noChangeArrowheads="1" noChangeShapeType="1" noTextEdit="1"/>
+              </p:cNvSpPr>
+              <p:nvPr/>
+            </p:nvSpPr>
+            <p:spPr>
+              <a:xfrm>
+                <a:off x="2521511" y="1787171"/>
+                <a:ext cx="786839" cy="646331"/>
+              </a:xfrm>
+              <a:prstGeom prst="rect">
+                <a:avLst/>
+              </a:prstGeom>
+              <a:blipFill>
+                <a:blip r:embed="rId5"/>
+                <a:stretch>
+                  <a:fillRect b="-7547"/>
+                </a:stretch>
+              </a:blipFill>
+            </p:spPr>
+            <p:txBody>
+              <a:bodyPr/>
+              <a:lstStyle/>
+              <a:p>
+                <a:r>
+                  <a:rPr lang="ja-JP" altLang="en-US">
+                    <a:noFill/>
+                  </a:rPr>
+                  <a:t> </a:t>
+                </a:r>
+              </a:p>
+            </p:txBody>
+          </p:sp>
+        </mc:Fallback>
+      </mc:AlternateContent>
+      <p:cxnSp>
+        <p:nvCxnSpPr>
+          <p:cNvPr id="95" name="コネクタ: 曲線 94">
+            <a:extLst>
+              <a:ext uri="{FF2B5EF4-FFF2-40B4-BE49-F238E27FC236}">
+                <a16:creationId xmlns:a16="http://schemas.microsoft.com/office/drawing/2014/main" id="{F1801E3B-BB93-481D-A2E8-D2C3340A8B2C}"/>
+              </a:ext>
+            </a:extLst>
+          </p:cNvPr>
+          <p:cNvCxnSpPr>
+            <a:stCxn id="35" idx="7"/>
+            <a:endCxn id="35" idx="5"/>
+          </p:cNvCxnSpPr>
+          <p:nvPr/>
+        </p:nvCxnSpPr>
+        <p:spPr>
+          <a:xfrm rot="16200000" flipH="1">
+            <a:off x="3765550" y="2971800"/>
+            <a:ext cx="646578" cy="12700"/>
+          </a:xfrm>
+          <a:prstGeom prst="curvedConnector5">
+            <a:avLst>
+              <a:gd name="adj1" fmla="val -35355"/>
+              <a:gd name="adj2" fmla="val 5400134"/>
+              <a:gd name="adj3" fmla="val 135355"/>
+            </a:avLst>
+          </a:prstGeom>
+          <a:ln w="19050">
+            <a:solidFill>
+              <a:schemeClr val="tx1"/>
+            </a:solidFill>
+            <a:tailEnd type="triangle"/>
+          </a:ln>
+        </p:spPr>
+        <p:style>
+          <a:lnRef idx="1">
+            <a:schemeClr val="accent1"/>
+          </a:lnRef>
+          <a:fillRef idx="0">
+            <a:schemeClr val="accent1"/>
+          </a:fillRef>
+          <a:effectRef idx="0">
+            <a:schemeClr val="accent1"/>
+          </a:effectRef>
+          <a:fontRef idx="minor">
+            <a:schemeClr val="tx1"/>
+          </a:fontRef>
+        </p:style>
+      </p:cxnSp>
+      <mc:AlternateContent xmlns:mc="http://schemas.openxmlformats.org/markup-compatibility/2006" xmlns:a14="http://schemas.microsoft.com/office/drawing/2010/main">
+        <mc:Choice Requires="a14">
+          <p:sp>
+            <p:nvSpPr>
+              <p:cNvPr id="98" name="テキスト ボックス 97">
+                <a:extLst>
+                  <a:ext uri="{FF2B5EF4-FFF2-40B4-BE49-F238E27FC236}">
+                    <a16:creationId xmlns:a16="http://schemas.microsoft.com/office/drawing/2014/main" id="{07DA1466-0609-44C6-BB25-878D57A347F8}"/>
+                  </a:ext>
+                </a:extLst>
+              </p:cNvPr>
+              <p:cNvSpPr txBox="1"/>
+              <p:nvPr/>
+            </p:nvSpPr>
+            <p:spPr>
+              <a:xfrm>
+                <a:off x="4729067" y="2371635"/>
+                <a:ext cx="786839" cy="1200329"/>
+              </a:xfrm>
+              <a:prstGeom prst="rect">
+                <a:avLst/>
+              </a:prstGeom>
+              <a:noFill/>
+            </p:spPr>
+            <p:txBody>
+              <a:bodyPr wrap="square" rtlCol="0">
+                <a:spAutoFit/>
+              </a:bodyPr>
+              <a:lstStyle/>
+              <a:p>
+                <a:pPr/>
+                <a14:m>
+                  <m:oMathPara xmlns:m="http://schemas.openxmlformats.org/officeDocument/2006/math">
+                    <m:oMathParaPr>
+                      <m:jc m:val="centerGroup"/>
+                    </m:oMathParaPr>
+                    <m:oMath xmlns:m="http://schemas.openxmlformats.org/officeDocument/2006/math">
+                      <m:sSub>
+                        <m:sSubPr>
+                          <m:ctrlPr>
+                            <a:rPr kumimoji="1" lang="en-US" altLang="ja-JP" b="0" i="1" smtClean="0">
+                              <a:latin typeface="Cambria Math" panose="02040503050406030204" pitchFamily="18" charset="0"/>
+                            </a:rPr>
+                          </m:ctrlPr>
+                        </m:sSubPr>
+                        <m:e>
+                          <m:r>
+                            <a:rPr kumimoji="1" lang="en-US" altLang="ja-JP" b="0" i="1" smtClean="0">
+                              <a:latin typeface="Cambria Math" panose="02040503050406030204" pitchFamily="18" charset="0"/>
+                            </a:rPr>
+                            <m:t>𝐼</m:t>
+                          </m:r>
+                        </m:e>
+                        <m:sub>
+                          <m:r>
+                            <a:rPr kumimoji="1" lang="en-US" altLang="ja-JP" b="0" i="1" smtClean="0">
+                              <a:latin typeface="Cambria Math" panose="02040503050406030204" pitchFamily="18" charset="0"/>
+                            </a:rPr>
+                            <m:t>0</m:t>
+                          </m:r>
+                        </m:sub>
+                      </m:sSub>
+                      <m:sSub>
+                        <m:sSubPr>
+                          <m:ctrlPr>
+                            <a:rPr kumimoji="1" lang="en-US" altLang="ja-JP" b="0" i="1" smtClean="0">
+                              <a:latin typeface="Cambria Math" panose="02040503050406030204" pitchFamily="18" charset="0"/>
+                            </a:rPr>
+                          </m:ctrlPr>
+                        </m:sSubPr>
+                        <m:e>
+                          <m:r>
+                            <a:rPr kumimoji="1" lang="en-US" altLang="ja-JP" b="0" i="1" smtClean="0">
+                              <a:latin typeface="Cambria Math" panose="02040503050406030204" pitchFamily="18" charset="0"/>
+                            </a:rPr>
+                            <m:t>𝐼</m:t>
+                          </m:r>
+                        </m:e>
+                        <m:sub>
+                          <m:r>
+                            <a:rPr kumimoji="1" lang="en-US" altLang="ja-JP" b="0" i="1" smtClean="0">
+                              <a:latin typeface="Cambria Math" panose="02040503050406030204" pitchFamily="18" charset="0"/>
+                            </a:rPr>
+                            <m:t>0</m:t>
+                          </m:r>
+                        </m:sub>
+                      </m:sSub>
+                      <m:r>
+                        <a:rPr kumimoji="1" lang="en-US" altLang="ja-JP" b="0" i="1" smtClean="0">
+                          <a:latin typeface="Cambria Math" panose="02040503050406030204" pitchFamily="18" charset="0"/>
+                        </a:rPr>
+                        <m:t>/0</m:t>
+                      </m:r>
+                    </m:oMath>
+                  </m:oMathPara>
+                </a14:m>
+                <a:endParaRPr kumimoji="1" lang="en-US" altLang="ja-JP" dirty="0"/>
+              </a:p>
+              <a:p>
+                <a:pPr algn="ctr"/>
+                <a14:m>
+                  <m:oMathPara xmlns:m="http://schemas.openxmlformats.org/officeDocument/2006/math">
+                    <m:oMathParaPr>
+                      <m:jc m:val="centerGroup"/>
+                    </m:oMathParaPr>
+                    <m:oMath xmlns:m="http://schemas.openxmlformats.org/officeDocument/2006/math">
+                      <m:sSub>
+                        <m:sSubPr>
+                          <m:ctrlPr>
+                            <a:rPr lang="en-US" altLang="ja-JP" b="0" i="1" smtClean="0">
+                              <a:latin typeface="Cambria Math" panose="02040503050406030204" pitchFamily="18" charset="0"/>
+                            </a:rPr>
+                          </m:ctrlPr>
+                        </m:sSubPr>
+                        <m:e>
+                          <m:r>
+                            <a:rPr lang="en-US" altLang="ja-JP" b="0" i="1" smtClean="0">
+                              <a:latin typeface="Cambria Math" panose="02040503050406030204" pitchFamily="18" charset="0"/>
+                            </a:rPr>
+                            <m:t>𝐼</m:t>
+                          </m:r>
+                        </m:e>
+                        <m:sub>
+                          <m:r>
+                            <a:rPr lang="en-US" altLang="ja-JP" b="0" i="1" smtClean="0">
+                              <a:latin typeface="Cambria Math" panose="02040503050406030204" pitchFamily="18" charset="0"/>
+                            </a:rPr>
+                            <m:t>0</m:t>
+                          </m:r>
+                        </m:sub>
+                      </m:sSub>
+                      <m:sSub>
+                        <m:sSubPr>
+                          <m:ctrlPr>
+                            <a:rPr lang="en-US" altLang="ja-JP" b="0" i="1" smtClean="0">
+                              <a:latin typeface="Cambria Math" panose="02040503050406030204" pitchFamily="18" charset="0"/>
+                            </a:rPr>
+                          </m:ctrlPr>
+                        </m:sSubPr>
+                        <m:e>
+                          <m:r>
+                            <a:rPr lang="en-US" altLang="ja-JP" b="0" i="1" smtClean="0">
+                              <a:latin typeface="Cambria Math" panose="02040503050406030204" pitchFamily="18" charset="0"/>
+                            </a:rPr>
+                            <m:t>𝐼</m:t>
+                          </m:r>
+                        </m:e>
+                        <m:sub>
+                          <m:r>
+                            <a:rPr lang="en-US" altLang="ja-JP" i="1">
+                              <a:latin typeface="Cambria Math" panose="02040503050406030204" pitchFamily="18" charset="0"/>
+                            </a:rPr>
+                            <m:t>1</m:t>
+                          </m:r>
+                        </m:sub>
+                      </m:sSub>
+                      <m:r>
+                        <a:rPr lang="en-US" altLang="ja-JP" i="1">
+                          <a:latin typeface="Cambria Math" panose="02040503050406030204" pitchFamily="18" charset="0"/>
+                        </a:rPr>
+                        <m:t>/</m:t>
+                      </m:r>
+                      <m:r>
+                        <a:rPr lang="en-US" altLang="ja-JP" b="0" i="1" smtClean="0">
+                          <a:latin typeface="Cambria Math" panose="02040503050406030204" pitchFamily="18" charset="0"/>
+                        </a:rPr>
+                        <m:t>0</m:t>
+                      </m:r>
+                    </m:oMath>
+                  </m:oMathPara>
+                </a14:m>
+                <a:endParaRPr lang="en-US" altLang="ja-JP" dirty="0"/>
+              </a:p>
+              <a:p>
+                <a:pPr algn="ctr"/>
+                <a14:m>
+                  <m:oMathPara xmlns:m="http://schemas.openxmlformats.org/officeDocument/2006/math">
+                    <m:oMathParaPr>
+                      <m:jc m:val="centerGroup"/>
+                    </m:oMathParaPr>
+                    <m:oMath xmlns:m="http://schemas.openxmlformats.org/officeDocument/2006/math">
+                      <m:sSub>
+                        <m:sSubPr>
+                          <m:ctrlPr>
+                            <a:rPr lang="en-US" altLang="ja-JP" b="0" i="1" smtClean="0">
+                              <a:latin typeface="Cambria Math" panose="02040503050406030204" pitchFamily="18" charset="0"/>
+                            </a:rPr>
+                          </m:ctrlPr>
+                        </m:sSubPr>
+                        <m:e>
+                          <m:r>
+                            <a:rPr lang="en-US" altLang="ja-JP" b="0" i="1" smtClean="0">
+                              <a:latin typeface="Cambria Math" panose="02040503050406030204" pitchFamily="18" charset="0"/>
+                            </a:rPr>
+                            <m:t>𝐼</m:t>
+                          </m:r>
+                        </m:e>
+                        <m:sub>
+                          <m:r>
+                            <a:rPr lang="en-US" altLang="ja-JP" b="0" i="1" smtClean="0">
+                              <a:latin typeface="Cambria Math" panose="02040503050406030204" pitchFamily="18" charset="0"/>
+                            </a:rPr>
+                            <m:t>1</m:t>
+                          </m:r>
+                        </m:sub>
+                      </m:sSub>
+                      <m:sSub>
+                        <m:sSubPr>
+                          <m:ctrlPr>
+                            <a:rPr lang="en-US" altLang="ja-JP" b="0" i="1" smtClean="0">
+                              <a:latin typeface="Cambria Math" panose="02040503050406030204" pitchFamily="18" charset="0"/>
+                            </a:rPr>
+                          </m:ctrlPr>
+                        </m:sSubPr>
+                        <m:e>
+                          <m:r>
+                            <a:rPr lang="en-US" altLang="ja-JP" b="0" i="1" smtClean="0">
+                              <a:latin typeface="Cambria Math" panose="02040503050406030204" pitchFamily="18" charset="0"/>
+                            </a:rPr>
+                            <m:t>𝐼</m:t>
+                          </m:r>
+                        </m:e>
+                        <m:sub>
+                          <m:r>
+                            <a:rPr lang="en-US" altLang="ja-JP" i="1">
+                              <a:latin typeface="Cambria Math" panose="02040503050406030204" pitchFamily="18" charset="0"/>
+                            </a:rPr>
+                            <m:t>1</m:t>
+                          </m:r>
+                        </m:sub>
+                      </m:sSub>
+                      <m:r>
+                        <a:rPr lang="en-US" altLang="ja-JP" i="1">
+                          <a:latin typeface="Cambria Math" panose="02040503050406030204" pitchFamily="18" charset="0"/>
+                        </a:rPr>
+                        <m:t>/</m:t>
+                      </m:r>
+                      <m:r>
+                        <a:rPr lang="en-US" altLang="ja-JP" b="0" i="1" smtClean="0">
+                          <a:latin typeface="Cambria Math" panose="02040503050406030204" pitchFamily="18" charset="0"/>
+                        </a:rPr>
+                        <m:t>0</m:t>
+                      </m:r>
+                    </m:oMath>
+                  </m:oMathPara>
+                </a14:m>
+                <a:endParaRPr lang="en-US" altLang="ja-JP" dirty="0"/>
+              </a:p>
+              <a:p>
+                <a:pPr algn="ctr"/>
+                <a14:m>
+                  <m:oMathPara xmlns:m="http://schemas.openxmlformats.org/officeDocument/2006/math">
+                    <m:oMathParaPr>
+                      <m:jc m:val="centerGroup"/>
+                    </m:oMathParaPr>
+                    <m:oMath xmlns:m="http://schemas.openxmlformats.org/officeDocument/2006/math">
+                      <m:sSub>
+                        <m:sSubPr>
+                          <m:ctrlPr>
+                            <a:rPr lang="en-US" altLang="ja-JP" b="0" i="1" smtClean="0">
+                              <a:latin typeface="Cambria Math" panose="02040503050406030204" pitchFamily="18" charset="0"/>
+                            </a:rPr>
+                          </m:ctrlPr>
+                        </m:sSubPr>
+                        <m:e>
+                          <m:r>
+                            <a:rPr lang="en-US" altLang="ja-JP" b="0" i="1" smtClean="0">
+                              <a:latin typeface="Cambria Math" panose="02040503050406030204" pitchFamily="18" charset="0"/>
+                            </a:rPr>
+                            <m:t>𝐼</m:t>
+                          </m:r>
+                        </m:e>
+                        <m:sub>
+                          <m:r>
+                            <a:rPr lang="en-US" altLang="ja-JP" i="1">
+                              <a:latin typeface="Cambria Math" panose="02040503050406030204" pitchFamily="18" charset="0"/>
+                            </a:rPr>
+                            <m:t>1</m:t>
+                          </m:r>
+                        </m:sub>
+                      </m:sSub>
+                      <m:sSub>
+                        <m:sSubPr>
+                          <m:ctrlPr>
+                            <a:rPr lang="en-US" altLang="ja-JP" b="0" i="1" smtClean="0">
+                              <a:latin typeface="Cambria Math" panose="02040503050406030204" pitchFamily="18" charset="0"/>
+                            </a:rPr>
+                          </m:ctrlPr>
+                        </m:sSubPr>
+                        <m:e>
+                          <m:r>
+                            <a:rPr lang="en-US" altLang="ja-JP" b="0" i="1" smtClean="0">
+                              <a:latin typeface="Cambria Math" panose="02040503050406030204" pitchFamily="18" charset="0"/>
+                            </a:rPr>
+                            <m:t>𝐼</m:t>
+                          </m:r>
+                        </m:e>
+                        <m:sub>
+                          <m:r>
+                            <a:rPr lang="en-US" altLang="ja-JP" b="0" i="1" smtClean="0">
+                              <a:latin typeface="Cambria Math" panose="02040503050406030204" pitchFamily="18" charset="0"/>
+                            </a:rPr>
+                            <m:t>0</m:t>
+                          </m:r>
+                        </m:sub>
+                      </m:sSub>
+                      <m:r>
+                        <a:rPr lang="en-US" altLang="ja-JP" i="1">
+                          <a:latin typeface="Cambria Math" panose="02040503050406030204" pitchFamily="18" charset="0"/>
+                        </a:rPr>
+                        <m:t>/</m:t>
+                      </m:r>
+                      <m:r>
+                        <a:rPr lang="en-US" altLang="ja-JP" b="0" i="1" smtClean="0">
+                          <a:latin typeface="Cambria Math" panose="02040503050406030204" pitchFamily="18" charset="0"/>
+                        </a:rPr>
+                        <m:t>0</m:t>
+                      </m:r>
+                    </m:oMath>
+                  </m:oMathPara>
+                </a14:m>
+                <a:endParaRPr lang="en-US" altLang="ja-JP" dirty="0"/>
+              </a:p>
+            </p:txBody>
+          </p:sp>
+        </mc:Choice>
+        <mc:Fallback xmlns="">
+          <p:sp>
+            <p:nvSpPr>
+              <p:cNvPr id="98" name="テキスト ボックス 97">
+                <a:extLst>
+                  <a:ext uri="{FF2B5EF4-FFF2-40B4-BE49-F238E27FC236}">
+                    <a16:creationId xmlns:a16="http://schemas.microsoft.com/office/drawing/2014/main" id="{07DA1466-0609-44C6-BB25-878D57A347F8}"/>
+                  </a:ext>
+                </a:extLst>
+              </p:cNvPr>
+              <p:cNvSpPr txBox="1">
+                <a:spLocks noRot="1" noChangeAspect="1" noMove="1" noResize="1" noEditPoints="1" noAdjustHandles="1" noChangeArrowheads="1" noChangeShapeType="1" noTextEdit="1"/>
+              </p:cNvSpPr>
+              <p:nvPr/>
+            </p:nvSpPr>
+            <p:spPr>
+              <a:xfrm>
+                <a:off x="4729067" y="2371635"/>
+                <a:ext cx="786839" cy="1200329"/>
+              </a:xfrm>
+              <a:prstGeom prst="rect">
+                <a:avLst/>
+              </a:prstGeom>
+              <a:blipFill>
+                <a:blip r:embed="rId6"/>
+                <a:stretch>
+                  <a:fillRect b="-3553"/>
+                </a:stretch>
+              </a:blipFill>
+            </p:spPr>
+            <p:txBody>
+              <a:bodyPr/>
+              <a:lstStyle/>
+              <a:p>
+                <a:r>
+                  <a:rPr lang="ja-JP" altLang="en-US">
+                    <a:noFill/>
+                  </a:rPr>
+                  <a:t> </a:t>
+                </a:r>
+              </a:p>
+            </p:txBody>
+          </p:sp>
+        </mc:Fallback>
+      </mc:AlternateContent>
+    </p:spTree>
+    <p:extLst>
+      <p:ext uri="{BB962C8B-B14F-4D97-AF65-F5344CB8AC3E}">
+        <p14:creationId xmlns:p14="http://schemas.microsoft.com/office/powerpoint/2010/main" val="4128226423"/>
+      </p:ext>
+    </p:extLst>
+  </p:cSld>
+  <p:clrMapOvr>
+    <a:masterClrMapping/>
+  </p:clrMapOvr>
+</p:sld>
+</file>
+
+<file path=ppt/slides/slide5.xml><?xml version="1.0" encoding="utf-8"?>
+<p:sld xmlns:a="http://schemas.openxmlformats.org/drawingml/2006/main" xmlns:r="http://schemas.openxmlformats.org/officeDocument/2006/relationships" xmlns:p="http://schemas.openxmlformats.org/presentationml/2006/main">
+  <p:cSld>
+    <p:spTree>
+      <p:nvGrpSpPr>
+        <p:cNvPr id="1" name=""/>
+        <p:cNvGrpSpPr/>
+        <p:nvPr/>
+      </p:nvGrpSpPr>
+      <p:grpSpPr>
+        <a:xfrm>
+          <a:off x="0" y="0"/>
+          <a:ext cx="0" cy="0"/>
+          <a:chOff x="0" y="0"/>
+          <a:chExt cx="0" cy="0"/>
+        </a:xfrm>
+      </p:grpSpPr>
+      <mc:AlternateContent xmlns:mc="http://schemas.openxmlformats.org/markup-compatibility/2006">
+        <mc:Choice xmlns:a14="http://schemas.microsoft.com/office/drawing/2010/main" Requires="a14">
+          <p:graphicFrame>
+            <p:nvGraphicFramePr>
+              <p:cNvPr id="4" name="表 3">
+                <a:extLst>
+                  <a:ext uri="{FF2B5EF4-FFF2-40B4-BE49-F238E27FC236}">
+                    <a16:creationId xmlns:a16="http://schemas.microsoft.com/office/drawing/2014/main" id="{9AB4F1BD-2DEF-4B93-BBB2-15F99C5B6F59}"/>
+                  </a:ext>
+                </a:extLst>
+              </p:cNvPr>
+              <p:cNvGraphicFramePr>
+                <a:graphicFrameLocks noGrp="1"/>
+              </p:cNvGraphicFramePr>
+              <p:nvPr>
+                <p:extLst>
+                  <p:ext uri="{D42A27DB-BD31-4B8C-83A1-F6EECF244321}">
+                    <p14:modId xmlns:p14="http://schemas.microsoft.com/office/powerpoint/2010/main" val="3019521560"/>
+                  </p:ext>
+                </p:extLst>
+              </p:nvPr>
+            </p:nvGraphicFramePr>
+            <p:xfrm>
+              <a:off x="1930400" y="1200727"/>
+              <a:ext cx="1791855" cy="3075710"/>
+            </p:xfrm>
+            <a:graphic>
+              <a:graphicData uri="http://schemas.openxmlformats.org/drawingml/2006/table">
+                <a:tbl>
+                  <a:tblPr firstRow="1" bandRow="1">
+                    <a:tableStyleId>{2D5ABB26-0587-4C30-8999-92F81FD0307C}</a:tableStyleId>
+                  </a:tblPr>
+                  <a:tblGrid>
+                    <a:gridCol w="597285">
+                      <a:extLst>
+                        <a:ext uri="{9D8B030D-6E8A-4147-A177-3AD203B41FA5}">
+                          <a16:colId xmlns:a16="http://schemas.microsoft.com/office/drawing/2014/main" val="3966724155"/>
+                        </a:ext>
+                      </a:extLst>
+                    </a:gridCol>
+                    <a:gridCol w="597285">
+                      <a:extLst>
+                        <a:ext uri="{9D8B030D-6E8A-4147-A177-3AD203B41FA5}">
+                          <a16:colId xmlns:a16="http://schemas.microsoft.com/office/drawing/2014/main" val="1876420039"/>
+                        </a:ext>
+                      </a:extLst>
+                    </a:gridCol>
+                    <a:gridCol w="597285">
+                      <a:extLst>
+                        <a:ext uri="{9D8B030D-6E8A-4147-A177-3AD203B41FA5}">
+                          <a16:colId xmlns:a16="http://schemas.microsoft.com/office/drawing/2014/main" val="76310099"/>
+                        </a:ext>
+                      </a:extLst>
+                    </a:gridCol>
+                  </a:tblGrid>
+                  <a:tr h="615142">
+                    <a:tc>
+                      <a:txBody>
+                        <a:bodyPr/>
+                        <a:lstStyle/>
+                        <a:p>
+                          <a:r>
+                            <a:rPr kumimoji="1" lang="en-US" altLang="ja-JP" dirty="0"/>
+                            <a:t> </a:t>
+                          </a:r>
+                          <a:r>
+                            <a:rPr kumimoji="1" lang="ja-JP" altLang="en-US" dirty="0"/>
+                            <a:t>  </a:t>
+                          </a:r>
+                        </a:p>
+                      </a:txBody>
+                      <a:tcPr>
+                        <a:lnL w="12700" cap="flat" cmpd="sng" algn="ctr">
+                          <a:noFill/>
+                          <a:prstDash val="solid"/>
+                          <a:round/>
+                          <a:headEnd type="none" w="med" len="med"/>
+                          <a:tailEnd type="none" w="med" len="med"/>
+                        </a:lnL>
+                        <a:lnR w="12700" cap="flat" cmpd="sng" algn="ctr">
+                          <a:noFill/>
+                          <a:prstDash val="solid"/>
+                          <a:round/>
+                          <a:headEnd type="none" w="med" len="med"/>
+                          <a:tailEnd type="none" w="med" len="med"/>
+                        </a:lnR>
+                        <a:lnT w="12700" cap="flat" cmpd="sng" algn="ctr">
+                          <a:noFill/>
+                          <a:prstDash val="solid"/>
+                          <a:round/>
+                          <a:headEnd type="none" w="med" len="med"/>
+                          <a:tailEnd type="none" w="med" len="med"/>
+                        </a:lnT>
+                        <a:lnB w="12700" cap="flat" cmpd="sng" algn="ctr">
+                          <a:noFill/>
+                          <a:prstDash val="solid"/>
+                          <a:round/>
+                          <a:headEnd type="none" w="med" len="med"/>
+                          <a:tailEnd type="none" w="med" len="med"/>
+                        </a:lnB>
+                        <a:lnTlToBr w="12700" cap="flat" cmpd="sng" algn="ctr">
+                          <a:solidFill>
+                            <a:schemeClr val="tx1"/>
+                          </a:solidFill>
+                          <a:prstDash val="solid"/>
+                          <a:round/>
+                          <a:headEnd type="none" w="med" len="med"/>
+                          <a:tailEnd type="none" w="med" len="med"/>
+                        </a:lnTlToBr>
+                        <a:lnBlToTr w="12700" cmpd="sng">
+                          <a:noFill/>
+                          <a:prstDash val="solid"/>
+                        </a:lnBlToTr>
+                      </a:tcPr>
+                    </a:tc>
+                    <a:tc>
+                      <a:txBody>
+                        <a:bodyPr/>
+                        <a:lstStyle/>
+                        <a:p>
+                          <a:pPr algn="ctr"/>
+                          <a:r>
+                            <a:rPr kumimoji="1" lang="en-US" altLang="ja-JP" dirty="0"/>
+                            <a:t>0</a:t>
+                          </a:r>
+                          <a:endParaRPr kumimoji="1" lang="ja-JP" altLang="en-US" dirty="0"/>
+                        </a:p>
+                      </a:txBody>
+                      <a:tcPr anchor="b">
+                        <a:lnL w="12700" cap="flat" cmpd="sng" algn="ctr">
+                          <a:noFill/>
+                          <a:prstDash val="solid"/>
+                          <a:round/>
+                          <a:headEnd type="none" w="med" len="med"/>
+                          <a:tailEnd type="none" w="med" len="med"/>
+                        </a:lnL>
+                        <a:lnR w="12700" cap="flat" cmpd="sng" algn="ctr">
+                          <a:noFill/>
+                          <a:prstDash val="solid"/>
+                          <a:round/>
+                          <a:headEnd type="none" w="med" len="med"/>
+                          <a:tailEnd type="none" w="med" len="med"/>
+                        </a:lnR>
+                        <a:lnT w="12700" cap="flat" cmpd="sng" algn="ctr">
+                          <a:noFill/>
+                          <a:prstDash val="solid"/>
+                          <a:round/>
+                          <a:headEnd type="none" w="med" len="med"/>
+                          <a:tailEnd type="none" w="med" len="med"/>
+                        </a:lnT>
+                        <a:lnB w="12700" cap="flat" cmpd="sng" algn="ctr">
+                          <a:solidFill>
+                            <a:schemeClr val="tx1"/>
+                          </a:solidFill>
+                          <a:prstDash val="solid"/>
+                          <a:round/>
+                          <a:headEnd type="none" w="med" len="med"/>
+                          <a:tailEnd type="none" w="med" len="med"/>
+                        </a:lnB>
+                        <a:lnTlToBr w="12700" cmpd="sng">
+                          <a:noFill/>
+                          <a:prstDash val="solid"/>
+                        </a:lnTlToBr>
+                        <a:lnBlToTr w="12700" cmpd="sng">
+                          <a:noFill/>
+                          <a:prstDash val="solid"/>
+                        </a:lnBlToTr>
+                      </a:tcPr>
+                    </a:tc>
+                    <a:tc>
+                      <a:txBody>
+                        <a:bodyPr/>
+                        <a:lstStyle/>
+                        <a:p>
+                          <a:pPr algn="ctr"/>
+                          <a:r>
+                            <a:rPr kumimoji="1" lang="en-US" altLang="ja-JP" dirty="0"/>
+                            <a:t>1</a:t>
+                          </a:r>
+                          <a:endParaRPr kumimoji="1" lang="ja-JP" altLang="en-US" dirty="0"/>
+                        </a:p>
+                      </a:txBody>
+                      <a:tcPr anchor="b">
+                        <a:lnL w="12700" cap="flat" cmpd="sng" algn="ctr">
+                          <a:noFill/>
+                          <a:prstDash val="solid"/>
+                          <a:round/>
+                          <a:headEnd type="none" w="med" len="med"/>
+                          <a:tailEnd type="none" w="med" len="med"/>
+                        </a:lnL>
+                        <a:lnR w="12700" cap="flat" cmpd="sng" algn="ctr">
+                          <a:noFill/>
+                          <a:prstDash val="solid"/>
+                          <a:round/>
+                          <a:headEnd type="none" w="med" len="med"/>
+                          <a:tailEnd type="none" w="med" len="med"/>
+                        </a:lnR>
+                        <a:lnT w="12700" cap="flat" cmpd="sng" algn="ctr">
+                          <a:noFill/>
+                          <a:prstDash val="solid"/>
+                          <a:round/>
+                          <a:headEnd type="none" w="med" len="med"/>
+                          <a:tailEnd type="none" w="med" len="med"/>
+                        </a:lnT>
+                        <a:lnB w="12700" cap="flat" cmpd="sng" algn="ctr">
+                          <a:solidFill>
+                            <a:schemeClr val="tx1"/>
+                          </a:solidFill>
+                          <a:prstDash val="solid"/>
+                          <a:round/>
+                          <a:headEnd type="none" w="med" len="med"/>
+                          <a:tailEnd type="none" w="med" len="med"/>
+                        </a:lnB>
+                        <a:lnTlToBr w="12700" cmpd="sng">
+                          <a:noFill/>
+                          <a:prstDash val="solid"/>
+                        </a:lnTlToBr>
+                        <a:lnBlToTr w="12700" cmpd="sng">
+                          <a:noFill/>
+                          <a:prstDash val="solid"/>
+                        </a:lnBlToTr>
+                      </a:tcPr>
+                    </a:tc>
+                    <a:extLst>
+                      <a:ext uri="{0D108BD9-81ED-4DB2-BD59-A6C34878D82A}">
+                        <a16:rowId xmlns:a16="http://schemas.microsoft.com/office/drawing/2014/main" val="4076029043"/>
+                      </a:ext>
+                    </a:extLst>
+                  </a:tr>
+                  <a:tr h="615142">
+                    <a:tc>
+                      <a:txBody>
+                        <a:bodyPr/>
+                        <a:lstStyle/>
+                        <a:p>
+                          <a:pPr algn="r"/>
+                          <a:r>
+                            <a:rPr kumimoji="1" lang="en-US" altLang="ja-JP" dirty="0"/>
+                            <a:t>00</a:t>
+                          </a:r>
+                        </a:p>
+                      </a:txBody>
+                      <a:tcPr anchor="ctr">
+                        <a:lnL w="12700" cap="flat" cmpd="sng" algn="ctr">
+                          <a:noFill/>
+                          <a:prstDash val="solid"/>
+                          <a:round/>
+                          <a:headEnd type="none" w="med" len="med"/>
+                          <a:tailEnd type="none" w="med" len="med"/>
+                        </a:lnL>
+                        <a:lnR w="12700" cap="flat" cmpd="sng" algn="ctr">
+                          <a:solidFill>
+                            <a:schemeClr val="tx1"/>
+                          </a:solidFill>
+                          <a:prstDash val="solid"/>
+                          <a:round/>
+                          <a:headEnd type="none" w="med" len="med"/>
+                          <a:tailEnd type="none" w="med" len="med"/>
+                        </a:lnR>
+                        <a:lnT w="12700" cap="flat" cmpd="sng" algn="ctr">
+                          <a:noFill/>
+                          <a:prstDash val="solid"/>
+                          <a:round/>
+                          <a:headEnd type="none" w="med" len="med"/>
+                          <a:tailEnd type="none" w="med" len="med"/>
+                        </a:lnT>
+                        <a:lnB w="12700" cap="flat" cmpd="sng" algn="ctr">
+                          <a:noFill/>
+                          <a:prstDash val="solid"/>
+                          <a:round/>
+                          <a:headEnd type="none" w="med" len="med"/>
+                          <a:tailEnd type="none" w="med" len="med"/>
+                        </a:lnB>
+                        <a:lnTlToBr w="12700" cap="flat" cmpd="sng" algn="ctr">
+                          <a:noFill/>
+                          <a:prstDash val="solid"/>
+                          <a:round/>
+                          <a:headEnd type="none" w="med" len="med"/>
+                          <a:tailEnd type="none" w="med" len="med"/>
+                        </a:lnTlToBr>
+                        <a:lnBlToTr w="12700" cmpd="sng">
+                          <a:noFill/>
+                          <a:prstDash val="solid"/>
+                        </a:lnBlToTr>
+                      </a:tcPr>
+                    </a:tc>
+                    <a:tc>
+                      <a:txBody>
+                        <a:bodyPr/>
+                        <a:lstStyle/>
+                        <a:p>
+                          <a:pPr algn="ctr"/>
+                          <a:r>
+                            <a:rPr kumimoji="1" lang="en-US" altLang="ja-JP" dirty="0"/>
+                            <a:t>1</a:t>
+                          </a:r>
+                          <a:endParaRPr kumimoji="1" lang="ja-JP" altLang="en-US" dirty="0"/>
+                        </a:p>
+                      </a:txBody>
+                      <a:tcPr anchor="ctr">
+                        <a:lnL w="12700" cap="flat" cmpd="sng" algn="ctr">
+                          <a:solidFill>
+                            <a:schemeClr val="tx1"/>
+                          </a:solidFill>
+                          <a:prstDash val="solid"/>
+                          <a:round/>
+                          <a:headEnd type="none" w="med" len="med"/>
+                          <a:tailEnd type="none" w="med" len="med"/>
+                        </a:lnL>
+                        <a:lnR w="12700" cap="flat" cmpd="sng" algn="ctr">
+                          <a:solidFill>
+                            <a:schemeClr val="tx1"/>
+                          </a:solidFill>
+                          <a:prstDash val="solid"/>
+                          <a:round/>
+                          <a:headEnd type="none" w="med" len="med"/>
+                          <a:tailEnd type="none" w="med" len="med"/>
+                        </a:lnR>
+                        <a:lnT w="12700" cap="flat" cmpd="sng" algn="ctr">
+                          <a:solidFill>
+                            <a:schemeClr val="tx1"/>
+                          </a:solidFill>
+                          <a:prstDash val="solid"/>
+                          <a:round/>
+                          <a:headEnd type="none" w="med" len="med"/>
+                          <a:tailEnd type="none" w="med" len="med"/>
+                        </a:lnT>
+                        <a:lnB w="12700" cap="flat" cmpd="sng" algn="ctr">
+                          <a:solidFill>
+                            <a:schemeClr val="tx1"/>
+                          </a:solidFill>
+                          <a:prstDash val="solid"/>
+                          <a:round/>
+                          <a:headEnd type="none" w="med" len="med"/>
+                          <a:tailEnd type="none" w="med" len="med"/>
+                        </a:lnB>
+                        <a:lnTlToBr w="12700" cmpd="sng">
+                          <a:noFill/>
+                          <a:prstDash val="solid"/>
+                        </a:lnTlToBr>
+                        <a:lnBlToTr w="12700" cmpd="sng">
+                          <a:noFill/>
+                          <a:prstDash val="solid"/>
+                        </a:lnBlToTr>
+                      </a:tcPr>
+                    </a:tc>
+                    <a:tc>
+                      <a:txBody>
+                        <a:bodyPr/>
+                        <a:lstStyle/>
+                        <a:p>
+                          <a:pPr algn="ctr"/>
+                          <a:endParaRPr kumimoji="1" lang="ja-JP" altLang="en-US" dirty="0"/>
+                        </a:p>
+                      </a:txBody>
+                      <a:tcPr anchor="ctr">
+                        <a:lnL w="12700" cap="flat" cmpd="sng" algn="ctr">
+                          <a:solidFill>
+                            <a:schemeClr val="tx1"/>
+                          </a:solidFill>
+                          <a:prstDash val="solid"/>
+                          <a:round/>
+                          <a:headEnd type="none" w="med" len="med"/>
+                          <a:tailEnd type="none" w="med" len="med"/>
+                        </a:lnL>
+                        <a:lnR w="12700" cap="flat" cmpd="sng" algn="ctr">
+                          <a:solidFill>
+                            <a:schemeClr val="tx1"/>
+                          </a:solidFill>
+                          <a:prstDash val="solid"/>
+                          <a:round/>
+                          <a:headEnd type="none" w="med" len="med"/>
+                          <a:tailEnd type="none" w="med" len="med"/>
+                        </a:lnR>
+                        <a:lnT w="12700" cap="flat" cmpd="sng" algn="ctr">
+                          <a:solidFill>
+                            <a:schemeClr val="tx1"/>
+                          </a:solidFill>
+                          <a:prstDash val="solid"/>
+                          <a:round/>
+                          <a:headEnd type="none" w="med" len="med"/>
+                          <a:tailEnd type="none" w="med" len="med"/>
+                        </a:lnT>
+                        <a:lnB w="12700" cap="flat" cmpd="sng" algn="ctr">
+                          <a:solidFill>
+                            <a:schemeClr val="tx1"/>
+                          </a:solidFill>
+                          <a:prstDash val="solid"/>
+                          <a:round/>
+                          <a:headEnd type="none" w="med" len="med"/>
+                          <a:tailEnd type="none" w="med" len="med"/>
+                        </a:lnB>
+                        <a:lnTlToBr w="12700" cmpd="sng">
+                          <a:noFill/>
+                          <a:prstDash val="solid"/>
+                        </a:lnTlToBr>
+                        <a:lnBlToTr w="12700" cmpd="sng">
+                          <a:noFill/>
+                          <a:prstDash val="solid"/>
+                        </a:lnBlToTr>
+                      </a:tcPr>
+                    </a:tc>
+                    <a:extLst>
+                      <a:ext uri="{0D108BD9-81ED-4DB2-BD59-A6C34878D82A}">
+                        <a16:rowId xmlns:a16="http://schemas.microsoft.com/office/drawing/2014/main" val="3163174870"/>
+                      </a:ext>
+                    </a:extLst>
+                  </a:tr>
+                  <a:tr h="615142">
+                    <a:tc>
+                      <a:txBody>
+                        <a:bodyPr/>
+                        <a:lstStyle/>
+                        <a:p>
+                          <a:pPr algn="r"/>
+                          <a:r>
+                            <a:rPr kumimoji="1" lang="en-US" altLang="ja-JP" dirty="0"/>
+                            <a:t>01</a:t>
+                          </a:r>
+                          <a:endParaRPr kumimoji="1" lang="ja-JP" altLang="en-US" dirty="0"/>
+                        </a:p>
+                      </a:txBody>
+                      <a:tcPr anchor="ctr">
+                        <a:lnL w="12700" cap="flat" cmpd="sng" algn="ctr">
+                          <a:noFill/>
+                          <a:prstDash val="solid"/>
+                          <a:round/>
+                          <a:headEnd type="none" w="med" len="med"/>
+                          <a:tailEnd type="none" w="med" len="med"/>
+                        </a:lnL>
+                        <a:lnR w="12700" cap="flat" cmpd="sng" algn="ctr">
+                          <a:solidFill>
+                            <a:schemeClr val="tx1"/>
+                          </a:solidFill>
+                          <a:prstDash val="solid"/>
+                          <a:round/>
+                          <a:headEnd type="none" w="med" len="med"/>
+                          <a:tailEnd type="none" w="med" len="med"/>
+                        </a:lnR>
+                        <a:lnT w="12700" cap="flat" cmpd="sng" algn="ctr">
+                          <a:noFill/>
+                          <a:prstDash val="solid"/>
+                          <a:round/>
+                          <a:headEnd type="none" w="med" len="med"/>
+                          <a:tailEnd type="none" w="med" len="med"/>
+                        </a:lnT>
+                        <a:lnB w="12700" cap="flat" cmpd="sng" algn="ctr">
+                          <a:noFill/>
+                          <a:prstDash val="solid"/>
+                          <a:round/>
+                          <a:headEnd type="none" w="med" len="med"/>
+                          <a:tailEnd type="none" w="med" len="med"/>
+                        </a:lnB>
+                        <a:lnTlToBr w="12700" cap="flat" cmpd="sng" algn="ctr">
+                          <a:noFill/>
+                          <a:prstDash val="solid"/>
+                          <a:round/>
+                          <a:headEnd type="none" w="med" len="med"/>
+                          <a:tailEnd type="none" w="med" len="med"/>
+                        </a:lnTlToBr>
+                        <a:lnBlToTr w="12700" cmpd="sng">
+                          <a:noFill/>
+                          <a:prstDash val="solid"/>
+                        </a:lnBlToTr>
+                      </a:tcPr>
+                    </a:tc>
+                    <a:tc>
+                      <a:txBody>
+                        <a:bodyPr/>
+                        <a:lstStyle/>
+                        <a:p>
+                          <a:pPr algn="ctr"/>
+                          <a:endParaRPr kumimoji="1" lang="ja-JP" altLang="en-US" dirty="0"/>
+                        </a:p>
+                      </a:txBody>
+                      <a:tcPr anchor="ctr">
+                        <a:lnL w="12700" cap="flat" cmpd="sng" algn="ctr">
+                          <a:solidFill>
+                            <a:schemeClr val="tx1"/>
+                          </a:solidFill>
+                          <a:prstDash val="solid"/>
+                          <a:round/>
+                          <a:headEnd type="none" w="med" len="med"/>
+                          <a:tailEnd type="none" w="med" len="med"/>
+                        </a:lnL>
+                        <a:lnR w="12700" cap="flat" cmpd="sng" algn="ctr">
+                          <a:solidFill>
+                            <a:schemeClr val="tx1"/>
+                          </a:solidFill>
+                          <a:prstDash val="solid"/>
+                          <a:round/>
+                          <a:headEnd type="none" w="med" len="med"/>
+                          <a:tailEnd type="none" w="med" len="med"/>
+                        </a:lnR>
+                        <a:lnT w="12700" cap="flat" cmpd="sng" algn="ctr">
+                          <a:solidFill>
+                            <a:schemeClr val="tx1"/>
+                          </a:solidFill>
+                          <a:prstDash val="solid"/>
+                          <a:round/>
+                          <a:headEnd type="none" w="med" len="med"/>
+                          <a:tailEnd type="none" w="med" len="med"/>
+                        </a:lnT>
+                        <a:lnB w="12700" cap="flat" cmpd="sng" algn="ctr">
+                          <a:solidFill>
+                            <a:schemeClr val="tx1"/>
+                          </a:solidFill>
+                          <a:prstDash val="solid"/>
+                          <a:round/>
+                          <a:headEnd type="none" w="med" len="med"/>
+                          <a:tailEnd type="none" w="med" len="med"/>
+                        </a:lnB>
+                        <a:lnTlToBr w="12700" cmpd="sng">
+                          <a:noFill/>
+                          <a:prstDash val="solid"/>
+                        </a:lnTlToBr>
+                        <a:lnBlToTr w="12700" cmpd="sng">
+                          <a:noFill/>
+                          <a:prstDash val="solid"/>
+                        </a:lnBlToTr>
+                      </a:tcPr>
+                    </a:tc>
+                    <a:tc>
+                      <a:txBody>
+                        <a:bodyPr/>
+                        <a:lstStyle/>
+                        <a:p>
+                          <a:pPr algn="ctr"/>
+                          <a:endParaRPr kumimoji="1" lang="ja-JP" altLang="en-US" dirty="0"/>
+                        </a:p>
+                      </a:txBody>
+                      <a:tcPr anchor="ctr">
+                        <a:lnL w="12700" cap="flat" cmpd="sng" algn="ctr">
+                          <a:solidFill>
+                            <a:schemeClr val="tx1"/>
+                          </a:solidFill>
+                          <a:prstDash val="solid"/>
+                          <a:round/>
+                          <a:headEnd type="none" w="med" len="med"/>
+                          <a:tailEnd type="none" w="med" len="med"/>
+                        </a:lnL>
+                        <a:lnR w="12700" cap="flat" cmpd="sng" algn="ctr">
+                          <a:solidFill>
+                            <a:schemeClr val="tx1"/>
+                          </a:solidFill>
+                          <a:prstDash val="solid"/>
+                          <a:round/>
+                          <a:headEnd type="none" w="med" len="med"/>
+                          <a:tailEnd type="none" w="med" len="med"/>
+                        </a:lnR>
+                        <a:lnT w="12700" cap="flat" cmpd="sng" algn="ctr">
+                          <a:solidFill>
+                            <a:schemeClr val="tx1"/>
+                          </a:solidFill>
+                          <a:prstDash val="solid"/>
+                          <a:round/>
+                          <a:headEnd type="none" w="med" len="med"/>
+                          <a:tailEnd type="none" w="med" len="med"/>
+                        </a:lnT>
+                        <a:lnB w="12700" cap="flat" cmpd="sng" algn="ctr">
+                          <a:solidFill>
+                            <a:schemeClr val="tx1"/>
+                          </a:solidFill>
+                          <a:prstDash val="solid"/>
+                          <a:round/>
+                          <a:headEnd type="none" w="med" len="med"/>
+                          <a:tailEnd type="none" w="med" len="med"/>
+                        </a:lnB>
+                        <a:lnTlToBr w="12700" cmpd="sng">
+                          <a:noFill/>
+                          <a:prstDash val="solid"/>
+                        </a:lnTlToBr>
+                        <a:lnBlToTr w="12700" cmpd="sng">
+                          <a:noFill/>
+                          <a:prstDash val="solid"/>
+                        </a:lnBlToTr>
+                      </a:tcPr>
+                    </a:tc>
+                    <a:extLst>
+                      <a:ext uri="{0D108BD9-81ED-4DB2-BD59-A6C34878D82A}">
+                        <a16:rowId xmlns:a16="http://schemas.microsoft.com/office/drawing/2014/main" val="1297509366"/>
+                      </a:ext>
+                    </a:extLst>
+                  </a:tr>
+                  <a:tr h="615142">
+                    <a:tc>
+                      <a:txBody>
+                        <a:bodyPr/>
+                        <a:lstStyle/>
+                        <a:p>
+                          <a:pPr algn="r"/>
+                          <a:r>
+                            <a:rPr kumimoji="1" lang="en-US" altLang="ja-JP" dirty="0"/>
+                            <a:t>11</a:t>
+                          </a:r>
+                          <a:endParaRPr kumimoji="1" lang="ja-JP" altLang="en-US" dirty="0"/>
+                        </a:p>
+                      </a:txBody>
+                      <a:tcPr anchor="ctr">
+                        <a:lnL w="12700" cap="flat" cmpd="sng" algn="ctr">
+                          <a:noFill/>
+                          <a:prstDash val="solid"/>
+                          <a:round/>
+                          <a:headEnd type="none" w="med" len="med"/>
+                          <a:tailEnd type="none" w="med" len="med"/>
+                        </a:lnL>
+                        <a:lnR w="12700" cap="flat" cmpd="sng" algn="ctr">
+                          <a:solidFill>
+                            <a:schemeClr val="tx1"/>
+                          </a:solidFill>
+                          <a:prstDash val="solid"/>
+                          <a:round/>
+                          <a:headEnd type="none" w="med" len="med"/>
+                          <a:tailEnd type="none" w="med" len="med"/>
+                        </a:lnR>
+                        <a:lnT w="12700" cap="flat" cmpd="sng" algn="ctr">
+                          <a:noFill/>
+                          <a:prstDash val="solid"/>
+                          <a:round/>
+                          <a:headEnd type="none" w="med" len="med"/>
+                          <a:tailEnd type="none" w="med" len="med"/>
+                        </a:lnT>
+                        <a:lnB w="12700" cap="flat" cmpd="sng" algn="ctr">
+                          <a:noFill/>
+                          <a:prstDash val="solid"/>
+                          <a:round/>
+                          <a:headEnd type="none" w="med" len="med"/>
+                          <a:tailEnd type="none" w="med" len="med"/>
+                        </a:lnB>
+                        <a:lnTlToBr w="12700" cap="flat" cmpd="sng" algn="ctr">
+                          <a:noFill/>
+                          <a:prstDash val="solid"/>
+                          <a:round/>
+                          <a:headEnd type="none" w="med" len="med"/>
+                          <a:tailEnd type="none" w="med" len="med"/>
+                        </a:lnTlToBr>
+                        <a:lnBlToTr w="12700" cmpd="sng">
+                          <a:noFill/>
+                          <a:prstDash val="solid"/>
+                        </a:lnBlToTr>
+                      </a:tcPr>
+                    </a:tc>
+                    <a:tc>
+                      <a:txBody>
+                        <a:bodyPr/>
+                        <a:lstStyle/>
+                        <a:p>
+                          <a:pPr algn="ctr"/>
+                          <a14:m>
+                            <m:oMathPara xmlns:m="http://schemas.openxmlformats.org/officeDocument/2006/math">
+                              <m:oMathParaPr>
+                                <m:jc m:val="centerGroup"/>
+                              </m:oMathParaPr>
+                              <m:oMath xmlns:m="http://schemas.openxmlformats.org/officeDocument/2006/math">
+                                <m:r>
+                                  <a:rPr kumimoji="1" lang="en-US" altLang="ja-JP" b="0" i="1" smtClean="0">
+                                    <a:latin typeface="Cambria Math" panose="02040503050406030204" pitchFamily="18" charset="0"/>
+                                  </a:rPr>
+                                  <m:t>1</m:t>
+                                </m:r>
+                              </m:oMath>
+                            </m:oMathPara>
+                          </a14:m>
+                          <a:endParaRPr kumimoji="1" lang="ja-JP" altLang="en-US" dirty="0"/>
+                        </a:p>
+                      </a:txBody>
+                      <a:tcPr anchor="ctr">
+                        <a:lnL w="12700" cap="flat" cmpd="sng" algn="ctr">
+                          <a:solidFill>
+                            <a:schemeClr val="tx1"/>
+                          </a:solidFill>
+                          <a:prstDash val="solid"/>
+                          <a:round/>
+                          <a:headEnd type="none" w="med" len="med"/>
+                          <a:tailEnd type="none" w="med" len="med"/>
+                        </a:lnL>
+                        <a:lnR w="12700" cap="flat" cmpd="sng" algn="ctr">
+                          <a:solidFill>
+                            <a:schemeClr val="tx1"/>
+                          </a:solidFill>
+                          <a:prstDash val="solid"/>
+                          <a:round/>
+                          <a:headEnd type="none" w="med" len="med"/>
+                          <a:tailEnd type="none" w="med" len="med"/>
+                        </a:lnR>
+                        <a:lnT w="12700" cap="flat" cmpd="sng" algn="ctr">
+                          <a:solidFill>
+                            <a:schemeClr val="tx1"/>
+                          </a:solidFill>
+                          <a:prstDash val="solid"/>
+                          <a:round/>
+                          <a:headEnd type="none" w="med" len="med"/>
+                          <a:tailEnd type="none" w="med" len="med"/>
+                        </a:lnT>
+                        <a:lnB w="12700" cap="flat" cmpd="sng" algn="ctr">
+                          <a:solidFill>
+                            <a:schemeClr val="tx1"/>
+                          </a:solidFill>
+                          <a:prstDash val="solid"/>
+                          <a:round/>
+                          <a:headEnd type="none" w="med" len="med"/>
+                          <a:tailEnd type="none" w="med" len="med"/>
+                        </a:lnB>
+                        <a:lnTlToBr w="12700" cmpd="sng">
+                          <a:noFill/>
+                          <a:prstDash val="solid"/>
+                        </a:lnTlToBr>
+                        <a:lnBlToTr w="12700" cmpd="sng">
+                          <a:noFill/>
+                          <a:prstDash val="solid"/>
+                        </a:lnBlToTr>
+                      </a:tcPr>
+                    </a:tc>
+                    <a:tc>
+                      <a:txBody>
+                        <a:bodyPr/>
+                        <a:lstStyle/>
+                        <a:p>
+                          <a:pPr algn="ctr"/>
+                          <a:endParaRPr kumimoji="1" lang="ja-JP" altLang="en-US" dirty="0"/>
+                        </a:p>
+                      </a:txBody>
+                      <a:tcPr anchor="ctr">
+                        <a:lnL w="12700" cap="flat" cmpd="sng" algn="ctr">
+                          <a:solidFill>
+                            <a:schemeClr val="tx1"/>
+                          </a:solidFill>
+                          <a:prstDash val="solid"/>
+                          <a:round/>
+                          <a:headEnd type="none" w="med" len="med"/>
+                          <a:tailEnd type="none" w="med" len="med"/>
+                        </a:lnL>
+                        <a:lnR w="12700" cap="flat" cmpd="sng" algn="ctr">
+                          <a:solidFill>
+                            <a:schemeClr val="tx1"/>
+                          </a:solidFill>
+                          <a:prstDash val="solid"/>
+                          <a:round/>
+                          <a:headEnd type="none" w="med" len="med"/>
+                          <a:tailEnd type="none" w="med" len="med"/>
+                        </a:lnR>
+                        <a:lnT w="12700" cap="flat" cmpd="sng" algn="ctr">
+                          <a:solidFill>
+                            <a:schemeClr val="tx1"/>
+                          </a:solidFill>
+                          <a:prstDash val="solid"/>
+                          <a:round/>
+                          <a:headEnd type="none" w="med" len="med"/>
+                          <a:tailEnd type="none" w="med" len="med"/>
+                        </a:lnT>
+                        <a:lnB w="12700" cap="flat" cmpd="sng" algn="ctr">
+                          <a:solidFill>
+                            <a:schemeClr val="tx1"/>
+                          </a:solidFill>
+                          <a:prstDash val="solid"/>
+                          <a:round/>
+                          <a:headEnd type="none" w="med" len="med"/>
+                          <a:tailEnd type="none" w="med" len="med"/>
+                        </a:lnB>
+                        <a:lnTlToBr w="12700" cmpd="sng">
+                          <a:noFill/>
+                          <a:prstDash val="solid"/>
+                        </a:lnTlToBr>
+                        <a:lnBlToTr w="12700" cmpd="sng">
+                          <a:noFill/>
+                          <a:prstDash val="solid"/>
+                        </a:lnBlToTr>
+                      </a:tcPr>
+                    </a:tc>
+                    <a:extLst>
+                      <a:ext uri="{0D108BD9-81ED-4DB2-BD59-A6C34878D82A}">
+                        <a16:rowId xmlns:a16="http://schemas.microsoft.com/office/drawing/2014/main" val="2786928437"/>
+                      </a:ext>
+                    </a:extLst>
+                  </a:tr>
+                  <a:tr h="615142">
+                    <a:tc>
+                      <a:txBody>
+                        <a:bodyPr/>
+                        <a:lstStyle/>
+                        <a:p>
+                          <a:pPr algn="r"/>
+                          <a:r>
+                            <a:rPr kumimoji="1" lang="en-US" altLang="ja-JP" dirty="0"/>
+                            <a:t>10</a:t>
+                          </a:r>
+                          <a:endParaRPr kumimoji="1" lang="ja-JP" altLang="en-US" dirty="0"/>
+                        </a:p>
+                      </a:txBody>
+                      <a:tcPr anchor="ctr">
+                        <a:lnL w="12700" cap="flat" cmpd="sng" algn="ctr">
+                          <a:noFill/>
+                          <a:prstDash val="solid"/>
+                          <a:round/>
+                          <a:headEnd type="none" w="med" len="med"/>
+                          <a:tailEnd type="none" w="med" len="med"/>
+                        </a:lnL>
+                        <a:lnR w="12700" cap="flat" cmpd="sng" algn="ctr">
+                          <a:solidFill>
+                            <a:schemeClr val="tx1"/>
+                          </a:solidFill>
+                          <a:prstDash val="solid"/>
+                          <a:round/>
+                          <a:headEnd type="none" w="med" len="med"/>
+                          <a:tailEnd type="none" w="med" len="med"/>
+                        </a:lnR>
+                        <a:lnT w="12700" cap="flat" cmpd="sng" algn="ctr">
+                          <a:noFill/>
+                          <a:prstDash val="solid"/>
+                          <a:round/>
+                          <a:headEnd type="none" w="med" len="med"/>
+                          <a:tailEnd type="none" w="med" len="med"/>
+                        </a:lnT>
+                        <a:lnB w="12700" cap="flat" cmpd="sng" algn="ctr">
+                          <a:noFill/>
+                          <a:prstDash val="solid"/>
+                          <a:round/>
+                          <a:headEnd type="none" w="med" len="med"/>
+                          <a:tailEnd type="none" w="med" len="med"/>
+                        </a:lnB>
+                        <a:lnTlToBr w="12700" cap="flat" cmpd="sng" algn="ctr">
+                          <a:noFill/>
+                          <a:prstDash val="solid"/>
+                          <a:round/>
+                          <a:headEnd type="none" w="med" len="med"/>
+                          <a:tailEnd type="none" w="med" len="med"/>
+                        </a:lnTlToBr>
+                        <a:lnBlToTr w="12700" cmpd="sng">
+                          <a:noFill/>
+                          <a:prstDash val="solid"/>
+                        </a:lnBlToTr>
+                      </a:tcPr>
+                    </a:tc>
+                    <a:tc>
+                      <a:txBody>
+                        <a:bodyPr/>
+                        <a:lstStyle/>
+                        <a:p>
+                          <a:pPr algn="ctr"/>
+                          <a:endParaRPr kumimoji="1" lang="ja-JP" altLang="en-US" dirty="0"/>
+                        </a:p>
+                      </a:txBody>
+                      <a:tcPr anchor="ctr">
+                        <a:lnL w="12700" cap="flat" cmpd="sng" algn="ctr">
+                          <a:solidFill>
+                            <a:schemeClr val="tx1"/>
+                          </a:solidFill>
+                          <a:prstDash val="solid"/>
+                          <a:round/>
+                          <a:headEnd type="none" w="med" len="med"/>
+                          <a:tailEnd type="none" w="med" len="med"/>
+                        </a:lnL>
+                        <a:lnR w="12700" cap="flat" cmpd="sng" algn="ctr">
+                          <a:solidFill>
+                            <a:schemeClr val="tx1"/>
+                          </a:solidFill>
+                          <a:prstDash val="solid"/>
+                          <a:round/>
+                          <a:headEnd type="none" w="med" len="med"/>
+                          <a:tailEnd type="none" w="med" len="med"/>
+                        </a:lnR>
+                        <a:lnT w="12700" cap="flat" cmpd="sng" algn="ctr">
+                          <a:solidFill>
+                            <a:schemeClr val="tx1"/>
+                          </a:solidFill>
+                          <a:prstDash val="solid"/>
+                          <a:round/>
+                          <a:headEnd type="none" w="med" len="med"/>
+                          <a:tailEnd type="none" w="med" len="med"/>
+                        </a:lnT>
+                        <a:lnB w="12700" cap="flat" cmpd="sng" algn="ctr">
+                          <a:solidFill>
+                            <a:schemeClr val="tx1"/>
+                          </a:solidFill>
+                          <a:prstDash val="solid"/>
+                          <a:round/>
+                          <a:headEnd type="none" w="med" len="med"/>
+                          <a:tailEnd type="none" w="med" len="med"/>
+                        </a:lnB>
+                        <a:lnTlToBr w="12700" cmpd="sng">
+                          <a:noFill/>
+                          <a:prstDash val="solid"/>
+                        </a:lnTlToBr>
+                        <a:lnBlToTr w="12700" cmpd="sng">
+                          <a:noFill/>
+                          <a:prstDash val="solid"/>
+                        </a:lnBlToTr>
+                      </a:tcPr>
+                    </a:tc>
+                    <a:tc>
+                      <a:txBody>
+                        <a:bodyPr/>
+                        <a:lstStyle/>
+                        <a:p>
+                          <a:pPr algn="ctr"/>
+                          <a:endParaRPr kumimoji="1" lang="ja-JP" altLang="en-US" dirty="0"/>
+                        </a:p>
+                      </a:txBody>
+                      <a:tcPr anchor="ctr">
+                        <a:lnL w="12700" cap="flat" cmpd="sng" algn="ctr">
+                          <a:solidFill>
+                            <a:schemeClr val="tx1"/>
+                          </a:solidFill>
+                          <a:prstDash val="solid"/>
+                          <a:round/>
+                          <a:headEnd type="none" w="med" len="med"/>
+                          <a:tailEnd type="none" w="med" len="med"/>
+                        </a:lnL>
+                        <a:lnR w="12700" cap="flat" cmpd="sng" algn="ctr">
+                          <a:solidFill>
+                            <a:schemeClr val="tx1"/>
+                          </a:solidFill>
+                          <a:prstDash val="solid"/>
+                          <a:round/>
+                          <a:headEnd type="none" w="med" len="med"/>
+                          <a:tailEnd type="none" w="med" len="med"/>
+                        </a:lnR>
+                        <a:lnT w="12700" cap="flat" cmpd="sng" algn="ctr">
+                          <a:solidFill>
+                            <a:schemeClr val="tx1"/>
+                          </a:solidFill>
+                          <a:prstDash val="solid"/>
+                          <a:round/>
+                          <a:headEnd type="none" w="med" len="med"/>
+                          <a:tailEnd type="none" w="med" len="med"/>
+                        </a:lnT>
+                        <a:lnB w="12700" cap="flat" cmpd="sng" algn="ctr">
+                          <a:solidFill>
+                            <a:schemeClr val="tx1"/>
+                          </a:solidFill>
+                          <a:prstDash val="solid"/>
+                          <a:round/>
+                          <a:headEnd type="none" w="med" len="med"/>
+                          <a:tailEnd type="none" w="med" len="med"/>
+                        </a:lnB>
+                        <a:lnTlToBr w="12700" cmpd="sng">
+                          <a:noFill/>
+                          <a:prstDash val="solid"/>
+                        </a:lnTlToBr>
+                        <a:lnBlToTr w="12700" cmpd="sng">
+                          <a:noFill/>
+                          <a:prstDash val="solid"/>
+                        </a:lnBlToTr>
+                      </a:tcPr>
+                    </a:tc>
+                    <a:extLst>
+                      <a:ext uri="{0D108BD9-81ED-4DB2-BD59-A6C34878D82A}">
+                        <a16:rowId xmlns:a16="http://schemas.microsoft.com/office/drawing/2014/main" val="1734436533"/>
+                      </a:ext>
+                    </a:extLst>
+                  </a:tr>
+                </a:tbl>
+              </a:graphicData>
+            </a:graphic>
+          </p:graphicFrame>
+        </mc:Choice>
+        <mc:Fallback>
+          <p:graphicFrame>
+            <p:nvGraphicFramePr>
+              <p:cNvPr id="4" name="表 3">
+                <a:extLst>
+                  <a:ext uri="{FF2B5EF4-FFF2-40B4-BE49-F238E27FC236}">
+                    <a16:creationId xmlns:a16="http://schemas.microsoft.com/office/drawing/2014/main" id="{9AB4F1BD-2DEF-4B93-BBB2-15F99C5B6F59}"/>
+                  </a:ext>
+                </a:extLst>
+              </p:cNvPr>
+              <p:cNvGraphicFramePr>
+                <a:graphicFrameLocks noGrp="1"/>
+              </p:cNvGraphicFramePr>
+              <p:nvPr>
+                <p:extLst>
+                  <p:ext uri="{D42A27DB-BD31-4B8C-83A1-F6EECF244321}">
+                    <p14:modId xmlns:p14="http://schemas.microsoft.com/office/powerpoint/2010/main" val="3019521560"/>
+                  </p:ext>
+                </p:extLst>
+              </p:nvPr>
+            </p:nvGraphicFramePr>
+            <p:xfrm>
+              <a:off x="1930400" y="1200727"/>
+              <a:ext cx="1791855" cy="3075710"/>
+            </p:xfrm>
+            <a:graphic>
+              <a:graphicData uri="http://schemas.openxmlformats.org/drawingml/2006/table">
+                <a:tbl>
+                  <a:tblPr firstRow="1" bandRow="1">
+                    <a:tableStyleId>{2D5ABB26-0587-4C30-8999-92F81FD0307C}</a:tableStyleId>
+                  </a:tblPr>
+                  <a:tblGrid>
+                    <a:gridCol w="597285">
+                      <a:extLst>
+                        <a:ext uri="{9D8B030D-6E8A-4147-A177-3AD203B41FA5}">
+                          <a16:colId xmlns:a16="http://schemas.microsoft.com/office/drawing/2014/main" val="3966724155"/>
+                        </a:ext>
+                      </a:extLst>
+                    </a:gridCol>
+                    <a:gridCol w="597285">
+                      <a:extLst>
+                        <a:ext uri="{9D8B030D-6E8A-4147-A177-3AD203B41FA5}">
+                          <a16:colId xmlns:a16="http://schemas.microsoft.com/office/drawing/2014/main" val="1876420039"/>
+                        </a:ext>
+                      </a:extLst>
+                    </a:gridCol>
+                    <a:gridCol w="597285">
+                      <a:extLst>
+                        <a:ext uri="{9D8B030D-6E8A-4147-A177-3AD203B41FA5}">
+                          <a16:colId xmlns:a16="http://schemas.microsoft.com/office/drawing/2014/main" val="76310099"/>
+                        </a:ext>
+                      </a:extLst>
+                    </a:gridCol>
+                  </a:tblGrid>
+                  <a:tr h="615142">
+                    <a:tc>
+                      <a:txBody>
+                        <a:bodyPr/>
+                        <a:lstStyle/>
+                        <a:p>
+                          <a:r>
+                            <a:rPr kumimoji="1" lang="en-US" altLang="ja-JP" dirty="0"/>
+                            <a:t> </a:t>
+                          </a:r>
+                          <a:r>
+                            <a:rPr kumimoji="1" lang="ja-JP" altLang="en-US" dirty="0"/>
+                            <a:t>  </a:t>
+                          </a:r>
+                        </a:p>
+                      </a:txBody>
+                      <a:tcPr>
+                        <a:lnL w="12700" cap="flat" cmpd="sng" algn="ctr">
+                          <a:noFill/>
+                          <a:prstDash val="solid"/>
+                          <a:round/>
+                          <a:headEnd type="none" w="med" len="med"/>
+                          <a:tailEnd type="none" w="med" len="med"/>
+                        </a:lnL>
+                        <a:lnR w="12700" cap="flat" cmpd="sng" algn="ctr">
+                          <a:noFill/>
+                          <a:prstDash val="solid"/>
+                          <a:round/>
+                          <a:headEnd type="none" w="med" len="med"/>
+                          <a:tailEnd type="none" w="med" len="med"/>
+                        </a:lnR>
+                        <a:lnT w="12700" cap="flat" cmpd="sng" algn="ctr">
+                          <a:noFill/>
+                          <a:prstDash val="solid"/>
+                          <a:round/>
+                          <a:headEnd type="none" w="med" len="med"/>
+                          <a:tailEnd type="none" w="med" len="med"/>
+                        </a:lnT>
+                        <a:lnB w="12700" cap="flat" cmpd="sng" algn="ctr">
+                          <a:noFill/>
+                          <a:prstDash val="solid"/>
+                          <a:round/>
+                          <a:headEnd type="none" w="med" len="med"/>
+                          <a:tailEnd type="none" w="med" len="med"/>
+                        </a:lnB>
+                        <a:lnTlToBr w="12700" cap="flat" cmpd="sng" algn="ctr">
+                          <a:solidFill>
+                            <a:schemeClr val="tx1"/>
+                          </a:solidFill>
+                          <a:prstDash val="solid"/>
+                          <a:round/>
+                          <a:headEnd type="none" w="med" len="med"/>
+                          <a:tailEnd type="none" w="med" len="med"/>
+                        </a:lnTlToBr>
+                        <a:lnBlToTr w="12700" cmpd="sng">
+                          <a:noFill/>
+                          <a:prstDash val="solid"/>
+                        </a:lnBlToTr>
+                      </a:tcPr>
+                    </a:tc>
+                    <a:tc>
+                      <a:txBody>
+                        <a:bodyPr/>
+                        <a:lstStyle/>
+                        <a:p>
+                          <a:pPr algn="ctr"/>
+                          <a:r>
+                            <a:rPr kumimoji="1" lang="en-US" altLang="ja-JP" dirty="0"/>
+                            <a:t>0</a:t>
+                          </a:r>
+                          <a:endParaRPr kumimoji="1" lang="ja-JP" altLang="en-US" dirty="0"/>
+                        </a:p>
+                      </a:txBody>
+                      <a:tcPr anchor="b">
+                        <a:lnL w="12700" cap="flat" cmpd="sng" algn="ctr">
+                          <a:noFill/>
+                          <a:prstDash val="solid"/>
+                          <a:round/>
+                          <a:headEnd type="none" w="med" len="med"/>
+                          <a:tailEnd type="none" w="med" len="med"/>
+                        </a:lnL>
+                        <a:lnR w="12700" cap="flat" cmpd="sng" algn="ctr">
+                          <a:noFill/>
+                          <a:prstDash val="solid"/>
+                          <a:round/>
+                          <a:headEnd type="none" w="med" len="med"/>
+                          <a:tailEnd type="none" w="med" len="med"/>
+                        </a:lnR>
+                        <a:lnT w="12700" cap="flat" cmpd="sng" algn="ctr">
+                          <a:noFill/>
+                          <a:prstDash val="solid"/>
+                          <a:round/>
+                          <a:headEnd type="none" w="med" len="med"/>
+                          <a:tailEnd type="none" w="med" len="med"/>
+                        </a:lnT>
+                        <a:lnB w="12700" cap="flat" cmpd="sng" algn="ctr">
+                          <a:solidFill>
+                            <a:schemeClr val="tx1"/>
+                          </a:solidFill>
+                          <a:prstDash val="solid"/>
+                          <a:round/>
+                          <a:headEnd type="none" w="med" len="med"/>
+                          <a:tailEnd type="none" w="med" len="med"/>
+                        </a:lnB>
+                        <a:lnTlToBr w="12700" cmpd="sng">
+                          <a:noFill/>
+                          <a:prstDash val="solid"/>
+                        </a:lnTlToBr>
+                        <a:lnBlToTr w="12700" cmpd="sng">
+                          <a:noFill/>
+                          <a:prstDash val="solid"/>
+                        </a:lnBlToTr>
+                      </a:tcPr>
+                    </a:tc>
+                    <a:tc>
+                      <a:txBody>
+                        <a:bodyPr/>
+                        <a:lstStyle/>
+                        <a:p>
+                          <a:pPr algn="ctr"/>
+                          <a:r>
+                            <a:rPr kumimoji="1" lang="en-US" altLang="ja-JP" dirty="0"/>
+                            <a:t>1</a:t>
+                          </a:r>
+                          <a:endParaRPr kumimoji="1" lang="ja-JP" altLang="en-US" dirty="0"/>
+                        </a:p>
+                      </a:txBody>
+                      <a:tcPr anchor="b">
+                        <a:lnL w="12700" cap="flat" cmpd="sng" algn="ctr">
+                          <a:noFill/>
+                          <a:prstDash val="solid"/>
+                          <a:round/>
+                          <a:headEnd type="none" w="med" len="med"/>
+                          <a:tailEnd type="none" w="med" len="med"/>
+                        </a:lnL>
+                        <a:lnR w="12700" cap="flat" cmpd="sng" algn="ctr">
+                          <a:noFill/>
+                          <a:prstDash val="solid"/>
+                          <a:round/>
+                          <a:headEnd type="none" w="med" len="med"/>
+                          <a:tailEnd type="none" w="med" len="med"/>
+                        </a:lnR>
+                        <a:lnT w="12700" cap="flat" cmpd="sng" algn="ctr">
+                          <a:noFill/>
+                          <a:prstDash val="solid"/>
+                          <a:round/>
+                          <a:headEnd type="none" w="med" len="med"/>
+                          <a:tailEnd type="none" w="med" len="med"/>
+                        </a:lnT>
+                        <a:lnB w="12700" cap="flat" cmpd="sng" algn="ctr">
+                          <a:solidFill>
+                            <a:schemeClr val="tx1"/>
+                          </a:solidFill>
+                          <a:prstDash val="solid"/>
+                          <a:round/>
+                          <a:headEnd type="none" w="med" len="med"/>
+                          <a:tailEnd type="none" w="med" len="med"/>
+                        </a:lnB>
+                        <a:lnTlToBr w="12700" cmpd="sng">
+                          <a:noFill/>
+                          <a:prstDash val="solid"/>
+                        </a:lnTlToBr>
+                        <a:lnBlToTr w="12700" cmpd="sng">
+                          <a:noFill/>
+                          <a:prstDash val="solid"/>
+                        </a:lnBlToTr>
+                      </a:tcPr>
+                    </a:tc>
+                    <a:extLst>
+                      <a:ext uri="{0D108BD9-81ED-4DB2-BD59-A6C34878D82A}">
+                        <a16:rowId xmlns:a16="http://schemas.microsoft.com/office/drawing/2014/main" val="4076029043"/>
+                      </a:ext>
+                    </a:extLst>
+                  </a:tr>
+                  <a:tr h="615142">
+                    <a:tc>
+                      <a:txBody>
+                        <a:bodyPr/>
+                        <a:lstStyle/>
+                        <a:p>
+                          <a:pPr algn="r"/>
+                          <a:r>
+                            <a:rPr kumimoji="1" lang="en-US" altLang="ja-JP" dirty="0"/>
+                            <a:t>00</a:t>
+                          </a:r>
+                        </a:p>
+                      </a:txBody>
+                      <a:tcPr anchor="ctr">
+                        <a:lnL w="12700" cap="flat" cmpd="sng" algn="ctr">
+                          <a:noFill/>
+                          <a:prstDash val="solid"/>
+                          <a:round/>
+                          <a:headEnd type="none" w="med" len="med"/>
+                          <a:tailEnd type="none" w="med" len="med"/>
+                        </a:lnL>
+                        <a:lnR w="12700" cap="flat" cmpd="sng" algn="ctr">
+                          <a:solidFill>
+                            <a:schemeClr val="tx1"/>
+                          </a:solidFill>
+                          <a:prstDash val="solid"/>
+                          <a:round/>
+                          <a:headEnd type="none" w="med" len="med"/>
+                          <a:tailEnd type="none" w="med" len="med"/>
+                        </a:lnR>
+                        <a:lnT w="12700" cap="flat" cmpd="sng" algn="ctr">
+                          <a:noFill/>
+                          <a:prstDash val="solid"/>
+                          <a:round/>
+                          <a:headEnd type="none" w="med" len="med"/>
+                          <a:tailEnd type="none" w="med" len="med"/>
+                        </a:lnT>
+                        <a:lnB w="12700" cap="flat" cmpd="sng" algn="ctr">
+                          <a:noFill/>
+                          <a:prstDash val="solid"/>
+                          <a:round/>
+                          <a:headEnd type="none" w="med" len="med"/>
+                          <a:tailEnd type="none" w="med" len="med"/>
+                        </a:lnB>
+                        <a:lnTlToBr w="12700" cap="flat" cmpd="sng" algn="ctr">
+                          <a:noFill/>
+                          <a:prstDash val="solid"/>
+                          <a:round/>
+                          <a:headEnd type="none" w="med" len="med"/>
+                          <a:tailEnd type="none" w="med" len="med"/>
+                        </a:lnTlToBr>
+                        <a:lnBlToTr w="12700" cmpd="sng">
+                          <a:noFill/>
+                          <a:prstDash val="solid"/>
+                        </a:lnBlToTr>
+                      </a:tcPr>
+                    </a:tc>
+                    <a:tc>
+                      <a:txBody>
+                        <a:bodyPr/>
+                        <a:lstStyle/>
+                        <a:p>
+                          <a:pPr algn="ctr"/>
+                          <a:r>
+                            <a:rPr kumimoji="1" lang="en-US" altLang="ja-JP" dirty="0"/>
+                            <a:t>1</a:t>
+                          </a:r>
+                          <a:endParaRPr kumimoji="1" lang="ja-JP" altLang="en-US" dirty="0"/>
+                        </a:p>
+                      </a:txBody>
+                      <a:tcPr anchor="ctr">
+                        <a:lnL w="12700" cap="flat" cmpd="sng" algn="ctr">
+                          <a:solidFill>
+                            <a:schemeClr val="tx1"/>
+                          </a:solidFill>
+                          <a:prstDash val="solid"/>
+                          <a:round/>
+                          <a:headEnd type="none" w="med" len="med"/>
+                          <a:tailEnd type="none" w="med" len="med"/>
+                        </a:lnL>
+                        <a:lnR w="12700" cap="flat" cmpd="sng" algn="ctr">
+                          <a:solidFill>
+                            <a:schemeClr val="tx1"/>
+                          </a:solidFill>
+                          <a:prstDash val="solid"/>
+                          <a:round/>
+                          <a:headEnd type="none" w="med" len="med"/>
+                          <a:tailEnd type="none" w="med" len="med"/>
+                        </a:lnR>
+                        <a:lnT w="12700" cap="flat" cmpd="sng" algn="ctr">
+                          <a:solidFill>
+                            <a:schemeClr val="tx1"/>
+                          </a:solidFill>
+                          <a:prstDash val="solid"/>
+                          <a:round/>
+                          <a:headEnd type="none" w="med" len="med"/>
+                          <a:tailEnd type="none" w="med" len="med"/>
+                        </a:lnT>
+                        <a:lnB w="12700" cap="flat" cmpd="sng" algn="ctr">
+                          <a:solidFill>
+                            <a:schemeClr val="tx1"/>
+                          </a:solidFill>
+                          <a:prstDash val="solid"/>
+                          <a:round/>
+                          <a:headEnd type="none" w="med" len="med"/>
+                          <a:tailEnd type="none" w="med" len="med"/>
+                        </a:lnB>
+                        <a:lnTlToBr w="12700" cmpd="sng">
+                          <a:noFill/>
+                          <a:prstDash val="solid"/>
+                        </a:lnTlToBr>
+                        <a:lnBlToTr w="12700" cmpd="sng">
+                          <a:noFill/>
+                          <a:prstDash val="solid"/>
+                        </a:lnBlToTr>
+                      </a:tcPr>
+                    </a:tc>
+                    <a:tc>
+                      <a:txBody>
+                        <a:bodyPr/>
+                        <a:lstStyle/>
+                        <a:p>
+                          <a:pPr algn="ctr"/>
+                          <a:endParaRPr kumimoji="1" lang="ja-JP" altLang="en-US" dirty="0"/>
+                        </a:p>
+                      </a:txBody>
+                      <a:tcPr anchor="ctr">
+                        <a:lnL w="12700" cap="flat" cmpd="sng" algn="ctr">
+                          <a:solidFill>
+                            <a:schemeClr val="tx1"/>
+                          </a:solidFill>
+                          <a:prstDash val="solid"/>
+                          <a:round/>
+                          <a:headEnd type="none" w="med" len="med"/>
+                          <a:tailEnd type="none" w="med" len="med"/>
+                        </a:lnL>
+                        <a:lnR w="12700" cap="flat" cmpd="sng" algn="ctr">
+                          <a:solidFill>
+                            <a:schemeClr val="tx1"/>
+                          </a:solidFill>
+                          <a:prstDash val="solid"/>
+                          <a:round/>
+                          <a:headEnd type="none" w="med" len="med"/>
+                          <a:tailEnd type="none" w="med" len="med"/>
+                        </a:lnR>
+                        <a:lnT w="12700" cap="flat" cmpd="sng" algn="ctr">
+                          <a:solidFill>
+                            <a:schemeClr val="tx1"/>
+                          </a:solidFill>
+                          <a:prstDash val="solid"/>
+                          <a:round/>
+                          <a:headEnd type="none" w="med" len="med"/>
+                          <a:tailEnd type="none" w="med" len="med"/>
+                        </a:lnT>
+                        <a:lnB w="12700" cap="flat" cmpd="sng" algn="ctr">
+                          <a:solidFill>
+                            <a:schemeClr val="tx1"/>
+                          </a:solidFill>
+                          <a:prstDash val="solid"/>
+                          <a:round/>
+                          <a:headEnd type="none" w="med" len="med"/>
+                          <a:tailEnd type="none" w="med" len="med"/>
+                        </a:lnB>
+                        <a:lnTlToBr w="12700" cmpd="sng">
+                          <a:noFill/>
+                          <a:prstDash val="solid"/>
+                        </a:lnTlToBr>
+                        <a:lnBlToTr w="12700" cmpd="sng">
+                          <a:noFill/>
+                          <a:prstDash val="solid"/>
+                        </a:lnBlToTr>
+                      </a:tcPr>
+                    </a:tc>
+                    <a:extLst>
+                      <a:ext uri="{0D108BD9-81ED-4DB2-BD59-A6C34878D82A}">
+                        <a16:rowId xmlns:a16="http://schemas.microsoft.com/office/drawing/2014/main" val="3163174870"/>
+                      </a:ext>
+                    </a:extLst>
+                  </a:tr>
+                  <a:tr h="615142">
+                    <a:tc>
+                      <a:txBody>
+                        <a:bodyPr/>
+                        <a:lstStyle/>
+                        <a:p>
+                          <a:pPr algn="r"/>
+                          <a:r>
+                            <a:rPr kumimoji="1" lang="en-US" altLang="ja-JP" dirty="0"/>
+                            <a:t>01</a:t>
+                          </a:r>
+                          <a:endParaRPr kumimoji="1" lang="ja-JP" altLang="en-US" dirty="0"/>
+                        </a:p>
+                      </a:txBody>
+                      <a:tcPr anchor="ctr">
+                        <a:lnL w="12700" cap="flat" cmpd="sng" algn="ctr">
+                          <a:noFill/>
+                          <a:prstDash val="solid"/>
+                          <a:round/>
+                          <a:headEnd type="none" w="med" len="med"/>
+                          <a:tailEnd type="none" w="med" len="med"/>
+                        </a:lnL>
+                        <a:lnR w="12700" cap="flat" cmpd="sng" algn="ctr">
+                          <a:solidFill>
+                            <a:schemeClr val="tx1"/>
+                          </a:solidFill>
+                          <a:prstDash val="solid"/>
+                          <a:round/>
+                          <a:headEnd type="none" w="med" len="med"/>
+                          <a:tailEnd type="none" w="med" len="med"/>
+                        </a:lnR>
+                        <a:lnT w="12700" cap="flat" cmpd="sng" algn="ctr">
+                          <a:noFill/>
+                          <a:prstDash val="solid"/>
+                          <a:round/>
+                          <a:headEnd type="none" w="med" len="med"/>
+                          <a:tailEnd type="none" w="med" len="med"/>
+                        </a:lnT>
+                        <a:lnB w="12700" cap="flat" cmpd="sng" algn="ctr">
+                          <a:noFill/>
+                          <a:prstDash val="solid"/>
+                          <a:round/>
+                          <a:headEnd type="none" w="med" len="med"/>
+                          <a:tailEnd type="none" w="med" len="med"/>
+                        </a:lnB>
+                        <a:lnTlToBr w="12700" cap="flat" cmpd="sng" algn="ctr">
+                          <a:noFill/>
+                          <a:prstDash val="solid"/>
+                          <a:round/>
+                          <a:headEnd type="none" w="med" len="med"/>
+                          <a:tailEnd type="none" w="med" len="med"/>
+                        </a:lnTlToBr>
+                        <a:lnBlToTr w="12700" cmpd="sng">
+                          <a:noFill/>
+                          <a:prstDash val="solid"/>
+                        </a:lnBlToTr>
+                      </a:tcPr>
+                    </a:tc>
+                    <a:tc>
+                      <a:txBody>
+                        <a:bodyPr/>
+                        <a:lstStyle/>
+                        <a:p>
+                          <a:pPr algn="ctr"/>
+                          <a:endParaRPr kumimoji="1" lang="ja-JP" altLang="en-US" dirty="0"/>
+                        </a:p>
+                      </a:txBody>
+                      <a:tcPr anchor="ctr">
+                        <a:lnL w="12700" cap="flat" cmpd="sng" algn="ctr">
+                          <a:solidFill>
+                            <a:schemeClr val="tx1"/>
+                          </a:solidFill>
+                          <a:prstDash val="solid"/>
+                          <a:round/>
+                          <a:headEnd type="none" w="med" len="med"/>
+                          <a:tailEnd type="none" w="med" len="med"/>
+                        </a:lnL>
+                        <a:lnR w="12700" cap="flat" cmpd="sng" algn="ctr">
+                          <a:solidFill>
+                            <a:schemeClr val="tx1"/>
+                          </a:solidFill>
+                          <a:prstDash val="solid"/>
+                          <a:round/>
+                          <a:headEnd type="none" w="med" len="med"/>
+                          <a:tailEnd type="none" w="med" len="med"/>
+                        </a:lnR>
+                        <a:lnT w="12700" cap="flat" cmpd="sng" algn="ctr">
+                          <a:solidFill>
+                            <a:schemeClr val="tx1"/>
+                          </a:solidFill>
+                          <a:prstDash val="solid"/>
+                          <a:round/>
+                          <a:headEnd type="none" w="med" len="med"/>
+                          <a:tailEnd type="none" w="med" len="med"/>
+                        </a:lnT>
+                        <a:lnB w="12700" cap="flat" cmpd="sng" algn="ctr">
+                          <a:solidFill>
+                            <a:schemeClr val="tx1"/>
+                          </a:solidFill>
+                          <a:prstDash val="solid"/>
+                          <a:round/>
+                          <a:headEnd type="none" w="med" len="med"/>
+                          <a:tailEnd type="none" w="med" len="med"/>
+                        </a:lnB>
+                        <a:lnTlToBr w="12700" cmpd="sng">
+                          <a:noFill/>
+                          <a:prstDash val="solid"/>
+                        </a:lnTlToBr>
+                        <a:lnBlToTr w="12700" cmpd="sng">
+                          <a:noFill/>
+                          <a:prstDash val="solid"/>
+                        </a:lnBlToTr>
+                      </a:tcPr>
+                    </a:tc>
+                    <a:tc>
+                      <a:txBody>
+                        <a:bodyPr/>
+                        <a:lstStyle/>
+                        <a:p>
+                          <a:pPr algn="ctr"/>
+                          <a:endParaRPr kumimoji="1" lang="ja-JP" altLang="en-US" dirty="0"/>
+                        </a:p>
+                      </a:txBody>
+                      <a:tcPr anchor="ctr">
+                        <a:lnL w="12700" cap="flat" cmpd="sng" algn="ctr">
+                          <a:solidFill>
+                            <a:schemeClr val="tx1"/>
+                          </a:solidFill>
+                          <a:prstDash val="solid"/>
+                          <a:round/>
+                          <a:headEnd type="none" w="med" len="med"/>
+                          <a:tailEnd type="none" w="med" len="med"/>
+                        </a:lnL>
+                        <a:lnR w="12700" cap="flat" cmpd="sng" algn="ctr">
+                          <a:solidFill>
+                            <a:schemeClr val="tx1"/>
+                          </a:solidFill>
+                          <a:prstDash val="solid"/>
+                          <a:round/>
+                          <a:headEnd type="none" w="med" len="med"/>
+                          <a:tailEnd type="none" w="med" len="med"/>
+                        </a:lnR>
+                        <a:lnT w="12700" cap="flat" cmpd="sng" algn="ctr">
+                          <a:solidFill>
+                            <a:schemeClr val="tx1"/>
+                          </a:solidFill>
+                          <a:prstDash val="solid"/>
+                          <a:round/>
+                          <a:headEnd type="none" w="med" len="med"/>
+                          <a:tailEnd type="none" w="med" len="med"/>
+                        </a:lnT>
+                        <a:lnB w="12700" cap="flat" cmpd="sng" algn="ctr">
+                          <a:solidFill>
+                            <a:schemeClr val="tx1"/>
+                          </a:solidFill>
+                          <a:prstDash val="solid"/>
+                          <a:round/>
+                          <a:headEnd type="none" w="med" len="med"/>
+                          <a:tailEnd type="none" w="med" len="med"/>
+                        </a:lnB>
+                        <a:lnTlToBr w="12700" cmpd="sng">
+                          <a:noFill/>
+                          <a:prstDash val="solid"/>
+                        </a:lnTlToBr>
+                        <a:lnBlToTr w="12700" cmpd="sng">
+                          <a:noFill/>
+                          <a:prstDash val="solid"/>
+                        </a:lnBlToTr>
+                      </a:tcPr>
+                    </a:tc>
+                    <a:extLst>
+                      <a:ext uri="{0D108BD9-81ED-4DB2-BD59-A6C34878D82A}">
+                        <a16:rowId xmlns:a16="http://schemas.microsoft.com/office/drawing/2014/main" val="1297509366"/>
+                      </a:ext>
+                    </a:extLst>
+                  </a:tr>
+                  <a:tr h="615142">
+                    <a:tc>
+                      <a:txBody>
+                        <a:bodyPr/>
+                        <a:lstStyle/>
+                        <a:p>
+                          <a:pPr algn="r"/>
+                          <a:r>
+                            <a:rPr kumimoji="1" lang="en-US" altLang="ja-JP" dirty="0"/>
+                            <a:t>11</a:t>
+                          </a:r>
+                          <a:endParaRPr kumimoji="1" lang="ja-JP" altLang="en-US" dirty="0"/>
+                        </a:p>
+                      </a:txBody>
+                      <a:tcPr anchor="ctr">
+                        <a:lnL w="12700" cap="flat" cmpd="sng" algn="ctr">
+                          <a:noFill/>
+                          <a:prstDash val="solid"/>
+                          <a:round/>
+                          <a:headEnd type="none" w="med" len="med"/>
+                          <a:tailEnd type="none" w="med" len="med"/>
+                        </a:lnL>
+                        <a:lnR w="12700" cap="flat" cmpd="sng" algn="ctr">
+                          <a:solidFill>
+                            <a:schemeClr val="tx1"/>
+                          </a:solidFill>
+                          <a:prstDash val="solid"/>
+                          <a:round/>
+                          <a:headEnd type="none" w="med" len="med"/>
+                          <a:tailEnd type="none" w="med" len="med"/>
+                        </a:lnR>
+                        <a:lnT w="12700" cap="flat" cmpd="sng" algn="ctr">
+                          <a:noFill/>
+                          <a:prstDash val="solid"/>
+                          <a:round/>
+                          <a:headEnd type="none" w="med" len="med"/>
+                          <a:tailEnd type="none" w="med" len="med"/>
+                        </a:lnT>
+                        <a:lnB w="12700" cap="flat" cmpd="sng" algn="ctr">
+                          <a:noFill/>
+                          <a:prstDash val="solid"/>
+                          <a:round/>
+                          <a:headEnd type="none" w="med" len="med"/>
+                          <a:tailEnd type="none" w="med" len="med"/>
+                        </a:lnB>
+                        <a:lnTlToBr w="12700" cap="flat" cmpd="sng" algn="ctr">
+                          <a:noFill/>
+                          <a:prstDash val="solid"/>
+                          <a:round/>
+                          <a:headEnd type="none" w="med" len="med"/>
+                          <a:tailEnd type="none" w="med" len="med"/>
+                        </a:lnTlToBr>
+                        <a:lnBlToTr w="12700" cmpd="sng">
+                          <a:noFill/>
+                          <a:prstDash val="solid"/>
+                        </a:lnBlToTr>
+                      </a:tcPr>
+                    </a:tc>
+                    <a:tc>
+                      <a:txBody>
+                        <a:bodyPr/>
+                        <a:lstStyle/>
+                        <a:p>
+                          <a:endParaRPr lang="ja-JP"/>
+                        </a:p>
+                      </a:txBody>
+                      <a:tcPr anchor="ctr">
+                        <a:lnL w="12700" cap="flat" cmpd="sng" algn="ctr">
+                          <a:solidFill>
+                            <a:schemeClr val="tx1"/>
+                          </a:solidFill>
+                          <a:prstDash val="solid"/>
+                          <a:round/>
+                          <a:headEnd type="none" w="med" len="med"/>
+                          <a:tailEnd type="none" w="med" len="med"/>
+                        </a:lnL>
+                        <a:lnR w="12700" cap="flat" cmpd="sng" algn="ctr">
+                          <a:solidFill>
+                            <a:schemeClr val="tx1"/>
+                          </a:solidFill>
+                          <a:prstDash val="solid"/>
+                          <a:round/>
+                          <a:headEnd type="none" w="med" len="med"/>
+                          <a:tailEnd type="none" w="med" len="med"/>
+                        </a:lnR>
+                        <a:lnT w="12700" cap="flat" cmpd="sng" algn="ctr">
+                          <a:solidFill>
+                            <a:schemeClr val="tx1"/>
+                          </a:solidFill>
+                          <a:prstDash val="solid"/>
+                          <a:round/>
+                          <a:headEnd type="none" w="med" len="med"/>
+                          <a:tailEnd type="none" w="med" len="med"/>
+                        </a:lnT>
+                        <a:lnB w="12700" cap="flat" cmpd="sng" algn="ctr">
+                          <a:solidFill>
+                            <a:schemeClr val="tx1"/>
+                          </a:solidFill>
+                          <a:prstDash val="solid"/>
+                          <a:round/>
+                          <a:headEnd type="none" w="med" len="med"/>
+                          <a:tailEnd type="none" w="med" len="med"/>
+                        </a:lnB>
+                        <a:lnTlToBr w="12700" cmpd="sng">
+                          <a:noFill/>
+                          <a:prstDash val="solid"/>
+                        </a:lnTlToBr>
+                        <a:lnBlToTr w="12700" cmpd="sng">
+                          <a:noFill/>
+                          <a:prstDash val="solid"/>
+                        </a:lnBlToTr>
+                        <a:blipFill>
+                          <a:blip r:embed="rId2"/>
+                          <a:stretch>
+                            <a:fillRect l="-100000" t="-300990" r="-101010" b="-101980"/>
+                          </a:stretch>
+                        </a:blipFill>
+                      </a:tcPr>
+                    </a:tc>
+                    <a:tc>
+                      <a:txBody>
+                        <a:bodyPr/>
+                        <a:lstStyle/>
+                        <a:p>
+                          <a:pPr algn="ctr"/>
+                          <a:endParaRPr kumimoji="1" lang="ja-JP" altLang="en-US" dirty="0"/>
+                        </a:p>
+                      </a:txBody>
+                      <a:tcPr anchor="ctr">
+                        <a:lnL w="12700" cap="flat" cmpd="sng" algn="ctr">
+                          <a:solidFill>
+                            <a:schemeClr val="tx1"/>
+                          </a:solidFill>
+                          <a:prstDash val="solid"/>
+                          <a:round/>
+                          <a:headEnd type="none" w="med" len="med"/>
+                          <a:tailEnd type="none" w="med" len="med"/>
+                        </a:lnL>
+                        <a:lnR w="12700" cap="flat" cmpd="sng" algn="ctr">
+                          <a:solidFill>
+                            <a:schemeClr val="tx1"/>
+                          </a:solidFill>
+                          <a:prstDash val="solid"/>
+                          <a:round/>
+                          <a:headEnd type="none" w="med" len="med"/>
+                          <a:tailEnd type="none" w="med" len="med"/>
+                        </a:lnR>
+                        <a:lnT w="12700" cap="flat" cmpd="sng" algn="ctr">
+                          <a:solidFill>
+                            <a:schemeClr val="tx1"/>
+                          </a:solidFill>
+                          <a:prstDash val="solid"/>
+                          <a:round/>
+                          <a:headEnd type="none" w="med" len="med"/>
+                          <a:tailEnd type="none" w="med" len="med"/>
+                        </a:lnT>
+                        <a:lnB w="12700" cap="flat" cmpd="sng" algn="ctr">
+                          <a:solidFill>
+                            <a:schemeClr val="tx1"/>
+                          </a:solidFill>
+                          <a:prstDash val="solid"/>
+                          <a:round/>
+                          <a:headEnd type="none" w="med" len="med"/>
+                          <a:tailEnd type="none" w="med" len="med"/>
+                        </a:lnB>
+                        <a:lnTlToBr w="12700" cmpd="sng">
+                          <a:noFill/>
+                          <a:prstDash val="solid"/>
+                        </a:lnTlToBr>
+                        <a:lnBlToTr w="12700" cmpd="sng">
+                          <a:noFill/>
+                          <a:prstDash val="solid"/>
+                        </a:lnBlToTr>
+                      </a:tcPr>
+                    </a:tc>
+                    <a:extLst>
+                      <a:ext uri="{0D108BD9-81ED-4DB2-BD59-A6C34878D82A}">
+                        <a16:rowId xmlns:a16="http://schemas.microsoft.com/office/drawing/2014/main" val="2786928437"/>
+                      </a:ext>
+                    </a:extLst>
+                  </a:tr>
+                  <a:tr h="615142">
+                    <a:tc>
+                      <a:txBody>
+                        <a:bodyPr/>
+                        <a:lstStyle/>
+                        <a:p>
+                          <a:pPr algn="r"/>
+                          <a:r>
+                            <a:rPr kumimoji="1" lang="en-US" altLang="ja-JP" dirty="0"/>
+                            <a:t>10</a:t>
+                          </a:r>
+                          <a:endParaRPr kumimoji="1" lang="ja-JP" altLang="en-US" dirty="0"/>
+                        </a:p>
+                      </a:txBody>
+                      <a:tcPr anchor="ctr">
+                        <a:lnL w="12700" cap="flat" cmpd="sng" algn="ctr">
+                          <a:noFill/>
+                          <a:prstDash val="solid"/>
+                          <a:round/>
+                          <a:headEnd type="none" w="med" len="med"/>
+                          <a:tailEnd type="none" w="med" len="med"/>
+                        </a:lnL>
+                        <a:lnR w="12700" cap="flat" cmpd="sng" algn="ctr">
+                          <a:solidFill>
+                            <a:schemeClr val="tx1"/>
+                          </a:solidFill>
+                          <a:prstDash val="solid"/>
+                          <a:round/>
+                          <a:headEnd type="none" w="med" len="med"/>
+                          <a:tailEnd type="none" w="med" len="med"/>
+                        </a:lnR>
+                        <a:lnT w="12700" cap="flat" cmpd="sng" algn="ctr">
+                          <a:noFill/>
+                          <a:prstDash val="solid"/>
+                          <a:round/>
+                          <a:headEnd type="none" w="med" len="med"/>
+                          <a:tailEnd type="none" w="med" len="med"/>
+                        </a:lnT>
+                        <a:lnB w="12700" cap="flat" cmpd="sng" algn="ctr">
+                          <a:noFill/>
+                          <a:prstDash val="solid"/>
+                          <a:round/>
+                          <a:headEnd type="none" w="med" len="med"/>
+                          <a:tailEnd type="none" w="med" len="med"/>
+                        </a:lnB>
+                        <a:lnTlToBr w="12700" cap="flat" cmpd="sng" algn="ctr">
+                          <a:noFill/>
+                          <a:prstDash val="solid"/>
+                          <a:round/>
+                          <a:headEnd type="none" w="med" len="med"/>
+                          <a:tailEnd type="none" w="med" len="med"/>
+                        </a:lnTlToBr>
+                        <a:lnBlToTr w="12700" cmpd="sng">
+                          <a:noFill/>
+                          <a:prstDash val="solid"/>
+                        </a:lnBlToTr>
+                      </a:tcPr>
+                    </a:tc>
+                    <a:tc>
+                      <a:txBody>
+                        <a:bodyPr/>
+                        <a:lstStyle/>
+                        <a:p>
+                          <a:pPr algn="ctr"/>
+                          <a:endParaRPr kumimoji="1" lang="ja-JP" altLang="en-US" dirty="0"/>
+                        </a:p>
+                      </a:txBody>
+                      <a:tcPr anchor="ctr">
+                        <a:lnL w="12700" cap="flat" cmpd="sng" algn="ctr">
+                          <a:solidFill>
+                            <a:schemeClr val="tx1"/>
+                          </a:solidFill>
+                          <a:prstDash val="solid"/>
+                          <a:round/>
+                          <a:headEnd type="none" w="med" len="med"/>
+                          <a:tailEnd type="none" w="med" len="med"/>
+                        </a:lnL>
+                        <a:lnR w="12700" cap="flat" cmpd="sng" algn="ctr">
+                          <a:solidFill>
+                            <a:schemeClr val="tx1"/>
+                          </a:solidFill>
+                          <a:prstDash val="solid"/>
+                          <a:round/>
+                          <a:headEnd type="none" w="med" len="med"/>
+                          <a:tailEnd type="none" w="med" len="med"/>
+                        </a:lnR>
+                        <a:lnT w="12700" cap="flat" cmpd="sng" algn="ctr">
+                          <a:solidFill>
+                            <a:schemeClr val="tx1"/>
+                          </a:solidFill>
+                          <a:prstDash val="solid"/>
+                          <a:round/>
+                          <a:headEnd type="none" w="med" len="med"/>
+                          <a:tailEnd type="none" w="med" len="med"/>
+                        </a:lnT>
+                        <a:lnB w="12700" cap="flat" cmpd="sng" algn="ctr">
+                          <a:solidFill>
+                            <a:schemeClr val="tx1"/>
+                          </a:solidFill>
+                          <a:prstDash val="solid"/>
+                          <a:round/>
+                          <a:headEnd type="none" w="med" len="med"/>
+                          <a:tailEnd type="none" w="med" len="med"/>
+                        </a:lnB>
+                        <a:lnTlToBr w="12700" cmpd="sng">
+                          <a:noFill/>
+                          <a:prstDash val="solid"/>
+                        </a:lnTlToBr>
+                        <a:lnBlToTr w="12700" cmpd="sng">
+                          <a:noFill/>
+                          <a:prstDash val="solid"/>
+                        </a:lnBlToTr>
+                      </a:tcPr>
+                    </a:tc>
+                    <a:tc>
+                      <a:txBody>
+                        <a:bodyPr/>
+                        <a:lstStyle/>
+                        <a:p>
+                          <a:pPr algn="ctr"/>
+                          <a:endParaRPr kumimoji="1" lang="ja-JP" altLang="en-US" dirty="0"/>
+                        </a:p>
+                      </a:txBody>
+                      <a:tcPr anchor="ctr">
+                        <a:lnL w="12700" cap="flat" cmpd="sng" algn="ctr">
+                          <a:solidFill>
+                            <a:schemeClr val="tx1"/>
+                          </a:solidFill>
+                          <a:prstDash val="solid"/>
+                          <a:round/>
+                          <a:headEnd type="none" w="med" len="med"/>
+                          <a:tailEnd type="none" w="med" len="med"/>
+                        </a:lnL>
+                        <a:lnR w="12700" cap="flat" cmpd="sng" algn="ctr">
+                          <a:solidFill>
+                            <a:schemeClr val="tx1"/>
+                          </a:solidFill>
+                          <a:prstDash val="solid"/>
+                          <a:round/>
+                          <a:headEnd type="none" w="med" len="med"/>
+                          <a:tailEnd type="none" w="med" len="med"/>
+                        </a:lnR>
+                        <a:lnT w="12700" cap="flat" cmpd="sng" algn="ctr">
+                          <a:solidFill>
+                            <a:schemeClr val="tx1"/>
+                          </a:solidFill>
+                          <a:prstDash val="solid"/>
+                          <a:round/>
+                          <a:headEnd type="none" w="med" len="med"/>
+                          <a:tailEnd type="none" w="med" len="med"/>
+                        </a:lnT>
+                        <a:lnB w="12700" cap="flat" cmpd="sng" algn="ctr">
+                          <a:solidFill>
+                            <a:schemeClr val="tx1"/>
+                          </a:solidFill>
+                          <a:prstDash val="solid"/>
+                          <a:round/>
+                          <a:headEnd type="none" w="med" len="med"/>
+                          <a:tailEnd type="none" w="med" len="med"/>
+                        </a:lnB>
+                        <a:lnTlToBr w="12700" cmpd="sng">
+                          <a:noFill/>
+                          <a:prstDash val="solid"/>
+                        </a:lnTlToBr>
+                        <a:lnBlToTr w="12700" cmpd="sng">
+                          <a:noFill/>
+                          <a:prstDash val="solid"/>
+                        </a:lnBlToTr>
+                      </a:tcPr>
+                    </a:tc>
+                    <a:extLst>
+                      <a:ext uri="{0D108BD9-81ED-4DB2-BD59-A6C34878D82A}">
+                        <a16:rowId xmlns:a16="http://schemas.microsoft.com/office/drawing/2014/main" val="1734436533"/>
+                      </a:ext>
+                    </a:extLst>
+                  </a:tr>
+                </a:tbl>
+              </a:graphicData>
+            </a:graphic>
+          </p:graphicFrame>
+        </mc:Fallback>
+      </mc:AlternateContent>
+      <mc:AlternateContent xmlns:mc="http://schemas.openxmlformats.org/markup-compatibility/2006">
+        <mc:Choice xmlns:a14="http://schemas.microsoft.com/office/drawing/2010/main" Requires="a14">
+          <p:sp>
+            <p:nvSpPr>
+              <p:cNvPr id="5" name="テキスト ボックス 4">
+                <a:extLst>
+                  <a:ext uri="{FF2B5EF4-FFF2-40B4-BE49-F238E27FC236}">
+                    <a16:creationId xmlns:a16="http://schemas.microsoft.com/office/drawing/2014/main" id="{6D0D3BE5-32CB-4C19-919D-5FBDF952C1B8}"/>
+                  </a:ext>
+                </a:extLst>
+              </p:cNvPr>
+              <p:cNvSpPr txBox="1"/>
+              <p:nvPr/>
+            </p:nvSpPr>
+            <p:spPr>
+              <a:xfrm>
+                <a:off x="1579418" y="1385393"/>
+                <a:ext cx="701963" cy="369332"/>
+              </a:xfrm>
+              <a:prstGeom prst="rect">
+                <a:avLst/>
+              </a:prstGeom>
+              <a:noFill/>
+            </p:spPr>
+            <p:txBody>
+              <a:bodyPr wrap="square" rtlCol="0">
+                <a:spAutoFit/>
+              </a:bodyPr>
+              <a:lstStyle/>
+              <a:p>
+                <a:pPr/>
+                <a14:m>
+                  <m:oMathPara xmlns:m="http://schemas.openxmlformats.org/officeDocument/2006/math">
+                    <m:oMathParaPr>
+                      <m:jc m:val="centerGroup"/>
+                    </m:oMathParaPr>
+                    <m:oMath xmlns:m="http://schemas.openxmlformats.org/officeDocument/2006/math">
+                      <m:r>
+                        <a:rPr kumimoji="1" lang="en-US" altLang="ja-JP" b="0" i="1" smtClean="0">
+                          <a:latin typeface="Cambria Math" panose="02040503050406030204" pitchFamily="18" charset="0"/>
+                        </a:rPr>
+                        <m:t>𝑥𝑦</m:t>
+                      </m:r>
+                      <m:r>
+                        <a:rPr kumimoji="1" lang="en-US" altLang="ja-JP" b="0" i="1" smtClean="0">
+                          <a:latin typeface="Cambria Math" panose="02040503050406030204" pitchFamily="18" charset="0"/>
+                        </a:rPr>
+                        <m:t> </m:t>
+                      </m:r>
+                    </m:oMath>
+                  </m:oMathPara>
+                </a14:m>
+                <a:endParaRPr kumimoji="1" lang="ja-JP" altLang="en-US" dirty="0"/>
+              </a:p>
+            </p:txBody>
+          </p:sp>
+        </mc:Choice>
+        <mc:Fallback>
+          <p:sp>
+            <p:nvSpPr>
+              <p:cNvPr id="5" name="テキスト ボックス 4">
+                <a:extLst>
+                  <a:ext uri="{FF2B5EF4-FFF2-40B4-BE49-F238E27FC236}">
+                    <a16:creationId xmlns:a16="http://schemas.microsoft.com/office/drawing/2014/main" id="{6D0D3BE5-32CB-4C19-919D-5FBDF952C1B8}"/>
+                  </a:ext>
+                </a:extLst>
+              </p:cNvPr>
+              <p:cNvSpPr txBox="1">
+                <a:spLocks noRot="1" noChangeAspect="1" noMove="1" noResize="1" noEditPoints="1" noAdjustHandles="1" noChangeArrowheads="1" noChangeShapeType="1" noTextEdit="1"/>
+              </p:cNvSpPr>
+              <p:nvPr/>
+            </p:nvSpPr>
+            <p:spPr>
+              <a:xfrm>
+                <a:off x="1579418" y="1385393"/>
+                <a:ext cx="701963" cy="369332"/>
+              </a:xfrm>
+              <a:prstGeom prst="rect">
+                <a:avLst/>
+              </a:prstGeom>
+              <a:blipFill>
+                <a:blip r:embed="rId3"/>
+                <a:stretch>
+                  <a:fillRect b="-6557"/>
+                </a:stretch>
+              </a:blipFill>
+            </p:spPr>
+            <p:txBody>
+              <a:bodyPr/>
+              <a:lstStyle/>
+              <a:p>
+                <a:r>
+                  <a:rPr lang="ja-JP" altLang="en-US">
+                    <a:noFill/>
+                  </a:rPr>
+                  <a:t> </a:t>
+                </a:r>
+              </a:p>
+            </p:txBody>
+          </p:sp>
+        </mc:Fallback>
+      </mc:AlternateContent>
+      <mc:AlternateContent xmlns:mc="http://schemas.openxmlformats.org/markup-compatibility/2006">
+        <mc:Choice xmlns:a14="http://schemas.microsoft.com/office/drawing/2010/main" Requires="a14">
+          <p:sp>
+            <p:nvSpPr>
+              <p:cNvPr id="6" name="テキスト ボックス 5">
+                <a:extLst>
+                  <a:ext uri="{FF2B5EF4-FFF2-40B4-BE49-F238E27FC236}">
+                    <a16:creationId xmlns:a16="http://schemas.microsoft.com/office/drawing/2014/main" id="{9A0DF47B-8691-4B5F-B97B-17176F897C5E}"/>
+                  </a:ext>
+                </a:extLst>
+              </p:cNvPr>
+              <p:cNvSpPr txBox="1"/>
+              <p:nvPr/>
+            </p:nvSpPr>
+            <p:spPr>
+              <a:xfrm>
+                <a:off x="2105890" y="1016061"/>
+                <a:ext cx="350982" cy="369332"/>
+              </a:xfrm>
+              <a:prstGeom prst="rect">
+                <a:avLst/>
+              </a:prstGeom>
+              <a:noFill/>
+            </p:spPr>
+            <p:txBody>
+              <a:bodyPr wrap="square" rtlCol="0">
+                <a:spAutoFit/>
+              </a:bodyPr>
+              <a:lstStyle/>
+              <a:p>
+                <a:pPr/>
+                <a14:m>
+                  <m:oMathPara xmlns:m="http://schemas.openxmlformats.org/officeDocument/2006/math">
+                    <m:oMathParaPr>
+                      <m:jc m:val="centerGroup"/>
+                    </m:oMathParaPr>
+                    <m:oMath xmlns:m="http://schemas.openxmlformats.org/officeDocument/2006/math">
+                      <m:r>
+                        <m:rPr>
+                          <m:sty m:val="p"/>
+                        </m:rPr>
+                        <a:rPr lang="en-US" altLang="ja-JP" i="1">
+                          <a:latin typeface="Cambria Math" panose="02040503050406030204" pitchFamily="18" charset="0"/>
+                        </a:rPr>
+                        <m:t>S</m:t>
+                      </m:r>
+                    </m:oMath>
+                  </m:oMathPara>
+                </a14:m>
+                <a:endParaRPr kumimoji="1" lang="ja-JP" altLang="en-US" dirty="0"/>
+              </a:p>
+            </p:txBody>
+          </p:sp>
+        </mc:Choice>
+        <mc:Fallback>
+          <p:sp>
+            <p:nvSpPr>
+              <p:cNvPr id="6" name="テキスト ボックス 5">
+                <a:extLst>
+                  <a:ext uri="{FF2B5EF4-FFF2-40B4-BE49-F238E27FC236}">
+                    <a16:creationId xmlns:a16="http://schemas.microsoft.com/office/drawing/2014/main" id="{9A0DF47B-8691-4B5F-B97B-17176F897C5E}"/>
+                  </a:ext>
+                </a:extLst>
+              </p:cNvPr>
+              <p:cNvSpPr txBox="1">
+                <a:spLocks noRot="1" noChangeAspect="1" noMove="1" noResize="1" noEditPoints="1" noAdjustHandles="1" noChangeArrowheads="1" noChangeShapeType="1" noTextEdit="1"/>
+              </p:cNvSpPr>
+              <p:nvPr/>
+            </p:nvSpPr>
+            <p:spPr>
+              <a:xfrm>
+                <a:off x="2105890" y="1016061"/>
+                <a:ext cx="350982" cy="369332"/>
+              </a:xfrm>
+              <a:prstGeom prst="rect">
+                <a:avLst/>
+              </a:prstGeom>
+              <a:blipFill>
+                <a:blip r:embed="rId4"/>
+                <a:stretch>
+                  <a:fillRect/>
+                </a:stretch>
+              </a:blipFill>
+            </p:spPr>
+            <p:txBody>
+              <a:bodyPr/>
+              <a:lstStyle/>
+              <a:p>
+                <a:r>
+                  <a:rPr lang="ja-JP" altLang="en-US">
+                    <a:noFill/>
+                  </a:rPr>
+                  <a:t> </a:t>
+                </a:r>
+              </a:p>
+            </p:txBody>
+          </p:sp>
+        </mc:Fallback>
+      </mc:AlternateContent>
+      <p:graphicFrame>
+        <p:nvGraphicFramePr>
+          <p:cNvPr id="11" name="表 10">
+            <a:extLst>
+              <a:ext uri="{FF2B5EF4-FFF2-40B4-BE49-F238E27FC236}">
+                <a16:creationId xmlns:a16="http://schemas.microsoft.com/office/drawing/2014/main" id="{DD871348-9EAD-4497-9F3F-10AA22A24F3F}"/>
+              </a:ext>
+            </a:extLst>
+          </p:cNvPr>
+          <p:cNvGraphicFramePr>
+            <a:graphicFrameLocks noGrp="1"/>
+          </p:cNvGraphicFramePr>
+          <p:nvPr>
+            <p:extLst>
+              <p:ext uri="{D42A27DB-BD31-4B8C-83A1-F6EECF244321}">
+                <p14:modId xmlns:p14="http://schemas.microsoft.com/office/powerpoint/2010/main" val="2073008830"/>
+              </p:ext>
+            </p:extLst>
+          </p:nvPr>
+        </p:nvGraphicFramePr>
+        <p:xfrm>
+          <a:off x="6096000" y="1200727"/>
+          <a:ext cx="1791855" cy="3075710"/>
+        </p:xfrm>
+        <a:graphic>
+          <a:graphicData uri="http://schemas.openxmlformats.org/drawingml/2006/table">
+            <a:tbl>
+              <a:tblPr firstRow="1" bandRow="1">
+                <a:tableStyleId>{2D5ABB26-0587-4C30-8999-92F81FD0307C}</a:tableStyleId>
+              </a:tblPr>
+              <a:tblGrid>
+                <a:gridCol w="597285">
+                  <a:extLst>
+                    <a:ext uri="{9D8B030D-6E8A-4147-A177-3AD203B41FA5}">
+                      <a16:colId xmlns:a16="http://schemas.microsoft.com/office/drawing/2014/main" val="3966724155"/>
+                    </a:ext>
+                  </a:extLst>
+                </a:gridCol>
+                <a:gridCol w="597285">
+                  <a:extLst>
+                    <a:ext uri="{9D8B030D-6E8A-4147-A177-3AD203B41FA5}">
+                      <a16:colId xmlns:a16="http://schemas.microsoft.com/office/drawing/2014/main" val="1876420039"/>
+                    </a:ext>
+                  </a:extLst>
+                </a:gridCol>
+                <a:gridCol w="597285">
+                  <a:extLst>
+                    <a:ext uri="{9D8B030D-6E8A-4147-A177-3AD203B41FA5}">
+                      <a16:colId xmlns:a16="http://schemas.microsoft.com/office/drawing/2014/main" val="76310099"/>
+                    </a:ext>
+                  </a:extLst>
+                </a:gridCol>
+              </a:tblGrid>
+              <a:tr h="615142">
+                <a:tc>
+                  <a:txBody>
+                    <a:bodyPr/>
+                    <a:lstStyle/>
+                    <a:p>
+                      <a:r>
+                        <a:rPr kumimoji="1" lang="en-US" altLang="ja-JP" dirty="0"/>
+                        <a:t> </a:t>
+                      </a:r>
+                      <a:r>
+                        <a:rPr kumimoji="1" lang="ja-JP" altLang="en-US" dirty="0"/>
+                        <a:t>  </a:t>
+                      </a:r>
+                    </a:p>
+                  </a:txBody>
+                  <a:tcPr>
+                    <a:lnL w="12700" cap="flat" cmpd="sng" algn="ctr">
+                      <a:noFill/>
+                      <a:prstDash val="solid"/>
+                      <a:round/>
+                      <a:headEnd type="none" w="med" len="med"/>
+                      <a:tailEnd type="none" w="med" len="med"/>
+                    </a:lnL>
+                    <a:lnR w="12700" cap="flat" cmpd="sng" algn="ctr">
+                      <a:noFill/>
+                      <a:prstDash val="solid"/>
+                      <a:round/>
+                      <a:headEnd type="none" w="med" len="med"/>
+                      <a:tailEnd type="none" w="med" len="med"/>
+                    </a:lnR>
+                    <a:lnT w="12700" cap="flat" cmpd="sng" algn="ctr">
+                      <a:noFill/>
+                      <a:prstDash val="solid"/>
+                      <a:round/>
+                      <a:headEnd type="none" w="med" len="med"/>
+                      <a:tailEnd type="none" w="med" len="med"/>
+                    </a:lnT>
+                    <a:lnB w="12700" cap="flat" cmpd="sng" algn="ctr">
+                      <a:noFill/>
+                      <a:prstDash val="solid"/>
+                      <a:round/>
+                      <a:headEnd type="none" w="med" len="med"/>
+                      <a:tailEnd type="none" w="med" len="med"/>
+                    </a:lnB>
+                    <a:lnTlToBr w="12700" cap="flat" cmpd="sng" algn="ctr">
+                      <a:solidFill>
+                        <a:schemeClr val="tx1"/>
+                      </a:solidFill>
+                      <a:prstDash val="solid"/>
+                      <a:round/>
+                      <a:headEnd type="none" w="med" len="med"/>
+                      <a:tailEnd type="none" w="med" len="med"/>
+                    </a:lnTlToBr>
+                    <a:lnBlToTr w="12700" cmpd="sng">
+                      <a:noFill/>
+                      <a:prstDash val="solid"/>
+                    </a:lnBlToTr>
+                  </a:tcPr>
+                </a:tc>
+                <a:tc>
+                  <a:txBody>
+                    <a:bodyPr/>
+                    <a:lstStyle/>
+                    <a:p>
+                      <a:pPr algn="ctr"/>
+                      <a:r>
+                        <a:rPr kumimoji="1" lang="en-US" altLang="ja-JP" dirty="0"/>
+                        <a:t>0</a:t>
+                      </a:r>
+                      <a:endParaRPr kumimoji="1" lang="ja-JP" altLang="en-US" dirty="0"/>
+                    </a:p>
+                  </a:txBody>
+                  <a:tcPr anchor="b">
+                    <a:lnL w="12700" cap="flat" cmpd="sng" algn="ctr">
+                      <a:noFill/>
+                      <a:prstDash val="solid"/>
+                      <a:round/>
+                      <a:headEnd type="none" w="med" len="med"/>
+                      <a:tailEnd type="none" w="med" len="med"/>
+                    </a:lnL>
+                    <a:lnR w="12700" cap="flat" cmpd="sng" algn="ctr">
+                      <a:noFill/>
+                      <a:prstDash val="solid"/>
+                      <a:round/>
+                      <a:headEnd type="none" w="med" len="med"/>
+                      <a:tailEnd type="none" w="med" len="med"/>
+                    </a:lnR>
+                    <a:lnT w="12700" cap="flat" cmpd="sng" algn="ctr">
+                      <a:noFill/>
+                      <a:prstDash val="solid"/>
+                      <a:round/>
+                      <a:headEnd type="none" w="med" len="med"/>
+                      <a:tailEnd type="none" w="med" len="med"/>
+                    </a:lnT>
+                    <a:lnB w="12700" cap="flat" cmpd="sng" algn="ctr">
+                      <a:solidFill>
+                        <a:schemeClr val="tx1"/>
+                      </a:solidFill>
+                      <a:prstDash val="solid"/>
+                      <a:round/>
+                      <a:headEnd type="none" w="med" len="med"/>
+                      <a:tailEnd type="none" w="med" len="med"/>
+                    </a:lnB>
+                    <a:lnTlToBr w="12700" cmpd="sng">
+                      <a:noFill/>
+                      <a:prstDash val="solid"/>
+                    </a:lnTlToBr>
+                    <a:lnBlToTr w="12700" cmpd="sng">
+                      <a:noFill/>
+                      <a:prstDash val="solid"/>
+                    </a:lnBlToTr>
+                  </a:tcPr>
+                </a:tc>
+                <a:tc>
+                  <a:txBody>
+                    <a:bodyPr/>
+                    <a:lstStyle/>
+                    <a:p>
+                      <a:pPr algn="ctr"/>
+                      <a:r>
+                        <a:rPr kumimoji="1" lang="en-US" altLang="ja-JP" dirty="0"/>
+                        <a:t>1</a:t>
+                      </a:r>
+                      <a:endParaRPr kumimoji="1" lang="ja-JP" altLang="en-US" dirty="0"/>
+                    </a:p>
+                  </a:txBody>
+                  <a:tcPr anchor="b">
+                    <a:lnL w="12700" cap="flat" cmpd="sng" algn="ctr">
+                      <a:noFill/>
+                      <a:prstDash val="solid"/>
+                      <a:round/>
+                      <a:headEnd type="none" w="med" len="med"/>
+                      <a:tailEnd type="none" w="med" len="med"/>
+                    </a:lnL>
+                    <a:lnR w="12700" cap="flat" cmpd="sng" algn="ctr">
+                      <a:noFill/>
+                      <a:prstDash val="solid"/>
+                      <a:round/>
+                      <a:headEnd type="none" w="med" len="med"/>
+                      <a:tailEnd type="none" w="med" len="med"/>
+                    </a:lnR>
+                    <a:lnT w="12700" cap="flat" cmpd="sng" algn="ctr">
+                      <a:noFill/>
+                      <a:prstDash val="solid"/>
+                      <a:round/>
+                      <a:headEnd type="none" w="med" len="med"/>
+                      <a:tailEnd type="none" w="med" len="med"/>
+                    </a:lnT>
+                    <a:lnB w="12700" cap="flat" cmpd="sng" algn="ctr">
+                      <a:solidFill>
+                        <a:schemeClr val="tx1"/>
+                      </a:solidFill>
+                      <a:prstDash val="solid"/>
+                      <a:round/>
+                      <a:headEnd type="none" w="med" len="med"/>
+                      <a:tailEnd type="none" w="med" len="med"/>
+                    </a:lnB>
+                    <a:lnTlToBr w="12700" cmpd="sng">
+                      <a:noFill/>
+                      <a:prstDash val="solid"/>
+                    </a:lnTlToBr>
+                    <a:lnBlToTr w="12700" cmpd="sng">
+                      <a:noFill/>
+                      <a:prstDash val="solid"/>
+                    </a:lnBlToTr>
+                  </a:tcPr>
+                </a:tc>
+                <a:extLst>
+                  <a:ext uri="{0D108BD9-81ED-4DB2-BD59-A6C34878D82A}">
+                    <a16:rowId xmlns:a16="http://schemas.microsoft.com/office/drawing/2014/main" val="4076029043"/>
+                  </a:ext>
+                </a:extLst>
+              </a:tr>
+              <a:tr h="615142">
+                <a:tc>
+                  <a:txBody>
+                    <a:bodyPr/>
+                    <a:lstStyle/>
+                    <a:p>
+                      <a:pPr algn="r"/>
+                      <a:r>
+                        <a:rPr kumimoji="1" lang="en-US" altLang="ja-JP" dirty="0"/>
+                        <a:t>00</a:t>
+                      </a:r>
+                    </a:p>
+                  </a:txBody>
+                  <a:tcPr anchor="ctr">
+                    <a:lnL w="12700" cap="flat" cmpd="sng" algn="ctr">
+                      <a:noFill/>
+                      <a:prstDash val="solid"/>
+                      <a:round/>
+                      <a:headEnd type="none" w="med" len="med"/>
+                      <a:tailEnd type="none" w="med" len="med"/>
+                    </a:lnL>
+                    <a:lnR w="12700" cap="flat" cmpd="sng" algn="ctr">
+                      <a:solidFill>
+                        <a:schemeClr val="tx1"/>
+                      </a:solidFill>
+                      <a:prstDash val="solid"/>
+                      <a:round/>
+                      <a:headEnd type="none" w="med" len="med"/>
+                      <a:tailEnd type="none" w="med" len="med"/>
+                    </a:lnR>
+                    <a:lnT w="12700" cap="flat" cmpd="sng" algn="ctr">
+                      <a:noFill/>
+                      <a:prstDash val="solid"/>
+                      <a:round/>
+                      <a:headEnd type="none" w="med" len="med"/>
+                      <a:tailEnd type="none" w="med" len="med"/>
+                    </a:lnT>
+                    <a:lnB w="12700" cap="flat" cmpd="sng" algn="ctr">
+                      <a:noFill/>
+                      <a:prstDash val="solid"/>
+                      <a:round/>
+                      <a:headEnd type="none" w="med" len="med"/>
+                      <a:tailEnd type="none" w="med" len="med"/>
+                    </a:lnB>
+                    <a:lnTlToBr w="12700" cap="flat" cmpd="sng" algn="ctr">
+                      <a:noFill/>
+                      <a:prstDash val="solid"/>
+                      <a:round/>
+                      <a:headEnd type="none" w="med" len="med"/>
+                      <a:tailEnd type="none" w="med" len="med"/>
+                    </a:lnTlToBr>
+                    <a:lnBlToTr w="12700" cmpd="sng">
+                      <a:noFill/>
+                      <a:prstDash val="solid"/>
+                    </a:lnBlToTr>
+                  </a:tcPr>
+                </a:tc>
+                <a:tc>
+                  <a:txBody>
+                    <a:bodyPr/>
+                    <a:lstStyle/>
+                    <a:p>
+                      <a:pPr algn="ctr"/>
+                      <a:endParaRPr kumimoji="1" lang="ja-JP" altLang="en-US" dirty="0"/>
+                    </a:p>
+                  </a:txBody>
+                  <a:tcPr anchor="ctr">
+                    <a:lnL w="12700" cap="flat" cmpd="sng" algn="ctr">
+                      <a:solidFill>
+                        <a:schemeClr val="tx1"/>
+                      </a:solidFill>
+                      <a:prstDash val="solid"/>
+                      <a:round/>
+                      <a:headEnd type="none" w="med" len="med"/>
+                      <a:tailEnd type="none" w="med" len="med"/>
+                    </a:lnL>
+                    <a:lnR w="12700" cap="flat" cmpd="sng" algn="ctr">
+                      <a:solidFill>
+                        <a:schemeClr val="tx1"/>
+                      </a:solidFill>
+                      <a:prstDash val="solid"/>
+                      <a:round/>
+                      <a:headEnd type="none" w="med" len="med"/>
+                      <a:tailEnd type="none" w="med" len="med"/>
+                    </a:lnR>
+                    <a:lnT w="12700" cap="flat" cmpd="sng" algn="ctr">
+                      <a:solidFill>
+                        <a:schemeClr val="tx1"/>
+                      </a:solidFill>
+                      <a:prstDash val="solid"/>
+                      <a:round/>
+                      <a:headEnd type="none" w="med" len="med"/>
+                      <a:tailEnd type="none" w="med" len="med"/>
+                    </a:lnT>
+                    <a:lnB w="12700" cap="flat" cmpd="sng" algn="ctr">
+                      <a:solidFill>
+                        <a:schemeClr val="tx1"/>
+                      </a:solidFill>
+                      <a:prstDash val="solid"/>
+                      <a:round/>
+                      <a:headEnd type="none" w="med" len="med"/>
+                      <a:tailEnd type="none" w="med" len="med"/>
+                    </a:lnB>
+                    <a:lnTlToBr w="12700" cmpd="sng">
+                      <a:noFill/>
+                      <a:prstDash val="solid"/>
+                    </a:lnTlToBr>
+                    <a:lnBlToTr w="12700" cmpd="sng">
+                      <a:noFill/>
+                      <a:prstDash val="solid"/>
+                    </a:lnBlToTr>
+                  </a:tcPr>
+                </a:tc>
+                <a:tc>
+                  <a:txBody>
+                    <a:bodyPr/>
+                    <a:lstStyle/>
+                    <a:p>
+                      <a:pPr algn="ctr"/>
+                      <a:r>
+                        <a:rPr kumimoji="1" lang="en-US" altLang="ja-JP" dirty="0"/>
+                        <a:t>1</a:t>
+                      </a:r>
+                      <a:endParaRPr kumimoji="1" lang="ja-JP" altLang="en-US" dirty="0"/>
+                    </a:p>
+                  </a:txBody>
+                  <a:tcPr anchor="ctr">
+                    <a:lnL w="12700" cap="flat" cmpd="sng" algn="ctr">
+                      <a:solidFill>
+                        <a:schemeClr val="tx1"/>
+                      </a:solidFill>
+                      <a:prstDash val="solid"/>
+                      <a:round/>
+                      <a:headEnd type="none" w="med" len="med"/>
+                      <a:tailEnd type="none" w="med" len="med"/>
+                    </a:lnL>
+                    <a:lnR w="12700" cap="flat" cmpd="sng" algn="ctr">
+                      <a:solidFill>
+                        <a:schemeClr val="tx1"/>
+                      </a:solidFill>
+                      <a:prstDash val="solid"/>
+                      <a:round/>
+                      <a:headEnd type="none" w="med" len="med"/>
+                      <a:tailEnd type="none" w="med" len="med"/>
+                    </a:lnR>
+                    <a:lnT w="12700" cap="flat" cmpd="sng" algn="ctr">
+                      <a:solidFill>
+                        <a:schemeClr val="tx1"/>
+                      </a:solidFill>
+                      <a:prstDash val="solid"/>
+                      <a:round/>
+                      <a:headEnd type="none" w="med" len="med"/>
+                      <a:tailEnd type="none" w="med" len="med"/>
+                    </a:lnT>
+                    <a:lnB w="12700" cap="flat" cmpd="sng" algn="ctr">
+                      <a:solidFill>
+                        <a:schemeClr val="tx1"/>
+                      </a:solidFill>
+                      <a:prstDash val="solid"/>
+                      <a:round/>
+                      <a:headEnd type="none" w="med" len="med"/>
+                      <a:tailEnd type="none" w="med" len="med"/>
+                    </a:lnB>
+                    <a:lnTlToBr w="12700" cmpd="sng">
+                      <a:noFill/>
+                      <a:prstDash val="solid"/>
+                    </a:lnTlToBr>
+                    <a:lnBlToTr w="12700" cmpd="sng">
+                      <a:noFill/>
+                      <a:prstDash val="solid"/>
+                    </a:lnBlToTr>
+                  </a:tcPr>
+                </a:tc>
+                <a:extLst>
+                  <a:ext uri="{0D108BD9-81ED-4DB2-BD59-A6C34878D82A}">
+                    <a16:rowId xmlns:a16="http://schemas.microsoft.com/office/drawing/2014/main" val="3163174870"/>
+                  </a:ext>
+                </a:extLst>
+              </a:tr>
+              <a:tr h="615142">
+                <a:tc>
+                  <a:txBody>
+                    <a:bodyPr/>
+                    <a:lstStyle/>
+                    <a:p>
+                      <a:pPr algn="r"/>
+                      <a:r>
+                        <a:rPr kumimoji="1" lang="en-US" altLang="ja-JP" dirty="0"/>
+                        <a:t>01</a:t>
+                      </a:r>
+                      <a:endParaRPr kumimoji="1" lang="ja-JP" altLang="en-US" dirty="0"/>
+                    </a:p>
+                  </a:txBody>
+                  <a:tcPr anchor="ctr">
+                    <a:lnL w="12700" cap="flat" cmpd="sng" algn="ctr">
+                      <a:noFill/>
+                      <a:prstDash val="solid"/>
+                      <a:round/>
+                      <a:headEnd type="none" w="med" len="med"/>
+                      <a:tailEnd type="none" w="med" len="med"/>
+                    </a:lnL>
+                    <a:lnR w="12700" cap="flat" cmpd="sng" algn="ctr">
+                      <a:solidFill>
+                        <a:schemeClr val="tx1"/>
+                      </a:solidFill>
+                      <a:prstDash val="solid"/>
+                      <a:round/>
+                      <a:headEnd type="none" w="med" len="med"/>
+                      <a:tailEnd type="none" w="med" len="med"/>
+                    </a:lnR>
+                    <a:lnT w="12700" cap="flat" cmpd="sng" algn="ctr">
+                      <a:noFill/>
+                      <a:prstDash val="solid"/>
+                      <a:round/>
+                      <a:headEnd type="none" w="med" len="med"/>
+                      <a:tailEnd type="none" w="med" len="med"/>
+                    </a:lnT>
+                    <a:lnB w="12700" cap="flat" cmpd="sng" algn="ctr">
+                      <a:noFill/>
+                      <a:prstDash val="solid"/>
+                      <a:round/>
+                      <a:headEnd type="none" w="med" len="med"/>
+                      <a:tailEnd type="none" w="med" len="med"/>
+                    </a:lnB>
+                    <a:lnTlToBr w="12700" cap="flat" cmpd="sng" algn="ctr">
+                      <a:noFill/>
+                      <a:prstDash val="solid"/>
+                      <a:round/>
+                      <a:headEnd type="none" w="med" len="med"/>
+                      <a:tailEnd type="none" w="med" len="med"/>
+                    </a:lnTlToBr>
+                    <a:lnBlToTr w="12700" cmpd="sng">
+                      <a:noFill/>
+                      <a:prstDash val="solid"/>
+                    </a:lnBlToTr>
+                  </a:tcPr>
+                </a:tc>
+                <a:tc>
+                  <a:txBody>
+                    <a:bodyPr/>
+                    <a:lstStyle/>
+                    <a:p>
+                      <a:pPr algn="ctr"/>
+                      <a:r>
+                        <a:rPr kumimoji="1" lang="en-US" altLang="ja-JP" dirty="0"/>
+                        <a:t>1</a:t>
+                      </a:r>
+                      <a:endParaRPr kumimoji="1" lang="ja-JP" altLang="en-US" dirty="0"/>
+                    </a:p>
+                  </a:txBody>
+                  <a:tcPr anchor="ctr">
+                    <a:lnL w="12700" cap="flat" cmpd="sng" algn="ctr">
+                      <a:solidFill>
+                        <a:schemeClr val="tx1"/>
+                      </a:solidFill>
+                      <a:prstDash val="solid"/>
+                      <a:round/>
+                      <a:headEnd type="none" w="med" len="med"/>
+                      <a:tailEnd type="none" w="med" len="med"/>
+                    </a:lnL>
+                    <a:lnR w="12700" cap="flat" cmpd="sng" algn="ctr">
+                      <a:solidFill>
+                        <a:schemeClr val="tx1"/>
+                      </a:solidFill>
+                      <a:prstDash val="solid"/>
+                      <a:round/>
+                      <a:headEnd type="none" w="med" len="med"/>
+                      <a:tailEnd type="none" w="med" len="med"/>
+                    </a:lnR>
+                    <a:lnT w="12700" cap="flat" cmpd="sng" algn="ctr">
+                      <a:solidFill>
+                        <a:schemeClr val="tx1"/>
+                      </a:solidFill>
+                      <a:prstDash val="solid"/>
+                      <a:round/>
+                      <a:headEnd type="none" w="med" len="med"/>
+                      <a:tailEnd type="none" w="med" len="med"/>
+                    </a:lnT>
+                    <a:lnB w="12700" cap="flat" cmpd="sng" algn="ctr">
+                      <a:solidFill>
+                        <a:schemeClr val="tx1"/>
+                      </a:solidFill>
+                      <a:prstDash val="solid"/>
+                      <a:round/>
+                      <a:headEnd type="none" w="med" len="med"/>
+                      <a:tailEnd type="none" w="med" len="med"/>
+                    </a:lnB>
+                    <a:lnTlToBr w="12700" cmpd="sng">
+                      <a:noFill/>
+                      <a:prstDash val="solid"/>
+                    </a:lnTlToBr>
+                    <a:lnBlToTr w="12700" cmpd="sng">
+                      <a:noFill/>
+                      <a:prstDash val="solid"/>
+                    </a:lnBlToTr>
+                  </a:tcPr>
+                </a:tc>
+                <a:tc>
+                  <a:txBody>
+                    <a:bodyPr/>
+                    <a:lstStyle/>
+                    <a:p>
+                      <a:pPr algn="ctr"/>
+                      <a:r>
+                        <a:rPr kumimoji="1" lang="en-US" altLang="ja-JP" dirty="0"/>
+                        <a:t>1</a:t>
+                      </a:r>
+                      <a:endParaRPr kumimoji="1" lang="ja-JP" altLang="en-US" dirty="0"/>
+                    </a:p>
+                  </a:txBody>
+                  <a:tcPr anchor="ctr">
+                    <a:lnL w="12700" cap="flat" cmpd="sng" algn="ctr">
+                      <a:solidFill>
+                        <a:schemeClr val="tx1"/>
+                      </a:solidFill>
+                      <a:prstDash val="solid"/>
+                      <a:round/>
+                      <a:headEnd type="none" w="med" len="med"/>
+                      <a:tailEnd type="none" w="med" len="med"/>
+                    </a:lnL>
+                    <a:lnR w="12700" cap="flat" cmpd="sng" algn="ctr">
+                      <a:solidFill>
+                        <a:schemeClr val="tx1"/>
+                      </a:solidFill>
+                      <a:prstDash val="solid"/>
+                      <a:round/>
+                      <a:headEnd type="none" w="med" len="med"/>
+                      <a:tailEnd type="none" w="med" len="med"/>
+                    </a:lnR>
+                    <a:lnT w="12700" cap="flat" cmpd="sng" algn="ctr">
+                      <a:solidFill>
+                        <a:schemeClr val="tx1"/>
+                      </a:solidFill>
+                      <a:prstDash val="solid"/>
+                      <a:round/>
+                      <a:headEnd type="none" w="med" len="med"/>
+                      <a:tailEnd type="none" w="med" len="med"/>
+                    </a:lnT>
+                    <a:lnB w="12700" cap="flat" cmpd="sng" algn="ctr">
+                      <a:solidFill>
+                        <a:schemeClr val="tx1"/>
+                      </a:solidFill>
+                      <a:prstDash val="solid"/>
+                      <a:round/>
+                      <a:headEnd type="none" w="med" len="med"/>
+                      <a:tailEnd type="none" w="med" len="med"/>
+                    </a:lnB>
+                    <a:lnTlToBr w="12700" cmpd="sng">
+                      <a:noFill/>
+                      <a:prstDash val="solid"/>
+                    </a:lnTlToBr>
+                    <a:lnBlToTr w="12700" cmpd="sng">
+                      <a:noFill/>
+                      <a:prstDash val="solid"/>
+                    </a:lnBlToTr>
+                  </a:tcPr>
+                </a:tc>
+                <a:extLst>
+                  <a:ext uri="{0D108BD9-81ED-4DB2-BD59-A6C34878D82A}">
+                    <a16:rowId xmlns:a16="http://schemas.microsoft.com/office/drawing/2014/main" val="1297509366"/>
+                  </a:ext>
+                </a:extLst>
+              </a:tr>
+              <a:tr h="615142">
+                <a:tc>
+                  <a:txBody>
+                    <a:bodyPr/>
+                    <a:lstStyle/>
+                    <a:p>
+                      <a:pPr algn="r"/>
+                      <a:r>
+                        <a:rPr kumimoji="1" lang="en-US" altLang="ja-JP" dirty="0"/>
+                        <a:t>11</a:t>
+                      </a:r>
+                      <a:endParaRPr kumimoji="1" lang="ja-JP" altLang="en-US" dirty="0"/>
+                    </a:p>
+                  </a:txBody>
+                  <a:tcPr anchor="ctr">
+                    <a:lnL w="12700" cap="flat" cmpd="sng" algn="ctr">
+                      <a:noFill/>
+                      <a:prstDash val="solid"/>
+                      <a:round/>
+                      <a:headEnd type="none" w="med" len="med"/>
+                      <a:tailEnd type="none" w="med" len="med"/>
+                    </a:lnL>
+                    <a:lnR w="12700" cap="flat" cmpd="sng" algn="ctr">
+                      <a:solidFill>
+                        <a:schemeClr val="tx1"/>
+                      </a:solidFill>
+                      <a:prstDash val="solid"/>
+                      <a:round/>
+                      <a:headEnd type="none" w="med" len="med"/>
+                      <a:tailEnd type="none" w="med" len="med"/>
+                    </a:lnR>
+                    <a:lnT w="12700" cap="flat" cmpd="sng" algn="ctr">
+                      <a:noFill/>
+                      <a:prstDash val="solid"/>
+                      <a:round/>
+                      <a:headEnd type="none" w="med" len="med"/>
+                      <a:tailEnd type="none" w="med" len="med"/>
+                    </a:lnT>
+                    <a:lnB w="12700" cap="flat" cmpd="sng" algn="ctr">
+                      <a:noFill/>
+                      <a:prstDash val="solid"/>
+                      <a:round/>
+                      <a:headEnd type="none" w="med" len="med"/>
+                      <a:tailEnd type="none" w="med" len="med"/>
+                    </a:lnB>
+                    <a:lnTlToBr w="12700" cap="flat" cmpd="sng" algn="ctr">
+                      <a:noFill/>
+                      <a:prstDash val="solid"/>
+                      <a:round/>
+                      <a:headEnd type="none" w="med" len="med"/>
+                      <a:tailEnd type="none" w="med" len="med"/>
+                    </a:lnTlToBr>
+                    <a:lnBlToTr w="12700" cmpd="sng">
+                      <a:noFill/>
+                      <a:prstDash val="solid"/>
+                    </a:lnBlToTr>
+                  </a:tcPr>
+                </a:tc>
+                <a:tc>
+                  <a:txBody>
+                    <a:bodyPr/>
+                    <a:lstStyle/>
+                    <a:p>
+                      <a:pPr algn="ctr"/>
+                      <a:endParaRPr kumimoji="1" lang="ja-JP" altLang="en-US" dirty="0"/>
+                    </a:p>
+                  </a:txBody>
+                  <a:tcPr anchor="ctr">
+                    <a:lnL w="12700" cap="flat" cmpd="sng" algn="ctr">
+                      <a:solidFill>
+                        <a:schemeClr val="tx1"/>
+                      </a:solidFill>
+                      <a:prstDash val="solid"/>
+                      <a:round/>
+                      <a:headEnd type="none" w="med" len="med"/>
+                      <a:tailEnd type="none" w="med" len="med"/>
+                    </a:lnL>
+                    <a:lnR w="12700" cap="flat" cmpd="sng" algn="ctr">
+                      <a:solidFill>
+                        <a:schemeClr val="tx1"/>
+                      </a:solidFill>
+                      <a:prstDash val="solid"/>
+                      <a:round/>
+                      <a:headEnd type="none" w="med" len="med"/>
+                      <a:tailEnd type="none" w="med" len="med"/>
+                    </a:lnR>
+                    <a:lnT w="12700" cap="flat" cmpd="sng" algn="ctr">
+                      <a:solidFill>
+                        <a:schemeClr val="tx1"/>
+                      </a:solidFill>
+                      <a:prstDash val="solid"/>
+                      <a:round/>
+                      <a:headEnd type="none" w="med" len="med"/>
+                      <a:tailEnd type="none" w="med" len="med"/>
+                    </a:lnT>
+                    <a:lnB w="12700" cap="flat" cmpd="sng" algn="ctr">
+                      <a:solidFill>
+                        <a:schemeClr val="tx1"/>
+                      </a:solidFill>
+                      <a:prstDash val="solid"/>
+                      <a:round/>
+                      <a:headEnd type="none" w="med" len="med"/>
+                      <a:tailEnd type="none" w="med" len="med"/>
+                    </a:lnB>
+                    <a:lnTlToBr w="12700" cmpd="sng">
+                      <a:noFill/>
+                      <a:prstDash val="solid"/>
+                    </a:lnTlToBr>
+                    <a:lnBlToTr w="12700" cmpd="sng">
+                      <a:noFill/>
+                      <a:prstDash val="solid"/>
+                    </a:lnBlToTr>
+                  </a:tcPr>
+                </a:tc>
+                <a:tc>
+                  <a:txBody>
+                    <a:bodyPr/>
+                    <a:lstStyle/>
+                    <a:p>
+                      <a:pPr algn="ctr"/>
+                      <a:r>
+                        <a:rPr kumimoji="1" lang="en-US" altLang="ja-JP" dirty="0"/>
+                        <a:t>1</a:t>
+                      </a:r>
+                      <a:endParaRPr kumimoji="1" lang="ja-JP" altLang="en-US" dirty="0"/>
+                    </a:p>
+                  </a:txBody>
+                  <a:tcPr anchor="ctr">
+                    <a:lnL w="12700" cap="flat" cmpd="sng" algn="ctr">
+                      <a:solidFill>
+                        <a:schemeClr val="tx1"/>
+                      </a:solidFill>
+                      <a:prstDash val="solid"/>
+                      <a:round/>
+                      <a:headEnd type="none" w="med" len="med"/>
+                      <a:tailEnd type="none" w="med" len="med"/>
+                    </a:lnL>
+                    <a:lnR w="12700" cap="flat" cmpd="sng" algn="ctr">
+                      <a:solidFill>
+                        <a:schemeClr val="tx1"/>
+                      </a:solidFill>
+                      <a:prstDash val="solid"/>
+                      <a:round/>
+                      <a:headEnd type="none" w="med" len="med"/>
+                      <a:tailEnd type="none" w="med" len="med"/>
+                    </a:lnR>
+                    <a:lnT w="12700" cap="flat" cmpd="sng" algn="ctr">
+                      <a:solidFill>
+                        <a:schemeClr val="tx1"/>
+                      </a:solidFill>
+                      <a:prstDash val="solid"/>
+                      <a:round/>
+                      <a:headEnd type="none" w="med" len="med"/>
+                      <a:tailEnd type="none" w="med" len="med"/>
+                    </a:lnT>
+                    <a:lnB w="12700" cap="flat" cmpd="sng" algn="ctr">
+                      <a:solidFill>
+                        <a:schemeClr val="tx1"/>
+                      </a:solidFill>
+                      <a:prstDash val="solid"/>
+                      <a:round/>
+                      <a:headEnd type="none" w="med" len="med"/>
+                      <a:tailEnd type="none" w="med" len="med"/>
+                    </a:lnB>
+                    <a:lnTlToBr w="12700" cmpd="sng">
+                      <a:noFill/>
+                      <a:prstDash val="solid"/>
+                    </a:lnTlToBr>
+                    <a:lnBlToTr w="12700" cmpd="sng">
+                      <a:noFill/>
+                      <a:prstDash val="solid"/>
+                    </a:lnBlToTr>
+                  </a:tcPr>
+                </a:tc>
+                <a:extLst>
+                  <a:ext uri="{0D108BD9-81ED-4DB2-BD59-A6C34878D82A}">
+                    <a16:rowId xmlns:a16="http://schemas.microsoft.com/office/drawing/2014/main" val="2786928437"/>
+                  </a:ext>
+                </a:extLst>
+              </a:tr>
+              <a:tr h="615142">
+                <a:tc>
+                  <a:txBody>
+                    <a:bodyPr/>
+                    <a:lstStyle/>
+                    <a:p>
+                      <a:pPr algn="r"/>
+                      <a:r>
+                        <a:rPr kumimoji="1" lang="en-US" altLang="ja-JP" dirty="0"/>
+                        <a:t>10</a:t>
+                      </a:r>
+                      <a:endParaRPr kumimoji="1" lang="ja-JP" altLang="en-US" dirty="0"/>
+                    </a:p>
+                  </a:txBody>
+                  <a:tcPr anchor="ctr">
+                    <a:lnL w="12700" cap="flat" cmpd="sng" algn="ctr">
+                      <a:noFill/>
+                      <a:prstDash val="solid"/>
+                      <a:round/>
+                      <a:headEnd type="none" w="med" len="med"/>
+                      <a:tailEnd type="none" w="med" len="med"/>
+                    </a:lnL>
+                    <a:lnR w="12700" cap="flat" cmpd="sng" algn="ctr">
+                      <a:solidFill>
+                        <a:schemeClr val="tx1"/>
+                      </a:solidFill>
+                      <a:prstDash val="solid"/>
+                      <a:round/>
+                      <a:headEnd type="none" w="med" len="med"/>
+                      <a:tailEnd type="none" w="med" len="med"/>
+                    </a:lnR>
+                    <a:lnT w="12700" cap="flat" cmpd="sng" algn="ctr">
+                      <a:noFill/>
+                      <a:prstDash val="solid"/>
+                      <a:round/>
+                      <a:headEnd type="none" w="med" len="med"/>
+                      <a:tailEnd type="none" w="med" len="med"/>
+                    </a:lnT>
+                    <a:lnB w="12700" cap="flat" cmpd="sng" algn="ctr">
+                      <a:noFill/>
+                      <a:prstDash val="solid"/>
+                      <a:round/>
+                      <a:headEnd type="none" w="med" len="med"/>
+                      <a:tailEnd type="none" w="med" len="med"/>
+                    </a:lnB>
+                    <a:lnTlToBr w="12700" cap="flat" cmpd="sng" algn="ctr">
+                      <a:noFill/>
+                      <a:prstDash val="solid"/>
+                      <a:round/>
+                      <a:headEnd type="none" w="med" len="med"/>
+                      <a:tailEnd type="none" w="med" len="med"/>
+                    </a:lnTlToBr>
+                    <a:lnBlToTr w="12700" cmpd="sng">
+                      <a:noFill/>
+                      <a:prstDash val="solid"/>
+                    </a:lnBlToTr>
+                  </a:tcPr>
+                </a:tc>
+                <a:tc>
+                  <a:txBody>
+                    <a:bodyPr/>
+                    <a:lstStyle/>
+                    <a:p>
+                      <a:pPr algn="ctr"/>
+                      <a:r>
+                        <a:rPr kumimoji="1" lang="en-US" altLang="ja-JP" dirty="0"/>
+                        <a:t>1</a:t>
+                      </a:r>
+                      <a:endParaRPr kumimoji="1" lang="ja-JP" altLang="en-US" dirty="0"/>
+                    </a:p>
+                  </a:txBody>
+                  <a:tcPr anchor="ctr">
+                    <a:lnL w="12700" cap="flat" cmpd="sng" algn="ctr">
+                      <a:solidFill>
+                        <a:schemeClr val="tx1"/>
+                      </a:solidFill>
+                      <a:prstDash val="solid"/>
+                      <a:round/>
+                      <a:headEnd type="none" w="med" len="med"/>
+                      <a:tailEnd type="none" w="med" len="med"/>
+                    </a:lnL>
+                    <a:lnR w="12700" cap="flat" cmpd="sng" algn="ctr">
+                      <a:solidFill>
+                        <a:schemeClr val="tx1"/>
+                      </a:solidFill>
+                      <a:prstDash val="solid"/>
+                      <a:round/>
+                      <a:headEnd type="none" w="med" len="med"/>
+                      <a:tailEnd type="none" w="med" len="med"/>
+                    </a:lnR>
+                    <a:lnT w="12700" cap="flat" cmpd="sng" algn="ctr">
+                      <a:solidFill>
+                        <a:schemeClr val="tx1"/>
+                      </a:solidFill>
+                      <a:prstDash val="solid"/>
+                      <a:round/>
+                      <a:headEnd type="none" w="med" len="med"/>
+                      <a:tailEnd type="none" w="med" len="med"/>
+                    </a:lnT>
+                    <a:lnB w="12700" cap="flat" cmpd="sng" algn="ctr">
+                      <a:solidFill>
+                        <a:schemeClr val="tx1"/>
+                      </a:solidFill>
+                      <a:prstDash val="solid"/>
+                      <a:round/>
+                      <a:headEnd type="none" w="med" len="med"/>
+                      <a:tailEnd type="none" w="med" len="med"/>
+                    </a:lnB>
+                    <a:lnTlToBr w="12700" cmpd="sng">
+                      <a:noFill/>
+                      <a:prstDash val="solid"/>
+                    </a:lnTlToBr>
+                    <a:lnBlToTr w="12700" cmpd="sng">
+                      <a:noFill/>
+                      <a:prstDash val="solid"/>
+                    </a:lnBlToTr>
+                  </a:tcPr>
+                </a:tc>
+                <a:tc>
+                  <a:txBody>
+                    <a:bodyPr/>
+                    <a:lstStyle/>
+                    <a:p>
+                      <a:pPr algn="ctr"/>
+                      <a:r>
+                        <a:rPr kumimoji="1" lang="en-US" altLang="ja-JP" dirty="0"/>
+                        <a:t>1</a:t>
+                      </a:r>
+                      <a:endParaRPr kumimoji="1" lang="ja-JP" altLang="en-US" dirty="0"/>
+                    </a:p>
+                  </a:txBody>
+                  <a:tcPr anchor="ctr">
+                    <a:lnL w="12700" cap="flat" cmpd="sng" algn="ctr">
+                      <a:solidFill>
+                        <a:schemeClr val="tx1"/>
+                      </a:solidFill>
+                      <a:prstDash val="solid"/>
+                      <a:round/>
+                      <a:headEnd type="none" w="med" len="med"/>
+                      <a:tailEnd type="none" w="med" len="med"/>
+                    </a:lnL>
+                    <a:lnR w="12700" cap="flat" cmpd="sng" algn="ctr">
+                      <a:solidFill>
+                        <a:schemeClr val="tx1"/>
+                      </a:solidFill>
+                      <a:prstDash val="solid"/>
+                      <a:round/>
+                      <a:headEnd type="none" w="med" len="med"/>
+                      <a:tailEnd type="none" w="med" len="med"/>
+                    </a:lnR>
+                    <a:lnT w="12700" cap="flat" cmpd="sng" algn="ctr">
+                      <a:solidFill>
+                        <a:schemeClr val="tx1"/>
+                      </a:solidFill>
+                      <a:prstDash val="solid"/>
+                      <a:round/>
+                      <a:headEnd type="none" w="med" len="med"/>
+                      <a:tailEnd type="none" w="med" len="med"/>
+                    </a:lnT>
+                    <a:lnB w="12700" cap="flat" cmpd="sng" algn="ctr">
+                      <a:solidFill>
+                        <a:schemeClr val="tx1"/>
+                      </a:solidFill>
+                      <a:prstDash val="solid"/>
+                      <a:round/>
+                      <a:headEnd type="none" w="med" len="med"/>
+                      <a:tailEnd type="none" w="med" len="med"/>
+                    </a:lnB>
+                    <a:lnTlToBr w="12700" cmpd="sng">
+                      <a:noFill/>
+                      <a:prstDash val="solid"/>
+                    </a:lnTlToBr>
+                    <a:lnBlToTr w="12700" cmpd="sng">
+                      <a:noFill/>
+                      <a:prstDash val="solid"/>
+                    </a:lnBlToTr>
+                  </a:tcPr>
+                </a:tc>
+                <a:extLst>
+                  <a:ext uri="{0D108BD9-81ED-4DB2-BD59-A6C34878D82A}">
+                    <a16:rowId xmlns:a16="http://schemas.microsoft.com/office/drawing/2014/main" val="1734436533"/>
+                  </a:ext>
+                </a:extLst>
+              </a:tr>
+            </a:tbl>
+          </a:graphicData>
+        </a:graphic>
+      </p:graphicFrame>
+      <mc:AlternateContent xmlns:mc="http://schemas.openxmlformats.org/markup-compatibility/2006">
+        <mc:Choice xmlns:a14="http://schemas.microsoft.com/office/drawing/2010/main" Requires="a14">
+          <p:sp>
+            <p:nvSpPr>
+              <p:cNvPr id="12" name="テキスト ボックス 11">
+                <a:extLst>
+                  <a:ext uri="{FF2B5EF4-FFF2-40B4-BE49-F238E27FC236}">
+                    <a16:creationId xmlns:a16="http://schemas.microsoft.com/office/drawing/2014/main" id="{E14E71B7-1841-4B6D-81DA-79D6683BDD3F}"/>
+                  </a:ext>
+                </a:extLst>
+              </p:cNvPr>
+              <p:cNvSpPr txBox="1"/>
+              <p:nvPr/>
+            </p:nvSpPr>
+            <p:spPr>
+              <a:xfrm>
+                <a:off x="5745018" y="1385393"/>
+                <a:ext cx="701963" cy="369332"/>
+              </a:xfrm>
+              <a:prstGeom prst="rect">
+                <a:avLst/>
+              </a:prstGeom>
+              <a:noFill/>
+            </p:spPr>
+            <p:txBody>
+              <a:bodyPr wrap="square" rtlCol="0">
+                <a:spAutoFit/>
+              </a:bodyPr>
+              <a:lstStyle/>
+              <a:p>
+                <a:pPr/>
+                <a14:m>
+                  <m:oMathPara xmlns:m="http://schemas.openxmlformats.org/officeDocument/2006/math">
+                    <m:oMathParaPr>
+                      <m:jc m:val="centerGroup"/>
+                    </m:oMathParaPr>
+                    <m:oMath xmlns:m="http://schemas.openxmlformats.org/officeDocument/2006/math">
+                      <m:r>
+                        <a:rPr kumimoji="1" lang="en-US" altLang="ja-JP" b="0" i="1" smtClean="0">
+                          <a:latin typeface="Cambria Math" panose="02040503050406030204" pitchFamily="18" charset="0"/>
+                        </a:rPr>
+                        <m:t>𝑥𝑦</m:t>
+                      </m:r>
+                      <m:r>
+                        <a:rPr kumimoji="1" lang="en-US" altLang="ja-JP" b="0" i="1" smtClean="0">
+                          <a:latin typeface="Cambria Math" panose="02040503050406030204" pitchFamily="18" charset="0"/>
+                        </a:rPr>
+                        <m:t> </m:t>
+                      </m:r>
+                    </m:oMath>
+                  </m:oMathPara>
+                </a14:m>
+                <a:endParaRPr kumimoji="1" lang="ja-JP" altLang="en-US" dirty="0"/>
+              </a:p>
+            </p:txBody>
+          </p:sp>
+        </mc:Choice>
+        <mc:Fallback>
+          <p:sp>
+            <p:nvSpPr>
+              <p:cNvPr id="12" name="テキスト ボックス 11">
+                <a:extLst>
+                  <a:ext uri="{FF2B5EF4-FFF2-40B4-BE49-F238E27FC236}">
+                    <a16:creationId xmlns:a16="http://schemas.microsoft.com/office/drawing/2014/main" id="{E14E71B7-1841-4B6D-81DA-79D6683BDD3F}"/>
+                  </a:ext>
+                </a:extLst>
+              </p:cNvPr>
+              <p:cNvSpPr txBox="1">
+                <a:spLocks noRot="1" noChangeAspect="1" noMove="1" noResize="1" noEditPoints="1" noAdjustHandles="1" noChangeArrowheads="1" noChangeShapeType="1" noTextEdit="1"/>
+              </p:cNvSpPr>
+              <p:nvPr/>
+            </p:nvSpPr>
+            <p:spPr>
+              <a:xfrm>
+                <a:off x="5745018" y="1385393"/>
+                <a:ext cx="701963" cy="369332"/>
+              </a:xfrm>
+              <a:prstGeom prst="rect">
+                <a:avLst/>
+              </a:prstGeom>
+              <a:blipFill>
+                <a:blip r:embed="rId5"/>
+                <a:stretch>
+                  <a:fillRect b="-6557"/>
+                </a:stretch>
+              </a:blipFill>
+            </p:spPr>
+            <p:txBody>
+              <a:bodyPr/>
+              <a:lstStyle/>
+              <a:p>
+                <a:r>
+                  <a:rPr lang="ja-JP" altLang="en-US">
+                    <a:noFill/>
+                  </a:rPr>
+                  <a:t> </a:t>
+                </a:r>
+              </a:p>
+            </p:txBody>
+          </p:sp>
+        </mc:Fallback>
+      </mc:AlternateContent>
+      <mc:AlternateContent xmlns:mc="http://schemas.openxmlformats.org/markup-compatibility/2006">
+        <mc:Choice xmlns:a14="http://schemas.microsoft.com/office/drawing/2010/main" Requires="a14">
+          <p:sp>
+            <p:nvSpPr>
+              <p:cNvPr id="13" name="テキスト ボックス 12">
+                <a:extLst>
+                  <a:ext uri="{FF2B5EF4-FFF2-40B4-BE49-F238E27FC236}">
+                    <a16:creationId xmlns:a16="http://schemas.microsoft.com/office/drawing/2014/main" id="{FF4EA57F-6BA8-48F0-8229-39E9DE9AEA74}"/>
+                  </a:ext>
+                </a:extLst>
+              </p:cNvPr>
+              <p:cNvSpPr txBox="1"/>
+              <p:nvPr/>
+            </p:nvSpPr>
+            <p:spPr>
+              <a:xfrm>
+                <a:off x="6271490" y="1016061"/>
+                <a:ext cx="350982" cy="369332"/>
+              </a:xfrm>
+              <a:prstGeom prst="rect">
+                <a:avLst/>
+              </a:prstGeom>
+              <a:noFill/>
+            </p:spPr>
+            <p:txBody>
+              <a:bodyPr wrap="square" rtlCol="0">
+                <a:spAutoFit/>
+              </a:bodyPr>
+              <a:lstStyle/>
+              <a:p>
+                <a:pPr/>
+                <a14:m>
+                  <m:oMathPara xmlns:m="http://schemas.openxmlformats.org/officeDocument/2006/math">
+                    <m:oMathParaPr>
+                      <m:jc m:val="centerGroup"/>
+                    </m:oMathParaPr>
+                    <m:oMath xmlns:m="http://schemas.openxmlformats.org/officeDocument/2006/math">
+                      <m:r>
+                        <m:rPr>
+                          <m:sty m:val="p"/>
+                        </m:rPr>
+                        <a:rPr lang="en-US" altLang="ja-JP" i="1">
+                          <a:latin typeface="Cambria Math" panose="02040503050406030204" pitchFamily="18" charset="0"/>
+                        </a:rPr>
+                        <m:t>S</m:t>
+                      </m:r>
+                    </m:oMath>
+                  </m:oMathPara>
+                </a14:m>
+                <a:endParaRPr kumimoji="1" lang="ja-JP" altLang="en-US" dirty="0"/>
+              </a:p>
+            </p:txBody>
+          </p:sp>
+        </mc:Choice>
+        <mc:Fallback>
+          <p:sp>
+            <p:nvSpPr>
+              <p:cNvPr id="13" name="テキスト ボックス 12">
+                <a:extLst>
+                  <a:ext uri="{FF2B5EF4-FFF2-40B4-BE49-F238E27FC236}">
+                    <a16:creationId xmlns:a16="http://schemas.microsoft.com/office/drawing/2014/main" id="{FF4EA57F-6BA8-48F0-8229-39E9DE9AEA74}"/>
+                  </a:ext>
+                </a:extLst>
+              </p:cNvPr>
+              <p:cNvSpPr txBox="1">
+                <a:spLocks noRot="1" noChangeAspect="1" noMove="1" noResize="1" noEditPoints="1" noAdjustHandles="1" noChangeArrowheads="1" noChangeShapeType="1" noTextEdit="1"/>
+              </p:cNvSpPr>
+              <p:nvPr/>
+            </p:nvSpPr>
+            <p:spPr>
+              <a:xfrm>
+                <a:off x="6271490" y="1016061"/>
+                <a:ext cx="350982" cy="369332"/>
+              </a:xfrm>
+              <a:prstGeom prst="rect">
+                <a:avLst/>
+              </a:prstGeom>
+              <a:blipFill>
+                <a:blip r:embed="rId6"/>
+                <a:stretch>
+                  <a:fillRect/>
+                </a:stretch>
+              </a:blipFill>
+            </p:spPr>
+            <p:txBody>
+              <a:bodyPr/>
+              <a:lstStyle/>
+              <a:p>
+                <a:r>
+                  <a:rPr lang="ja-JP" altLang="en-US">
+                    <a:noFill/>
+                  </a:rPr>
+                  <a:t> </a:t>
+                </a:r>
+              </a:p>
+            </p:txBody>
+          </p:sp>
+        </mc:Fallback>
+      </mc:AlternateContent>
+      <p:sp>
+        <p:nvSpPr>
+          <p:cNvPr id="14" name="四角形: 角を丸くする 13">
+            <a:extLst>
+              <a:ext uri="{FF2B5EF4-FFF2-40B4-BE49-F238E27FC236}">
+                <a16:creationId xmlns:a16="http://schemas.microsoft.com/office/drawing/2014/main" id="{C6FA5887-CB43-4E82-891E-7B33DAA6EB89}"/>
+              </a:ext>
+            </a:extLst>
+          </p:cNvPr>
+          <p:cNvSpPr/>
+          <p:nvPr/>
+        </p:nvSpPr>
+        <p:spPr>
+          <a:xfrm rot="5400000">
+            <a:off x="7058293" y="2190732"/>
+            <a:ext cx="471055" cy="1095702"/>
+          </a:xfrm>
+          <a:prstGeom prst="roundRect">
+            <a:avLst/>
+          </a:prstGeom>
+          <a:noFill/>
+          <a:ln w="19050">
+            <a:solidFill>
+              <a:srgbClr val="FF0000"/>
+            </a:solidFill>
+          </a:ln>
+        </p:spPr>
+        <p:style>
+          <a:lnRef idx="2">
+            <a:schemeClr val="accent1">
+              <a:shade val="50000"/>
+            </a:schemeClr>
+          </a:lnRef>
+          <a:fillRef idx="1">
+            <a:schemeClr val="accent1"/>
+          </a:fillRef>
+          <a:effectRef idx="0">
+            <a:schemeClr val="accent1"/>
+          </a:effectRef>
+          <a:fontRef idx="minor">
+            <a:schemeClr val="lt1"/>
+          </a:fontRef>
+        </p:style>
+        <p:txBody>
+          <a:bodyPr rtlCol="0" anchor="ctr"/>
+          <a:lstStyle/>
+          <a:p>
+            <a:pPr algn="ctr"/>
+            <a:endParaRPr kumimoji="1" lang="ja-JP" altLang="en-US"/>
+          </a:p>
+        </p:txBody>
+      </p:sp>
+      <p:sp>
+        <p:nvSpPr>
+          <p:cNvPr id="19" name="四角形: 角を丸くする 18">
+            <a:extLst>
+              <a:ext uri="{FF2B5EF4-FFF2-40B4-BE49-F238E27FC236}">
+                <a16:creationId xmlns:a16="http://schemas.microsoft.com/office/drawing/2014/main" id="{C1B1E447-5E85-4428-8924-45593AFFBE4D}"/>
+              </a:ext>
+            </a:extLst>
+          </p:cNvPr>
+          <p:cNvSpPr/>
+          <p:nvPr/>
+        </p:nvSpPr>
+        <p:spPr>
+          <a:xfrm rot="5400000">
+            <a:off x="7058293" y="3436159"/>
+            <a:ext cx="471055" cy="1095700"/>
+          </a:xfrm>
+          <a:prstGeom prst="roundRect">
+            <a:avLst/>
+          </a:prstGeom>
+          <a:noFill/>
+          <a:ln w="19050">
+            <a:solidFill>
+              <a:srgbClr val="FF0000"/>
+            </a:solidFill>
+          </a:ln>
+        </p:spPr>
+        <p:style>
+          <a:lnRef idx="2">
+            <a:schemeClr val="accent1">
+              <a:shade val="50000"/>
+            </a:schemeClr>
+          </a:lnRef>
+          <a:fillRef idx="1">
+            <a:schemeClr val="accent1"/>
+          </a:fillRef>
+          <a:effectRef idx="0">
+            <a:schemeClr val="accent1"/>
+          </a:effectRef>
+          <a:fontRef idx="minor">
+            <a:schemeClr val="lt1"/>
+          </a:fontRef>
+        </p:style>
+        <p:txBody>
+          <a:bodyPr rtlCol="0" anchor="ctr"/>
+          <a:lstStyle/>
+          <a:p>
+            <a:pPr algn="ctr"/>
+            <a:endParaRPr kumimoji="1" lang="ja-JP" altLang="en-US"/>
+          </a:p>
+        </p:txBody>
+      </p:sp>
+      <p:sp>
+        <p:nvSpPr>
+          <p:cNvPr id="20" name="四角形: 角を丸くする 19">
+            <a:extLst>
+              <a:ext uri="{FF2B5EF4-FFF2-40B4-BE49-F238E27FC236}">
+                <a16:creationId xmlns:a16="http://schemas.microsoft.com/office/drawing/2014/main" id="{55939B7D-7264-46E8-B141-09FE1D6BEA1C}"/>
+              </a:ext>
+            </a:extLst>
+          </p:cNvPr>
+          <p:cNvSpPr/>
+          <p:nvPr/>
+        </p:nvSpPr>
+        <p:spPr>
+          <a:xfrm rot="10800000">
+            <a:off x="7345142" y="1853023"/>
+            <a:ext cx="496529" cy="2366512"/>
+          </a:xfrm>
+          <a:prstGeom prst="roundRect">
+            <a:avLst/>
+          </a:prstGeom>
+          <a:noFill/>
+          <a:ln w="19050">
+            <a:solidFill>
+              <a:srgbClr val="FF0000"/>
+            </a:solidFill>
+          </a:ln>
+        </p:spPr>
+        <p:style>
+          <a:lnRef idx="2">
+            <a:schemeClr val="accent1">
+              <a:shade val="50000"/>
+            </a:schemeClr>
+          </a:lnRef>
+          <a:fillRef idx="1">
+            <a:schemeClr val="accent1"/>
+          </a:fillRef>
+          <a:effectRef idx="0">
+            <a:schemeClr val="accent1"/>
+          </a:effectRef>
+          <a:fontRef idx="minor">
+            <a:schemeClr val="lt1"/>
+          </a:fontRef>
+        </p:style>
+        <p:txBody>
+          <a:bodyPr rtlCol="0" anchor="ctr"/>
+          <a:lstStyle/>
+          <a:p>
+            <a:pPr algn="ctr"/>
+            <a:endParaRPr kumimoji="1" lang="ja-JP" altLang="en-US"/>
+          </a:p>
+        </p:txBody>
+      </p:sp>
+    </p:spTree>
+    <p:extLst>
+      <p:ext uri="{BB962C8B-B14F-4D97-AF65-F5344CB8AC3E}">
+        <p14:creationId xmlns:p14="http://schemas.microsoft.com/office/powerpoint/2010/main" val="681669606"/>
       </p:ext>
     </p:extLst>
   </p:cSld>
